--- a/Face Recognition_Final Project.pptx
+++ b/Face Recognition_Final Project.pptx
@@ -7,12 +7,13 @@
   <p:sldIdLst>
     <p:sldId id="256" r:id="rId2"/>
     <p:sldId id="257" r:id="rId3"/>
-    <p:sldId id="260" r:id="rId4"/>
-    <p:sldId id="258" r:id="rId5"/>
-    <p:sldId id="259" r:id="rId6"/>
-    <p:sldId id="261" r:id="rId7"/>
-    <p:sldId id="262" r:id="rId8"/>
-    <p:sldId id="263" r:id="rId9"/>
+    <p:sldId id="264" r:id="rId4"/>
+    <p:sldId id="260" r:id="rId5"/>
+    <p:sldId id="258" r:id="rId6"/>
+    <p:sldId id="259" r:id="rId7"/>
+    <p:sldId id="261" r:id="rId8"/>
+    <p:sldId id="262" r:id="rId9"/>
+    <p:sldId id="263" r:id="rId10"/>
   </p:sldIdLst>
   <p:sldSz cx="12192000" cy="6858000"/>
   <p:notesSz cx="6858000" cy="9144000"/>
@@ -111,6 +112,11 @@
       </a:defRPr>
     </a:lvl9pPr>
   </p:defaultTextStyle>
+  <p:extLst>
+    <p:ext uri="{EFAFB233-063F-42B5-8137-9DF3F51BA10A}">
+      <p15:sldGuideLst xmlns:p15="http://schemas.microsoft.com/office/powerpoint/2012/main"/>
+    </p:ext>
+  </p:extLst>
 </p:presentation>
 </file>
 
@@ -897,6 +903,788 @@
 </file>
 
 <file path=ppt/diagrams/colors2.xml><?xml version="1.0" encoding="utf-8"?>
+<dgm:colorsDef xmlns:dgm="http://schemas.openxmlformats.org/drawingml/2006/diagram" xmlns:a="http://schemas.openxmlformats.org/drawingml/2006/main" uniqueId="urn:microsoft.com/office/officeart/2005/8/colors/colorful5">
+  <dgm:title val=""/>
+  <dgm:desc val=""/>
+  <dgm:catLst>
+    <dgm:cat type="colorful" pri="10500"/>
+  </dgm:catLst>
+  <dgm:styleLbl name="node0">
+    <dgm:fillClrLst meth="repeat">
+      <a:schemeClr val="accent4"/>
+    </dgm:fillClrLst>
+    <dgm:linClrLst meth="repeat">
+      <a:schemeClr val="lt1"/>
+    </dgm:linClrLst>
+    <dgm:effectClrLst/>
+    <dgm:txLinClrLst/>
+    <dgm:txFillClrLst/>
+    <dgm:txEffectClrLst/>
+  </dgm:styleLbl>
+  <dgm:styleLbl name="node1">
+    <dgm:fillClrLst>
+      <a:schemeClr val="accent5"/>
+      <a:schemeClr val="accent6"/>
+    </dgm:fillClrLst>
+    <dgm:linClrLst meth="repeat">
+      <a:schemeClr val="lt1"/>
+    </dgm:linClrLst>
+    <dgm:effectClrLst/>
+    <dgm:txLinClrLst/>
+    <dgm:txFillClrLst/>
+    <dgm:txEffectClrLst/>
+  </dgm:styleLbl>
+  <dgm:styleLbl name="alignNode1">
+    <dgm:fillClrLst>
+      <a:schemeClr val="accent5"/>
+      <a:schemeClr val="accent6"/>
+    </dgm:fillClrLst>
+    <dgm:linClrLst>
+      <a:schemeClr val="accent5"/>
+      <a:schemeClr val="accent6"/>
+    </dgm:linClrLst>
+    <dgm:effectClrLst/>
+    <dgm:txLinClrLst/>
+    <dgm:txFillClrLst/>
+    <dgm:txEffectClrLst/>
+  </dgm:styleLbl>
+  <dgm:styleLbl name="lnNode1">
+    <dgm:fillClrLst>
+      <a:schemeClr val="accent5"/>
+      <a:schemeClr val="accent6"/>
+    </dgm:fillClrLst>
+    <dgm:linClrLst meth="repeat">
+      <a:schemeClr val="lt1"/>
+    </dgm:linClrLst>
+    <dgm:effectClrLst/>
+    <dgm:txLinClrLst/>
+    <dgm:txFillClrLst/>
+    <dgm:txEffectClrLst/>
+  </dgm:styleLbl>
+  <dgm:styleLbl name="vennNode1">
+    <dgm:fillClrLst>
+      <a:schemeClr val="accent5">
+        <a:alpha val="50000"/>
+      </a:schemeClr>
+      <a:schemeClr val="accent6">
+        <a:alpha val="50000"/>
+      </a:schemeClr>
+    </dgm:fillClrLst>
+    <dgm:linClrLst meth="repeat">
+      <a:schemeClr val="lt1"/>
+    </dgm:linClrLst>
+    <dgm:effectClrLst/>
+    <dgm:txLinClrLst/>
+    <dgm:txFillClrLst/>
+    <dgm:txEffectClrLst/>
+  </dgm:styleLbl>
+  <dgm:styleLbl name="node2">
+    <dgm:fillClrLst>
+      <a:schemeClr val="accent6"/>
+    </dgm:fillClrLst>
+    <dgm:linClrLst meth="repeat">
+      <a:schemeClr val="lt1"/>
+    </dgm:linClrLst>
+    <dgm:effectClrLst/>
+    <dgm:txLinClrLst/>
+    <dgm:txFillClrLst/>
+    <dgm:txEffectClrLst/>
+  </dgm:styleLbl>
+  <dgm:styleLbl name="node3">
+    <dgm:fillClrLst>
+      <a:schemeClr val="accent1"/>
+    </dgm:fillClrLst>
+    <dgm:linClrLst meth="repeat">
+      <a:schemeClr val="lt1"/>
+    </dgm:linClrLst>
+    <dgm:effectClrLst/>
+    <dgm:txLinClrLst/>
+    <dgm:txFillClrLst/>
+    <dgm:txEffectClrLst/>
+  </dgm:styleLbl>
+  <dgm:styleLbl name="node4">
+    <dgm:fillClrLst>
+      <a:schemeClr val="accent2"/>
+    </dgm:fillClrLst>
+    <dgm:linClrLst meth="repeat">
+      <a:schemeClr val="lt1"/>
+    </dgm:linClrLst>
+    <dgm:effectClrLst/>
+    <dgm:txLinClrLst/>
+    <dgm:txFillClrLst/>
+    <dgm:txEffectClrLst/>
+  </dgm:styleLbl>
+  <dgm:styleLbl name="fgImgPlace1">
+    <dgm:fillClrLst>
+      <a:schemeClr val="accent5">
+        <a:tint val="50000"/>
+      </a:schemeClr>
+      <a:schemeClr val="accent6">
+        <a:tint val="50000"/>
+      </a:schemeClr>
+    </dgm:fillClrLst>
+    <dgm:linClrLst meth="repeat">
+      <a:schemeClr val="lt1"/>
+    </dgm:linClrLst>
+    <dgm:effectClrLst/>
+    <dgm:txLinClrLst/>
+    <dgm:txFillClrLst meth="repeat">
+      <a:schemeClr val="lt1"/>
+    </dgm:txFillClrLst>
+    <dgm:txEffectClrLst/>
+  </dgm:styleLbl>
+  <dgm:styleLbl name="alignImgPlace1">
+    <dgm:fillClrLst>
+      <a:schemeClr val="accent5">
+        <a:tint val="50000"/>
+      </a:schemeClr>
+      <a:schemeClr val="accent6">
+        <a:tint val="20000"/>
+      </a:schemeClr>
+    </dgm:fillClrLst>
+    <dgm:linClrLst meth="repeat">
+      <a:schemeClr val="lt1"/>
+    </dgm:linClrLst>
+    <dgm:effectClrLst/>
+    <dgm:txLinClrLst/>
+    <dgm:txFillClrLst meth="repeat">
+      <a:schemeClr val="lt1"/>
+    </dgm:txFillClrLst>
+    <dgm:txEffectClrLst/>
+  </dgm:styleLbl>
+  <dgm:styleLbl name="bgImgPlace1">
+    <dgm:fillClrLst>
+      <a:schemeClr val="accent5">
+        <a:tint val="50000"/>
+      </a:schemeClr>
+      <a:schemeClr val="accent6">
+        <a:tint val="20000"/>
+      </a:schemeClr>
+    </dgm:fillClrLst>
+    <dgm:linClrLst meth="repeat">
+      <a:schemeClr val="lt1"/>
+    </dgm:linClrLst>
+    <dgm:effectClrLst/>
+    <dgm:txLinClrLst/>
+    <dgm:txFillClrLst meth="repeat">
+      <a:schemeClr val="lt1"/>
+    </dgm:txFillClrLst>
+    <dgm:txEffectClrLst/>
+  </dgm:styleLbl>
+  <dgm:styleLbl name="sibTrans2D1">
+    <dgm:fillClrLst>
+      <a:schemeClr val="accent5"/>
+      <a:schemeClr val="accent6"/>
+    </dgm:fillClrLst>
+    <dgm:linClrLst meth="repeat">
+      <a:schemeClr val="lt1"/>
+    </dgm:linClrLst>
+    <dgm:effectClrLst/>
+    <dgm:txLinClrLst/>
+    <dgm:txFillClrLst/>
+    <dgm:txEffectClrLst/>
+  </dgm:styleLbl>
+  <dgm:styleLbl name="fgSibTrans2D1">
+    <dgm:fillClrLst>
+      <a:schemeClr val="accent5"/>
+      <a:schemeClr val="accent6"/>
+    </dgm:fillClrLst>
+    <dgm:linClrLst meth="repeat">
+      <a:schemeClr val="lt1"/>
+    </dgm:linClrLst>
+    <dgm:effectClrLst/>
+    <dgm:txLinClrLst/>
+    <dgm:txFillClrLst meth="repeat">
+      <a:schemeClr val="lt1"/>
+    </dgm:txFillClrLst>
+    <dgm:txEffectClrLst/>
+  </dgm:styleLbl>
+  <dgm:styleLbl name="bgSibTrans2D1">
+    <dgm:fillClrLst>
+      <a:schemeClr val="accent5"/>
+      <a:schemeClr val="accent6"/>
+    </dgm:fillClrLst>
+    <dgm:linClrLst meth="repeat">
+      <a:schemeClr val="lt1"/>
+    </dgm:linClrLst>
+    <dgm:effectClrLst/>
+    <dgm:txLinClrLst/>
+    <dgm:txFillClrLst meth="repeat">
+      <a:schemeClr val="lt1"/>
+    </dgm:txFillClrLst>
+    <dgm:txEffectClrLst/>
+  </dgm:styleLbl>
+  <dgm:styleLbl name="sibTrans1D1">
+    <dgm:fillClrLst/>
+    <dgm:linClrLst>
+      <a:schemeClr val="accent5"/>
+      <a:schemeClr val="accent6"/>
+    </dgm:linClrLst>
+    <dgm:effectClrLst/>
+    <dgm:txLinClrLst/>
+    <dgm:txFillClrLst meth="repeat">
+      <a:schemeClr val="tx1"/>
+    </dgm:txFillClrLst>
+    <dgm:txEffectClrLst/>
+  </dgm:styleLbl>
+  <dgm:styleLbl name="callout">
+    <dgm:fillClrLst meth="repeat">
+      <a:schemeClr val="accent5"/>
+    </dgm:fillClrLst>
+    <dgm:linClrLst meth="repeat">
+      <a:schemeClr val="accent5">
+        <a:tint val="50000"/>
+      </a:schemeClr>
+    </dgm:linClrLst>
+    <dgm:effectClrLst/>
+    <dgm:txLinClrLst/>
+    <dgm:txFillClrLst meth="repeat">
+      <a:schemeClr val="tx1"/>
+    </dgm:txFillClrLst>
+    <dgm:txEffectClrLst/>
+  </dgm:styleLbl>
+  <dgm:styleLbl name="asst0">
+    <dgm:fillClrLst meth="repeat">
+      <a:schemeClr val="accent5"/>
+    </dgm:fillClrLst>
+    <dgm:linClrLst meth="repeat">
+      <a:schemeClr val="lt1">
+        <a:shade val="80000"/>
+      </a:schemeClr>
+    </dgm:linClrLst>
+    <dgm:effectClrLst/>
+    <dgm:txLinClrLst/>
+    <dgm:txFillClrLst/>
+    <dgm:txEffectClrLst/>
+  </dgm:styleLbl>
+  <dgm:styleLbl name="asst1">
+    <dgm:fillClrLst meth="repeat">
+      <a:schemeClr val="accent6"/>
+    </dgm:fillClrLst>
+    <dgm:linClrLst meth="repeat">
+      <a:schemeClr val="lt1">
+        <a:shade val="80000"/>
+      </a:schemeClr>
+    </dgm:linClrLst>
+    <dgm:effectClrLst/>
+    <dgm:txLinClrLst/>
+    <dgm:txFillClrLst/>
+    <dgm:txEffectClrLst/>
+  </dgm:styleLbl>
+  <dgm:styleLbl name="asst2">
+    <dgm:fillClrLst>
+      <a:schemeClr val="accent1"/>
+    </dgm:fillClrLst>
+    <dgm:linClrLst meth="repeat">
+      <a:schemeClr val="lt1"/>
+    </dgm:linClrLst>
+    <dgm:effectClrLst/>
+    <dgm:txLinClrLst/>
+    <dgm:txFillClrLst/>
+    <dgm:txEffectClrLst/>
+  </dgm:styleLbl>
+  <dgm:styleLbl name="asst3">
+    <dgm:fillClrLst>
+      <a:schemeClr val="accent2"/>
+    </dgm:fillClrLst>
+    <dgm:linClrLst meth="repeat">
+      <a:schemeClr val="lt1"/>
+    </dgm:linClrLst>
+    <dgm:effectClrLst/>
+    <dgm:txLinClrLst/>
+    <dgm:txFillClrLst/>
+    <dgm:txEffectClrLst/>
+  </dgm:styleLbl>
+  <dgm:styleLbl name="asst4">
+    <dgm:fillClrLst>
+      <a:schemeClr val="accent3"/>
+    </dgm:fillClrLst>
+    <dgm:linClrLst meth="repeat">
+      <a:schemeClr val="lt1"/>
+    </dgm:linClrLst>
+    <dgm:effectClrLst/>
+    <dgm:txLinClrLst/>
+    <dgm:txFillClrLst/>
+    <dgm:txEffectClrLst/>
+  </dgm:styleLbl>
+  <dgm:styleLbl name="parChTrans2D1">
+    <dgm:fillClrLst meth="repeat">
+      <a:schemeClr val="accent5"/>
+    </dgm:fillClrLst>
+    <dgm:linClrLst meth="repeat">
+      <a:schemeClr val="lt1"/>
+    </dgm:linClrLst>
+    <dgm:effectClrLst/>
+    <dgm:txLinClrLst/>
+    <dgm:txFillClrLst meth="repeat">
+      <a:schemeClr val="lt1"/>
+    </dgm:txFillClrLst>
+    <dgm:txEffectClrLst/>
+  </dgm:styleLbl>
+  <dgm:styleLbl name="parChTrans2D2">
+    <dgm:fillClrLst meth="repeat">
+      <a:schemeClr val="accent6"/>
+    </dgm:fillClrLst>
+    <dgm:linClrLst meth="repeat">
+      <a:schemeClr val="lt1"/>
+    </dgm:linClrLst>
+    <dgm:effectClrLst/>
+    <dgm:txLinClrLst/>
+    <dgm:txFillClrLst/>
+    <dgm:txEffectClrLst/>
+  </dgm:styleLbl>
+  <dgm:styleLbl name="parChTrans2D3">
+    <dgm:fillClrLst meth="repeat">
+      <a:schemeClr val="accent6"/>
+    </dgm:fillClrLst>
+    <dgm:linClrLst meth="repeat">
+      <a:schemeClr val="lt1"/>
+    </dgm:linClrLst>
+    <dgm:effectClrLst/>
+    <dgm:txLinClrLst/>
+    <dgm:txFillClrLst/>
+    <dgm:txEffectClrLst/>
+  </dgm:styleLbl>
+  <dgm:styleLbl name="parChTrans2D4">
+    <dgm:fillClrLst meth="repeat">
+      <a:schemeClr val="accent1"/>
+    </dgm:fillClrLst>
+    <dgm:linClrLst meth="repeat">
+      <a:schemeClr val="lt1"/>
+    </dgm:linClrLst>
+    <dgm:effectClrLst/>
+    <dgm:txLinClrLst/>
+    <dgm:txFillClrLst meth="repeat">
+      <a:schemeClr val="lt1"/>
+    </dgm:txFillClrLst>
+    <dgm:txEffectClrLst/>
+  </dgm:styleLbl>
+  <dgm:styleLbl name="parChTrans1D1">
+    <dgm:fillClrLst meth="repeat">
+      <a:schemeClr val="accent5"/>
+    </dgm:fillClrLst>
+    <dgm:linClrLst meth="repeat">
+      <a:schemeClr val="accent5"/>
+    </dgm:linClrLst>
+    <dgm:effectClrLst/>
+    <dgm:txLinClrLst/>
+    <dgm:txFillClrLst meth="repeat">
+      <a:schemeClr val="tx1"/>
+    </dgm:txFillClrLst>
+    <dgm:txEffectClrLst/>
+  </dgm:styleLbl>
+  <dgm:styleLbl name="parChTrans1D2">
+    <dgm:fillClrLst meth="repeat">
+      <a:schemeClr val="accent6">
+        <a:tint val="90000"/>
+      </a:schemeClr>
+    </dgm:fillClrLst>
+    <dgm:linClrLst meth="repeat">
+      <a:schemeClr val="accent6"/>
+    </dgm:linClrLst>
+    <dgm:effectClrLst/>
+    <dgm:txLinClrLst/>
+    <dgm:txFillClrLst meth="repeat">
+      <a:schemeClr val="tx1"/>
+    </dgm:txFillClrLst>
+    <dgm:txEffectClrLst/>
+  </dgm:styleLbl>
+  <dgm:styleLbl name="parChTrans1D3">
+    <dgm:fillClrLst meth="repeat">
+      <a:schemeClr val="accent6">
+        <a:tint val="70000"/>
+      </a:schemeClr>
+    </dgm:fillClrLst>
+    <dgm:linClrLst meth="repeat">
+      <a:schemeClr val="accent1"/>
+    </dgm:linClrLst>
+    <dgm:effectClrLst/>
+    <dgm:txLinClrLst/>
+    <dgm:txFillClrLst meth="repeat">
+      <a:schemeClr val="tx1"/>
+    </dgm:txFillClrLst>
+    <dgm:txEffectClrLst/>
+  </dgm:styleLbl>
+  <dgm:styleLbl name="parChTrans1D4">
+    <dgm:fillClrLst meth="repeat">
+      <a:schemeClr val="accent6">
+        <a:tint val="50000"/>
+      </a:schemeClr>
+    </dgm:fillClrLst>
+    <dgm:linClrLst meth="repeat">
+      <a:schemeClr val="accent2"/>
+    </dgm:linClrLst>
+    <dgm:effectClrLst/>
+    <dgm:txLinClrLst/>
+    <dgm:txFillClrLst meth="repeat">
+      <a:schemeClr val="tx1"/>
+    </dgm:txFillClrLst>
+    <dgm:txEffectClrLst/>
+  </dgm:styleLbl>
+  <dgm:styleLbl name="fgAcc1">
+    <dgm:fillClrLst meth="repeat">
+      <a:schemeClr val="lt1">
+        <a:alpha val="90000"/>
+      </a:schemeClr>
+    </dgm:fillClrLst>
+    <dgm:linClrLst>
+      <a:schemeClr val="accent5"/>
+      <a:schemeClr val="accent6"/>
+    </dgm:linClrLst>
+    <dgm:effectClrLst/>
+    <dgm:txLinClrLst/>
+    <dgm:txFillClrLst meth="repeat">
+      <a:schemeClr val="dk1"/>
+    </dgm:txFillClrLst>
+    <dgm:txEffectClrLst/>
+  </dgm:styleLbl>
+  <dgm:styleLbl name="conFgAcc1">
+    <dgm:fillClrLst meth="repeat">
+      <a:schemeClr val="lt1">
+        <a:alpha val="90000"/>
+      </a:schemeClr>
+    </dgm:fillClrLst>
+    <dgm:linClrLst>
+      <a:schemeClr val="accent5"/>
+      <a:schemeClr val="accent6"/>
+    </dgm:linClrLst>
+    <dgm:effectClrLst/>
+    <dgm:txLinClrLst/>
+    <dgm:txFillClrLst meth="repeat">
+      <a:schemeClr val="dk1"/>
+    </dgm:txFillClrLst>
+    <dgm:txEffectClrLst/>
+  </dgm:styleLbl>
+  <dgm:styleLbl name="alignAcc1">
+    <dgm:fillClrLst meth="repeat">
+      <a:schemeClr val="lt1">
+        <a:alpha val="90000"/>
+      </a:schemeClr>
+    </dgm:fillClrLst>
+    <dgm:linClrLst>
+      <a:schemeClr val="accent5"/>
+      <a:schemeClr val="accent6"/>
+    </dgm:linClrLst>
+    <dgm:effectClrLst/>
+    <dgm:txLinClrLst/>
+    <dgm:txFillClrLst meth="repeat">
+      <a:schemeClr val="dk1"/>
+    </dgm:txFillClrLst>
+    <dgm:txEffectClrLst/>
+  </dgm:styleLbl>
+  <dgm:styleLbl name="trAlignAcc1">
+    <dgm:fillClrLst meth="repeat">
+      <a:schemeClr val="lt1">
+        <a:alpha val="40000"/>
+      </a:schemeClr>
+    </dgm:fillClrLst>
+    <dgm:linClrLst meth="repeat">
+      <a:schemeClr val="accent5"/>
+    </dgm:linClrLst>
+    <dgm:effectClrLst/>
+    <dgm:txLinClrLst/>
+    <dgm:txFillClrLst meth="repeat">
+      <a:schemeClr val="dk1"/>
+    </dgm:txFillClrLst>
+    <dgm:txEffectClrLst/>
+  </dgm:styleLbl>
+  <dgm:styleLbl name="bgAcc1">
+    <dgm:fillClrLst meth="repeat">
+      <a:schemeClr val="lt1">
+        <a:alpha val="90000"/>
+      </a:schemeClr>
+    </dgm:fillClrLst>
+    <dgm:linClrLst>
+      <a:schemeClr val="accent5"/>
+      <a:schemeClr val="accent6"/>
+    </dgm:linClrLst>
+    <dgm:effectClrLst/>
+    <dgm:txLinClrLst/>
+    <dgm:txFillClrLst meth="repeat">
+      <a:schemeClr val="dk1"/>
+    </dgm:txFillClrLst>
+    <dgm:txEffectClrLst/>
+  </dgm:styleLbl>
+  <dgm:styleLbl name="solidFgAcc1">
+    <dgm:fillClrLst meth="repeat">
+      <a:schemeClr val="lt1"/>
+    </dgm:fillClrLst>
+    <dgm:linClrLst>
+      <a:schemeClr val="accent5"/>
+      <a:schemeClr val="accent6"/>
+    </dgm:linClrLst>
+    <dgm:effectClrLst/>
+    <dgm:txLinClrLst/>
+    <dgm:txFillClrLst meth="repeat">
+      <a:schemeClr val="dk1"/>
+    </dgm:txFillClrLst>
+    <dgm:txEffectClrLst/>
+  </dgm:styleLbl>
+  <dgm:styleLbl name="solidAlignAcc1">
+    <dgm:fillClrLst meth="repeat">
+      <a:schemeClr val="lt1"/>
+    </dgm:fillClrLst>
+    <dgm:linClrLst>
+      <a:schemeClr val="accent5"/>
+      <a:schemeClr val="accent6"/>
+    </dgm:linClrLst>
+    <dgm:effectClrLst/>
+    <dgm:txLinClrLst/>
+    <dgm:txFillClrLst meth="repeat">
+      <a:schemeClr val="dk1"/>
+    </dgm:txFillClrLst>
+    <dgm:txEffectClrLst/>
+  </dgm:styleLbl>
+  <dgm:styleLbl name="solidBgAcc1">
+    <dgm:fillClrLst meth="repeat">
+      <a:schemeClr val="lt1"/>
+    </dgm:fillClrLst>
+    <dgm:linClrLst>
+      <a:schemeClr val="accent5"/>
+      <a:schemeClr val="accent6"/>
+    </dgm:linClrLst>
+    <dgm:effectClrLst/>
+    <dgm:txLinClrLst/>
+    <dgm:txFillClrLst meth="repeat">
+      <a:schemeClr val="dk1"/>
+    </dgm:txFillClrLst>
+    <dgm:txEffectClrLst/>
+  </dgm:styleLbl>
+  <dgm:styleLbl name="fgAccFollowNode1">
+    <dgm:fillClrLst>
+      <a:schemeClr val="accent5">
+        <a:tint val="40000"/>
+        <a:alpha val="90000"/>
+      </a:schemeClr>
+      <a:schemeClr val="accent6">
+        <a:tint val="40000"/>
+        <a:alpha val="90000"/>
+      </a:schemeClr>
+    </dgm:fillClrLst>
+    <dgm:linClrLst>
+      <a:schemeClr val="accent5">
+        <a:tint val="40000"/>
+        <a:alpha val="90000"/>
+      </a:schemeClr>
+      <a:schemeClr val="accent5">
+        <a:tint val="40000"/>
+        <a:alpha val="90000"/>
+      </a:schemeClr>
+    </dgm:linClrLst>
+    <dgm:effectClrLst/>
+    <dgm:txLinClrLst/>
+    <dgm:txFillClrLst meth="repeat">
+      <a:schemeClr val="dk1"/>
+    </dgm:txFillClrLst>
+    <dgm:txEffectClrLst/>
+  </dgm:styleLbl>
+  <dgm:styleLbl name="alignAccFollowNode1">
+    <dgm:fillClrLst>
+      <a:schemeClr val="accent5">
+        <a:tint val="40000"/>
+        <a:alpha val="90000"/>
+      </a:schemeClr>
+      <a:schemeClr val="accent6">
+        <a:tint val="40000"/>
+        <a:alpha val="90000"/>
+      </a:schemeClr>
+    </dgm:fillClrLst>
+    <dgm:linClrLst>
+      <a:schemeClr val="accent5">
+        <a:tint val="40000"/>
+        <a:alpha val="90000"/>
+      </a:schemeClr>
+      <a:schemeClr val="accent6">
+        <a:tint val="40000"/>
+        <a:alpha val="90000"/>
+      </a:schemeClr>
+    </dgm:linClrLst>
+    <dgm:effectClrLst/>
+    <dgm:txLinClrLst/>
+    <dgm:txFillClrLst meth="repeat">
+      <a:schemeClr val="dk1"/>
+    </dgm:txFillClrLst>
+    <dgm:txEffectClrLst/>
+  </dgm:styleLbl>
+  <dgm:styleLbl name="bgAccFollowNode1">
+    <dgm:fillClrLst>
+      <a:schemeClr val="accent5">
+        <a:tint val="40000"/>
+        <a:alpha val="90000"/>
+      </a:schemeClr>
+      <a:schemeClr val="accent6">
+        <a:tint val="40000"/>
+        <a:alpha val="90000"/>
+      </a:schemeClr>
+    </dgm:fillClrLst>
+    <dgm:linClrLst>
+      <a:schemeClr val="accent5">
+        <a:tint val="40000"/>
+        <a:alpha val="90000"/>
+      </a:schemeClr>
+      <a:schemeClr val="accent6">
+        <a:tint val="40000"/>
+        <a:alpha val="90000"/>
+      </a:schemeClr>
+    </dgm:linClrLst>
+    <dgm:effectClrLst/>
+    <dgm:txLinClrLst/>
+    <dgm:txFillClrLst meth="repeat">
+      <a:schemeClr val="dk1"/>
+    </dgm:txFillClrLst>
+    <dgm:txEffectClrLst/>
+  </dgm:styleLbl>
+  <dgm:styleLbl name="fgAcc0">
+    <dgm:fillClrLst meth="repeat">
+      <a:schemeClr val="lt1">
+        <a:alpha val="90000"/>
+      </a:schemeClr>
+    </dgm:fillClrLst>
+    <dgm:linClrLst>
+      <a:schemeClr val="accent4"/>
+    </dgm:linClrLst>
+    <dgm:effectClrLst/>
+    <dgm:txLinClrLst/>
+    <dgm:txFillClrLst meth="repeat">
+      <a:schemeClr val="dk1"/>
+    </dgm:txFillClrLst>
+    <dgm:txEffectClrLst/>
+  </dgm:styleLbl>
+  <dgm:styleLbl name="fgAcc2">
+    <dgm:fillClrLst meth="repeat">
+      <a:schemeClr val="lt1">
+        <a:alpha val="90000"/>
+      </a:schemeClr>
+    </dgm:fillClrLst>
+    <dgm:linClrLst>
+      <a:schemeClr val="accent6"/>
+    </dgm:linClrLst>
+    <dgm:effectClrLst/>
+    <dgm:txLinClrLst/>
+    <dgm:txFillClrLst meth="repeat">
+      <a:schemeClr val="dk1"/>
+    </dgm:txFillClrLst>
+    <dgm:txEffectClrLst/>
+  </dgm:styleLbl>
+  <dgm:styleLbl name="fgAcc3">
+    <dgm:fillClrLst meth="repeat">
+      <a:schemeClr val="lt1">
+        <a:alpha val="90000"/>
+      </a:schemeClr>
+    </dgm:fillClrLst>
+    <dgm:linClrLst>
+      <a:schemeClr val="accent1"/>
+    </dgm:linClrLst>
+    <dgm:effectClrLst/>
+    <dgm:txLinClrLst/>
+    <dgm:txFillClrLst meth="repeat">
+      <a:schemeClr val="dk1"/>
+    </dgm:txFillClrLst>
+    <dgm:txEffectClrLst/>
+  </dgm:styleLbl>
+  <dgm:styleLbl name="fgAcc4">
+    <dgm:fillClrLst meth="repeat">
+      <a:schemeClr val="lt1">
+        <a:alpha val="90000"/>
+      </a:schemeClr>
+    </dgm:fillClrLst>
+    <dgm:linClrLst>
+      <a:schemeClr val="accent2"/>
+    </dgm:linClrLst>
+    <dgm:effectClrLst/>
+    <dgm:txLinClrLst/>
+    <dgm:txFillClrLst meth="repeat">
+      <a:schemeClr val="dk1"/>
+    </dgm:txFillClrLst>
+    <dgm:txEffectClrLst/>
+  </dgm:styleLbl>
+  <dgm:styleLbl name="bgShp">
+    <dgm:fillClrLst meth="repeat">
+      <a:schemeClr val="accent5">
+        <a:tint val="40000"/>
+      </a:schemeClr>
+    </dgm:fillClrLst>
+    <dgm:linClrLst meth="repeat">
+      <a:schemeClr val="dk1"/>
+    </dgm:linClrLst>
+    <dgm:effectClrLst/>
+    <dgm:txLinClrLst/>
+    <dgm:txFillClrLst meth="repeat">
+      <a:schemeClr val="dk1"/>
+    </dgm:txFillClrLst>
+    <dgm:txEffectClrLst/>
+  </dgm:styleLbl>
+  <dgm:styleLbl name="dkBgShp">
+    <dgm:fillClrLst meth="repeat">
+      <a:schemeClr val="accent5">
+        <a:shade val="90000"/>
+      </a:schemeClr>
+    </dgm:fillClrLst>
+    <dgm:linClrLst meth="repeat">
+      <a:schemeClr val="dk1"/>
+    </dgm:linClrLst>
+    <dgm:effectClrLst/>
+    <dgm:txLinClrLst/>
+    <dgm:txFillClrLst meth="repeat">
+      <a:schemeClr val="lt1"/>
+    </dgm:txFillClrLst>
+    <dgm:txEffectClrLst/>
+  </dgm:styleLbl>
+  <dgm:styleLbl name="trBgShp">
+    <dgm:fillClrLst meth="repeat">
+      <a:schemeClr val="accent5">
+        <a:tint val="50000"/>
+        <a:alpha val="40000"/>
+      </a:schemeClr>
+    </dgm:fillClrLst>
+    <dgm:linClrLst meth="repeat">
+      <a:schemeClr val="accent5"/>
+    </dgm:linClrLst>
+    <dgm:effectClrLst/>
+    <dgm:txLinClrLst/>
+    <dgm:txFillClrLst meth="repeat">
+      <a:schemeClr val="lt1"/>
+    </dgm:txFillClrLst>
+    <dgm:txEffectClrLst/>
+  </dgm:styleLbl>
+  <dgm:styleLbl name="fgShp">
+    <dgm:fillClrLst meth="repeat">
+      <a:schemeClr val="accent5">
+        <a:tint val="40000"/>
+      </a:schemeClr>
+    </dgm:fillClrLst>
+    <dgm:linClrLst meth="repeat">
+      <a:schemeClr val="lt1"/>
+    </dgm:linClrLst>
+    <dgm:effectClrLst/>
+    <dgm:txLinClrLst/>
+    <dgm:txFillClrLst meth="repeat">
+      <a:schemeClr val="dk1"/>
+    </dgm:txFillClrLst>
+    <dgm:txEffectClrLst/>
+  </dgm:styleLbl>
+  <dgm:styleLbl name="revTx">
+    <dgm:fillClrLst meth="repeat">
+      <a:schemeClr val="lt1">
+        <a:alpha val="0"/>
+      </a:schemeClr>
+    </dgm:fillClrLst>
+    <dgm:linClrLst meth="repeat">
+      <a:schemeClr val="dk1">
+        <a:alpha val="0"/>
+      </a:schemeClr>
+    </dgm:linClrLst>
+    <dgm:effectClrLst/>
+    <dgm:txLinClrLst/>
+    <dgm:txFillClrLst meth="repeat">
+      <a:schemeClr val="tx1"/>
+    </dgm:txFillClrLst>
+    <dgm:txEffectClrLst/>
+  </dgm:styleLbl>
+</dgm:colorsDef>
+</file>
+
+<file path=ppt/diagrams/colors3.xml><?xml version="1.0" encoding="utf-8"?>
 <dgm:colorsDef xmlns:dgm="http://schemas.openxmlformats.org/drawingml/2006/diagram" xmlns:a="http://schemas.openxmlformats.org/drawingml/2006/main" uniqueId="urn:microsoft.com/office/officeart/2018/5/colors/Iconchunking_neutralbg_accent0_3">
   <dgm:title val=""/>
   <dgm:desc val=""/>
@@ -1995,6 +2783,303 @@
 </file>
 
 <file path=ppt/diagrams/data2.xml><?xml version="1.0" encoding="utf-8"?>
+<dgm:dataModel xmlns:dgm="http://schemas.openxmlformats.org/drawingml/2006/diagram" xmlns:a="http://schemas.openxmlformats.org/drawingml/2006/main">
+  <dgm:ptLst>
+    <dgm:pt modelId="{5F4AE18A-3D63-4F38-B55F-AFDB6D59BCB6}" type="doc">
+      <dgm:prSet loTypeId="urn:microsoft.com/office/officeart/2005/8/layout/vList2" loCatId="list" qsTypeId="urn:microsoft.com/office/officeart/2005/8/quickstyle/simple1" qsCatId="simple" csTypeId="urn:microsoft.com/office/officeart/2005/8/colors/colorful5" csCatId="colorful"/>
+      <dgm:spPr/>
+      <dgm:t>
+        <a:bodyPr/>
+        <a:lstStyle/>
+        <a:p>
+          <a:endParaRPr lang="en-US"/>
+        </a:p>
+      </dgm:t>
+    </dgm:pt>
+    <dgm:pt modelId="{7FD95CED-D45F-4B23-BB9F-844330F6E6AF}">
+      <dgm:prSet/>
+      <dgm:spPr/>
+      <dgm:t>
+        <a:bodyPr/>
+        <a:lstStyle/>
+        <a:p>
+          <a:r>
+            <a:rPr lang="en-US"/>
+            <a:t>Project Inspiration</a:t>
+          </a:r>
+        </a:p>
+      </dgm:t>
+    </dgm:pt>
+    <dgm:pt modelId="{7D6D13DD-AE36-4832-A0E7-58E4E57C638E}" type="parTrans" cxnId="{BFCA012F-0140-4C63-8B0A-1A0864BA194E}">
+      <dgm:prSet/>
+      <dgm:spPr/>
+      <dgm:t>
+        <a:bodyPr/>
+        <a:lstStyle/>
+        <a:p>
+          <a:endParaRPr lang="en-US"/>
+        </a:p>
+      </dgm:t>
+    </dgm:pt>
+    <dgm:pt modelId="{BCC2CDF6-73F7-45DE-B0AC-4FFB165F1BF4}" type="sibTrans" cxnId="{BFCA012F-0140-4C63-8B0A-1A0864BA194E}">
+      <dgm:prSet/>
+      <dgm:spPr/>
+      <dgm:t>
+        <a:bodyPr/>
+        <a:lstStyle/>
+        <a:p>
+          <a:endParaRPr lang="en-US"/>
+        </a:p>
+      </dgm:t>
+    </dgm:pt>
+    <dgm:pt modelId="{CE616FE4-E80C-4EBD-8B5E-57DFAAEA9D40}">
+      <dgm:prSet/>
+      <dgm:spPr/>
+      <dgm:t>
+        <a:bodyPr/>
+        <a:lstStyle/>
+        <a:p>
+          <a:r>
+            <a:rPr lang="en-US"/>
+            <a:t>The Data &amp; The Scope</a:t>
+          </a:r>
+        </a:p>
+      </dgm:t>
+    </dgm:pt>
+    <dgm:pt modelId="{51656098-DB03-4CE2-A372-D5194D980C48}" type="parTrans" cxnId="{CAF448EC-64C9-4A7B-92D1-8DF22A185564}">
+      <dgm:prSet/>
+      <dgm:spPr/>
+      <dgm:t>
+        <a:bodyPr/>
+        <a:lstStyle/>
+        <a:p>
+          <a:endParaRPr lang="en-US"/>
+        </a:p>
+      </dgm:t>
+    </dgm:pt>
+    <dgm:pt modelId="{63302855-BD8E-4EFD-B6D5-8099A5CEE70E}" type="sibTrans" cxnId="{CAF448EC-64C9-4A7B-92D1-8DF22A185564}">
+      <dgm:prSet/>
+      <dgm:spPr/>
+      <dgm:t>
+        <a:bodyPr/>
+        <a:lstStyle/>
+        <a:p>
+          <a:endParaRPr lang="en-US"/>
+        </a:p>
+      </dgm:t>
+    </dgm:pt>
+    <dgm:pt modelId="{C2AAA49E-0F17-4A93-B00E-53F6AE92F583}">
+      <dgm:prSet/>
+      <dgm:spPr/>
+      <dgm:t>
+        <a:bodyPr/>
+        <a:lstStyle/>
+        <a:p>
+          <a:r>
+            <a:rPr lang="en-US"/>
+            <a:t>Machine Learning / Demo</a:t>
+          </a:r>
+        </a:p>
+      </dgm:t>
+    </dgm:pt>
+    <dgm:pt modelId="{51F42ABD-61DB-4C83-864E-E64FFA8E520A}" type="parTrans" cxnId="{BB47112E-B0B1-4FB5-89A7-F8C0194E07F4}">
+      <dgm:prSet/>
+      <dgm:spPr/>
+      <dgm:t>
+        <a:bodyPr/>
+        <a:lstStyle/>
+        <a:p>
+          <a:endParaRPr lang="en-US"/>
+        </a:p>
+      </dgm:t>
+    </dgm:pt>
+    <dgm:pt modelId="{E83374F9-FA02-4D3C-9AF2-3448529BD95E}" type="sibTrans" cxnId="{BB47112E-B0B1-4FB5-89A7-F8C0194E07F4}">
+      <dgm:prSet/>
+      <dgm:spPr/>
+      <dgm:t>
+        <a:bodyPr/>
+        <a:lstStyle/>
+        <a:p>
+          <a:endParaRPr lang="en-US"/>
+        </a:p>
+      </dgm:t>
+    </dgm:pt>
+    <dgm:pt modelId="{87018294-82AE-4E15-B243-3C408C7F6081}">
+      <dgm:prSet/>
+      <dgm:spPr/>
+      <dgm:t>
+        <a:bodyPr/>
+        <a:lstStyle/>
+        <a:p>
+          <a:r>
+            <a:rPr lang="en-US"/>
+            <a:t>Lessons learned / Things we would do different</a:t>
+          </a:r>
+        </a:p>
+      </dgm:t>
+    </dgm:pt>
+    <dgm:pt modelId="{83E0A573-1DDD-4FB4-9C3C-894B84B69490}" type="parTrans" cxnId="{0F14E90C-FD2A-41E9-868F-D13C3377BE3C}">
+      <dgm:prSet/>
+      <dgm:spPr/>
+      <dgm:t>
+        <a:bodyPr/>
+        <a:lstStyle/>
+        <a:p>
+          <a:endParaRPr lang="en-US"/>
+        </a:p>
+      </dgm:t>
+    </dgm:pt>
+    <dgm:pt modelId="{849573CF-07FD-4EE5-8157-4066EA187C67}" type="sibTrans" cxnId="{0F14E90C-FD2A-41E9-868F-D13C3377BE3C}">
+      <dgm:prSet/>
+      <dgm:spPr/>
+      <dgm:t>
+        <a:bodyPr/>
+        <a:lstStyle/>
+        <a:p>
+          <a:endParaRPr lang="en-US"/>
+        </a:p>
+      </dgm:t>
+    </dgm:pt>
+    <dgm:pt modelId="{F61134B8-E835-4E4B-B038-8F9ABD567C22}">
+      <dgm:prSet/>
+      <dgm:spPr/>
+      <dgm:t>
+        <a:bodyPr/>
+        <a:lstStyle/>
+        <a:p>
+          <a:r>
+            <a:rPr lang="en-US"/>
+            <a:t>Post Mortem</a:t>
+          </a:r>
+        </a:p>
+      </dgm:t>
+    </dgm:pt>
+    <dgm:pt modelId="{4116563B-8AF7-46AA-9CF9-2CB090948E9B}" type="parTrans" cxnId="{8325D3E9-7DA0-40C2-95D2-B12E78D9CB1E}">
+      <dgm:prSet/>
+      <dgm:spPr/>
+      <dgm:t>
+        <a:bodyPr/>
+        <a:lstStyle/>
+        <a:p>
+          <a:endParaRPr lang="en-US"/>
+        </a:p>
+      </dgm:t>
+    </dgm:pt>
+    <dgm:pt modelId="{4C903505-BF96-4606-ACDD-5B1CF196D095}" type="sibTrans" cxnId="{8325D3E9-7DA0-40C2-95D2-B12E78D9CB1E}">
+      <dgm:prSet/>
+      <dgm:spPr/>
+      <dgm:t>
+        <a:bodyPr/>
+        <a:lstStyle/>
+        <a:p>
+          <a:endParaRPr lang="en-US"/>
+        </a:p>
+      </dgm:t>
+    </dgm:pt>
+    <dgm:pt modelId="{75A0EB6F-29CD-49DF-8A31-B7FA8B493B5B}" type="pres">
+      <dgm:prSet presAssocID="{5F4AE18A-3D63-4F38-B55F-AFDB6D59BCB6}" presName="linear" presStyleCnt="0">
+        <dgm:presLayoutVars>
+          <dgm:animLvl val="lvl"/>
+          <dgm:resizeHandles val="exact"/>
+        </dgm:presLayoutVars>
+      </dgm:prSet>
+      <dgm:spPr/>
+    </dgm:pt>
+    <dgm:pt modelId="{3F24835F-8D4F-4728-BED2-56C11487B253}" type="pres">
+      <dgm:prSet presAssocID="{7FD95CED-D45F-4B23-BB9F-844330F6E6AF}" presName="parentText" presStyleLbl="node1" presStyleIdx="0" presStyleCnt="5">
+        <dgm:presLayoutVars>
+          <dgm:chMax val="0"/>
+          <dgm:bulletEnabled val="1"/>
+        </dgm:presLayoutVars>
+      </dgm:prSet>
+      <dgm:spPr/>
+    </dgm:pt>
+    <dgm:pt modelId="{153ACFCA-67B6-479A-A840-7689FA326E8A}" type="pres">
+      <dgm:prSet presAssocID="{BCC2CDF6-73F7-45DE-B0AC-4FFB165F1BF4}" presName="spacer" presStyleCnt="0"/>
+      <dgm:spPr/>
+    </dgm:pt>
+    <dgm:pt modelId="{F22548F3-EE64-4830-883A-26F8AD1F6C91}" type="pres">
+      <dgm:prSet presAssocID="{CE616FE4-E80C-4EBD-8B5E-57DFAAEA9D40}" presName="parentText" presStyleLbl="node1" presStyleIdx="1" presStyleCnt="5">
+        <dgm:presLayoutVars>
+          <dgm:chMax val="0"/>
+          <dgm:bulletEnabled val="1"/>
+        </dgm:presLayoutVars>
+      </dgm:prSet>
+      <dgm:spPr/>
+    </dgm:pt>
+    <dgm:pt modelId="{4E028BDA-2E1D-4B49-BB54-4E359C52D0E0}" type="pres">
+      <dgm:prSet presAssocID="{63302855-BD8E-4EFD-B6D5-8099A5CEE70E}" presName="spacer" presStyleCnt="0"/>
+      <dgm:spPr/>
+    </dgm:pt>
+    <dgm:pt modelId="{D3C95B53-8301-4ECF-ACF9-CAE28CA62475}" type="pres">
+      <dgm:prSet presAssocID="{C2AAA49E-0F17-4A93-B00E-53F6AE92F583}" presName="parentText" presStyleLbl="node1" presStyleIdx="2" presStyleCnt="5">
+        <dgm:presLayoutVars>
+          <dgm:chMax val="0"/>
+          <dgm:bulletEnabled val="1"/>
+        </dgm:presLayoutVars>
+      </dgm:prSet>
+      <dgm:spPr/>
+    </dgm:pt>
+    <dgm:pt modelId="{74F20945-271D-4F83-A0F3-FEDE71F6E9CA}" type="pres">
+      <dgm:prSet presAssocID="{E83374F9-FA02-4D3C-9AF2-3448529BD95E}" presName="spacer" presStyleCnt="0"/>
+      <dgm:spPr/>
+    </dgm:pt>
+    <dgm:pt modelId="{1F3DE685-8B63-4F8F-9C1C-610E03AC48EB}" type="pres">
+      <dgm:prSet presAssocID="{87018294-82AE-4E15-B243-3C408C7F6081}" presName="parentText" presStyleLbl="node1" presStyleIdx="3" presStyleCnt="5">
+        <dgm:presLayoutVars>
+          <dgm:chMax val="0"/>
+          <dgm:bulletEnabled val="1"/>
+        </dgm:presLayoutVars>
+      </dgm:prSet>
+      <dgm:spPr/>
+    </dgm:pt>
+    <dgm:pt modelId="{9C9FFFA0-0D7A-412D-BD1E-AC12104F60B7}" type="pres">
+      <dgm:prSet presAssocID="{849573CF-07FD-4EE5-8157-4066EA187C67}" presName="spacer" presStyleCnt="0"/>
+      <dgm:spPr/>
+    </dgm:pt>
+    <dgm:pt modelId="{97AF3E88-2C35-4890-B3F7-1AFD386CEB27}" type="pres">
+      <dgm:prSet presAssocID="{F61134B8-E835-4E4B-B038-8F9ABD567C22}" presName="parentText" presStyleLbl="node1" presStyleIdx="4" presStyleCnt="5">
+        <dgm:presLayoutVars>
+          <dgm:chMax val="0"/>
+          <dgm:bulletEnabled val="1"/>
+        </dgm:presLayoutVars>
+      </dgm:prSet>
+      <dgm:spPr/>
+    </dgm:pt>
+  </dgm:ptLst>
+  <dgm:cxnLst>
+    <dgm:cxn modelId="{0F14E90C-FD2A-41E9-868F-D13C3377BE3C}" srcId="{5F4AE18A-3D63-4F38-B55F-AFDB6D59BCB6}" destId="{87018294-82AE-4E15-B243-3C408C7F6081}" srcOrd="3" destOrd="0" parTransId="{83E0A573-1DDD-4FB4-9C3C-894B84B69490}" sibTransId="{849573CF-07FD-4EE5-8157-4066EA187C67}"/>
+    <dgm:cxn modelId="{F4033525-592C-4E22-8267-757E33E6CD0B}" type="presOf" srcId="{CE616FE4-E80C-4EBD-8B5E-57DFAAEA9D40}" destId="{F22548F3-EE64-4830-883A-26F8AD1F6C91}" srcOrd="0" destOrd="0" presId="urn:microsoft.com/office/officeart/2005/8/layout/vList2"/>
+    <dgm:cxn modelId="{484D9625-C940-4153-B125-F2B20EF48337}" type="presOf" srcId="{5F4AE18A-3D63-4F38-B55F-AFDB6D59BCB6}" destId="{75A0EB6F-29CD-49DF-8A31-B7FA8B493B5B}" srcOrd="0" destOrd="0" presId="urn:microsoft.com/office/officeart/2005/8/layout/vList2"/>
+    <dgm:cxn modelId="{1B4F1527-B7F4-460D-8FB4-BF85C2F42568}" type="presOf" srcId="{C2AAA49E-0F17-4A93-B00E-53F6AE92F583}" destId="{D3C95B53-8301-4ECF-ACF9-CAE28CA62475}" srcOrd="0" destOrd="0" presId="urn:microsoft.com/office/officeart/2005/8/layout/vList2"/>
+    <dgm:cxn modelId="{BB47112E-B0B1-4FB5-89A7-F8C0194E07F4}" srcId="{5F4AE18A-3D63-4F38-B55F-AFDB6D59BCB6}" destId="{C2AAA49E-0F17-4A93-B00E-53F6AE92F583}" srcOrd="2" destOrd="0" parTransId="{51F42ABD-61DB-4C83-864E-E64FFA8E520A}" sibTransId="{E83374F9-FA02-4D3C-9AF2-3448529BD95E}"/>
+    <dgm:cxn modelId="{BFCA012F-0140-4C63-8B0A-1A0864BA194E}" srcId="{5F4AE18A-3D63-4F38-B55F-AFDB6D59BCB6}" destId="{7FD95CED-D45F-4B23-BB9F-844330F6E6AF}" srcOrd="0" destOrd="0" parTransId="{7D6D13DD-AE36-4832-A0E7-58E4E57C638E}" sibTransId="{BCC2CDF6-73F7-45DE-B0AC-4FFB165F1BF4}"/>
+    <dgm:cxn modelId="{D75F8159-E4CD-4522-9165-FD8FD25E68B2}" type="presOf" srcId="{F61134B8-E835-4E4B-B038-8F9ABD567C22}" destId="{97AF3E88-2C35-4890-B3F7-1AFD386CEB27}" srcOrd="0" destOrd="0" presId="urn:microsoft.com/office/officeart/2005/8/layout/vList2"/>
+    <dgm:cxn modelId="{FE4E1AA7-91EF-43F4-8A98-CA4B27F10D0B}" type="presOf" srcId="{87018294-82AE-4E15-B243-3C408C7F6081}" destId="{1F3DE685-8B63-4F8F-9C1C-610E03AC48EB}" srcOrd="0" destOrd="0" presId="urn:microsoft.com/office/officeart/2005/8/layout/vList2"/>
+    <dgm:cxn modelId="{363DFDC7-8800-4C22-BD39-40D0BF4A3D34}" type="presOf" srcId="{7FD95CED-D45F-4B23-BB9F-844330F6E6AF}" destId="{3F24835F-8D4F-4728-BED2-56C11487B253}" srcOrd="0" destOrd="0" presId="urn:microsoft.com/office/officeart/2005/8/layout/vList2"/>
+    <dgm:cxn modelId="{8325D3E9-7DA0-40C2-95D2-B12E78D9CB1E}" srcId="{5F4AE18A-3D63-4F38-B55F-AFDB6D59BCB6}" destId="{F61134B8-E835-4E4B-B038-8F9ABD567C22}" srcOrd="4" destOrd="0" parTransId="{4116563B-8AF7-46AA-9CF9-2CB090948E9B}" sibTransId="{4C903505-BF96-4606-ACDD-5B1CF196D095}"/>
+    <dgm:cxn modelId="{CAF448EC-64C9-4A7B-92D1-8DF22A185564}" srcId="{5F4AE18A-3D63-4F38-B55F-AFDB6D59BCB6}" destId="{CE616FE4-E80C-4EBD-8B5E-57DFAAEA9D40}" srcOrd="1" destOrd="0" parTransId="{51656098-DB03-4CE2-A372-D5194D980C48}" sibTransId="{63302855-BD8E-4EFD-B6D5-8099A5CEE70E}"/>
+    <dgm:cxn modelId="{ADB55EC7-6767-4418-B934-31812B9CEF08}" type="presParOf" srcId="{75A0EB6F-29CD-49DF-8A31-B7FA8B493B5B}" destId="{3F24835F-8D4F-4728-BED2-56C11487B253}" srcOrd="0" destOrd="0" presId="urn:microsoft.com/office/officeart/2005/8/layout/vList2"/>
+    <dgm:cxn modelId="{1F23CD7B-075C-48D2-A1F2-DA2050EADAB9}" type="presParOf" srcId="{75A0EB6F-29CD-49DF-8A31-B7FA8B493B5B}" destId="{153ACFCA-67B6-479A-A840-7689FA326E8A}" srcOrd="1" destOrd="0" presId="urn:microsoft.com/office/officeart/2005/8/layout/vList2"/>
+    <dgm:cxn modelId="{FAA36345-09F9-4752-8450-79FD8F469DF5}" type="presParOf" srcId="{75A0EB6F-29CD-49DF-8A31-B7FA8B493B5B}" destId="{F22548F3-EE64-4830-883A-26F8AD1F6C91}" srcOrd="2" destOrd="0" presId="urn:microsoft.com/office/officeart/2005/8/layout/vList2"/>
+    <dgm:cxn modelId="{E3DB4A82-A87D-4318-B465-128CA8084A6A}" type="presParOf" srcId="{75A0EB6F-29CD-49DF-8A31-B7FA8B493B5B}" destId="{4E028BDA-2E1D-4B49-BB54-4E359C52D0E0}" srcOrd="3" destOrd="0" presId="urn:microsoft.com/office/officeart/2005/8/layout/vList2"/>
+    <dgm:cxn modelId="{46C09694-1243-45D1-B606-136432E8E70B}" type="presParOf" srcId="{75A0EB6F-29CD-49DF-8A31-B7FA8B493B5B}" destId="{D3C95B53-8301-4ECF-ACF9-CAE28CA62475}" srcOrd="4" destOrd="0" presId="urn:microsoft.com/office/officeart/2005/8/layout/vList2"/>
+    <dgm:cxn modelId="{A0FB702A-6634-4063-9573-54941FE94E6B}" type="presParOf" srcId="{75A0EB6F-29CD-49DF-8A31-B7FA8B493B5B}" destId="{74F20945-271D-4F83-A0F3-FEDE71F6E9CA}" srcOrd="5" destOrd="0" presId="urn:microsoft.com/office/officeart/2005/8/layout/vList2"/>
+    <dgm:cxn modelId="{3A8324B5-ECDB-467D-8636-6AF19E39FC89}" type="presParOf" srcId="{75A0EB6F-29CD-49DF-8A31-B7FA8B493B5B}" destId="{1F3DE685-8B63-4F8F-9C1C-610E03AC48EB}" srcOrd="6" destOrd="0" presId="urn:microsoft.com/office/officeart/2005/8/layout/vList2"/>
+    <dgm:cxn modelId="{E9A97AA2-5756-4625-BE4F-8501EB0A8174}" type="presParOf" srcId="{75A0EB6F-29CD-49DF-8A31-B7FA8B493B5B}" destId="{9C9FFFA0-0D7A-412D-BD1E-AC12104F60B7}" srcOrd="7" destOrd="0" presId="urn:microsoft.com/office/officeart/2005/8/layout/vList2"/>
+    <dgm:cxn modelId="{C64A812C-70C7-44C2-AA15-9BA56E58A918}" type="presParOf" srcId="{75A0EB6F-29CD-49DF-8A31-B7FA8B493B5B}" destId="{97AF3E88-2C35-4890-B3F7-1AFD386CEB27}" srcOrd="8" destOrd="0" presId="urn:microsoft.com/office/officeart/2005/8/layout/vList2"/>
+  </dgm:cxnLst>
+  <dgm:bg/>
+  <dgm:whole/>
+  <dgm:extLst>
+    <a:ext uri="http://schemas.microsoft.com/office/drawing/2008/diagram">
+      <dsp:dataModelExt xmlns:dsp="http://schemas.microsoft.com/office/drawing/2008/diagram" relId="rId6" minVer="http://schemas.openxmlformats.org/drawingml/2006/diagram"/>
+    </a:ext>
+  </dgm:extLst>
+</dgm:dataModel>
+</file>
+
+<file path=ppt/diagrams/data3.xml><?xml version="1.0" encoding="utf-8"?>
 <dgm:dataModel xmlns:dgm="http://schemas.openxmlformats.org/drawingml/2006/diagram" xmlns:a="http://schemas.openxmlformats.org/drawingml/2006/main">
   <dgm:ptLst>
     <dgm:pt modelId="{7659B0D2-2EEF-4DA1-82FC-58EAF7914BA1}" type="doc">
@@ -2905,6 +3990,408 @@
       <dsp:cNvGrpSpPr/>
     </dsp:nvGrpSpPr>
     <dsp:grpSpPr/>
+    <dsp:sp modelId="{3F24835F-8D4F-4728-BED2-56C11487B253}">
+      <dsp:nvSpPr>
+        <dsp:cNvPr id="0" name=""/>
+        <dsp:cNvSpPr/>
+      </dsp:nvSpPr>
+      <dsp:spPr>
+        <a:xfrm>
+          <a:off x="0" y="672"/>
+          <a:ext cx="6513603" cy="1112304"/>
+        </a:xfrm>
+        <a:prstGeom prst="roundRect">
+          <a:avLst/>
+        </a:prstGeom>
+        <a:solidFill>
+          <a:schemeClr val="accent5">
+            <a:hueOff val="0"/>
+            <a:satOff val="0"/>
+            <a:lumOff val="0"/>
+            <a:alphaOff val="0"/>
+          </a:schemeClr>
+        </a:solidFill>
+        <a:ln w="12700" cap="flat" cmpd="sng" algn="ctr">
+          <a:solidFill>
+            <a:schemeClr val="lt1">
+              <a:hueOff val="0"/>
+              <a:satOff val="0"/>
+              <a:lumOff val="0"/>
+              <a:alphaOff val="0"/>
+            </a:schemeClr>
+          </a:solidFill>
+          <a:prstDash val="solid"/>
+          <a:miter lim="800000"/>
+        </a:ln>
+        <a:effectLst/>
+      </dsp:spPr>
+      <dsp:style>
+        <a:lnRef idx="2">
+          <a:scrgbClr r="0" g="0" b="0"/>
+        </a:lnRef>
+        <a:fillRef idx="1">
+          <a:scrgbClr r="0" g="0" b="0"/>
+        </a:fillRef>
+        <a:effectRef idx="0">
+          <a:scrgbClr r="0" g="0" b="0"/>
+        </a:effectRef>
+        <a:fontRef idx="minor">
+          <a:schemeClr val="lt1"/>
+        </a:fontRef>
+      </dsp:style>
+      <dsp:txBody>
+        <a:bodyPr spcFirstLastPara="0" vert="horz" wrap="square" lIns="106680" tIns="106680" rIns="106680" bIns="106680" numCol="1" spcCol="1270" anchor="ctr" anchorCtr="0">
+          <a:noAutofit/>
+        </a:bodyPr>
+        <a:lstStyle/>
+        <a:p>
+          <a:pPr marL="0" lvl="0" indent="0" algn="l" defTabSz="1244600">
+            <a:lnSpc>
+              <a:spcPct val="90000"/>
+            </a:lnSpc>
+            <a:spcBef>
+              <a:spcPct val="0"/>
+            </a:spcBef>
+            <a:spcAft>
+              <a:spcPct val="35000"/>
+            </a:spcAft>
+            <a:buNone/>
+          </a:pPr>
+          <a:r>
+            <a:rPr lang="en-US" sz="2800" kern="1200"/>
+            <a:t>Project Inspiration</a:t>
+          </a:r>
+        </a:p>
+      </dsp:txBody>
+      <dsp:txXfrm>
+        <a:off x="54298" y="54970"/>
+        <a:ext cx="6405007" cy="1003708"/>
+      </dsp:txXfrm>
+    </dsp:sp>
+    <dsp:sp modelId="{F22548F3-EE64-4830-883A-26F8AD1F6C91}">
+      <dsp:nvSpPr>
+        <dsp:cNvPr id="0" name=""/>
+        <dsp:cNvSpPr/>
+      </dsp:nvSpPr>
+      <dsp:spPr>
+        <a:xfrm>
+          <a:off x="0" y="1193616"/>
+          <a:ext cx="6513603" cy="1112304"/>
+        </a:xfrm>
+        <a:prstGeom prst="roundRect">
+          <a:avLst/>
+        </a:prstGeom>
+        <a:solidFill>
+          <a:schemeClr val="accent5">
+            <a:hueOff val="-1689636"/>
+            <a:satOff val="-4355"/>
+            <a:lumOff val="-2941"/>
+            <a:alphaOff val="0"/>
+          </a:schemeClr>
+        </a:solidFill>
+        <a:ln w="12700" cap="flat" cmpd="sng" algn="ctr">
+          <a:solidFill>
+            <a:schemeClr val="lt1">
+              <a:hueOff val="0"/>
+              <a:satOff val="0"/>
+              <a:lumOff val="0"/>
+              <a:alphaOff val="0"/>
+            </a:schemeClr>
+          </a:solidFill>
+          <a:prstDash val="solid"/>
+          <a:miter lim="800000"/>
+        </a:ln>
+        <a:effectLst/>
+      </dsp:spPr>
+      <dsp:style>
+        <a:lnRef idx="2">
+          <a:scrgbClr r="0" g="0" b="0"/>
+        </a:lnRef>
+        <a:fillRef idx="1">
+          <a:scrgbClr r="0" g="0" b="0"/>
+        </a:fillRef>
+        <a:effectRef idx="0">
+          <a:scrgbClr r="0" g="0" b="0"/>
+        </a:effectRef>
+        <a:fontRef idx="minor">
+          <a:schemeClr val="lt1"/>
+        </a:fontRef>
+      </dsp:style>
+      <dsp:txBody>
+        <a:bodyPr spcFirstLastPara="0" vert="horz" wrap="square" lIns="106680" tIns="106680" rIns="106680" bIns="106680" numCol="1" spcCol="1270" anchor="ctr" anchorCtr="0">
+          <a:noAutofit/>
+        </a:bodyPr>
+        <a:lstStyle/>
+        <a:p>
+          <a:pPr marL="0" lvl="0" indent="0" algn="l" defTabSz="1244600">
+            <a:lnSpc>
+              <a:spcPct val="90000"/>
+            </a:lnSpc>
+            <a:spcBef>
+              <a:spcPct val="0"/>
+            </a:spcBef>
+            <a:spcAft>
+              <a:spcPct val="35000"/>
+            </a:spcAft>
+            <a:buNone/>
+          </a:pPr>
+          <a:r>
+            <a:rPr lang="en-US" sz="2800" kern="1200"/>
+            <a:t>The Data &amp; The Scope</a:t>
+          </a:r>
+        </a:p>
+      </dsp:txBody>
+      <dsp:txXfrm>
+        <a:off x="54298" y="1247914"/>
+        <a:ext cx="6405007" cy="1003708"/>
+      </dsp:txXfrm>
+    </dsp:sp>
+    <dsp:sp modelId="{D3C95B53-8301-4ECF-ACF9-CAE28CA62475}">
+      <dsp:nvSpPr>
+        <dsp:cNvPr id="0" name=""/>
+        <dsp:cNvSpPr/>
+      </dsp:nvSpPr>
+      <dsp:spPr>
+        <a:xfrm>
+          <a:off x="0" y="2386560"/>
+          <a:ext cx="6513603" cy="1112304"/>
+        </a:xfrm>
+        <a:prstGeom prst="roundRect">
+          <a:avLst/>
+        </a:prstGeom>
+        <a:solidFill>
+          <a:schemeClr val="accent5">
+            <a:hueOff val="-3379271"/>
+            <a:satOff val="-8710"/>
+            <a:lumOff val="-5883"/>
+            <a:alphaOff val="0"/>
+          </a:schemeClr>
+        </a:solidFill>
+        <a:ln w="12700" cap="flat" cmpd="sng" algn="ctr">
+          <a:solidFill>
+            <a:schemeClr val="lt1">
+              <a:hueOff val="0"/>
+              <a:satOff val="0"/>
+              <a:lumOff val="0"/>
+              <a:alphaOff val="0"/>
+            </a:schemeClr>
+          </a:solidFill>
+          <a:prstDash val="solid"/>
+          <a:miter lim="800000"/>
+        </a:ln>
+        <a:effectLst/>
+      </dsp:spPr>
+      <dsp:style>
+        <a:lnRef idx="2">
+          <a:scrgbClr r="0" g="0" b="0"/>
+        </a:lnRef>
+        <a:fillRef idx="1">
+          <a:scrgbClr r="0" g="0" b="0"/>
+        </a:fillRef>
+        <a:effectRef idx="0">
+          <a:scrgbClr r="0" g="0" b="0"/>
+        </a:effectRef>
+        <a:fontRef idx="minor">
+          <a:schemeClr val="lt1"/>
+        </a:fontRef>
+      </dsp:style>
+      <dsp:txBody>
+        <a:bodyPr spcFirstLastPara="0" vert="horz" wrap="square" lIns="106680" tIns="106680" rIns="106680" bIns="106680" numCol="1" spcCol="1270" anchor="ctr" anchorCtr="0">
+          <a:noAutofit/>
+        </a:bodyPr>
+        <a:lstStyle/>
+        <a:p>
+          <a:pPr marL="0" lvl="0" indent="0" algn="l" defTabSz="1244600">
+            <a:lnSpc>
+              <a:spcPct val="90000"/>
+            </a:lnSpc>
+            <a:spcBef>
+              <a:spcPct val="0"/>
+            </a:spcBef>
+            <a:spcAft>
+              <a:spcPct val="35000"/>
+            </a:spcAft>
+            <a:buNone/>
+          </a:pPr>
+          <a:r>
+            <a:rPr lang="en-US" sz="2800" kern="1200"/>
+            <a:t>Machine Learning / Demo</a:t>
+          </a:r>
+        </a:p>
+      </dsp:txBody>
+      <dsp:txXfrm>
+        <a:off x="54298" y="2440858"/>
+        <a:ext cx="6405007" cy="1003708"/>
+      </dsp:txXfrm>
+    </dsp:sp>
+    <dsp:sp modelId="{1F3DE685-8B63-4F8F-9C1C-610E03AC48EB}">
+      <dsp:nvSpPr>
+        <dsp:cNvPr id="0" name=""/>
+        <dsp:cNvSpPr/>
+      </dsp:nvSpPr>
+      <dsp:spPr>
+        <a:xfrm>
+          <a:off x="0" y="3579505"/>
+          <a:ext cx="6513603" cy="1112304"/>
+        </a:xfrm>
+        <a:prstGeom prst="roundRect">
+          <a:avLst/>
+        </a:prstGeom>
+        <a:solidFill>
+          <a:schemeClr val="accent5">
+            <a:hueOff val="-5068907"/>
+            <a:satOff val="-13064"/>
+            <a:lumOff val="-8824"/>
+            <a:alphaOff val="0"/>
+          </a:schemeClr>
+        </a:solidFill>
+        <a:ln w="12700" cap="flat" cmpd="sng" algn="ctr">
+          <a:solidFill>
+            <a:schemeClr val="lt1">
+              <a:hueOff val="0"/>
+              <a:satOff val="0"/>
+              <a:lumOff val="0"/>
+              <a:alphaOff val="0"/>
+            </a:schemeClr>
+          </a:solidFill>
+          <a:prstDash val="solid"/>
+          <a:miter lim="800000"/>
+        </a:ln>
+        <a:effectLst/>
+      </dsp:spPr>
+      <dsp:style>
+        <a:lnRef idx="2">
+          <a:scrgbClr r="0" g="0" b="0"/>
+        </a:lnRef>
+        <a:fillRef idx="1">
+          <a:scrgbClr r="0" g="0" b="0"/>
+        </a:fillRef>
+        <a:effectRef idx="0">
+          <a:scrgbClr r="0" g="0" b="0"/>
+        </a:effectRef>
+        <a:fontRef idx="minor">
+          <a:schemeClr val="lt1"/>
+        </a:fontRef>
+      </dsp:style>
+      <dsp:txBody>
+        <a:bodyPr spcFirstLastPara="0" vert="horz" wrap="square" lIns="106680" tIns="106680" rIns="106680" bIns="106680" numCol="1" spcCol="1270" anchor="ctr" anchorCtr="0">
+          <a:noAutofit/>
+        </a:bodyPr>
+        <a:lstStyle/>
+        <a:p>
+          <a:pPr marL="0" lvl="0" indent="0" algn="l" defTabSz="1244600">
+            <a:lnSpc>
+              <a:spcPct val="90000"/>
+            </a:lnSpc>
+            <a:spcBef>
+              <a:spcPct val="0"/>
+            </a:spcBef>
+            <a:spcAft>
+              <a:spcPct val="35000"/>
+            </a:spcAft>
+            <a:buNone/>
+          </a:pPr>
+          <a:r>
+            <a:rPr lang="en-US" sz="2800" kern="1200"/>
+            <a:t>Lessons learned / Things we would do different</a:t>
+          </a:r>
+        </a:p>
+      </dsp:txBody>
+      <dsp:txXfrm>
+        <a:off x="54298" y="3633803"/>
+        <a:ext cx="6405007" cy="1003708"/>
+      </dsp:txXfrm>
+    </dsp:sp>
+    <dsp:sp modelId="{97AF3E88-2C35-4890-B3F7-1AFD386CEB27}">
+      <dsp:nvSpPr>
+        <dsp:cNvPr id="0" name=""/>
+        <dsp:cNvSpPr/>
+      </dsp:nvSpPr>
+      <dsp:spPr>
+        <a:xfrm>
+          <a:off x="0" y="4772449"/>
+          <a:ext cx="6513603" cy="1112304"/>
+        </a:xfrm>
+        <a:prstGeom prst="roundRect">
+          <a:avLst/>
+        </a:prstGeom>
+        <a:solidFill>
+          <a:schemeClr val="accent5">
+            <a:hueOff val="-6758543"/>
+            <a:satOff val="-17419"/>
+            <a:lumOff val="-11765"/>
+            <a:alphaOff val="0"/>
+          </a:schemeClr>
+        </a:solidFill>
+        <a:ln w="12700" cap="flat" cmpd="sng" algn="ctr">
+          <a:solidFill>
+            <a:schemeClr val="lt1">
+              <a:hueOff val="0"/>
+              <a:satOff val="0"/>
+              <a:lumOff val="0"/>
+              <a:alphaOff val="0"/>
+            </a:schemeClr>
+          </a:solidFill>
+          <a:prstDash val="solid"/>
+          <a:miter lim="800000"/>
+        </a:ln>
+        <a:effectLst/>
+      </dsp:spPr>
+      <dsp:style>
+        <a:lnRef idx="2">
+          <a:scrgbClr r="0" g="0" b="0"/>
+        </a:lnRef>
+        <a:fillRef idx="1">
+          <a:scrgbClr r="0" g="0" b="0"/>
+        </a:fillRef>
+        <a:effectRef idx="0">
+          <a:scrgbClr r="0" g="0" b="0"/>
+        </a:effectRef>
+        <a:fontRef idx="minor">
+          <a:schemeClr val="lt1"/>
+        </a:fontRef>
+      </dsp:style>
+      <dsp:txBody>
+        <a:bodyPr spcFirstLastPara="0" vert="horz" wrap="square" lIns="106680" tIns="106680" rIns="106680" bIns="106680" numCol="1" spcCol="1270" anchor="ctr" anchorCtr="0">
+          <a:noAutofit/>
+        </a:bodyPr>
+        <a:lstStyle/>
+        <a:p>
+          <a:pPr marL="0" lvl="0" indent="0" algn="l" defTabSz="1244600">
+            <a:lnSpc>
+              <a:spcPct val="90000"/>
+            </a:lnSpc>
+            <a:spcBef>
+              <a:spcPct val="0"/>
+            </a:spcBef>
+            <a:spcAft>
+              <a:spcPct val="35000"/>
+            </a:spcAft>
+            <a:buNone/>
+          </a:pPr>
+          <a:r>
+            <a:rPr lang="en-US" sz="2800" kern="1200"/>
+            <a:t>Post Mortem</a:t>
+          </a:r>
+        </a:p>
+      </dsp:txBody>
+      <dsp:txXfrm>
+        <a:off x="54298" y="4826747"/>
+        <a:ext cx="6405007" cy="1003708"/>
+      </dsp:txXfrm>
+    </dsp:sp>
+  </dsp:spTree>
+</dsp:drawing>
+</file>
+
+<file path=ppt/diagrams/drawing3.xml><?xml version="1.0" encoding="utf-8"?>
+<dsp:drawing xmlns:dgm="http://schemas.openxmlformats.org/drawingml/2006/diagram" xmlns:dsp="http://schemas.microsoft.com/office/drawing/2008/diagram" xmlns:a="http://schemas.openxmlformats.org/drawingml/2006/main">
+  <dsp:spTree>
+    <dsp:nvGrpSpPr>
+      <dsp:cNvPr id="0" name=""/>
+      <dsp:cNvGrpSpPr/>
+    </dsp:nvGrpSpPr>
+    <dsp:grpSpPr/>
     <dsp:sp modelId="{86E8140D-3FA7-4B97-9E74-45B9E982961A}">
       <dsp:nvSpPr>
         <dsp:cNvPr id="0" name=""/>
@@ -3553,6 +5040,173 @@
 </file>
 
 <file path=ppt/diagrams/layout2.xml><?xml version="1.0" encoding="utf-8"?>
+<dgm:layoutDef xmlns:dgm="http://schemas.openxmlformats.org/drawingml/2006/diagram" xmlns:a="http://schemas.openxmlformats.org/drawingml/2006/main" uniqueId="urn:microsoft.com/office/officeart/2005/8/layout/vList2">
+  <dgm:title val=""/>
+  <dgm:desc val=""/>
+  <dgm:catLst>
+    <dgm:cat type="list" pri="3000"/>
+    <dgm:cat type="convert" pri="1000"/>
+  </dgm:catLst>
+  <dgm:sampData>
+    <dgm:dataModel>
+      <dgm:ptLst>
+        <dgm:pt modelId="0" type="doc"/>
+        <dgm:pt modelId="1">
+          <dgm:prSet phldr="1"/>
+        </dgm:pt>
+        <dgm:pt modelId="11">
+          <dgm:prSet phldr="1"/>
+        </dgm:pt>
+        <dgm:pt modelId="2">
+          <dgm:prSet phldr="1"/>
+        </dgm:pt>
+        <dgm:pt modelId="21">
+          <dgm:prSet phldr="1"/>
+        </dgm:pt>
+      </dgm:ptLst>
+      <dgm:cxnLst>
+        <dgm:cxn modelId="4" srcId="0" destId="1" srcOrd="0" destOrd="0"/>
+        <dgm:cxn modelId="5" srcId="0" destId="2" srcOrd="1" destOrd="0"/>
+        <dgm:cxn modelId="12" srcId="1" destId="11" srcOrd="0" destOrd="0"/>
+        <dgm:cxn modelId="23" srcId="2" destId="21" srcOrd="0" destOrd="0"/>
+      </dgm:cxnLst>
+      <dgm:bg/>
+      <dgm:whole/>
+    </dgm:dataModel>
+  </dgm:sampData>
+  <dgm:styleData>
+    <dgm:dataModel>
+      <dgm:ptLst>
+        <dgm:pt modelId="0" type="doc"/>
+        <dgm:pt modelId="1"/>
+        <dgm:pt modelId="2"/>
+      </dgm:ptLst>
+      <dgm:cxnLst>
+        <dgm:cxn modelId="3" srcId="0" destId="1" srcOrd="0" destOrd="0"/>
+        <dgm:cxn modelId="4" srcId="0" destId="2" srcOrd="1" destOrd="0"/>
+      </dgm:cxnLst>
+      <dgm:bg/>
+      <dgm:whole/>
+    </dgm:dataModel>
+  </dgm:styleData>
+  <dgm:clrData>
+    <dgm:dataModel>
+      <dgm:ptLst>
+        <dgm:pt modelId="0" type="doc"/>
+        <dgm:pt modelId="1"/>
+        <dgm:pt modelId="2"/>
+        <dgm:pt modelId="3"/>
+        <dgm:pt modelId="4"/>
+      </dgm:ptLst>
+      <dgm:cxnLst>
+        <dgm:cxn modelId="5" srcId="0" destId="1" srcOrd="0" destOrd="0"/>
+        <dgm:cxn modelId="6" srcId="0" destId="2" srcOrd="1" destOrd="0"/>
+        <dgm:cxn modelId="7" srcId="0" destId="3" srcOrd="2" destOrd="0"/>
+        <dgm:cxn modelId="8" srcId="0" destId="4" srcOrd="3" destOrd="0"/>
+      </dgm:cxnLst>
+      <dgm:bg/>
+      <dgm:whole/>
+    </dgm:dataModel>
+  </dgm:clrData>
+  <dgm:layoutNode name="linear">
+    <dgm:varLst>
+      <dgm:animLvl val="lvl"/>
+      <dgm:resizeHandles val="exact"/>
+    </dgm:varLst>
+    <dgm:alg type="lin">
+      <dgm:param type="linDir" val="fromT"/>
+      <dgm:param type="vertAlign" val="mid"/>
+    </dgm:alg>
+    <dgm:shape xmlns:r="http://schemas.openxmlformats.org/officeDocument/2006/relationships" r:blip="">
+      <dgm:adjLst/>
+    </dgm:shape>
+    <dgm:presOf/>
+    <dgm:constrLst>
+      <dgm:constr type="w" for="ch" forName="parentText" refType="w"/>
+      <dgm:constr type="h" for="ch" forName="parentText" refType="primFontSz" refFor="ch" refForName="parentText" fact="0.52"/>
+      <dgm:constr type="w" for="ch" forName="childText" refType="w"/>
+      <dgm:constr type="h" for="ch" forName="childText" refType="primFontSz" refFor="ch" refForName="parentText" fact="0.46"/>
+      <dgm:constr type="h" for="ch" forName="parentText" op="equ"/>
+      <dgm:constr type="primFontSz" for="ch" forName="parentText" op="equ" val="65"/>
+      <dgm:constr type="primFontSz" for="ch" forName="childText" refType="primFontSz" refFor="ch" refForName="parentText" op="equ"/>
+      <dgm:constr type="h" for="ch" forName="spacer" refType="primFontSz" refFor="ch" refForName="parentText" fact="0.08"/>
+    </dgm:constrLst>
+    <dgm:ruleLst>
+      <dgm:rule type="primFontSz" for="ch" forName="parentText" val="5" fact="NaN" max="NaN"/>
+    </dgm:ruleLst>
+    <dgm:forEach name="Name0" axis="ch" ptType="node">
+      <dgm:layoutNode name="parentText" styleLbl="node1">
+        <dgm:varLst>
+          <dgm:chMax val="0"/>
+          <dgm:bulletEnabled val="1"/>
+        </dgm:varLst>
+        <dgm:alg type="tx">
+          <dgm:param type="parTxLTRAlign" val="l"/>
+          <dgm:param type="parTxRTLAlign" val="r"/>
+        </dgm:alg>
+        <dgm:shape xmlns:r="http://schemas.openxmlformats.org/officeDocument/2006/relationships" type="roundRect" r:blip="">
+          <dgm:adjLst/>
+        </dgm:shape>
+        <dgm:presOf axis="self"/>
+        <dgm:constrLst>
+          <dgm:constr type="tMarg" refType="primFontSz" fact="0.3"/>
+          <dgm:constr type="bMarg" refType="primFontSz" fact="0.3"/>
+          <dgm:constr type="lMarg" refType="primFontSz" fact="0.3"/>
+          <dgm:constr type="rMarg" refType="primFontSz" fact="0.3"/>
+        </dgm:constrLst>
+        <dgm:ruleLst>
+          <dgm:rule type="h" val="INF" fact="NaN" max="NaN"/>
+        </dgm:ruleLst>
+      </dgm:layoutNode>
+      <dgm:choose name="Name1">
+        <dgm:if name="Name2" axis="ch" ptType="node" func="cnt" op="gte" val="1">
+          <dgm:layoutNode name="childText" styleLbl="revTx">
+            <dgm:varLst>
+              <dgm:bulletEnabled val="1"/>
+            </dgm:varLst>
+            <dgm:alg type="tx">
+              <dgm:param type="stBulletLvl" val="1"/>
+              <dgm:param type="lnSpAfChP" val="20"/>
+            </dgm:alg>
+            <dgm:shape xmlns:r="http://schemas.openxmlformats.org/officeDocument/2006/relationships" type="rect" r:blip="">
+              <dgm:adjLst/>
+            </dgm:shape>
+            <dgm:presOf axis="des" ptType="node"/>
+            <dgm:constrLst>
+              <dgm:constr type="tMarg" refType="primFontSz" fact="0.1"/>
+              <dgm:constr type="bMarg" refType="primFontSz" fact="0.1"/>
+              <dgm:constr type="lMarg" refType="w" fact="0.09"/>
+            </dgm:constrLst>
+            <dgm:ruleLst>
+              <dgm:rule type="h" val="INF" fact="NaN" max="NaN"/>
+            </dgm:ruleLst>
+          </dgm:layoutNode>
+        </dgm:if>
+        <dgm:else name="Name3">
+          <dgm:choose name="Name4">
+            <dgm:if name="Name5" axis="par ch" ptType="doc node" func="cnt" op="gte" val="2">
+              <dgm:forEach name="Name6" axis="followSib" ptType="sibTrans" cnt="1">
+                <dgm:layoutNode name="spacer">
+                  <dgm:alg type="sp"/>
+                  <dgm:shape xmlns:r="http://schemas.openxmlformats.org/officeDocument/2006/relationships" r:blip="">
+                    <dgm:adjLst/>
+                  </dgm:shape>
+                  <dgm:presOf/>
+                  <dgm:constrLst/>
+                  <dgm:ruleLst/>
+                </dgm:layoutNode>
+              </dgm:forEach>
+            </dgm:if>
+            <dgm:else name="Name7"/>
+          </dgm:choose>
+        </dgm:else>
+      </dgm:choose>
+    </dgm:forEach>
+  </dgm:layoutNode>
+</dgm:layoutDef>
+</file>
+
+<file path=ppt/diagrams/layout3.xml><?xml version="1.0" encoding="utf-8"?>
 <dgm:layoutDef xmlns:dgm="http://schemas.openxmlformats.org/drawingml/2006/diagram" xmlns:a="http://schemas.openxmlformats.org/drawingml/2006/main" uniqueId="urn:microsoft.com/office/officeart/2018/2/layout/IconVerticalSolidList">
   <dgm:title val="Icon Vertical Solid List"/>
   <dgm:desc val="Use to show a series of visuals from top to bottom with Level 1 or Level 1 and Level 2 text grouped in a shape. Works best with icons or small pictures with lengthier descriptions."/>
@@ -4881,6 +6535,1040 @@
 </file>
 
 <file path=ppt/diagrams/quickStyle2.xml><?xml version="1.0" encoding="utf-8"?>
+<dgm:styleDef xmlns:dgm="http://schemas.openxmlformats.org/drawingml/2006/diagram" xmlns:a="http://schemas.openxmlformats.org/drawingml/2006/main" uniqueId="urn:microsoft.com/office/officeart/2005/8/quickstyle/simple1">
+  <dgm:title val=""/>
+  <dgm:desc val=""/>
+  <dgm:catLst>
+    <dgm:cat type="simple" pri="10100"/>
+  </dgm:catLst>
+  <dgm:scene3d>
+    <a:camera prst="orthographicFront"/>
+    <a:lightRig rig="threePt" dir="t"/>
+  </dgm:scene3d>
+  <dgm:styleLbl name="node0">
+    <dgm:scene3d>
+      <a:camera prst="orthographicFront"/>
+      <a:lightRig rig="threePt" dir="t"/>
+    </dgm:scene3d>
+    <dgm:sp3d/>
+    <dgm:txPr/>
+    <dgm:style>
+      <a:lnRef idx="2">
+        <a:scrgbClr r="0" g="0" b="0"/>
+      </a:lnRef>
+      <a:fillRef idx="1">
+        <a:scrgbClr r="0" g="0" b="0"/>
+      </a:fillRef>
+      <a:effectRef idx="0">
+        <a:scrgbClr r="0" g="0" b="0"/>
+      </a:effectRef>
+      <a:fontRef idx="minor">
+        <a:schemeClr val="lt1"/>
+      </a:fontRef>
+    </dgm:style>
+  </dgm:styleLbl>
+  <dgm:styleLbl name="lnNode1">
+    <dgm:scene3d>
+      <a:camera prst="orthographicFront"/>
+      <a:lightRig rig="threePt" dir="t"/>
+    </dgm:scene3d>
+    <dgm:sp3d/>
+    <dgm:txPr/>
+    <dgm:style>
+      <a:lnRef idx="2">
+        <a:scrgbClr r="0" g="0" b="0"/>
+      </a:lnRef>
+      <a:fillRef idx="1">
+        <a:scrgbClr r="0" g="0" b="0"/>
+      </a:fillRef>
+      <a:effectRef idx="0">
+        <a:scrgbClr r="0" g="0" b="0"/>
+      </a:effectRef>
+      <a:fontRef idx="minor">
+        <a:schemeClr val="lt1"/>
+      </a:fontRef>
+    </dgm:style>
+  </dgm:styleLbl>
+  <dgm:styleLbl name="vennNode1">
+    <dgm:scene3d>
+      <a:camera prst="orthographicFront"/>
+      <a:lightRig rig="threePt" dir="t"/>
+    </dgm:scene3d>
+    <dgm:sp3d/>
+    <dgm:txPr/>
+    <dgm:style>
+      <a:lnRef idx="2">
+        <a:scrgbClr r="0" g="0" b="0"/>
+      </a:lnRef>
+      <a:fillRef idx="1">
+        <a:scrgbClr r="0" g="0" b="0"/>
+      </a:fillRef>
+      <a:effectRef idx="0">
+        <a:scrgbClr r="0" g="0" b="0"/>
+      </a:effectRef>
+      <a:fontRef idx="minor">
+        <a:schemeClr val="tx1"/>
+      </a:fontRef>
+    </dgm:style>
+  </dgm:styleLbl>
+  <dgm:styleLbl name="alignNode1">
+    <dgm:scene3d>
+      <a:camera prst="orthographicFront"/>
+      <a:lightRig rig="threePt" dir="t"/>
+    </dgm:scene3d>
+    <dgm:sp3d/>
+    <dgm:txPr/>
+    <dgm:style>
+      <a:lnRef idx="2">
+        <a:scrgbClr r="0" g="0" b="0"/>
+      </a:lnRef>
+      <a:fillRef idx="1">
+        <a:scrgbClr r="0" g="0" b="0"/>
+      </a:fillRef>
+      <a:effectRef idx="0">
+        <a:scrgbClr r="0" g="0" b="0"/>
+      </a:effectRef>
+      <a:fontRef idx="minor">
+        <a:schemeClr val="lt1"/>
+      </a:fontRef>
+    </dgm:style>
+  </dgm:styleLbl>
+  <dgm:styleLbl name="node1">
+    <dgm:scene3d>
+      <a:camera prst="orthographicFront"/>
+      <a:lightRig rig="threePt" dir="t"/>
+    </dgm:scene3d>
+    <dgm:sp3d/>
+    <dgm:txPr/>
+    <dgm:style>
+      <a:lnRef idx="2">
+        <a:scrgbClr r="0" g="0" b="0"/>
+      </a:lnRef>
+      <a:fillRef idx="1">
+        <a:scrgbClr r="0" g="0" b="0"/>
+      </a:fillRef>
+      <a:effectRef idx="0">
+        <a:scrgbClr r="0" g="0" b="0"/>
+      </a:effectRef>
+      <a:fontRef idx="minor">
+        <a:schemeClr val="lt1"/>
+      </a:fontRef>
+    </dgm:style>
+  </dgm:styleLbl>
+  <dgm:styleLbl name="node2">
+    <dgm:scene3d>
+      <a:camera prst="orthographicFront"/>
+      <a:lightRig rig="threePt" dir="t"/>
+    </dgm:scene3d>
+    <dgm:sp3d/>
+    <dgm:txPr/>
+    <dgm:style>
+      <a:lnRef idx="2">
+        <a:scrgbClr r="0" g="0" b="0"/>
+      </a:lnRef>
+      <a:fillRef idx="1">
+        <a:scrgbClr r="0" g="0" b="0"/>
+      </a:fillRef>
+      <a:effectRef idx="0">
+        <a:scrgbClr r="0" g="0" b="0"/>
+      </a:effectRef>
+      <a:fontRef idx="minor">
+        <a:schemeClr val="lt1"/>
+      </a:fontRef>
+    </dgm:style>
+  </dgm:styleLbl>
+  <dgm:styleLbl name="node3">
+    <dgm:scene3d>
+      <a:camera prst="orthographicFront"/>
+      <a:lightRig rig="threePt" dir="t"/>
+    </dgm:scene3d>
+    <dgm:sp3d/>
+    <dgm:txPr/>
+    <dgm:style>
+      <a:lnRef idx="2">
+        <a:scrgbClr r="0" g="0" b="0"/>
+      </a:lnRef>
+      <a:fillRef idx="1">
+        <a:scrgbClr r="0" g="0" b="0"/>
+      </a:fillRef>
+      <a:effectRef idx="0">
+        <a:scrgbClr r="0" g="0" b="0"/>
+      </a:effectRef>
+      <a:fontRef idx="minor">
+        <a:schemeClr val="lt1"/>
+      </a:fontRef>
+    </dgm:style>
+  </dgm:styleLbl>
+  <dgm:styleLbl name="node4">
+    <dgm:scene3d>
+      <a:camera prst="orthographicFront"/>
+      <a:lightRig rig="threePt" dir="t"/>
+    </dgm:scene3d>
+    <dgm:sp3d/>
+    <dgm:txPr/>
+    <dgm:style>
+      <a:lnRef idx="2">
+        <a:scrgbClr r="0" g="0" b="0"/>
+      </a:lnRef>
+      <a:fillRef idx="1">
+        <a:scrgbClr r="0" g="0" b="0"/>
+      </a:fillRef>
+      <a:effectRef idx="0">
+        <a:scrgbClr r="0" g="0" b="0"/>
+      </a:effectRef>
+      <a:fontRef idx="minor">
+        <a:schemeClr val="lt1"/>
+      </a:fontRef>
+    </dgm:style>
+  </dgm:styleLbl>
+  <dgm:styleLbl name="fgImgPlace1">
+    <dgm:scene3d>
+      <a:camera prst="orthographicFront"/>
+      <a:lightRig rig="threePt" dir="t"/>
+    </dgm:scene3d>
+    <dgm:sp3d/>
+    <dgm:txPr/>
+    <dgm:style>
+      <a:lnRef idx="2">
+        <a:scrgbClr r="0" g="0" b="0"/>
+      </a:lnRef>
+      <a:fillRef idx="1">
+        <a:scrgbClr r="0" g="0" b="0"/>
+      </a:fillRef>
+      <a:effectRef idx="0">
+        <a:scrgbClr r="0" g="0" b="0"/>
+      </a:effectRef>
+      <a:fontRef idx="minor"/>
+    </dgm:style>
+  </dgm:styleLbl>
+  <dgm:styleLbl name="alignImgPlace1">
+    <dgm:scene3d>
+      <a:camera prst="orthographicFront"/>
+      <a:lightRig rig="threePt" dir="t"/>
+    </dgm:scene3d>
+    <dgm:sp3d/>
+    <dgm:txPr/>
+    <dgm:style>
+      <a:lnRef idx="2">
+        <a:scrgbClr r="0" g="0" b="0"/>
+      </a:lnRef>
+      <a:fillRef idx="1">
+        <a:scrgbClr r="0" g="0" b="0"/>
+      </a:fillRef>
+      <a:effectRef idx="0">
+        <a:scrgbClr r="0" g="0" b="0"/>
+      </a:effectRef>
+      <a:fontRef idx="minor"/>
+    </dgm:style>
+  </dgm:styleLbl>
+  <dgm:styleLbl name="bgImgPlace1">
+    <dgm:scene3d>
+      <a:camera prst="orthographicFront"/>
+      <a:lightRig rig="threePt" dir="t"/>
+    </dgm:scene3d>
+    <dgm:sp3d/>
+    <dgm:txPr/>
+    <dgm:style>
+      <a:lnRef idx="2">
+        <a:scrgbClr r="0" g="0" b="0"/>
+      </a:lnRef>
+      <a:fillRef idx="1">
+        <a:scrgbClr r="0" g="0" b="0"/>
+      </a:fillRef>
+      <a:effectRef idx="0">
+        <a:scrgbClr r="0" g="0" b="0"/>
+      </a:effectRef>
+      <a:fontRef idx="minor"/>
+    </dgm:style>
+  </dgm:styleLbl>
+  <dgm:styleLbl name="sibTrans2D1">
+    <dgm:scene3d>
+      <a:camera prst="orthographicFront"/>
+      <a:lightRig rig="threePt" dir="t"/>
+    </dgm:scene3d>
+    <dgm:sp3d/>
+    <dgm:txPr/>
+    <dgm:style>
+      <a:lnRef idx="0">
+        <a:scrgbClr r="0" g="0" b="0"/>
+      </a:lnRef>
+      <a:fillRef idx="1">
+        <a:scrgbClr r="0" g="0" b="0"/>
+      </a:fillRef>
+      <a:effectRef idx="0">
+        <a:scrgbClr r="0" g="0" b="0"/>
+      </a:effectRef>
+      <a:fontRef idx="minor">
+        <a:schemeClr val="lt1"/>
+      </a:fontRef>
+    </dgm:style>
+  </dgm:styleLbl>
+  <dgm:styleLbl name="fgSibTrans2D1">
+    <dgm:scene3d>
+      <a:camera prst="orthographicFront"/>
+      <a:lightRig rig="threePt" dir="t"/>
+    </dgm:scene3d>
+    <dgm:sp3d/>
+    <dgm:txPr/>
+    <dgm:style>
+      <a:lnRef idx="0">
+        <a:scrgbClr r="0" g="0" b="0"/>
+      </a:lnRef>
+      <a:fillRef idx="1">
+        <a:scrgbClr r="0" g="0" b="0"/>
+      </a:fillRef>
+      <a:effectRef idx="0">
+        <a:scrgbClr r="0" g="0" b="0"/>
+      </a:effectRef>
+      <a:fontRef idx="minor">
+        <a:schemeClr val="lt1"/>
+      </a:fontRef>
+    </dgm:style>
+  </dgm:styleLbl>
+  <dgm:styleLbl name="bgSibTrans2D1">
+    <dgm:scene3d>
+      <a:camera prst="orthographicFront"/>
+      <a:lightRig rig="threePt" dir="t"/>
+    </dgm:scene3d>
+    <dgm:sp3d/>
+    <dgm:txPr/>
+    <dgm:style>
+      <a:lnRef idx="0">
+        <a:scrgbClr r="0" g="0" b="0"/>
+      </a:lnRef>
+      <a:fillRef idx="1">
+        <a:scrgbClr r="0" g="0" b="0"/>
+      </a:fillRef>
+      <a:effectRef idx="0">
+        <a:scrgbClr r="0" g="0" b="0"/>
+      </a:effectRef>
+      <a:fontRef idx="minor">
+        <a:schemeClr val="lt1"/>
+      </a:fontRef>
+    </dgm:style>
+  </dgm:styleLbl>
+  <dgm:styleLbl name="sibTrans1D1">
+    <dgm:scene3d>
+      <a:camera prst="orthographicFront"/>
+      <a:lightRig rig="threePt" dir="t"/>
+    </dgm:scene3d>
+    <dgm:sp3d/>
+    <dgm:txPr/>
+    <dgm:style>
+      <a:lnRef idx="1">
+        <a:scrgbClr r="0" g="0" b="0"/>
+      </a:lnRef>
+      <a:fillRef idx="0">
+        <a:scrgbClr r="0" g="0" b="0"/>
+      </a:fillRef>
+      <a:effectRef idx="0">
+        <a:scrgbClr r="0" g="0" b="0"/>
+      </a:effectRef>
+      <a:fontRef idx="minor"/>
+    </dgm:style>
+  </dgm:styleLbl>
+  <dgm:styleLbl name="callout">
+    <dgm:scene3d>
+      <a:camera prst="orthographicFront"/>
+      <a:lightRig rig="threePt" dir="t"/>
+    </dgm:scene3d>
+    <dgm:sp3d/>
+    <dgm:txPr/>
+    <dgm:style>
+      <a:lnRef idx="2">
+        <a:scrgbClr r="0" g="0" b="0"/>
+      </a:lnRef>
+      <a:fillRef idx="1">
+        <a:scrgbClr r="0" g="0" b="0"/>
+      </a:fillRef>
+      <a:effectRef idx="0">
+        <a:scrgbClr r="0" g="0" b="0"/>
+      </a:effectRef>
+      <a:fontRef idx="minor"/>
+    </dgm:style>
+  </dgm:styleLbl>
+  <dgm:styleLbl name="asst0">
+    <dgm:scene3d>
+      <a:camera prst="orthographicFront"/>
+      <a:lightRig rig="threePt" dir="t"/>
+    </dgm:scene3d>
+    <dgm:sp3d/>
+    <dgm:txPr/>
+    <dgm:style>
+      <a:lnRef idx="2">
+        <a:scrgbClr r="0" g="0" b="0"/>
+      </a:lnRef>
+      <a:fillRef idx="1">
+        <a:scrgbClr r="0" g="0" b="0"/>
+      </a:fillRef>
+      <a:effectRef idx="0">
+        <a:scrgbClr r="0" g="0" b="0"/>
+      </a:effectRef>
+      <a:fontRef idx="minor">
+        <a:schemeClr val="lt1"/>
+      </a:fontRef>
+    </dgm:style>
+  </dgm:styleLbl>
+  <dgm:styleLbl name="asst1">
+    <dgm:scene3d>
+      <a:camera prst="orthographicFront"/>
+      <a:lightRig rig="threePt" dir="t"/>
+    </dgm:scene3d>
+    <dgm:sp3d/>
+    <dgm:txPr/>
+    <dgm:style>
+      <a:lnRef idx="2">
+        <a:scrgbClr r="0" g="0" b="0"/>
+      </a:lnRef>
+      <a:fillRef idx="1">
+        <a:scrgbClr r="0" g="0" b="0"/>
+      </a:fillRef>
+      <a:effectRef idx="0">
+        <a:scrgbClr r="0" g="0" b="0"/>
+      </a:effectRef>
+      <a:fontRef idx="minor">
+        <a:schemeClr val="lt1"/>
+      </a:fontRef>
+    </dgm:style>
+  </dgm:styleLbl>
+  <dgm:styleLbl name="asst2">
+    <dgm:scene3d>
+      <a:camera prst="orthographicFront"/>
+      <a:lightRig rig="threePt" dir="t"/>
+    </dgm:scene3d>
+    <dgm:sp3d/>
+    <dgm:txPr/>
+    <dgm:style>
+      <a:lnRef idx="2">
+        <a:scrgbClr r="0" g="0" b="0"/>
+      </a:lnRef>
+      <a:fillRef idx="1">
+        <a:scrgbClr r="0" g="0" b="0"/>
+      </a:fillRef>
+      <a:effectRef idx="0">
+        <a:scrgbClr r="0" g="0" b="0"/>
+      </a:effectRef>
+      <a:fontRef idx="minor">
+        <a:schemeClr val="lt1"/>
+      </a:fontRef>
+    </dgm:style>
+  </dgm:styleLbl>
+  <dgm:styleLbl name="asst3">
+    <dgm:scene3d>
+      <a:camera prst="orthographicFront"/>
+      <a:lightRig rig="threePt" dir="t"/>
+    </dgm:scene3d>
+    <dgm:sp3d/>
+    <dgm:txPr/>
+    <dgm:style>
+      <a:lnRef idx="2">
+        <a:scrgbClr r="0" g="0" b="0"/>
+      </a:lnRef>
+      <a:fillRef idx="1">
+        <a:scrgbClr r="0" g="0" b="0"/>
+      </a:fillRef>
+      <a:effectRef idx="0">
+        <a:scrgbClr r="0" g="0" b="0"/>
+      </a:effectRef>
+      <a:fontRef idx="minor">
+        <a:schemeClr val="lt1"/>
+      </a:fontRef>
+    </dgm:style>
+  </dgm:styleLbl>
+  <dgm:styleLbl name="asst4">
+    <dgm:scene3d>
+      <a:camera prst="orthographicFront"/>
+      <a:lightRig rig="threePt" dir="t"/>
+    </dgm:scene3d>
+    <dgm:sp3d/>
+    <dgm:txPr/>
+    <dgm:style>
+      <a:lnRef idx="2">
+        <a:scrgbClr r="0" g="0" b="0"/>
+      </a:lnRef>
+      <a:fillRef idx="1">
+        <a:scrgbClr r="0" g="0" b="0"/>
+      </a:fillRef>
+      <a:effectRef idx="0">
+        <a:scrgbClr r="0" g="0" b="0"/>
+      </a:effectRef>
+      <a:fontRef idx="minor">
+        <a:schemeClr val="lt1"/>
+      </a:fontRef>
+    </dgm:style>
+  </dgm:styleLbl>
+  <dgm:styleLbl name="parChTrans2D1">
+    <dgm:scene3d>
+      <a:camera prst="orthographicFront"/>
+      <a:lightRig rig="threePt" dir="t"/>
+    </dgm:scene3d>
+    <dgm:sp3d/>
+    <dgm:txPr/>
+    <dgm:style>
+      <a:lnRef idx="2">
+        <a:scrgbClr r="0" g="0" b="0"/>
+      </a:lnRef>
+      <a:fillRef idx="1">
+        <a:scrgbClr r="0" g="0" b="0"/>
+      </a:fillRef>
+      <a:effectRef idx="0">
+        <a:scrgbClr r="0" g="0" b="0"/>
+      </a:effectRef>
+      <a:fontRef idx="minor">
+        <a:schemeClr val="lt1"/>
+      </a:fontRef>
+    </dgm:style>
+  </dgm:styleLbl>
+  <dgm:styleLbl name="parChTrans2D2">
+    <dgm:scene3d>
+      <a:camera prst="orthographicFront"/>
+      <a:lightRig rig="threePt" dir="t"/>
+    </dgm:scene3d>
+    <dgm:sp3d/>
+    <dgm:txPr/>
+    <dgm:style>
+      <a:lnRef idx="2">
+        <a:scrgbClr r="0" g="0" b="0"/>
+      </a:lnRef>
+      <a:fillRef idx="1">
+        <a:scrgbClr r="0" g="0" b="0"/>
+      </a:fillRef>
+      <a:effectRef idx="0">
+        <a:scrgbClr r="0" g="0" b="0"/>
+      </a:effectRef>
+      <a:fontRef idx="minor">
+        <a:schemeClr val="lt1"/>
+      </a:fontRef>
+    </dgm:style>
+  </dgm:styleLbl>
+  <dgm:styleLbl name="parChTrans2D3">
+    <dgm:scene3d>
+      <a:camera prst="orthographicFront"/>
+      <a:lightRig rig="threePt" dir="t"/>
+    </dgm:scene3d>
+    <dgm:sp3d/>
+    <dgm:txPr/>
+    <dgm:style>
+      <a:lnRef idx="2">
+        <a:scrgbClr r="0" g="0" b="0"/>
+      </a:lnRef>
+      <a:fillRef idx="1">
+        <a:scrgbClr r="0" g="0" b="0"/>
+      </a:fillRef>
+      <a:effectRef idx="0">
+        <a:scrgbClr r="0" g="0" b="0"/>
+      </a:effectRef>
+      <a:fontRef idx="minor">
+        <a:schemeClr val="lt1"/>
+      </a:fontRef>
+    </dgm:style>
+  </dgm:styleLbl>
+  <dgm:styleLbl name="parChTrans2D4">
+    <dgm:scene3d>
+      <a:camera prst="orthographicFront"/>
+      <a:lightRig rig="threePt" dir="t"/>
+    </dgm:scene3d>
+    <dgm:sp3d/>
+    <dgm:txPr/>
+    <dgm:style>
+      <a:lnRef idx="2">
+        <a:scrgbClr r="0" g="0" b="0"/>
+      </a:lnRef>
+      <a:fillRef idx="1">
+        <a:scrgbClr r="0" g="0" b="0"/>
+      </a:fillRef>
+      <a:effectRef idx="0">
+        <a:scrgbClr r="0" g="0" b="0"/>
+      </a:effectRef>
+      <a:fontRef idx="minor">
+        <a:schemeClr val="lt1"/>
+      </a:fontRef>
+    </dgm:style>
+  </dgm:styleLbl>
+  <dgm:styleLbl name="parChTrans1D1">
+    <dgm:scene3d>
+      <a:camera prst="orthographicFront"/>
+      <a:lightRig rig="threePt" dir="t"/>
+    </dgm:scene3d>
+    <dgm:sp3d/>
+    <dgm:txPr/>
+    <dgm:style>
+      <a:lnRef idx="2">
+        <a:scrgbClr r="0" g="0" b="0"/>
+      </a:lnRef>
+      <a:fillRef idx="0">
+        <a:scrgbClr r="0" g="0" b="0"/>
+      </a:fillRef>
+      <a:effectRef idx="0">
+        <a:scrgbClr r="0" g="0" b="0"/>
+      </a:effectRef>
+      <a:fontRef idx="minor"/>
+    </dgm:style>
+  </dgm:styleLbl>
+  <dgm:styleLbl name="parChTrans1D2">
+    <dgm:scene3d>
+      <a:camera prst="orthographicFront"/>
+      <a:lightRig rig="threePt" dir="t"/>
+    </dgm:scene3d>
+    <dgm:sp3d/>
+    <dgm:txPr/>
+    <dgm:style>
+      <a:lnRef idx="2">
+        <a:scrgbClr r="0" g="0" b="0"/>
+      </a:lnRef>
+      <a:fillRef idx="0">
+        <a:scrgbClr r="0" g="0" b="0"/>
+      </a:fillRef>
+      <a:effectRef idx="0">
+        <a:scrgbClr r="0" g="0" b="0"/>
+      </a:effectRef>
+      <a:fontRef idx="minor"/>
+    </dgm:style>
+  </dgm:styleLbl>
+  <dgm:styleLbl name="parChTrans1D3">
+    <dgm:scene3d>
+      <a:camera prst="orthographicFront"/>
+      <a:lightRig rig="threePt" dir="t"/>
+    </dgm:scene3d>
+    <dgm:sp3d/>
+    <dgm:txPr/>
+    <dgm:style>
+      <a:lnRef idx="2">
+        <a:scrgbClr r="0" g="0" b="0"/>
+      </a:lnRef>
+      <a:fillRef idx="0">
+        <a:scrgbClr r="0" g="0" b="0"/>
+      </a:fillRef>
+      <a:effectRef idx="0">
+        <a:scrgbClr r="0" g="0" b="0"/>
+      </a:effectRef>
+      <a:fontRef idx="minor"/>
+    </dgm:style>
+  </dgm:styleLbl>
+  <dgm:styleLbl name="parChTrans1D4">
+    <dgm:scene3d>
+      <a:camera prst="orthographicFront"/>
+      <a:lightRig rig="threePt" dir="t"/>
+    </dgm:scene3d>
+    <dgm:sp3d/>
+    <dgm:txPr/>
+    <dgm:style>
+      <a:lnRef idx="2">
+        <a:scrgbClr r="0" g="0" b="0"/>
+      </a:lnRef>
+      <a:fillRef idx="0">
+        <a:scrgbClr r="0" g="0" b="0"/>
+      </a:fillRef>
+      <a:effectRef idx="0">
+        <a:scrgbClr r="0" g="0" b="0"/>
+      </a:effectRef>
+      <a:fontRef idx="minor"/>
+    </dgm:style>
+  </dgm:styleLbl>
+  <dgm:styleLbl name="fgAcc1">
+    <dgm:scene3d>
+      <a:camera prst="orthographicFront"/>
+      <a:lightRig rig="threePt" dir="t"/>
+    </dgm:scene3d>
+    <dgm:sp3d/>
+    <dgm:txPr/>
+    <dgm:style>
+      <a:lnRef idx="2">
+        <a:scrgbClr r="0" g="0" b="0"/>
+      </a:lnRef>
+      <a:fillRef idx="1">
+        <a:scrgbClr r="0" g="0" b="0"/>
+      </a:fillRef>
+      <a:effectRef idx="0">
+        <a:scrgbClr r="0" g="0" b="0"/>
+      </a:effectRef>
+      <a:fontRef idx="minor"/>
+    </dgm:style>
+  </dgm:styleLbl>
+  <dgm:styleLbl name="conFgAcc1">
+    <dgm:scene3d>
+      <a:camera prst="orthographicFront"/>
+      <a:lightRig rig="threePt" dir="t"/>
+    </dgm:scene3d>
+    <dgm:sp3d/>
+    <dgm:txPr/>
+    <dgm:style>
+      <a:lnRef idx="2">
+        <a:scrgbClr r="0" g="0" b="0"/>
+      </a:lnRef>
+      <a:fillRef idx="1">
+        <a:scrgbClr r="0" g="0" b="0"/>
+      </a:fillRef>
+      <a:effectRef idx="0">
+        <a:scrgbClr r="0" g="0" b="0"/>
+      </a:effectRef>
+      <a:fontRef idx="minor"/>
+    </dgm:style>
+  </dgm:styleLbl>
+  <dgm:styleLbl name="alignAcc1">
+    <dgm:scene3d>
+      <a:camera prst="orthographicFront"/>
+      <a:lightRig rig="threePt" dir="t"/>
+    </dgm:scene3d>
+    <dgm:sp3d/>
+    <dgm:txPr/>
+    <dgm:style>
+      <a:lnRef idx="2">
+        <a:scrgbClr r="0" g="0" b="0"/>
+      </a:lnRef>
+      <a:fillRef idx="1">
+        <a:scrgbClr r="0" g="0" b="0"/>
+      </a:fillRef>
+      <a:effectRef idx="0">
+        <a:scrgbClr r="0" g="0" b="0"/>
+      </a:effectRef>
+      <a:fontRef idx="minor"/>
+    </dgm:style>
+  </dgm:styleLbl>
+  <dgm:styleLbl name="trAlignAcc1">
+    <dgm:scene3d>
+      <a:camera prst="orthographicFront"/>
+      <a:lightRig rig="threePt" dir="t"/>
+    </dgm:scene3d>
+    <dgm:sp3d/>
+    <dgm:txPr/>
+    <dgm:style>
+      <a:lnRef idx="1">
+        <a:scrgbClr r="0" g="0" b="0"/>
+      </a:lnRef>
+      <a:fillRef idx="1">
+        <a:scrgbClr r="0" g="0" b="0"/>
+      </a:fillRef>
+      <a:effectRef idx="0">
+        <a:scrgbClr r="0" g="0" b="0"/>
+      </a:effectRef>
+      <a:fontRef idx="minor"/>
+    </dgm:style>
+  </dgm:styleLbl>
+  <dgm:styleLbl name="bgAcc1">
+    <dgm:scene3d>
+      <a:camera prst="orthographicFront"/>
+      <a:lightRig rig="threePt" dir="t"/>
+    </dgm:scene3d>
+    <dgm:sp3d/>
+    <dgm:txPr/>
+    <dgm:style>
+      <a:lnRef idx="2">
+        <a:scrgbClr r="0" g="0" b="0"/>
+      </a:lnRef>
+      <a:fillRef idx="1">
+        <a:scrgbClr r="0" g="0" b="0"/>
+      </a:fillRef>
+      <a:effectRef idx="0">
+        <a:scrgbClr r="0" g="0" b="0"/>
+      </a:effectRef>
+      <a:fontRef idx="minor"/>
+    </dgm:style>
+  </dgm:styleLbl>
+  <dgm:styleLbl name="solidFgAcc1">
+    <dgm:scene3d>
+      <a:camera prst="orthographicFront"/>
+      <a:lightRig rig="threePt" dir="t"/>
+    </dgm:scene3d>
+    <dgm:sp3d/>
+    <dgm:txPr/>
+    <dgm:style>
+      <a:lnRef idx="2">
+        <a:scrgbClr r="0" g="0" b="0"/>
+      </a:lnRef>
+      <a:fillRef idx="1">
+        <a:scrgbClr r="0" g="0" b="0"/>
+      </a:fillRef>
+      <a:effectRef idx="0">
+        <a:scrgbClr r="0" g="0" b="0"/>
+      </a:effectRef>
+      <a:fontRef idx="minor"/>
+    </dgm:style>
+  </dgm:styleLbl>
+  <dgm:styleLbl name="solidAlignAcc1">
+    <dgm:scene3d>
+      <a:camera prst="orthographicFront"/>
+      <a:lightRig rig="threePt" dir="t"/>
+    </dgm:scene3d>
+    <dgm:sp3d/>
+    <dgm:txPr/>
+    <dgm:style>
+      <a:lnRef idx="2">
+        <a:scrgbClr r="0" g="0" b="0"/>
+      </a:lnRef>
+      <a:fillRef idx="1">
+        <a:scrgbClr r="0" g="0" b="0"/>
+      </a:fillRef>
+      <a:effectRef idx="0">
+        <a:scrgbClr r="0" g="0" b="0"/>
+      </a:effectRef>
+      <a:fontRef idx="minor"/>
+    </dgm:style>
+  </dgm:styleLbl>
+  <dgm:styleLbl name="solidBgAcc1">
+    <dgm:scene3d>
+      <a:camera prst="orthographicFront"/>
+      <a:lightRig rig="threePt" dir="t"/>
+    </dgm:scene3d>
+    <dgm:sp3d/>
+    <dgm:txPr/>
+    <dgm:style>
+      <a:lnRef idx="2">
+        <a:scrgbClr r="0" g="0" b="0"/>
+      </a:lnRef>
+      <a:fillRef idx="1">
+        <a:scrgbClr r="0" g="0" b="0"/>
+      </a:fillRef>
+      <a:effectRef idx="0">
+        <a:scrgbClr r="0" g="0" b="0"/>
+      </a:effectRef>
+      <a:fontRef idx="minor"/>
+    </dgm:style>
+  </dgm:styleLbl>
+  <dgm:styleLbl name="fgAccFollowNode1">
+    <dgm:scene3d>
+      <a:camera prst="orthographicFront"/>
+      <a:lightRig rig="threePt" dir="t"/>
+    </dgm:scene3d>
+    <dgm:sp3d/>
+    <dgm:txPr/>
+    <dgm:style>
+      <a:lnRef idx="2">
+        <a:scrgbClr r="0" g="0" b="0"/>
+      </a:lnRef>
+      <a:fillRef idx="1">
+        <a:scrgbClr r="0" g="0" b="0"/>
+      </a:fillRef>
+      <a:effectRef idx="0">
+        <a:scrgbClr r="0" g="0" b="0"/>
+      </a:effectRef>
+      <a:fontRef idx="minor"/>
+    </dgm:style>
+  </dgm:styleLbl>
+  <dgm:styleLbl name="alignAccFollowNode1">
+    <dgm:scene3d>
+      <a:camera prst="orthographicFront"/>
+      <a:lightRig rig="threePt" dir="t"/>
+    </dgm:scene3d>
+    <dgm:sp3d/>
+    <dgm:txPr/>
+    <dgm:style>
+      <a:lnRef idx="2">
+        <a:scrgbClr r="0" g="0" b="0"/>
+      </a:lnRef>
+      <a:fillRef idx="1">
+        <a:scrgbClr r="0" g="0" b="0"/>
+      </a:fillRef>
+      <a:effectRef idx="0">
+        <a:scrgbClr r="0" g="0" b="0"/>
+      </a:effectRef>
+      <a:fontRef idx="minor"/>
+    </dgm:style>
+  </dgm:styleLbl>
+  <dgm:styleLbl name="bgAccFollowNode1">
+    <dgm:scene3d>
+      <a:camera prst="orthographicFront"/>
+      <a:lightRig rig="threePt" dir="t"/>
+    </dgm:scene3d>
+    <dgm:sp3d/>
+    <dgm:txPr/>
+    <dgm:style>
+      <a:lnRef idx="2">
+        <a:scrgbClr r="0" g="0" b="0"/>
+      </a:lnRef>
+      <a:fillRef idx="1">
+        <a:scrgbClr r="0" g="0" b="0"/>
+      </a:fillRef>
+      <a:effectRef idx="0">
+        <a:scrgbClr r="0" g="0" b="0"/>
+      </a:effectRef>
+      <a:fontRef idx="minor"/>
+    </dgm:style>
+  </dgm:styleLbl>
+  <dgm:styleLbl name="fgAcc0">
+    <dgm:scene3d>
+      <a:camera prst="orthographicFront"/>
+      <a:lightRig rig="threePt" dir="t"/>
+    </dgm:scene3d>
+    <dgm:sp3d/>
+    <dgm:txPr/>
+    <dgm:style>
+      <a:lnRef idx="2">
+        <a:scrgbClr r="0" g="0" b="0"/>
+      </a:lnRef>
+      <a:fillRef idx="1">
+        <a:scrgbClr r="0" g="0" b="0"/>
+      </a:fillRef>
+      <a:effectRef idx="0">
+        <a:scrgbClr r="0" g="0" b="0"/>
+      </a:effectRef>
+      <a:fontRef idx="minor"/>
+    </dgm:style>
+  </dgm:styleLbl>
+  <dgm:styleLbl name="fgAcc2">
+    <dgm:scene3d>
+      <a:camera prst="orthographicFront"/>
+      <a:lightRig rig="threePt" dir="t"/>
+    </dgm:scene3d>
+    <dgm:sp3d/>
+    <dgm:txPr/>
+    <dgm:style>
+      <a:lnRef idx="2">
+        <a:scrgbClr r="0" g="0" b="0"/>
+      </a:lnRef>
+      <a:fillRef idx="1">
+        <a:scrgbClr r="0" g="0" b="0"/>
+      </a:fillRef>
+      <a:effectRef idx="0">
+        <a:scrgbClr r="0" g="0" b="0"/>
+      </a:effectRef>
+      <a:fontRef idx="minor"/>
+    </dgm:style>
+  </dgm:styleLbl>
+  <dgm:styleLbl name="fgAcc3">
+    <dgm:scene3d>
+      <a:camera prst="orthographicFront"/>
+      <a:lightRig rig="threePt" dir="t"/>
+    </dgm:scene3d>
+    <dgm:sp3d/>
+    <dgm:txPr/>
+    <dgm:style>
+      <a:lnRef idx="2">
+        <a:scrgbClr r="0" g="0" b="0"/>
+      </a:lnRef>
+      <a:fillRef idx="1">
+        <a:scrgbClr r="0" g="0" b="0"/>
+      </a:fillRef>
+      <a:effectRef idx="0">
+        <a:scrgbClr r="0" g="0" b="0"/>
+      </a:effectRef>
+      <a:fontRef idx="minor"/>
+    </dgm:style>
+  </dgm:styleLbl>
+  <dgm:styleLbl name="fgAcc4">
+    <dgm:scene3d>
+      <a:camera prst="orthographicFront"/>
+      <a:lightRig rig="threePt" dir="t"/>
+    </dgm:scene3d>
+    <dgm:sp3d/>
+    <dgm:txPr/>
+    <dgm:style>
+      <a:lnRef idx="2">
+        <a:scrgbClr r="0" g="0" b="0"/>
+      </a:lnRef>
+      <a:fillRef idx="1">
+        <a:scrgbClr r="0" g="0" b="0"/>
+      </a:fillRef>
+      <a:effectRef idx="0">
+        <a:scrgbClr r="0" g="0" b="0"/>
+      </a:effectRef>
+      <a:fontRef idx="minor"/>
+    </dgm:style>
+  </dgm:styleLbl>
+  <dgm:styleLbl name="bgShp">
+    <dgm:scene3d>
+      <a:camera prst="orthographicFront"/>
+      <a:lightRig rig="threePt" dir="t"/>
+    </dgm:scene3d>
+    <dgm:sp3d/>
+    <dgm:txPr/>
+    <dgm:style>
+      <a:lnRef idx="0">
+        <a:scrgbClr r="0" g="0" b="0"/>
+      </a:lnRef>
+      <a:fillRef idx="1">
+        <a:scrgbClr r="0" g="0" b="0"/>
+      </a:fillRef>
+      <a:effectRef idx="0">
+        <a:scrgbClr r="0" g="0" b="0"/>
+      </a:effectRef>
+      <a:fontRef idx="minor"/>
+    </dgm:style>
+  </dgm:styleLbl>
+  <dgm:styleLbl name="dkBgShp">
+    <dgm:scene3d>
+      <a:camera prst="orthographicFront"/>
+      <a:lightRig rig="threePt" dir="t"/>
+    </dgm:scene3d>
+    <dgm:sp3d/>
+    <dgm:txPr/>
+    <dgm:style>
+      <a:lnRef idx="0">
+        <a:scrgbClr r="0" g="0" b="0"/>
+      </a:lnRef>
+      <a:fillRef idx="1">
+        <a:scrgbClr r="0" g="0" b="0"/>
+      </a:fillRef>
+      <a:effectRef idx="0">
+        <a:scrgbClr r="0" g="0" b="0"/>
+      </a:effectRef>
+      <a:fontRef idx="minor"/>
+    </dgm:style>
+  </dgm:styleLbl>
+  <dgm:styleLbl name="trBgShp">
+    <dgm:scene3d>
+      <a:camera prst="orthographicFront"/>
+      <a:lightRig rig="threePt" dir="t"/>
+    </dgm:scene3d>
+    <dgm:sp3d/>
+    <dgm:txPr/>
+    <dgm:style>
+      <a:lnRef idx="0">
+        <a:scrgbClr r="0" g="0" b="0"/>
+      </a:lnRef>
+      <a:fillRef idx="1">
+        <a:scrgbClr r="0" g="0" b="0"/>
+      </a:fillRef>
+      <a:effectRef idx="0">
+        <a:scrgbClr r="0" g="0" b="0"/>
+      </a:effectRef>
+      <a:fontRef idx="minor"/>
+    </dgm:style>
+  </dgm:styleLbl>
+  <dgm:styleLbl name="fgShp">
+    <dgm:scene3d>
+      <a:camera prst="orthographicFront"/>
+      <a:lightRig rig="threePt" dir="t"/>
+    </dgm:scene3d>
+    <dgm:sp3d/>
+    <dgm:txPr/>
+    <dgm:style>
+      <a:lnRef idx="2">
+        <a:scrgbClr r="0" g="0" b="0"/>
+      </a:lnRef>
+      <a:fillRef idx="1">
+        <a:scrgbClr r="0" g="0" b="0"/>
+      </a:fillRef>
+      <a:effectRef idx="0">
+        <a:scrgbClr r="0" g="0" b="0"/>
+      </a:effectRef>
+      <a:fontRef idx="minor"/>
+    </dgm:style>
+  </dgm:styleLbl>
+  <dgm:styleLbl name="revTx">
+    <dgm:scene3d>
+      <a:camera prst="orthographicFront"/>
+      <a:lightRig rig="threePt" dir="t"/>
+    </dgm:scene3d>
+    <dgm:sp3d/>
+    <dgm:txPr/>
+    <dgm:style>
+      <a:lnRef idx="0">
+        <a:scrgbClr r="0" g="0" b="0"/>
+      </a:lnRef>
+      <a:fillRef idx="0">
+        <a:scrgbClr r="0" g="0" b="0"/>
+      </a:fillRef>
+      <a:effectRef idx="0">
+        <a:scrgbClr r="0" g="0" b="0"/>
+      </a:effectRef>
+      <a:fontRef idx="minor"/>
+    </dgm:style>
+  </dgm:styleLbl>
+</dgm:styleDef>
+</file>
+
+<file path=ppt/diagrams/quickStyle3.xml><?xml version="1.0" encoding="utf-8"?>
 <dgm:styleDef xmlns:dgm="http://schemas.openxmlformats.org/drawingml/2006/diagram" xmlns:a="http://schemas.openxmlformats.org/drawingml/2006/main" uniqueId="urn:microsoft.com/office/officeart/2005/8/quickstyle/simple1">
   <dgm:title val=""/>
   <dgm:desc val=""/>
@@ -10102,6 +12790,595 @@
       </p:grpSpPr>
       <p:sp>
         <p:nvSpPr>
+          <p:cNvPr id="10" name="Freeform: Shape 9">
+            <a:extLst>
+              <a:ext uri="{FF2B5EF4-FFF2-40B4-BE49-F238E27FC236}">
+                <a16:creationId xmlns:a16="http://schemas.microsoft.com/office/drawing/2014/main" id="{46C2E80F-49A6-4372-B103-219D417A55ED}"/>
+              </a:ext>
+              <a:ext uri="{C183D7F6-B498-43B3-948B-1728B52AA6E4}">
+                <adec:decorative xmlns:adec="http://schemas.microsoft.com/office/drawing/2017/decorative" val="1"/>
+              </a:ext>
+            </a:extLst>
+          </p:cNvPr>
+          <p:cNvSpPr>
+            <a:spLocks noGrp="1" noRot="1" noChangeAspect="1" noMove="1" noResize="1" noEditPoints="1" noAdjustHandles="1" noChangeArrowheads="1" noChangeShapeType="1" noTextEdit="1"/>
+          </p:cNvSpPr>
+          <p:nvPr>
+            <p:extLst>
+              <p:ext uri="{386F3935-93C4-4BCD-93E2-E3B085C9AB24}">
+                <p16:designElem xmlns:p16="http://schemas.microsoft.com/office/powerpoint/2015/main" val="1"/>
+              </p:ext>
+            </p:extLst>
+          </p:nvPr>
+        </p:nvSpPr>
+        <p:spPr>
+          <a:xfrm>
+            <a:off x="484096" y="470925"/>
+            <a:ext cx="4381009" cy="5892104"/>
+          </a:xfrm>
+          <a:custGeom>
+            <a:avLst/>
+            <a:gdLst>
+              <a:gd name="connsiteX0" fmla="*/ 0 w 4381009"/>
+              <a:gd name="connsiteY0" fmla="*/ 0 h 5892104"/>
+              <a:gd name="connsiteX1" fmla="*/ 4157628 w 4381009"/>
+              <a:gd name="connsiteY1" fmla="*/ 0 h 5892104"/>
+              <a:gd name="connsiteX2" fmla="*/ 4169302 w 4381009"/>
+              <a:gd name="connsiteY2" fmla="*/ 68659 h 5892104"/>
+              <a:gd name="connsiteX3" fmla="*/ 4191571 w 4381009"/>
+              <a:gd name="connsiteY3" fmla="*/ 205472 h 5892104"/>
+              <a:gd name="connsiteX4" fmla="*/ 4213368 w 4381009"/>
+              <a:gd name="connsiteY4" fmla="*/ 342890 h 5892104"/>
+              <a:gd name="connsiteX5" fmla="*/ 4232030 w 4381009"/>
+              <a:gd name="connsiteY5" fmla="*/ 480913 h 5892104"/>
+              <a:gd name="connsiteX6" fmla="*/ 4250848 w 4381009"/>
+              <a:gd name="connsiteY6" fmla="*/ 618332 h 5892104"/>
+              <a:gd name="connsiteX7" fmla="*/ 4268412 w 4381009"/>
+              <a:gd name="connsiteY7" fmla="*/ 756355 h 5892104"/>
+              <a:gd name="connsiteX8" fmla="*/ 4283467 w 4381009"/>
+              <a:gd name="connsiteY8" fmla="*/ 892563 h 5892104"/>
+              <a:gd name="connsiteX9" fmla="*/ 4297737 w 4381009"/>
+              <a:gd name="connsiteY9" fmla="*/ 1030587 h 5892104"/>
+              <a:gd name="connsiteX10" fmla="*/ 4310754 w 4381009"/>
+              <a:gd name="connsiteY10" fmla="*/ 1168005 h 5892104"/>
+              <a:gd name="connsiteX11" fmla="*/ 4322045 w 4381009"/>
+              <a:gd name="connsiteY11" fmla="*/ 1303002 h 5892104"/>
+              <a:gd name="connsiteX12" fmla="*/ 4333336 w 4381009"/>
+              <a:gd name="connsiteY12" fmla="*/ 1439815 h 5892104"/>
+              <a:gd name="connsiteX13" fmla="*/ 4342745 w 4381009"/>
+              <a:gd name="connsiteY13" fmla="*/ 1574812 h 5892104"/>
+              <a:gd name="connsiteX14" fmla="*/ 4350115 w 4381009"/>
+              <a:gd name="connsiteY14" fmla="*/ 1709808 h 5892104"/>
+              <a:gd name="connsiteX15" fmla="*/ 4357799 w 4381009"/>
+              <a:gd name="connsiteY15" fmla="*/ 1844200 h 5892104"/>
+              <a:gd name="connsiteX16" fmla="*/ 4364229 w 4381009"/>
+              <a:gd name="connsiteY16" fmla="*/ 1977381 h 5892104"/>
+              <a:gd name="connsiteX17" fmla="*/ 4368777 w 4381009"/>
+              <a:gd name="connsiteY17" fmla="*/ 2109351 h 5892104"/>
+              <a:gd name="connsiteX18" fmla="*/ 4372697 w 4381009"/>
+              <a:gd name="connsiteY18" fmla="*/ 2241321 h 5892104"/>
+              <a:gd name="connsiteX19" fmla="*/ 4376461 w 4381009"/>
+              <a:gd name="connsiteY19" fmla="*/ 2372080 h 5892104"/>
+              <a:gd name="connsiteX20" fmla="*/ 4378186 w 4381009"/>
+              <a:gd name="connsiteY20" fmla="*/ 2501023 h 5892104"/>
+              <a:gd name="connsiteX21" fmla="*/ 4380068 w 4381009"/>
+              <a:gd name="connsiteY21" fmla="*/ 2629966 h 5892104"/>
+              <a:gd name="connsiteX22" fmla="*/ 4381009 w 4381009"/>
+              <a:gd name="connsiteY22" fmla="*/ 2757093 h 5892104"/>
+              <a:gd name="connsiteX23" fmla="*/ 4380068 w 4381009"/>
+              <a:gd name="connsiteY23" fmla="*/ 2883010 h 5892104"/>
+              <a:gd name="connsiteX24" fmla="*/ 4380068 w 4381009"/>
+              <a:gd name="connsiteY24" fmla="*/ 3007715 h 5892104"/>
+              <a:gd name="connsiteX25" fmla="*/ 4378186 w 4381009"/>
+              <a:gd name="connsiteY25" fmla="*/ 3131210 h 5892104"/>
+              <a:gd name="connsiteX26" fmla="*/ 4375363 w 4381009"/>
+              <a:gd name="connsiteY26" fmla="*/ 3252283 h 5892104"/>
+              <a:gd name="connsiteX27" fmla="*/ 4372697 w 4381009"/>
+              <a:gd name="connsiteY27" fmla="*/ 3372146 h 5892104"/>
+              <a:gd name="connsiteX28" fmla="*/ 4369718 w 4381009"/>
+              <a:gd name="connsiteY28" fmla="*/ 3489587 h 5892104"/>
+              <a:gd name="connsiteX29" fmla="*/ 4365170 w 4381009"/>
+              <a:gd name="connsiteY29" fmla="*/ 3606423 h 5892104"/>
+              <a:gd name="connsiteX30" fmla="*/ 4360309 w 4381009"/>
+              <a:gd name="connsiteY30" fmla="*/ 3721443 h 5892104"/>
+              <a:gd name="connsiteX31" fmla="*/ 4355918 w 4381009"/>
+              <a:gd name="connsiteY31" fmla="*/ 3834041 h 5892104"/>
+              <a:gd name="connsiteX32" fmla="*/ 4343529 w 4381009"/>
+              <a:gd name="connsiteY32" fmla="*/ 4053789 h 5892104"/>
+              <a:gd name="connsiteX33" fmla="*/ 4330356 w 4381009"/>
+              <a:gd name="connsiteY33" fmla="*/ 4264457 h 5892104"/>
+              <a:gd name="connsiteX34" fmla="*/ 4316556 w 4381009"/>
+              <a:gd name="connsiteY34" fmla="*/ 4466650 h 5892104"/>
+              <a:gd name="connsiteX35" fmla="*/ 4301344 w 4381009"/>
+              <a:gd name="connsiteY35" fmla="*/ 4657946 h 5892104"/>
+              <a:gd name="connsiteX36" fmla="*/ 4285506 w 4381009"/>
+              <a:gd name="connsiteY36" fmla="*/ 4840767 h 5892104"/>
+              <a:gd name="connsiteX37" fmla="*/ 4268412 w 4381009"/>
+              <a:gd name="connsiteY37" fmla="*/ 5010269 h 5892104"/>
+              <a:gd name="connsiteX38" fmla="*/ 4251633 w 4381009"/>
+              <a:gd name="connsiteY38" fmla="*/ 5169481 h 5892104"/>
+              <a:gd name="connsiteX39" fmla="*/ 4234853 w 4381009"/>
+              <a:gd name="connsiteY39" fmla="*/ 5315980 h 5892104"/>
+              <a:gd name="connsiteX40" fmla="*/ 4219014 w 4381009"/>
+              <a:gd name="connsiteY40" fmla="*/ 5450371 h 5892104"/>
+              <a:gd name="connsiteX41" fmla="*/ 4203959 w 4381009"/>
+              <a:gd name="connsiteY41" fmla="*/ 5569628 h 5892104"/>
+              <a:gd name="connsiteX42" fmla="*/ 4189689 w 4381009"/>
+              <a:gd name="connsiteY42" fmla="*/ 5677384 h 5892104"/>
+              <a:gd name="connsiteX43" fmla="*/ 4177770 w 4381009"/>
+              <a:gd name="connsiteY43" fmla="*/ 5768189 h 5892104"/>
+              <a:gd name="connsiteX44" fmla="*/ 4166479 w 4381009"/>
+              <a:gd name="connsiteY44" fmla="*/ 5844465 h 5892104"/>
+              <a:gd name="connsiteX45" fmla="*/ 4159132 w 4381009"/>
+              <a:gd name="connsiteY45" fmla="*/ 5892104 h 5892104"/>
+              <a:gd name="connsiteX46" fmla="*/ 0 w 4381009"/>
+              <a:gd name="connsiteY46" fmla="*/ 5892104 h 5892104"/>
+            </a:gdLst>
+            <a:ahLst/>
+            <a:cxnLst>
+              <a:cxn ang="0">
+                <a:pos x="connsiteX0" y="connsiteY0"/>
+              </a:cxn>
+              <a:cxn ang="0">
+                <a:pos x="connsiteX1" y="connsiteY1"/>
+              </a:cxn>
+              <a:cxn ang="0">
+                <a:pos x="connsiteX2" y="connsiteY2"/>
+              </a:cxn>
+              <a:cxn ang="0">
+                <a:pos x="connsiteX3" y="connsiteY3"/>
+              </a:cxn>
+              <a:cxn ang="0">
+                <a:pos x="connsiteX4" y="connsiteY4"/>
+              </a:cxn>
+              <a:cxn ang="0">
+                <a:pos x="connsiteX5" y="connsiteY5"/>
+              </a:cxn>
+              <a:cxn ang="0">
+                <a:pos x="connsiteX6" y="connsiteY6"/>
+              </a:cxn>
+              <a:cxn ang="0">
+                <a:pos x="connsiteX7" y="connsiteY7"/>
+              </a:cxn>
+              <a:cxn ang="0">
+                <a:pos x="connsiteX8" y="connsiteY8"/>
+              </a:cxn>
+              <a:cxn ang="0">
+                <a:pos x="connsiteX9" y="connsiteY9"/>
+              </a:cxn>
+              <a:cxn ang="0">
+                <a:pos x="connsiteX10" y="connsiteY10"/>
+              </a:cxn>
+              <a:cxn ang="0">
+                <a:pos x="connsiteX11" y="connsiteY11"/>
+              </a:cxn>
+              <a:cxn ang="0">
+                <a:pos x="connsiteX12" y="connsiteY12"/>
+              </a:cxn>
+              <a:cxn ang="0">
+                <a:pos x="connsiteX13" y="connsiteY13"/>
+              </a:cxn>
+              <a:cxn ang="0">
+                <a:pos x="connsiteX14" y="connsiteY14"/>
+              </a:cxn>
+              <a:cxn ang="0">
+                <a:pos x="connsiteX15" y="connsiteY15"/>
+              </a:cxn>
+              <a:cxn ang="0">
+                <a:pos x="connsiteX16" y="connsiteY16"/>
+              </a:cxn>
+              <a:cxn ang="0">
+                <a:pos x="connsiteX17" y="connsiteY17"/>
+              </a:cxn>
+              <a:cxn ang="0">
+                <a:pos x="connsiteX18" y="connsiteY18"/>
+              </a:cxn>
+              <a:cxn ang="0">
+                <a:pos x="connsiteX19" y="connsiteY19"/>
+              </a:cxn>
+              <a:cxn ang="0">
+                <a:pos x="connsiteX20" y="connsiteY20"/>
+              </a:cxn>
+              <a:cxn ang="0">
+                <a:pos x="connsiteX21" y="connsiteY21"/>
+              </a:cxn>
+              <a:cxn ang="0">
+                <a:pos x="connsiteX22" y="connsiteY22"/>
+              </a:cxn>
+              <a:cxn ang="0">
+                <a:pos x="connsiteX23" y="connsiteY23"/>
+              </a:cxn>
+              <a:cxn ang="0">
+                <a:pos x="connsiteX24" y="connsiteY24"/>
+              </a:cxn>
+              <a:cxn ang="0">
+                <a:pos x="connsiteX25" y="connsiteY25"/>
+              </a:cxn>
+              <a:cxn ang="0">
+                <a:pos x="connsiteX26" y="connsiteY26"/>
+              </a:cxn>
+              <a:cxn ang="0">
+                <a:pos x="connsiteX27" y="connsiteY27"/>
+              </a:cxn>
+              <a:cxn ang="0">
+                <a:pos x="connsiteX28" y="connsiteY28"/>
+              </a:cxn>
+              <a:cxn ang="0">
+                <a:pos x="connsiteX29" y="connsiteY29"/>
+              </a:cxn>
+              <a:cxn ang="0">
+                <a:pos x="connsiteX30" y="connsiteY30"/>
+              </a:cxn>
+              <a:cxn ang="0">
+                <a:pos x="connsiteX31" y="connsiteY31"/>
+              </a:cxn>
+              <a:cxn ang="0">
+                <a:pos x="connsiteX32" y="connsiteY32"/>
+              </a:cxn>
+              <a:cxn ang="0">
+                <a:pos x="connsiteX33" y="connsiteY33"/>
+              </a:cxn>
+              <a:cxn ang="0">
+                <a:pos x="connsiteX34" y="connsiteY34"/>
+              </a:cxn>
+              <a:cxn ang="0">
+                <a:pos x="connsiteX35" y="connsiteY35"/>
+              </a:cxn>
+              <a:cxn ang="0">
+                <a:pos x="connsiteX36" y="connsiteY36"/>
+              </a:cxn>
+              <a:cxn ang="0">
+                <a:pos x="connsiteX37" y="connsiteY37"/>
+              </a:cxn>
+              <a:cxn ang="0">
+                <a:pos x="connsiteX38" y="connsiteY38"/>
+              </a:cxn>
+              <a:cxn ang="0">
+                <a:pos x="connsiteX39" y="connsiteY39"/>
+              </a:cxn>
+              <a:cxn ang="0">
+                <a:pos x="connsiteX40" y="connsiteY40"/>
+              </a:cxn>
+              <a:cxn ang="0">
+                <a:pos x="connsiteX41" y="connsiteY41"/>
+              </a:cxn>
+              <a:cxn ang="0">
+                <a:pos x="connsiteX42" y="connsiteY42"/>
+              </a:cxn>
+              <a:cxn ang="0">
+                <a:pos x="connsiteX43" y="connsiteY43"/>
+              </a:cxn>
+              <a:cxn ang="0">
+                <a:pos x="connsiteX44" y="connsiteY44"/>
+              </a:cxn>
+              <a:cxn ang="0">
+                <a:pos x="connsiteX45" y="connsiteY45"/>
+              </a:cxn>
+              <a:cxn ang="0">
+                <a:pos x="connsiteX46" y="connsiteY46"/>
+              </a:cxn>
+            </a:cxnLst>
+            <a:rect l="l" t="t" r="r" b="b"/>
+            <a:pathLst>
+              <a:path w="4381009" h="5892104">
+                <a:moveTo>
+                  <a:pt x="0" y="0"/>
+                </a:moveTo>
+                <a:lnTo>
+                  <a:pt x="4157628" y="0"/>
+                </a:lnTo>
+                <a:lnTo>
+                  <a:pt x="4169302" y="68659"/>
+                </a:lnTo>
+                <a:lnTo>
+                  <a:pt x="4191571" y="205472"/>
+                </a:lnTo>
+                <a:lnTo>
+                  <a:pt x="4213368" y="342890"/>
+                </a:lnTo>
+                <a:lnTo>
+                  <a:pt x="4232030" y="480913"/>
+                </a:lnTo>
+                <a:lnTo>
+                  <a:pt x="4250848" y="618332"/>
+                </a:lnTo>
+                <a:lnTo>
+                  <a:pt x="4268412" y="756355"/>
+                </a:lnTo>
+                <a:lnTo>
+                  <a:pt x="4283467" y="892563"/>
+                </a:lnTo>
+                <a:lnTo>
+                  <a:pt x="4297737" y="1030587"/>
+                </a:lnTo>
+                <a:lnTo>
+                  <a:pt x="4310754" y="1168005"/>
+                </a:lnTo>
+                <a:lnTo>
+                  <a:pt x="4322045" y="1303002"/>
+                </a:lnTo>
+                <a:lnTo>
+                  <a:pt x="4333336" y="1439815"/>
+                </a:lnTo>
+                <a:lnTo>
+                  <a:pt x="4342745" y="1574812"/>
+                </a:lnTo>
+                <a:lnTo>
+                  <a:pt x="4350115" y="1709808"/>
+                </a:lnTo>
+                <a:lnTo>
+                  <a:pt x="4357799" y="1844200"/>
+                </a:lnTo>
+                <a:lnTo>
+                  <a:pt x="4364229" y="1977381"/>
+                </a:lnTo>
+                <a:lnTo>
+                  <a:pt x="4368777" y="2109351"/>
+                </a:lnTo>
+                <a:lnTo>
+                  <a:pt x="4372697" y="2241321"/>
+                </a:lnTo>
+                <a:lnTo>
+                  <a:pt x="4376461" y="2372080"/>
+                </a:lnTo>
+                <a:lnTo>
+                  <a:pt x="4378186" y="2501023"/>
+                </a:lnTo>
+                <a:lnTo>
+                  <a:pt x="4380068" y="2629966"/>
+                </a:lnTo>
+                <a:lnTo>
+                  <a:pt x="4381009" y="2757093"/>
+                </a:lnTo>
+                <a:lnTo>
+                  <a:pt x="4380068" y="2883010"/>
+                </a:lnTo>
+                <a:lnTo>
+                  <a:pt x="4380068" y="3007715"/>
+                </a:lnTo>
+                <a:lnTo>
+                  <a:pt x="4378186" y="3131210"/>
+                </a:lnTo>
+                <a:lnTo>
+                  <a:pt x="4375363" y="3252283"/>
+                </a:lnTo>
+                <a:lnTo>
+                  <a:pt x="4372697" y="3372146"/>
+                </a:lnTo>
+                <a:lnTo>
+                  <a:pt x="4369718" y="3489587"/>
+                </a:lnTo>
+                <a:lnTo>
+                  <a:pt x="4365170" y="3606423"/>
+                </a:lnTo>
+                <a:lnTo>
+                  <a:pt x="4360309" y="3721443"/>
+                </a:lnTo>
+                <a:lnTo>
+                  <a:pt x="4355918" y="3834041"/>
+                </a:lnTo>
+                <a:lnTo>
+                  <a:pt x="4343529" y="4053789"/>
+                </a:lnTo>
+                <a:lnTo>
+                  <a:pt x="4330356" y="4264457"/>
+                </a:lnTo>
+                <a:lnTo>
+                  <a:pt x="4316556" y="4466650"/>
+                </a:lnTo>
+                <a:lnTo>
+                  <a:pt x="4301344" y="4657946"/>
+                </a:lnTo>
+                <a:lnTo>
+                  <a:pt x="4285506" y="4840767"/>
+                </a:lnTo>
+                <a:lnTo>
+                  <a:pt x="4268412" y="5010269"/>
+                </a:lnTo>
+                <a:lnTo>
+                  <a:pt x="4251633" y="5169481"/>
+                </a:lnTo>
+                <a:lnTo>
+                  <a:pt x="4234853" y="5315980"/>
+                </a:lnTo>
+                <a:lnTo>
+                  <a:pt x="4219014" y="5450371"/>
+                </a:lnTo>
+                <a:lnTo>
+                  <a:pt x="4203959" y="5569628"/>
+                </a:lnTo>
+                <a:lnTo>
+                  <a:pt x="4189689" y="5677384"/>
+                </a:lnTo>
+                <a:lnTo>
+                  <a:pt x="4177770" y="5768189"/>
+                </a:lnTo>
+                <a:lnTo>
+                  <a:pt x="4166479" y="5844465"/>
+                </a:lnTo>
+                <a:lnTo>
+                  <a:pt x="4159132" y="5892104"/>
+                </a:lnTo>
+                <a:lnTo>
+                  <a:pt x="0" y="5892104"/>
+                </a:lnTo>
+                <a:close/>
+              </a:path>
+            </a:pathLst>
+          </a:custGeom>
+          <a:solidFill>
+            <a:srgbClr val="404040"/>
+          </a:solidFill>
+          <a:ln>
+            <a:noFill/>
+          </a:ln>
+        </p:spPr>
+        <p:style>
+          <a:lnRef idx="2">
+            <a:schemeClr val="accent1">
+              <a:shade val="50000"/>
+            </a:schemeClr>
+          </a:lnRef>
+          <a:fillRef idx="1">
+            <a:schemeClr val="accent1"/>
+          </a:fillRef>
+          <a:effectRef idx="0">
+            <a:schemeClr val="accent1"/>
+          </a:effectRef>
+          <a:fontRef idx="minor">
+            <a:schemeClr val="lt1"/>
+          </a:fontRef>
+        </p:style>
+        <p:txBody>
+          <a:bodyPr wrap="square" rtlCol="0" anchor="ctr">
+            <a:noAutofit/>
+          </a:bodyPr>
+          <a:lstStyle/>
+          <a:p>
+            <a:pPr marL="0" marR="0" lvl="0" indent="0" algn="ctr" defTabSz="457200" rtl="0" eaLnBrk="1" fontAlgn="auto" latinLnBrk="0" hangingPunct="1">
+              <a:lnSpc>
+                <a:spcPct val="100000"/>
+              </a:lnSpc>
+              <a:spcBef>
+                <a:spcPts val="0"/>
+              </a:spcBef>
+              <a:spcAft>
+                <a:spcPts val="0"/>
+              </a:spcAft>
+              <a:buClrTx/>
+              <a:buSzTx/>
+              <a:buFontTx/>
+              <a:buNone/>
+              <a:tabLst/>
+              <a:defRPr/>
+            </a:pPr>
+            <a:endParaRPr kumimoji="0" lang="en-US" sz="1800" b="0" i="0" u="none" strike="noStrike" kern="1200" cap="none" spc="0" normalizeH="0" baseline="0" noProof="0">
+              <a:ln>
+                <a:noFill/>
+              </a:ln>
+              <a:solidFill>
+                <a:prstClr val="white"/>
+              </a:solidFill>
+              <a:effectLst/>
+              <a:uLnTx/>
+              <a:uFillTx/>
+              <a:latin typeface="Calibri" panose="020F0502020204030204"/>
+              <a:ea typeface="+mn-ea"/>
+              <a:cs typeface="+mn-cs"/>
+            </a:endParaRPr>
+          </a:p>
+        </p:txBody>
+      </p:sp>
+      <p:sp>
+        <p:nvSpPr>
+          <p:cNvPr id="2" name="Title 1">
+            <a:extLst>
+              <a:ext uri="{FF2B5EF4-FFF2-40B4-BE49-F238E27FC236}">
+                <a16:creationId xmlns:a16="http://schemas.microsoft.com/office/drawing/2014/main" id="{54C7A59C-0394-4A72-853E-2F15905CF468}"/>
+              </a:ext>
+            </a:extLst>
+          </p:cNvPr>
+          <p:cNvSpPr>
+            <a:spLocks noGrp="1"/>
+          </p:cNvSpPr>
+          <p:nvPr>
+            <p:ph type="title"/>
+          </p:nvPr>
+        </p:nvSpPr>
+        <p:spPr>
+          <a:xfrm>
+            <a:off x="863029" y="1012004"/>
+            <a:ext cx="3416158" cy="4795408"/>
+          </a:xfrm>
+        </p:spPr>
+        <p:txBody>
+          <a:bodyPr>
+            <a:normAutofit/>
+          </a:bodyPr>
+          <a:lstStyle/>
+          <a:p>
+            <a:r>
+              <a:rPr lang="en-US">
+                <a:solidFill>
+                  <a:srgbClr val="FFFFFF"/>
+                </a:solidFill>
+              </a:rPr>
+              <a:t>Topics to be Covered:</a:t>
+            </a:r>
+          </a:p>
+        </p:txBody>
+      </p:sp>
+      <p:graphicFrame>
+        <p:nvGraphicFramePr>
+          <p:cNvPr id="5" name="Content Placeholder 2">
+            <a:extLst>
+              <a:ext uri="{FF2B5EF4-FFF2-40B4-BE49-F238E27FC236}">
+                <a16:creationId xmlns:a16="http://schemas.microsoft.com/office/drawing/2014/main" id="{28EA529E-A61A-4A1A-9507-97BA681DA4A1}"/>
+              </a:ext>
+            </a:extLst>
+          </p:cNvPr>
+          <p:cNvGraphicFramePr>
+            <a:graphicFrameLocks noGrp="1"/>
+          </p:cNvGraphicFramePr>
+          <p:nvPr>
+            <p:ph idx="1"/>
+            <p:extLst>
+              <p:ext uri="{D42A27DB-BD31-4B8C-83A1-F6EECF244321}">
+                <p14:modId xmlns:p14="http://schemas.microsoft.com/office/powerpoint/2010/main" val="111814101"/>
+              </p:ext>
+            </p:extLst>
+          </p:nvPr>
+        </p:nvGraphicFramePr>
+        <p:xfrm>
+          <a:off x="5194300" y="470924"/>
+          <a:ext cx="6513604" cy="5885426"/>
+        </p:xfrm>
+        <a:graphic>
+          <a:graphicData uri="http://schemas.openxmlformats.org/drawingml/2006/diagram">
+            <dgm:relIds xmlns:dgm="http://schemas.openxmlformats.org/drawingml/2006/diagram" xmlns:r="http://schemas.openxmlformats.org/officeDocument/2006/relationships" r:dm="rId2" r:lo="rId3" r:qs="rId4" r:cs="rId5"/>
+          </a:graphicData>
+        </a:graphic>
+      </p:graphicFrame>
+    </p:spTree>
+    <p:extLst>
+      <p:ext uri="{BB962C8B-B14F-4D97-AF65-F5344CB8AC3E}">
+        <p14:creationId xmlns:p14="http://schemas.microsoft.com/office/powerpoint/2010/main" val="2035851145"/>
+      </p:ext>
+    </p:extLst>
+  </p:cSld>
+  <p:clrMapOvr>
+    <a:masterClrMapping/>
+  </p:clrMapOvr>
+</p:sld>
+</file>
+
+<file path=ppt/slides/slide4.xml><?xml version="1.0" encoding="utf-8"?>
+<p:sld xmlns:a="http://schemas.openxmlformats.org/drawingml/2006/main" xmlns:r="http://schemas.openxmlformats.org/officeDocument/2006/relationships" xmlns:p="http://schemas.openxmlformats.org/presentationml/2006/main">
+  <p:cSld>
+    <p:bg>
+      <p:bgPr>
+        <a:solidFill>
+          <a:schemeClr val="bg1"/>
+        </a:solidFill>
+        <a:effectLst/>
+      </p:bgPr>
+    </p:bg>
+    <p:spTree>
+      <p:nvGrpSpPr>
+        <p:cNvPr id="1" name=""/>
+        <p:cNvGrpSpPr/>
+        <p:nvPr/>
+      </p:nvGrpSpPr>
+      <p:grpSpPr>
+        <a:xfrm>
+          <a:off x="0" y="0"/>
+          <a:ext cx="0" cy="0"/>
+          <a:chOff x="0" y="0"/>
+          <a:chExt cx="0" cy="0"/>
+        </a:xfrm>
+      </p:grpSpPr>
+      <p:sp>
+        <p:nvSpPr>
           <p:cNvPr id="2" name="Title 1">
             <a:extLst>
               <a:ext uri="{FF2B5EF4-FFF2-40B4-BE49-F238E27FC236}">
@@ -10324,7 +13601,7 @@
 </p:sld>
 </file>
 
-<file path=ppt/slides/slide4.xml><?xml version="1.0" encoding="utf-8"?>
+<file path=ppt/slides/slide5.xml><?xml version="1.0" encoding="utf-8"?>
 <p:sld xmlns:a="http://schemas.openxmlformats.org/drawingml/2006/main" xmlns:r="http://schemas.openxmlformats.org/officeDocument/2006/relationships" xmlns:p="http://schemas.openxmlformats.org/presentationml/2006/main">
   <p:cSld>
     <p:bg>
@@ -10930,7 +14207,7 @@
 </p:sld>
 </file>
 
-<file path=ppt/slides/slide5.xml><?xml version="1.0" encoding="utf-8"?>
+<file path=ppt/slides/slide6.xml><?xml version="1.0" encoding="utf-8"?>
 <p:sld xmlns:a="http://schemas.openxmlformats.org/drawingml/2006/main" xmlns:r="http://schemas.openxmlformats.org/officeDocument/2006/relationships" xmlns:p="http://schemas.openxmlformats.org/presentationml/2006/main">
   <p:cSld>
     <p:bg>
@@ -11326,7 +14603,7 @@
 </p:sld>
 </file>
 
-<file path=ppt/slides/slide6.xml><?xml version="1.0" encoding="utf-8"?>
+<file path=ppt/slides/slide7.xml><?xml version="1.0" encoding="utf-8"?>
 <p:sld xmlns:a="http://schemas.openxmlformats.org/drawingml/2006/main" xmlns:r="http://schemas.openxmlformats.org/officeDocument/2006/relationships" xmlns:p="http://schemas.openxmlformats.org/presentationml/2006/main">
   <p:cSld>
     <p:bg>
@@ -11696,7 +14973,7 @@
 </p:sld>
 </file>
 
-<file path=ppt/slides/slide7.xml><?xml version="1.0" encoding="utf-8"?>
+<file path=ppt/slides/slide8.xml><?xml version="1.0" encoding="utf-8"?>
 <p:sld xmlns:a="http://schemas.openxmlformats.org/drawingml/2006/main" xmlns:r="http://schemas.openxmlformats.org/officeDocument/2006/relationships" xmlns:p="http://schemas.openxmlformats.org/presentationml/2006/main">
   <p:cSld>
     <p:bg>
@@ -12173,7 +15450,7 @@
 </p:sld>
 </file>
 
-<file path=ppt/slides/slide8.xml><?xml version="1.0" encoding="utf-8"?>
+<file path=ppt/slides/slide9.xml><?xml version="1.0" encoding="utf-8"?>
 <p:sld xmlns:a="http://schemas.openxmlformats.org/drawingml/2006/main" xmlns:r="http://schemas.openxmlformats.org/officeDocument/2006/relationships" xmlns:p="http://schemas.openxmlformats.org/presentationml/2006/main">
   <p:cSld>
     <p:bg>

--- a/Face Recognition_Final Project.pptx
+++ b/Face Recognition_Final Project.pptx
@@ -6,14 +6,12 @@
   </p:sldMasterIdLst>
   <p:sldIdLst>
     <p:sldId id="256" r:id="rId2"/>
-    <p:sldId id="257" r:id="rId3"/>
-    <p:sldId id="264" r:id="rId4"/>
-    <p:sldId id="260" r:id="rId5"/>
-    <p:sldId id="258" r:id="rId6"/>
-    <p:sldId id="259" r:id="rId7"/>
-    <p:sldId id="261" r:id="rId8"/>
-    <p:sldId id="262" r:id="rId9"/>
-    <p:sldId id="263" r:id="rId10"/>
+    <p:sldId id="264" r:id="rId3"/>
+    <p:sldId id="258" r:id="rId4"/>
+    <p:sldId id="262" r:id="rId5"/>
+    <p:sldId id="259" r:id="rId6"/>
+    <p:sldId id="265" r:id="rId7"/>
+    <p:sldId id="263" r:id="rId8"/>
   </p:sldIdLst>
   <p:sldSz cx="12192000" cy="6858000"/>
   <p:notesSz cx="6858000" cy="9144000"/>
@@ -121,788 +119,6 @@
 </file>
 
 <file path=ppt/diagrams/colors1.xml><?xml version="1.0" encoding="utf-8"?>
-<dgm:colorsDef xmlns:dgm="http://schemas.openxmlformats.org/drawingml/2006/diagram" xmlns:a="http://schemas.openxmlformats.org/drawingml/2006/main" uniqueId="urn:microsoft.com/office/officeart/2005/8/colors/colorful2">
-  <dgm:title val=""/>
-  <dgm:desc val=""/>
-  <dgm:catLst>
-    <dgm:cat type="colorful" pri="10200"/>
-  </dgm:catLst>
-  <dgm:styleLbl name="node0">
-    <dgm:fillClrLst meth="repeat">
-      <a:schemeClr val="accent1"/>
-    </dgm:fillClrLst>
-    <dgm:linClrLst meth="repeat">
-      <a:schemeClr val="lt1"/>
-    </dgm:linClrLst>
-    <dgm:effectClrLst/>
-    <dgm:txLinClrLst/>
-    <dgm:txFillClrLst/>
-    <dgm:txEffectClrLst/>
-  </dgm:styleLbl>
-  <dgm:styleLbl name="node1">
-    <dgm:fillClrLst>
-      <a:schemeClr val="accent2"/>
-      <a:schemeClr val="accent3"/>
-    </dgm:fillClrLst>
-    <dgm:linClrLst meth="repeat">
-      <a:schemeClr val="lt1"/>
-    </dgm:linClrLst>
-    <dgm:effectClrLst/>
-    <dgm:txLinClrLst/>
-    <dgm:txFillClrLst/>
-    <dgm:txEffectClrLst/>
-  </dgm:styleLbl>
-  <dgm:styleLbl name="alignNode1">
-    <dgm:fillClrLst>
-      <a:schemeClr val="accent2"/>
-      <a:schemeClr val="accent3"/>
-    </dgm:fillClrLst>
-    <dgm:linClrLst>
-      <a:schemeClr val="accent2"/>
-      <a:schemeClr val="accent3"/>
-    </dgm:linClrLst>
-    <dgm:effectClrLst/>
-    <dgm:txLinClrLst/>
-    <dgm:txFillClrLst/>
-    <dgm:txEffectClrLst/>
-  </dgm:styleLbl>
-  <dgm:styleLbl name="lnNode1">
-    <dgm:fillClrLst>
-      <a:schemeClr val="accent2"/>
-      <a:schemeClr val="accent3"/>
-    </dgm:fillClrLst>
-    <dgm:linClrLst meth="repeat">
-      <a:schemeClr val="lt1"/>
-    </dgm:linClrLst>
-    <dgm:effectClrLst/>
-    <dgm:txLinClrLst/>
-    <dgm:txFillClrLst/>
-    <dgm:txEffectClrLst/>
-  </dgm:styleLbl>
-  <dgm:styleLbl name="vennNode1">
-    <dgm:fillClrLst>
-      <a:schemeClr val="accent2">
-        <a:alpha val="50000"/>
-      </a:schemeClr>
-      <a:schemeClr val="accent3">
-        <a:alpha val="50000"/>
-      </a:schemeClr>
-    </dgm:fillClrLst>
-    <dgm:linClrLst meth="repeat">
-      <a:schemeClr val="lt1"/>
-    </dgm:linClrLst>
-    <dgm:effectClrLst/>
-    <dgm:txLinClrLst/>
-    <dgm:txFillClrLst/>
-    <dgm:txEffectClrLst/>
-  </dgm:styleLbl>
-  <dgm:styleLbl name="node2">
-    <dgm:fillClrLst>
-      <a:schemeClr val="accent3"/>
-    </dgm:fillClrLst>
-    <dgm:linClrLst meth="repeat">
-      <a:schemeClr val="lt1"/>
-    </dgm:linClrLst>
-    <dgm:effectClrLst/>
-    <dgm:txLinClrLst/>
-    <dgm:txFillClrLst/>
-    <dgm:txEffectClrLst/>
-  </dgm:styleLbl>
-  <dgm:styleLbl name="node3">
-    <dgm:fillClrLst>
-      <a:schemeClr val="accent4"/>
-    </dgm:fillClrLst>
-    <dgm:linClrLst meth="repeat">
-      <a:schemeClr val="lt1"/>
-    </dgm:linClrLst>
-    <dgm:effectClrLst/>
-    <dgm:txLinClrLst/>
-    <dgm:txFillClrLst/>
-    <dgm:txEffectClrLst/>
-  </dgm:styleLbl>
-  <dgm:styleLbl name="node4">
-    <dgm:fillClrLst>
-      <a:schemeClr val="accent5"/>
-    </dgm:fillClrLst>
-    <dgm:linClrLst meth="repeat">
-      <a:schemeClr val="lt1"/>
-    </dgm:linClrLst>
-    <dgm:effectClrLst/>
-    <dgm:txLinClrLst/>
-    <dgm:txFillClrLst/>
-    <dgm:txEffectClrLst/>
-  </dgm:styleLbl>
-  <dgm:styleLbl name="fgImgPlace1">
-    <dgm:fillClrLst>
-      <a:schemeClr val="accent2">
-        <a:tint val="50000"/>
-      </a:schemeClr>
-      <a:schemeClr val="accent3">
-        <a:tint val="50000"/>
-      </a:schemeClr>
-    </dgm:fillClrLst>
-    <dgm:linClrLst meth="repeat">
-      <a:schemeClr val="lt1"/>
-    </dgm:linClrLst>
-    <dgm:effectClrLst/>
-    <dgm:txLinClrLst/>
-    <dgm:txFillClrLst meth="repeat">
-      <a:schemeClr val="lt1"/>
-    </dgm:txFillClrLst>
-    <dgm:txEffectClrLst/>
-  </dgm:styleLbl>
-  <dgm:styleLbl name="alignImgPlace1">
-    <dgm:fillClrLst>
-      <a:schemeClr val="accent2">
-        <a:tint val="50000"/>
-      </a:schemeClr>
-      <a:schemeClr val="accent3">
-        <a:tint val="20000"/>
-      </a:schemeClr>
-    </dgm:fillClrLst>
-    <dgm:linClrLst meth="repeat">
-      <a:schemeClr val="lt1"/>
-    </dgm:linClrLst>
-    <dgm:effectClrLst/>
-    <dgm:txLinClrLst/>
-    <dgm:txFillClrLst meth="repeat">
-      <a:schemeClr val="lt1"/>
-    </dgm:txFillClrLst>
-    <dgm:txEffectClrLst/>
-  </dgm:styleLbl>
-  <dgm:styleLbl name="bgImgPlace1">
-    <dgm:fillClrLst>
-      <a:schemeClr val="accent2">
-        <a:tint val="50000"/>
-      </a:schemeClr>
-      <a:schemeClr val="accent3">
-        <a:tint val="20000"/>
-      </a:schemeClr>
-    </dgm:fillClrLst>
-    <dgm:linClrLst meth="repeat">
-      <a:schemeClr val="lt1"/>
-    </dgm:linClrLst>
-    <dgm:effectClrLst/>
-    <dgm:txLinClrLst/>
-    <dgm:txFillClrLst meth="repeat">
-      <a:schemeClr val="lt1"/>
-    </dgm:txFillClrLst>
-    <dgm:txEffectClrLst/>
-  </dgm:styleLbl>
-  <dgm:styleLbl name="sibTrans2D1">
-    <dgm:fillClrLst>
-      <a:schemeClr val="accent2"/>
-      <a:schemeClr val="accent3"/>
-    </dgm:fillClrLst>
-    <dgm:linClrLst meth="repeat">
-      <a:schemeClr val="lt1"/>
-    </dgm:linClrLst>
-    <dgm:effectClrLst/>
-    <dgm:txLinClrLst/>
-    <dgm:txFillClrLst/>
-    <dgm:txEffectClrLst/>
-  </dgm:styleLbl>
-  <dgm:styleLbl name="fgSibTrans2D1">
-    <dgm:fillClrLst>
-      <a:schemeClr val="accent2"/>
-      <a:schemeClr val="accent3"/>
-    </dgm:fillClrLst>
-    <dgm:linClrLst meth="repeat">
-      <a:schemeClr val="lt1"/>
-    </dgm:linClrLst>
-    <dgm:effectClrLst/>
-    <dgm:txLinClrLst/>
-    <dgm:txFillClrLst meth="repeat">
-      <a:schemeClr val="lt1"/>
-    </dgm:txFillClrLst>
-    <dgm:txEffectClrLst/>
-  </dgm:styleLbl>
-  <dgm:styleLbl name="bgSibTrans2D1">
-    <dgm:fillClrLst>
-      <a:schemeClr val="accent2"/>
-      <a:schemeClr val="accent3"/>
-    </dgm:fillClrLst>
-    <dgm:linClrLst meth="repeat">
-      <a:schemeClr val="lt1"/>
-    </dgm:linClrLst>
-    <dgm:effectClrLst/>
-    <dgm:txLinClrLst/>
-    <dgm:txFillClrLst meth="repeat">
-      <a:schemeClr val="lt1"/>
-    </dgm:txFillClrLst>
-    <dgm:txEffectClrLst/>
-  </dgm:styleLbl>
-  <dgm:styleLbl name="sibTrans1D1">
-    <dgm:fillClrLst/>
-    <dgm:linClrLst>
-      <a:schemeClr val="accent2"/>
-      <a:schemeClr val="accent3"/>
-    </dgm:linClrLst>
-    <dgm:effectClrLst/>
-    <dgm:txLinClrLst/>
-    <dgm:txFillClrLst meth="repeat">
-      <a:schemeClr val="tx1"/>
-    </dgm:txFillClrLst>
-    <dgm:txEffectClrLst/>
-  </dgm:styleLbl>
-  <dgm:styleLbl name="callout">
-    <dgm:fillClrLst meth="repeat">
-      <a:schemeClr val="accent2"/>
-    </dgm:fillClrLst>
-    <dgm:linClrLst meth="repeat">
-      <a:schemeClr val="accent2">
-        <a:tint val="50000"/>
-      </a:schemeClr>
-    </dgm:linClrLst>
-    <dgm:effectClrLst/>
-    <dgm:txLinClrLst/>
-    <dgm:txFillClrLst meth="repeat">
-      <a:schemeClr val="tx1"/>
-    </dgm:txFillClrLst>
-    <dgm:txEffectClrLst/>
-  </dgm:styleLbl>
-  <dgm:styleLbl name="asst0">
-    <dgm:fillClrLst meth="repeat">
-      <a:schemeClr val="accent2"/>
-    </dgm:fillClrLst>
-    <dgm:linClrLst meth="repeat">
-      <a:schemeClr val="lt1">
-        <a:shade val="80000"/>
-      </a:schemeClr>
-    </dgm:linClrLst>
-    <dgm:effectClrLst/>
-    <dgm:txLinClrLst/>
-    <dgm:txFillClrLst/>
-    <dgm:txEffectClrLst/>
-  </dgm:styleLbl>
-  <dgm:styleLbl name="asst1">
-    <dgm:fillClrLst meth="repeat">
-      <a:schemeClr val="accent3"/>
-    </dgm:fillClrLst>
-    <dgm:linClrLst meth="repeat">
-      <a:schemeClr val="lt1">
-        <a:shade val="80000"/>
-      </a:schemeClr>
-    </dgm:linClrLst>
-    <dgm:effectClrLst/>
-    <dgm:txLinClrLst/>
-    <dgm:txFillClrLst/>
-    <dgm:txEffectClrLst/>
-  </dgm:styleLbl>
-  <dgm:styleLbl name="asst2">
-    <dgm:fillClrLst>
-      <a:schemeClr val="accent4"/>
-    </dgm:fillClrLst>
-    <dgm:linClrLst meth="repeat">
-      <a:schemeClr val="lt1"/>
-    </dgm:linClrLst>
-    <dgm:effectClrLst/>
-    <dgm:txLinClrLst/>
-    <dgm:txFillClrLst/>
-    <dgm:txEffectClrLst/>
-  </dgm:styleLbl>
-  <dgm:styleLbl name="asst3">
-    <dgm:fillClrLst>
-      <a:schemeClr val="accent5"/>
-    </dgm:fillClrLst>
-    <dgm:linClrLst meth="repeat">
-      <a:schemeClr val="lt1"/>
-    </dgm:linClrLst>
-    <dgm:effectClrLst/>
-    <dgm:txLinClrLst/>
-    <dgm:txFillClrLst/>
-    <dgm:txEffectClrLst/>
-  </dgm:styleLbl>
-  <dgm:styleLbl name="asst4">
-    <dgm:fillClrLst>
-      <a:schemeClr val="accent6"/>
-    </dgm:fillClrLst>
-    <dgm:linClrLst meth="repeat">
-      <a:schemeClr val="lt1"/>
-    </dgm:linClrLst>
-    <dgm:effectClrLst/>
-    <dgm:txLinClrLst/>
-    <dgm:txFillClrLst/>
-    <dgm:txEffectClrLst/>
-  </dgm:styleLbl>
-  <dgm:styleLbl name="parChTrans2D1">
-    <dgm:fillClrLst meth="repeat">
-      <a:schemeClr val="accent2"/>
-    </dgm:fillClrLst>
-    <dgm:linClrLst meth="repeat">
-      <a:schemeClr val="lt1"/>
-    </dgm:linClrLst>
-    <dgm:effectClrLst/>
-    <dgm:txLinClrLst/>
-    <dgm:txFillClrLst meth="repeat">
-      <a:schemeClr val="lt1"/>
-    </dgm:txFillClrLst>
-    <dgm:txEffectClrLst/>
-  </dgm:styleLbl>
-  <dgm:styleLbl name="parChTrans2D2">
-    <dgm:fillClrLst meth="repeat">
-      <a:schemeClr val="accent3"/>
-    </dgm:fillClrLst>
-    <dgm:linClrLst meth="repeat">
-      <a:schemeClr val="lt1"/>
-    </dgm:linClrLst>
-    <dgm:effectClrLst/>
-    <dgm:txLinClrLst/>
-    <dgm:txFillClrLst/>
-    <dgm:txEffectClrLst/>
-  </dgm:styleLbl>
-  <dgm:styleLbl name="parChTrans2D3">
-    <dgm:fillClrLst meth="repeat">
-      <a:schemeClr val="accent4"/>
-    </dgm:fillClrLst>
-    <dgm:linClrLst meth="repeat">
-      <a:schemeClr val="lt1"/>
-    </dgm:linClrLst>
-    <dgm:effectClrLst/>
-    <dgm:txLinClrLst/>
-    <dgm:txFillClrLst/>
-    <dgm:txEffectClrLst/>
-  </dgm:styleLbl>
-  <dgm:styleLbl name="parChTrans2D4">
-    <dgm:fillClrLst meth="repeat">
-      <a:schemeClr val="accent5"/>
-    </dgm:fillClrLst>
-    <dgm:linClrLst meth="repeat">
-      <a:schemeClr val="lt1"/>
-    </dgm:linClrLst>
-    <dgm:effectClrLst/>
-    <dgm:txLinClrLst/>
-    <dgm:txFillClrLst meth="repeat">
-      <a:schemeClr val="lt1"/>
-    </dgm:txFillClrLst>
-    <dgm:txEffectClrLst/>
-  </dgm:styleLbl>
-  <dgm:styleLbl name="parChTrans1D1">
-    <dgm:fillClrLst meth="repeat">
-      <a:schemeClr val="accent2"/>
-    </dgm:fillClrLst>
-    <dgm:linClrLst meth="repeat">
-      <a:schemeClr val="accent2"/>
-    </dgm:linClrLst>
-    <dgm:effectClrLst/>
-    <dgm:txLinClrLst/>
-    <dgm:txFillClrLst meth="repeat">
-      <a:schemeClr val="tx1"/>
-    </dgm:txFillClrLst>
-    <dgm:txEffectClrLst/>
-  </dgm:styleLbl>
-  <dgm:styleLbl name="parChTrans1D2">
-    <dgm:fillClrLst meth="repeat">
-      <a:schemeClr val="accent2">
-        <a:tint val="90000"/>
-      </a:schemeClr>
-    </dgm:fillClrLst>
-    <dgm:linClrLst meth="repeat">
-      <a:schemeClr val="accent3"/>
-    </dgm:linClrLst>
-    <dgm:effectClrLst/>
-    <dgm:txLinClrLst/>
-    <dgm:txFillClrLst meth="repeat">
-      <a:schemeClr val="tx1"/>
-    </dgm:txFillClrLst>
-    <dgm:txEffectClrLst/>
-  </dgm:styleLbl>
-  <dgm:styleLbl name="parChTrans1D3">
-    <dgm:fillClrLst meth="repeat">
-      <a:schemeClr val="accent2">
-        <a:tint val="70000"/>
-      </a:schemeClr>
-    </dgm:fillClrLst>
-    <dgm:linClrLst meth="repeat">
-      <a:schemeClr val="accent4"/>
-    </dgm:linClrLst>
-    <dgm:effectClrLst/>
-    <dgm:txLinClrLst/>
-    <dgm:txFillClrLst meth="repeat">
-      <a:schemeClr val="tx1"/>
-    </dgm:txFillClrLst>
-    <dgm:txEffectClrLst/>
-  </dgm:styleLbl>
-  <dgm:styleLbl name="parChTrans1D4">
-    <dgm:fillClrLst meth="repeat">
-      <a:schemeClr val="accent2">
-        <a:tint val="50000"/>
-      </a:schemeClr>
-    </dgm:fillClrLst>
-    <dgm:linClrLst meth="repeat">
-      <a:schemeClr val="accent5"/>
-    </dgm:linClrLst>
-    <dgm:effectClrLst/>
-    <dgm:txLinClrLst/>
-    <dgm:txFillClrLst meth="repeat">
-      <a:schemeClr val="tx1"/>
-    </dgm:txFillClrLst>
-    <dgm:txEffectClrLst/>
-  </dgm:styleLbl>
-  <dgm:styleLbl name="fgAcc1">
-    <dgm:fillClrLst meth="repeat">
-      <a:schemeClr val="lt1">
-        <a:alpha val="90000"/>
-      </a:schemeClr>
-    </dgm:fillClrLst>
-    <dgm:linClrLst>
-      <a:schemeClr val="accent2"/>
-      <a:schemeClr val="accent3"/>
-    </dgm:linClrLst>
-    <dgm:effectClrLst/>
-    <dgm:txLinClrLst/>
-    <dgm:txFillClrLst meth="repeat">
-      <a:schemeClr val="dk1"/>
-    </dgm:txFillClrLst>
-    <dgm:txEffectClrLst/>
-  </dgm:styleLbl>
-  <dgm:styleLbl name="conFgAcc1">
-    <dgm:fillClrLst meth="repeat">
-      <a:schemeClr val="lt1">
-        <a:alpha val="90000"/>
-      </a:schemeClr>
-    </dgm:fillClrLst>
-    <dgm:linClrLst>
-      <a:schemeClr val="accent2"/>
-      <a:schemeClr val="accent3"/>
-    </dgm:linClrLst>
-    <dgm:effectClrLst/>
-    <dgm:txLinClrLst/>
-    <dgm:txFillClrLst meth="repeat">
-      <a:schemeClr val="dk1"/>
-    </dgm:txFillClrLst>
-    <dgm:txEffectClrLst/>
-  </dgm:styleLbl>
-  <dgm:styleLbl name="alignAcc1">
-    <dgm:fillClrLst meth="repeat">
-      <a:schemeClr val="lt1">
-        <a:alpha val="90000"/>
-      </a:schemeClr>
-    </dgm:fillClrLst>
-    <dgm:linClrLst>
-      <a:schemeClr val="accent2"/>
-      <a:schemeClr val="accent3"/>
-    </dgm:linClrLst>
-    <dgm:effectClrLst/>
-    <dgm:txLinClrLst/>
-    <dgm:txFillClrLst meth="repeat">
-      <a:schemeClr val="dk1"/>
-    </dgm:txFillClrLst>
-    <dgm:txEffectClrLst/>
-  </dgm:styleLbl>
-  <dgm:styleLbl name="trAlignAcc1">
-    <dgm:fillClrLst meth="repeat">
-      <a:schemeClr val="lt1">
-        <a:alpha val="40000"/>
-      </a:schemeClr>
-    </dgm:fillClrLst>
-    <dgm:linClrLst meth="repeat">
-      <a:schemeClr val="accent2"/>
-    </dgm:linClrLst>
-    <dgm:effectClrLst/>
-    <dgm:txLinClrLst/>
-    <dgm:txFillClrLst meth="repeat">
-      <a:schemeClr val="dk1"/>
-    </dgm:txFillClrLst>
-    <dgm:txEffectClrLst/>
-  </dgm:styleLbl>
-  <dgm:styleLbl name="bgAcc1">
-    <dgm:fillClrLst meth="repeat">
-      <a:schemeClr val="lt1">
-        <a:alpha val="90000"/>
-      </a:schemeClr>
-    </dgm:fillClrLst>
-    <dgm:linClrLst>
-      <a:schemeClr val="accent2"/>
-      <a:schemeClr val="accent3"/>
-    </dgm:linClrLst>
-    <dgm:effectClrLst/>
-    <dgm:txLinClrLst/>
-    <dgm:txFillClrLst meth="repeat">
-      <a:schemeClr val="dk1"/>
-    </dgm:txFillClrLst>
-    <dgm:txEffectClrLst/>
-  </dgm:styleLbl>
-  <dgm:styleLbl name="solidFgAcc1">
-    <dgm:fillClrLst meth="repeat">
-      <a:schemeClr val="lt1"/>
-    </dgm:fillClrLst>
-    <dgm:linClrLst>
-      <a:schemeClr val="accent2"/>
-      <a:schemeClr val="accent3"/>
-    </dgm:linClrLst>
-    <dgm:effectClrLst/>
-    <dgm:txLinClrLst/>
-    <dgm:txFillClrLst meth="repeat">
-      <a:schemeClr val="dk1"/>
-    </dgm:txFillClrLst>
-    <dgm:txEffectClrLst/>
-  </dgm:styleLbl>
-  <dgm:styleLbl name="solidAlignAcc1">
-    <dgm:fillClrLst meth="repeat">
-      <a:schemeClr val="lt1"/>
-    </dgm:fillClrLst>
-    <dgm:linClrLst>
-      <a:schemeClr val="accent2"/>
-      <a:schemeClr val="accent3"/>
-    </dgm:linClrLst>
-    <dgm:effectClrLst/>
-    <dgm:txLinClrLst/>
-    <dgm:txFillClrLst meth="repeat">
-      <a:schemeClr val="dk1"/>
-    </dgm:txFillClrLst>
-    <dgm:txEffectClrLst/>
-  </dgm:styleLbl>
-  <dgm:styleLbl name="solidBgAcc1">
-    <dgm:fillClrLst meth="repeat">
-      <a:schemeClr val="lt1"/>
-    </dgm:fillClrLst>
-    <dgm:linClrLst>
-      <a:schemeClr val="accent2"/>
-      <a:schemeClr val="accent3"/>
-    </dgm:linClrLst>
-    <dgm:effectClrLst/>
-    <dgm:txLinClrLst/>
-    <dgm:txFillClrLst meth="repeat">
-      <a:schemeClr val="dk1"/>
-    </dgm:txFillClrLst>
-    <dgm:txEffectClrLst/>
-  </dgm:styleLbl>
-  <dgm:styleLbl name="fgAccFollowNode1">
-    <dgm:fillClrLst>
-      <a:schemeClr val="accent2">
-        <a:tint val="40000"/>
-        <a:alpha val="90000"/>
-      </a:schemeClr>
-      <a:schemeClr val="accent3">
-        <a:tint val="40000"/>
-        <a:alpha val="90000"/>
-      </a:schemeClr>
-    </dgm:fillClrLst>
-    <dgm:linClrLst>
-      <a:schemeClr val="accent2">
-        <a:tint val="40000"/>
-        <a:alpha val="90000"/>
-      </a:schemeClr>
-      <a:schemeClr val="accent3">
-        <a:tint val="40000"/>
-        <a:alpha val="90000"/>
-      </a:schemeClr>
-    </dgm:linClrLst>
-    <dgm:effectClrLst/>
-    <dgm:txLinClrLst/>
-    <dgm:txFillClrLst meth="repeat">
-      <a:schemeClr val="dk1"/>
-    </dgm:txFillClrLst>
-    <dgm:txEffectClrLst/>
-  </dgm:styleLbl>
-  <dgm:styleLbl name="alignAccFollowNode1">
-    <dgm:fillClrLst>
-      <a:schemeClr val="accent2">
-        <a:tint val="40000"/>
-        <a:alpha val="90000"/>
-      </a:schemeClr>
-      <a:schemeClr val="accent3">
-        <a:tint val="40000"/>
-        <a:alpha val="90000"/>
-      </a:schemeClr>
-    </dgm:fillClrLst>
-    <dgm:linClrLst>
-      <a:schemeClr val="accent2">
-        <a:tint val="40000"/>
-        <a:alpha val="90000"/>
-      </a:schemeClr>
-      <a:schemeClr val="accent3">
-        <a:tint val="40000"/>
-        <a:alpha val="90000"/>
-      </a:schemeClr>
-    </dgm:linClrLst>
-    <dgm:effectClrLst/>
-    <dgm:txLinClrLst/>
-    <dgm:txFillClrLst meth="repeat">
-      <a:schemeClr val="dk1"/>
-    </dgm:txFillClrLst>
-    <dgm:txEffectClrLst/>
-  </dgm:styleLbl>
-  <dgm:styleLbl name="bgAccFollowNode1">
-    <dgm:fillClrLst>
-      <a:schemeClr val="accent2">
-        <a:tint val="40000"/>
-        <a:alpha val="90000"/>
-      </a:schemeClr>
-      <a:schemeClr val="accent3">
-        <a:tint val="40000"/>
-        <a:alpha val="90000"/>
-      </a:schemeClr>
-    </dgm:fillClrLst>
-    <dgm:linClrLst>
-      <a:schemeClr val="accent2">
-        <a:tint val="40000"/>
-        <a:alpha val="90000"/>
-      </a:schemeClr>
-      <a:schemeClr val="accent3">
-        <a:tint val="40000"/>
-        <a:alpha val="90000"/>
-      </a:schemeClr>
-    </dgm:linClrLst>
-    <dgm:effectClrLst/>
-    <dgm:txLinClrLst/>
-    <dgm:txFillClrLst meth="repeat">
-      <a:schemeClr val="dk1"/>
-    </dgm:txFillClrLst>
-    <dgm:txEffectClrLst/>
-  </dgm:styleLbl>
-  <dgm:styleLbl name="fgAcc0">
-    <dgm:fillClrLst meth="repeat">
-      <a:schemeClr val="lt1">
-        <a:alpha val="90000"/>
-      </a:schemeClr>
-    </dgm:fillClrLst>
-    <dgm:linClrLst>
-      <a:schemeClr val="accent1"/>
-    </dgm:linClrLst>
-    <dgm:effectClrLst/>
-    <dgm:txLinClrLst/>
-    <dgm:txFillClrLst meth="repeat">
-      <a:schemeClr val="dk1"/>
-    </dgm:txFillClrLst>
-    <dgm:txEffectClrLst/>
-  </dgm:styleLbl>
-  <dgm:styleLbl name="fgAcc2">
-    <dgm:fillClrLst meth="repeat">
-      <a:schemeClr val="lt1">
-        <a:alpha val="90000"/>
-      </a:schemeClr>
-    </dgm:fillClrLst>
-    <dgm:linClrLst>
-      <a:schemeClr val="accent3"/>
-    </dgm:linClrLst>
-    <dgm:effectClrLst/>
-    <dgm:txLinClrLst/>
-    <dgm:txFillClrLst meth="repeat">
-      <a:schemeClr val="dk1"/>
-    </dgm:txFillClrLst>
-    <dgm:txEffectClrLst/>
-  </dgm:styleLbl>
-  <dgm:styleLbl name="fgAcc3">
-    <dgm:fillClrLst meth="repeat">
-      <a:schemeClr val="lt1">
-        <a:alpha val="90000"/>
-      </a:schemeClr>
-    </dgm:fillClrLst>
-    <dgm:linClrLst>
-      <a:schemeClr val="accent4"/>
-    </dgm:linClrLst>
-    <dgm:effectClrLst/>
-    <dgm:txLinClrLst/>
-    <dgm:txFillClrLst meth="repeat">
-      <a:schemeClr val="dk1"/>
-    </dgm:txFillClrLst>
-    <dgm:txEffectClrLst/>
-  </dgm:styleLbl>
-  <dgm:styleLbl name="fgAcc4">
-    <dgm:fillClrLst meth="repeat">
-      <a:schemeClr val="lt1">
-        <a:alpha val="90000"/>
-      </a:schemeClr>
-    </dgm:fillClrLst>
-    <dgm:linClrLst>
-      <a:schemeClr val="accent5"/>
-    </dgm:linClrLst>
-    <dgm:effectClrLst/>
-    <dgm:txLinClrLst/>
-    <dgm:txFillClrLst meth="repeat">
-      <a:schemeClr val="dk1"/>
-    </dgm:txFillClrLst>
-    <dgm:txEffectClrLst/>
-  </dgm:styleLbl>
-  <dgm:styleLbl name="bgShp">
-    <dgm:fillClrLst meth="repeat">
-      <a:schemeClr val="accent2">
-        <a:tint val="40000"/>
-      </a:schemeClr>
-    </dgm:fillClrLst>
-    <dgm:linClrLst meth="repeat">
-      <a:schemeClr val="dk1"/>
-    </dgm:linClrLst>
-    <dgm:effectClrLst/>
-    <dgm:txLinClrLst/>
-    <dgm:txFillClrLst meth="repeat">
-      <a:schemeClr val="dk1"/>
-    </dgm:txFillClrLst>
-    <dgm:txEffectClrLst/>
-  </dgm:styleLbl>
-  <dgm:styleLbl name="dkBgShp">
-    <dgm:fillClrLst meth="repeat">
-      <a:schemeClr val="accent2">
-        <a:shade val="90000"/>
-      </a:schemeClr>
-    </dgm:fillClrLst>
-    <dgm:linClrLst meth="repeat">
-      <a:schemeClr val="dk1"/>
-    </dgm:linClrLst>
-    <dgm:effectClrLst/>
-    <dgm:txLinClrLst/>
-    <dgm:txFillClrLst meth="repeat">
-      <a:schemeClr val="lt1"/>
-    </dgm:txFillClrLst>
-    <dgm:txEffectClrLst/>
-  </dgm:styleLbl>
-  <dgm:styleLbl name="trBgShp">
-    <dgm:fillClrLst meth="repeat">
-      <a:schemeClr val="accent2">
-        <a:tint val="50000"/>
-        <a:alpha val="40000"/>
-      </a:schemeClr>
-    </dgm:fillClrLst>
-    <dgm:linClrLst meth="repeat">
-      <a:schemeClr val="accent2"/>
-    </dgm:linClrLst>
-    <dgm:effectClrLst/>
-    <dgm:txLinClrLst/>
-    <dgm:txFillClrLst meth="repeat">
-      <a:schemeClr val="lt1"/>
-    </dgm:txFillClrLst>
-    <dgm:txEffectClrLst/>
-  </dgm:styleLbl>
-  <dgm:styleLbl name="fgShp">
-    <dgm:fillClrLst meth="repeat">
-      <a:schemeClr val="accent2">
-        <a:tint val="40000"/>
-      </a:schemeClr>
-    </dgm:fillClrLst>
-    <dgm:linClrLst meth="repeat">
-      <a:schemeClr val="lt1"/>
-    </dgm:linClrLst>
-    <dgm:effectClrLst/>
-    <dgm:txLinClrLst/>
-    <dgm:txFillClrLst meth="repeat">
-      <a:schemeClr val="dk1"/>
-    </dgm:txFillClrLst>
-    <dgm:txEffectClrLst/>
-  </dgm:styleLbl>
-  <dgm:styleLbl name="revTx">
-    <dgm:fillClrLst meth="repeat">
-      <a:schemeClr val="lt1">
-        <a:alpha val="0"/>
-      </a:schemeClr>
-    </dgm:fillClrLst>
-    <dgm:linClrLst meth="repeat">
-      <a:schemeClr val="dk1">
-        <a:alpha val="0"/>
-      </a:schemeClr>
-    </dgm:linClrLst>
-    <dgm:effectClrLst/>
-    <dgm:txLinClrLst/>
-    <dgm:txFillClrLst meth="repeat">
-      <a:schemeClr val="tx1"/>
-    </dgm:txFillClrLst>
-    <dgm:txEffectClrLst/>
-  </dgm:styleLbl>
-</dgm:colorsDef>
-</file>
-
-<file path=ppt/diagrams/colors2.xml><?xml version="1.0" encoding="utf-8"?>
 <dgm:colorsDef xmlns:dgm="http://schemas.openxmlformats.org/drawingml/2006/diagram" xmlns:a="http://schemas.openxmlformats.org/drawingml/2006/main" uniqueId="urn:microsoft.com/office/officeart/2005/8/colors/colorful5">
   <dgm:title val=""/>
   <dgm:desc val=""/>
@@ -1684,7 +900,7 @@
 </dgm:colorsDef>
 </file>
 
-<file path=ppt/diagrams/colors3.xml><?xml version="1.0" encoding="utf-8"?>
+<file path=ppt/diagrams/colors2.xml><?xml version="1.0" encoding="utf-8"?>
 <dgm:colorsDef xmlns:dgm="http://schemas.openxmlformats.org/drawingml/2006/diagram" xmlns:a="http://schemas.openxmlformats.org/drawingml/2006/main" uniqueId="urn:microsoft.com/office/officeart/2018/5/colors/Iconchunking_neutralbg_accent0_3">
   <dgm:title val=""/>
   <dgm:desc val=""/>
@@ -2440,353 +1656,8 @@
 <file path=ppt/diagrams/data1.xml><?xml version="1.0" encoding="utf-8"?>
 <dgm:dataModel xmlns:dgm="http://schemas.openxmlformats.org/drawingml/2006/diagram" xmlns:a="http://schemas.openxmlformats.org/drawingml/2006/main">
   <dgm:ptLst>
-    <dgm:pt modelId="{3323A9E3-55DA-445F-9711-AF00AE15C3FD}" type="doc">
-      <dgm:prSet loTypeId="urn:microsoft.com/office/officeart/2005/8/layout/list1" loCatId="list" qsTypeId="urn:microsoft.com/office/officeart/2005/8/quickstyle/simple1" qsCatId="simple" csTypeId="urn:microsoft.com/office/officeart/2005/8/colors/colorful2" csCatId="colorful" phldr="1"/>
-      <dgm:spPr/>
-      <dgm:t>
-        <a:bodyPr/>
-        <a:lstStyle/>
-        <a:p>
-          <a:endParaRPr lang="en-US"/>
-        </a:p>
-      </dgm:t>
-    </dgm:pt>
-    <dgm:pt modelId="{77835FBC-7711-4B02-91C0-45893941F62C}">
-      <dgm:prSet/>
-      <dgm:spPr/>
-      <dgm:t>
-        <a:bodyPr/>
-        <a:lstStyle/>
-        <a:p>
-          <a:r>
-            <a:rPr lang="en-US"/>
-            <a:t>Project Inspiration</a:t>
-          </a:r>
-        </a:p>
-      </dgm:t>
-    </dgm:pt>
-    <dgm:pt modelId="{2F93E3DD-1CC2-4067-84B4-B69AA8B4BDF8}" type="parTrans" cxnId="{767CD726-A0F8-4070-AAE5-DBA6375D7400}">
-      <dgm:prSet/>
-      <dgm:spPr/>
-      <dgm:t>
-        <a:bodyPr/>
-        <a:lstStyle/>
-        <a:p>
-          <a:endParaRPr lang="en-US"/>
-        </a:p>
-      </dgm:t>
-    </dgm:pt>
-    <dgm:pt modelId="{241F902B-7327-4098-8045-70DA3186D5B0}" type="sibTrans" cxnId="{767CD726-A0F8-4070-AAE5-DBA6375D7400}">
-      <dgm:prSet/>
-      <dgm:spPr/>
-      <dgm:t>
-        <a:bodyPr/>
-        <a:lstStyle/>
-        <a:p>
-          <a:endParaRPr lang="en-US"/>
-        </a:p>
-      </dgm:t>
-    </dgm:pt>
-    <dgm:pt modelId="{551B4FE3-0A65-45A0-8535-0AD0725BDC10}">
-      <dgm:prSet/>
-      <dgm:spPr/>
-      <dgm:t>
-        <a:bodyPr/>
-        <a:lstStyle/>
-        <a:p>
-          <a:r>
-            <a:rPr lang="en-US"/>
-            <a:t>The Data &amp; The Scope</a:t>
-          </a:r>
-        </a:p>
-      </dgm:t>
-    </dgm:pt>
-    <dgm:pt modelId="{12DC957E-95FA-47B9-A3CD-90C198DCEFFF}" type="parTrans" cxnId="{D1FDAD06-B5C7-4BEA-9536-B0CA4A359259}">
-      <dgm:prSet/>
-      <dgm:spPr/>
-      <dgm:t>
-        <a:bodyPr/>
-        <a:lstStyle/>
-        <a:p>
-          <a:endParaRPr lang="en-US"/>
-        </a:p>
-      </dgm:t>
-    </dgm:pt>
-    <dgm:pt modelId="{1C2C41D5-26AC-49FF-9E56-AC5F0941DB95}" type="sibTrans" cxnId="{D1FDAD06-B5C7-4BEA-9536-B0CA4A359259}">
-      <dgm:prSet/>
-      <dgm:spPr/>
-      <dgm:t>
-        <a:bodyPr/>
-        <a:lstStyle/>
-        <a:p>
-          <a:endParaRPr lang="en-US"/>
-        </a:p>
-      </dgm:t>
-    </dgm:pt>
-    <dgm:pt modelId="{233CD61B-3B66-4100-A688-C67CD329C29F}">
-      <dgm:prSet/>
-      <dgm:spPr/>
-      <dgm:t>
-        <a:bodyPr/>
-        <a:lstStyle/>
-        <a:p>
-          <a:r>
-            <a:rPr lang="en-US" dirty="0"/>
-            <a:t>Machine Learning / Demo </a:t>
-          </a:r>
-        </a:p>
-      </dgm:t>
-    </dgm:pt>
-    <dgm:pt modelId="{D9B32568-6DB1-4CED-AD13-69299622ACF3}" type="parTrans" cxnId="{32A38931-A19C-496E-808D-7EB765E7C5E4}">
-      <dgm:prSet/>
-      <dgm:spPr/>
-      <dgm:t>
-        <a:bodyPr/>
-        <a:lstStyle/>
-        <a:p>
-          <a:endParaRPr lang="en-US"/>
-        </a:p>
-      </dgm:t>
-    </dgm:pt>
-    <dgm:pt modelId="{FF6E953E-5FFB-4664-8B4A-F8539888BE36}" type="sibTrans" cxnId="{32A38931-A19C-496E-808D-7EB765E7C5E4}">
-      <dgm:prSet/>
-      <dgm:spPr/>
-      <dgm:t>
-        <a:bodyPr/>
-        <a:lstStyle/>
-        <a:p>
-          <a:endParaRPr lang="en-US"/>
-        </a:p>
-      </dgm:t>
-    </dgm:pt>
-    <dgm:pt modelId="{8FE28629-2149-4D46-9242-A49FAB950714}">
-      <dgm:prSet/>
-      <dgm:spPr/>
-      <dgm:t>
-        <a:bodyPr/>
-        <a:lstStyle/>
-        <a:p>
-          <a:r>
-            <a:rPr lang="en-US"/>
-            <a:t>Post-Mortem</a:t>
-          </a:r>
-        </a:p>
-      </dgm:t>
-    </dgm:pt>
-    <dgm:pt modelId="{9DD4553A-E225-481E-B019-79E50D260F43}" type="parTrans" cxnId="{E4C0550D-7D26-4D2E-88E4-6EAF5CBF8BCE}">
-      <dgm:prSet/>
-      <dgm:spPr/>
-      <dgm:t>
-        <a:bodyPr/>
-        <a:lstStyle/>
-        <a:p>
-          <a:endParaRPr lang="en-US"/>
-        </a:p>
-      </dgm:t>
-    </dgm:pt>
-    <dgm:pt modelId="{49B896A7-CE83-4B83-8465-EAC7FA6DAA8F}" type="sibTrans" cxnId="{E4C0550D-7D26-4D2E-88E4-6EAF5CBF8BCE}">
-      <dgm:prSet/>
-      <dgm:spPr/>
-      <dgm:t>
-        <a:bodyPr/>
-        <a:lstStyle/>
-        <a:p>
-          <a:endParaRPr lang="en-US"/>
-        </a:p>
-      </dgm:t>
-    </dgm:pt>
-    <dgm:pt modelId="{9C9D3364-5F98-4802-853E-4E967C55AB07}" type="pres">
-      <dgm:prSet presAssocID="{3323A9E3-55DA-445F-9711-AF00AE15C3FD}" presName="linear" presStyleCnt="0">
-        <dgm:presLayoutVars>
-          <dgm:dir/>
-          <dgm:animLvl val="lvl"/>
-          <dgm:resizeHandles val="exact"/>
-        </dgm:presLayoutVars>
-      </dgm:prSet>
-      <dgm:spPr/>
-    </dgm:pt>
-    <dgm:pt modelId="{77F6C8E2-4C06-40F7-9ED7-D17E2DCA6C26}" type="pres">
-      <dgm:prSet presAssocID="{77835FBC-7711-4B02-91C0-45893941F62C}" presName="parentLin" presStyleCnt="0"/>
-      <dgm:spPr/>
-    </dgm:pt>
-    <dgm:pt modelId="{D4101113-805F-49CF-BBE8-472507416B53}" type="pres">
-      <dgm:prSet presAssocID="{77835FBC-7711-4B02-91C0-45893941F62C}" presName="parentLeftMargin" presStyleLbl="node1" presStyleIdx="0" presStyleCnt="4"/>
-      <dgm:spPr/>
-    </dgm:pt>
-    <dgm:pt modelId="{E1884EDA-6DE2-40EB-9009-5E6A0D5297F0}" type="pres">
-      <dgm:prSet presAssocID="{77835FBC-7711-4B02-91C0-45893941F62C}" presName="parentText" presStyleLbl="node1" presStyleIdx="0" presStyleCnt="4">
-        <dgm:presLayoutVars>
-          <dgm:chMax val="0"/>
-          <dgm:bulletEnabled val="1"/>
-        </dgm:presLayoutVars>
-      </dgm:prSet>
-      <dgm:spPr/>
-    </dgm:pt>
-    <dgm:pt modelId="{5FF44739-C4FB-41D6-B466-114B5620C1AF}" type="pres">
-      <dgm:prSet presAssocID="{77835FBC-7711-4B02-91C0-45893941F62C}" presName="negativeSpace" presStyleCnt="0"/>
-      <dgm:spPr/>
-    </dgm:pt>
-    <dgm:pt modelId="{8D34EEC4-5ACC-4270-8F25-5EB3576CDEC0}" type="pres">
-      <dgm:prSet presAssocID="{77835FBC-7711-4B02-91C0-45893941F62C}" presName="childText" presStyleLbl="conFgAcc1" presStyleIdx="0" presStyleCnt="4">
-        <dgm:presLayoutVars>
-          <dgm:bulletEnabled val="1"/>
-        </dgm:presLayoutVars>
-      </dgm:prSet>
-      <dgm:spPr/>
-    </dgm:pt>
-    <dgm:pt modelId="{7F0C0A24-0469-4D2E-AAB5-631552A00B33}" type="pres">
-      <dgm:prSet presAssocID="{241F902B-7327-4098-8045-70DA3186D5B0}" presName="spaceBetweenRectangles" presStyleCnt="0"/>
-      <dgm:spPr/>
-    </dgm:pt>
-    <dgm:pt modelId="{C20E4722-CA98-4479-BF19-3A6F41383C10}" type="pres">
-      <dgm:prSet presAssocID="{551B4FE3-0A65-45A0-8535-0AD0725BDC10}" presName="parentLin" presStyleCnt="0"/>
-      <dgm:spPr/>
-    </dgm:pt>
-    <dgm:pt modelId="{3AD00C37-0FF6-45DA-82B9-208B747B1CE3}" type="pres">
-      <dgm:prSet presAssocID="{551B4FE3-0A65-45A0-8535-0AD0725BDC10}" presName="parentLeftMargin" presStyleLbl="node1" presStyleIdx="0" presStyleCnt="4"/>
-      <dgm:spPr/>
-    </dgm:pt>
-    <dgm:pt modelId="{746A0FEF-D127-4A89-A874-17E3CCAADE99}" type="pres">
-      <dgm:prSet presAssocID="{551B4FE3-0A65-45A0-8535-0AD0725BDC10}" presName="parentText" presStyleLbl="node1" presStyleIdx="1" presStyleCnt="4">
-        <dgm:presLayoutVars>
-          <dgm:chMax val="0"/>
-          <dgm:bulletEnabled val="1"/>
-        </dgm:presLayoutVars>
-      </dgm:prSet>
-      <dgm:spPr/>
-    </dgm:pt>
-    <dgm:pt modelId="{B8D78CBE-04F8-4BCC-8B4F-FCB5317302E0}" type="pres">
-      <dgm:prSet presAssocID="{551B4FE3-0A65-45A0-8535-0AD0725BDC10}" presName="negativeSpace" presStyleCnt="0"/>
-      <dgm:spPr/>
-    </dgm:pt>
-    <dgm:pt modelId="{84B48598-9F3B-4CC3-89F4-D115BD0B784E}" type="pres">
-      <dgm:prSet presAssocID="{551B4FE3-0A65-45A0-8535-0AD0725BDC10}" presName="childText" presStyleLbl="conFgAcc1" presStyleIdx="1" presStyleCnt="4">
-        <dgm:presLayoutVars>
-          <dgm:bulletEnabled val="1"/>
-        </dgm:presLayoutVars>
-      </dgm:prSet>
-      <dgm:spPr/>
-    </dgm:pt>
-    <dgm:pt modelId="{168B8680-9619-48F9-BC8D-0E0E593D5DEA}" type="pres">
-      <dgm:prSet presAssocID="{1C2C41D5-26AC-49FF-9E56-AC5F0941DB95}" presName="spaceBetweenRectangles" presStyleCnt="0"/>
-      <dgm:spPr/>
-    </dgm:pt>
-    <dgm:pt modelId="{0E4A514A-B708-46A8-9679-6D2514D6C9E4}" type="pres">
-      <dgm:prSet presAssocID="{233CD61B-3B66-4100-A688-C67CD329C29F}" presName="parentLin" presStyleCnt="0"/>
-      <dgm:spPr/>
-    </dgm:pt>
-    <dgm:pt modelId="{01B304FD-8282-4502-8DD1-6AF903054C82}" type="pres">
-      <dgm:prSet presAssocID="{233CD61B-3B66-4100-A688-C67CD329C29F}" presName="parentLeftMargin" presStyleLbl="node1" presStyleIdx="1" presStyleCnt="4"/>
-      <dgm:spPr/>
-    </dgm:pt>
-    <dgm:pt modelId="{EEEE487E-A6F3-4BF6-B396-B8F1B57943B2}" type="pres">
-      <dgm:prSet presAssocID="{233CD61B-3B66-4100-A688-C67CD329C29F}" presName="parentText" presStyleLbl="node1" presStyleIdx="2" presStyleCnt="4">
-        <dgm:presLayoutVars>
-          <dgm:chMax val="0"/>
-          <dgm:bulletEnabled val="1"/>
-        </dgm:presLayoutVars>
-      </dgm:prSet>
-      <dgm:spPr/>
-    </dgm:pt>
-    <dgm:pt modelId="{F2EEFB68-4BCD-42C0-AF33-9B471DDD2532}" type="pres">
-      <dgm:prSet presAssocID="{233CD61B-3B66-4100-A688-C67CD329C29F}" presName="negativeSpace" presStyleCnt="0"/>
-      <dgm:spPr/>
-    </dgm:pt>
-    <dgm:pt modelId="{C02EE021-BDA1-4522-9952-437ACD3B42BE}" type="pres">
-      <dgm:prSet presAssocID="{233CD61B-3B66-4100-A688-C67CD329C29F}" presName="childText" presStyleLbl="conFgAcc1" presStyleIdx="2" presStyleCnt="4">
-        <dgm:presLayoutVars>
-          <dgm:bulletEnabled val="1"/>
-        </dgm:presLayoutVars>
-      </dgm:prSet>
-      <dgm:spPr/>
-    </dgm:pt>
-    <dgm:pt modelId="{BADD4156-2F31-4015-B216-B9508CFBA639}" type="pres">
-      <dgm:prSet presAssocID="{FF6E953E-5FFB-4664-8B4A-F8539888BE36}" presName="spaceBetweenRectangles" presStyleCnt="0"/>
-      <dgm:spPr/>
-    </dgm:pt>
-    <dgm:pt modelId="{DAA4CAC1-1446-4063-8D4F-DCAFD275D021}" type="pres">
-      <dgm:prSet presAssocID="{8FE28629-2149-4D46-9242-A49FAB950714}" presName="parentLin" presStyleCnt="0"/>
-      <dgm:spPr/>
-    </dgm:pt>
-    <dgm:pt modelId="{BCF354F6-9512-42CD-9A68-DF5DA76439B3}" type="pres">
-      <dgm:prSet presAssocID="{8FE28629-2149-4D46-9242-A49FAB950714}" presName="parentLeftMargin" presStyleLbl="node1" presStyleIdx="2" presStyleCnt="4"/>
-      <dgm:spPr/>
-    </dgm:pt>
-    <dgm:pt modelId="{09462DBD-3A0A-4A40-976B-B1CCF303F5BB}" type="pres">
-      <dgm:prSet presAssocID="{8FE28629-2149-4D46-9242-A49FAB950714}" presName="parentText" presStyleLbl="node1" presStyleIdx="3" presStyleCnt="4">
-        <dgm:presLayoutVars>
-          <dgm:chMax val="0"/>
-          <dgm:bulletEnabled val="1"/>
-        </dgm:presLayoutVars>
-      </dgm:prSet>
-      <dgm:spPr/>
-    </dgm:pt>
-    <dgm:pt modelId="{B40EC383-9129-4546-9D23-1CA17D3EE786}" type="pres">
-      <dgm:prSet presAssocID="{8FE28629-2149-4D46-9242-A49FAB950714}" presName="negativeSpace" presStyleCnt="0"/>
-      <dgm:spPr/>
-    </dgm:pt>
-    <dgm:pt modelId="{2BABE046-1014-49E7-A524-E8218B83D880}" type="pres">
-      <dgm:prSet presAssocID="{8FE28629-2149-4D46-9242-A49FAB950714}" presName="childText" presStyleLbl="conFgAcc1" presStyleIdx="3" presStyleCnt="4">
-        <dgm:presLayoutVars>
-          <dgm:bulletEnabled val="1"/>
-        </dgm:presLayoutVars>
-      </dgm:prSet>
-      <dgm:spPr/>
-    </dgm:pt>
-  </dgm:ptLst>
-  <dgm:cxnLst>
-    <dgm:cxn modelId="{D1FDAD06-B5C7-4BEA-9536-B0CA4A359259}" srcId="{3323A9E3-55DA-445F-9711-AF00AE15C3FD}" destId="{551B4FE3-0A65-45A0-8535-0AD0725BDC10}" srcOrd="1" destOrd="0" parTransId="{12DC957E-95FA-47B9-A3CD-90C198DCEFFF}" sibTransId="{1C2C41D5-26AC-49FF-9E56-AC5F0941DB95}"/>
-    <dgm:cxn modelId="{E4C0550D-7D26-4D2E-88E4-6EAF5CBF8BCE}" srcId="{3323A9E3-55DA-445F-9711-AF00AE15C3FD}" destId="{8FE28629-2149-4D46-9242-A49FAB950714}" srcOrd="3" destOrd="0" parTransId="{9DD4553A-E225-481E-B019-79E50D260F43}" sibTransId="{49B896A7-CE83-4B83-8465-EAC7FA6DAA8F}"/>
-    <dgm:cxn modelId="{7AC1851E-EBB4-41EA-9E7A-5B9E20D782AF}" type="presOf" srcId="{551B4FE3-0A65-45A0-8535-0AD0725BDC10}" destId="{746A0FEF-D127-4A89-A874-17E3CCAADE99}" srcOrd="1" destOrd="0" presId="urn:microsoft.com/office/officeart/2005/8/layout/list1"/>
-    <dgm:cxn modelId="{767CD726-A0F8-4070-AAE5-DBA6375D7400}" srcId="{3323A9E3-55DA-445F-9711-AF00AE15C3FD}" destId="{77835FBC-7711-4B02-91C0-45893941F62C}" srcOrd="0" destOrd="0" parTransId="{2F93E3DD-1CC2-4067-84B4-B69AA8B4BDF8}" sibTransId="{241F902B-7327-4098-8045-70DA3186D5B0}"/>
-    <dgm:cxn modelId="{32A38931-A19C-496E-808D-7EB765E7C5E4}" srcId="{3323A9E3-55DA-445F-9711-AF00AE15C3FD}" destId="{233CD61B-3B66-4100-A688-C67CD329C29F}" srcOrd="2" destOrd="0" parTransId="{D9B32568-6DB1-4CED-AD13-69299622ACF3}" sibTransId="{FF6E953E-5FFB-4664-8B4A-F8539888BE36}"/>
-    <dgm:cxn modelId="{54DEBE44-1052-46A0-86E5-24B0554C7CB1}" type="presOf" srcId="{77835FBC-7711-4B02-91C0-45893941F62C}" destId="{E1884EDA-6DE2-40EB-9009-5E6A0D5297F0}" srcOrd="1" destOrd="0" presId="urn:microsoft.com/office/officeart/2005/8/layout/list1"/>
-    <dgm:cxn modelId="{D4FCFA51-F8C3-4AFE-BF3E-7095DDF43BA2}" type="presOf" srcId="{233CD61B-3B66-4100-A688-C67CD329C29F}" destId="{EEEE487E-A6F3-4BF6-B396-B8F1B57943B2}" srcOrd="1" destOrd="0" presId="urn:microsoft.com/office/officeart/2005/8/layout/list1"/>
-    <dgm:cxn modelId="{57A2C257-83DD-4DC3-B561-60DBA6B021B2}" type="presOf" srcId="{8FE28629-2149-4D46-9242-A49FAB950714}" destId="{BCF354F6-9512-42CD-9A68-DF5DA76439B3}" srcOrd="0" destOrd="0" presId="urn:microsoft.com/office/officeart/2005/8/layout/list1"/>
-    <dgm:cxn modelId="{03FE0A9A-D24F-4D14-9792-D32B18C5EEEF}" type="presOf" srcId="{77835FBC-7711-4B02-91C0-45893941F62C}" destId="{D4101113-805F-49CF-BBE8-472507416B53}" srcOrd="0" destOrd="0" presId="urn:microsoft.com/office/officeart/2005/8/layout/list1"/>
-    <dgm:cxn modelId="{C2AFC9B3-7615-4FB6-8BB5-A9948655F7A4}" type="presOf" srcId="{8FE28629-2149-4D46-9242-A49FAB950714}" destId="{09462DBD-3A0A-4A40-976B-B1CCF303F5BB}" srcOrd="1" destOrd="0" presId="urn:microsoft.com/office/officeart/2005/8/layout/list1"/>
-    <dgm:cxn modelId="{C56EF3BB-B6A2-4AAA-84F9-9DF17AE5170A}" type="presOf" srcId="{551B4FE3-0A65-45A0-8535-0AD0725BDC10}" destId="{3AD00C37-0FF6-45DA-82B9-208B747B1CE3}" srcOrd="0" destOrd="0" presId="urn:microsoft.com/office/officeart/2005/8/layout/list1"/>
-    <dgm:cxn modelId="{7CDC28CA-BA36-441B-9208-3B41E04A7DDA}" type="presOf" srcId="{233CD61B-3B66-4100-A688-C67CD329C29F}" destId="{01B304FD-8282-4502-8DD1-6AF903054C82}" srcOrd="0" destOrd="0" presId="urn:microsoft.com/office/officeart/2005/8/layout/list1"/>
-    <dgm:cxn modelId="{2A0601DE-5321-4FC5-865A-0B491AECC0C0}" type="presOf" srcId="{3323A9E3-55DA-445F-9711-AF00AE15C3FD}" destId="{9C9D3364-5F98-4802-853E-4E967C55AB07}" srcOrd="0" destOrd="0" presId="urn:microsoft.com/office/officeart/2005/8/layout/list1"/>
-    <dgm:cxn modelId="{1FF69543-FF84-458E-B0FD-DAEA11C19D63}" type="presParOf" srcId="{9C9D3364-5F98-4802-853E-4E967C55AB07}" destId="{77F6C8E2-4C06-40F7-9ED7-D17E2DCA6C26}" srcOrd="0" destOrd="0" presId="urn:microsoft.com/office/officeart/2005/8/layout/list1"/>
-    <dgm:cxn modelId="{F25802F3-772A-4F47-B883-D83C12884377}" type="presParOf" srcId="{77F6C8E2-4C06-40F7-9ED7-D17E2DCA6C26}" destId="{D4101113-805F-49CF-BBE8-472507416B53}" srcOrd="0" destOrd="0" presId="urn:microsoft.com/office/officeart/2005/8/layout/list1"/>
-    <dgm:cxn modelId="{67C75447-3053-4329-9B64-F0B00FD3BA42}" type="presParOf" srcId="{77F6C8E2-4C06-40F7-9ED7-D17E2DCA6C26}" destId="{E1884EDA-6DE2-40EB-9009-5E6A0D5297F0}" srcOrd="1" destOrd="0" presId="urn:microsoft.com/office/officeart/2005/8/layout/list1"/>
-    <dgm:cxn modelId="{E927B17B-918B-4AAC-8845-C8695B7ABFD3}" type="presParOf" srcId="{9C9D3364-5F98-4802-853E-4E967C55AB07}" destId="{5FF44739-C4FB-41D6-B466-114B5620C1AF}" srcOrd="1" destOrd="0" presId="urn:microsoft.com/office/officeart/2005/8/layout/list1"/>
-    <dgm:cxn modelId="{42E8C955-7D96-4F11-AD17-0408049FCC1E}" type="presParOf" srcId="{9C9D3364-5F98-4802-853E-4E967C55AB07}" destId="{8D34EEC4-5ACC-4270-8F25-5EB3576CDEC0}" srcOrd="2" destOrd="0" presId="urn:microsoft.com/office/officeart/2005/8/layout/list1"/>
-    <dgm:cxn modelId="{3557135D-986B-4B83-AC5F-73BB4EE7D194}" type="presParOf" srcId="{9C9D3364-5F98-4802-853E-4E967C55AB07}" destId="{7F0C0A24-0469-4D2E-AAB5-631552A00B33}" srcOrd="3" destOrd="0" presId="urn:microsoft.com/office/officeart/2005/8/layout/list1"/>
-    <dgm:cxn modelId="{CE339AEC-5378-48A4-B11F-A6AC4CCCF226}" type="presParOf" srcId="{9C9D3364-5F98-4802-853E-4E967C55AB07}" destId="{C20E4722-CA98-4479-BF19-3A6F41383C10}" srcOrd="4" destOrd="0" presId="urn:microsoft.com/office/officeart/2005/8/layout/list1"/>
-    <dgm:cxn modelId="{E62E86B5-B385-4080-B47A-467D6FD20C55}" type="presParOf" srcId="{C20E4722-CA98-4479-BF19-3A6F41383C10}" destId="{3AD00C37-0FF6-45DA-82B9-208B747B1CE3}" srcOrd="0" destOrd="0" presId="urn:microsoft.com/office/officeart/2005/8/layout/list1"/>
-    <dgm:cxn modelId="{1D6EC3B6-60B0-4F23-8841-B20D54CF2FCA}" type="presParOf" srcId="{C20E4722-CA98-4479-BF19-3A6F41383C10}" destId="{746A0FEF-D127-4A89-A874-17E3CCAADE99}" srcOrd="1" destOrd="0" presId="urn:microsoft.com/office/officeart/2005/8/layout/list1"/>
-    <dgm:cxn modelId="{C8D40E18-B2FB-4215-AD67-502ADC376532}" type="presParOf" srcId="{9C9D3364-5F98-4802-853E-4E967C55AB07}" destId="{B8D78CBE-04F8-4BCC-8B4F-FCB5317302E0}" srcOrd="5" destOrd="0" presId="urn:microsoft.com/office/officeart/2005/8/layout/list1"/>
-    <dgm:cxn modelId="{21C26978-C30E-45FD-B713-E54E56F59183}" type="presParOf" srcId="{9C9D3364-5F98-4802-853E-4E967C55AB07}" destId="{84B48598-9F3B-4CC3-89F4-D115BD0B784E}" srcOrd="6" destOrd="0" presId="urn:microsoft.com/office/officeart/2005/8/layout/list1"/>
-    <dgm:cxn modelId="{8D73C90E-6987-4ADE-B7BD-17BD163ED644}" type="presParOf" srcId="{9C9D3364-5F98-4802-853E-4E967C55AB07}" destId="{168B8680-9619-48F9-BC8D-0E0E593D5DEA}" srcOrd="7" destOrd="0" presId="urn:microsoft.com/office/officeart/2005/8/layout/list1"/>
-    <dgm:cxn modelId="{EBACD6F4-7FD7-4073-88DE-0ACECE51277F}" type="presParOf" srcId="{9C9D3364-5F98-4802-853E-4E967C55AB07}" destId="{0E4A514A-B708-46A8-9679-6D2514D6C9E4}" srcOrd="8" destOrd="0" presId="urn:microsoft.com/office/officeart/2005/8/layout/list1"/>
-    <dgm:cxn modelId="{52FEF4DC-CE09-428A-8576-DF9A3BAC9810}" type="presParOf" srcId="{0E4A514A-B708-46A8-9679-6D2514D6C9E4}" destId="{01B304FD-8282-4502-8DD1-6AF903054C82}" srcOrd="0" destOrd="0" presId="urn:microsoft.com/office/officeart/2005/8/layout/list1"/>
-    <dgm:cxn modelId="{5CE6C0ED-BB83-44D7-9874-0BB2CABC4385}" type="presParOf" srcId="{0E4A514A-B708-46A8-9679-6D2514D6C9E4}" destId="{EEEE487E-A6F3-4BF6-B396-B8F1B57943B2}" srcOrd="1" destOrd="0" presId="urn:microsoft.com/office/officeart/2005/8/layout/list1"/>
-    <dgm:cxn modelId="{20BC3735-5CCA-4F9D-95C7-8C3996604158}" type="presParOf" srcId="{9C9D3364-5F98-4802-853E-4E967C55AB07}" destId="{F2EEFB68-4BCD-42C0-AF33-9B471DDD2532}" srcOrd="9" destOrd="0" presId="urn:microsoft.com/office/officeart/2005/8/layout/list1"/>
-    <dgm:cxn modelId="{5176DD89-1EE4-4344-B834-3288A8EC8EFC}" type="presParOf" srcId="{9C9D3364-5F98-4802-853E-4E967C55AB07}" destId="{C02EE021-BDA1-4522-9952-437ACD3B42BE}" srcOrd="10" destOrd="0" presId="urn:microsoft.com/office/officeart/2005/8/layout/list1"/>
-    <dgm:cxn modelId="{BE1F128E-9129-44DC-9442-586778603F2B}" type="presParOf" srcId="{9C9D3364-5F98-4802-853E-4E967C55AB07}" destId="{BADD4156-2F31-4015-B216-B9508CFBA639}" srcOrd="11" destOrd="0" presId="urn:microsoft.com/office/officeart/2005/8/layout/list1"/>
-    <dgm:cxn modelId="{B508F6E6-18B9-4E95-B777-AD6323C3838A}" type="presParOf" srcId="{9C9D3364-5F98-4802-853E-4E967C55AB07}" destId="{DAA4CAC1-1446-4063-8D4F-DCAFD275D021}" srcOrd="12" destOrd="0" presId="urn:microsoft.com/office/officeart/2005/8/layout/list1"/>
-    <dgm:cxn modelId="{3AAA193A-757B-4A29-9321-1BEE9482C70F}" type="presParOf" srcId="{DAA4CAC1-1446-4063-8D4F-DCAFD275D021}" destId="{BCF354F6-9512-42CD-9A68-DF5DA76439B3}" srcOrd="0" destOrd="0" presId="urn:microsoft.com/office/officeart/2005/8/layout/list1"/>
-    <dgm:cxn modelId="{866A630A-4377-4DB3-9890-B9A3C9D9FE7A}" type="presParOf" srcId="{DAA4CAC1-1446-4063-8D4F-DCAFD275D021}" destId="{09462DBD-3A0A-4A40-976B-B1CCF303F5BB}" srcOrd="1" destOrd="0" presId="urn:microsoft.com/office/officeart/2005/8/layout/list1"/>
-    <dgm:cxn modelId="{A32CD82B-51F5-453E-8B7A-61B9A23936F2}" type="presParOf" srcId="{9C9D3364-5F98-4802-853E-4E967C55AB07}" destId="{B40EC383-9129-4546-9D23-1CA17D3EE786}" srcOrd="13" destOrd="0" presId="urn:microsoft.com/office/officeart/2005/8/layout/list1"/>
-    <dgm:cxn modelId="{8F62088E-FD17-4CEF-9BCE-B2D7838D1A24}" type="presParOf" srcId="{9C9D3364-5F98-4802-853E-4E967C55AB07}" destId="{2BABE046-1014-49E7-A524-E8218B83D880}" srcOrd="14" destOrd="0" presId="urn:microsoft.com/office/officeart/2005/8/layout/list1"/>
-  </dgm:cxnLst>
-  <dgm:bg/>
-  <dgm:whole/>
-  <dgm:extLst>
-    <a:ext uri="http://schemas.microsoft.com/office/drawing/2008/diagram">
-      <dsp:dataModelExt xmlns:dsp="http://schemas.microsoft.com/office/drawing/2008/diagram" relId="rId6" minVer="http://schemas.openxmlformats.org/drawingml/2006/diagram"/>
-    </a:ext>
-  </dgm:extLst>
-</dgm:dataModel>
-</file>
-
-<file path=ppt/diagrams/data2.xml><?xml version="1.0" encoding="utf-8"?>
-<dgm:dataModel xmlns:dgm="http://schemas.openxmlformats.org/drawingml/2006/diagram" xmlns:a="http://schemas.openxmlformats.org/drawingml/2006/main">
-  <dgm:ptLst>
     <dgm:pt modelId="{5F4AE18A-3D63-4F38-B55F-AFDB6D59BCB6}" type="doc">
-      <dgm:prSet loTypeId="urn:microsoft.com/office/officeart/2005/8/layout/vList2" loCatId="list" qsTypeId="urn:microsoft.com/office/officeart/2005/8/quickstyle/simple1" qsCatId="simple" csTypeId="urn:microsoft.com/office/officeart/2005/8/colors/colorful5" csCatId="colorful"/>
+      <dgm:prSet loTypeId="urn:microsoft.com/office/officeart/2005/8/layout/vList2" loCatId="list" qsTypeId="urn:microsoft.com/office/officeart/2005/8/quickstyle/simple1" qsCatId="simple" csTypeId="urn:microsoft.com/office/officeart/2005/8/colors/colorful5" csCatId="colorful" phldr="1"/>
       <dgm:spPr/>
       <dgm:t>
         <a:bodyPr/>
@@ -2840,8 +1711,8 @@
         <a:lstStyle/>
         <a:p>
           <a:r>
-            <a:rPr lang="en-US"/>
-            <a:t>The Data &amp; The Scope</a:t>
+            <a:rPr lang="en-US" dirty="0"/>
+            <a:t>Data &amp; Technology</a:t>
           </a:r>
         </a:p>
       </dgm:t>
@@ -2876,8 +1747,8 @@
         <a:lstStyle/>
         <a:p>
           <a:r>
-            <a:rPr lang="en-US"/>
-            <a:t>Machine Learning / Demo</a:t>
+            <a:rPr lang="en-US" dirty="0"/>
+            <a:t>Demo</a:t>
           </a:r>
         </a:p>
       </dgm:t>
@@ -2912,8 +1783,8 @@
         <a:lstStyle/>
         <a:p>
           <a:r>
-            <a:rPr lang="en-US"/>
-            <a:t>Lessons learned / Things we would do different</a:t>
+            <a:rPr lang="en-US" dirty="0"/>
+            <a:t>Post-Mortem</a:t>
           </a:r>
         </a:p>
       </dgm:t>
@@ -2948,8 +1819,8 @@
         <a:lstStyle/>
         <a:p>
           <a:r>
-            <a:rPr lang="en-US"/>
-            <a:t>Post Mortem</a:t>
+            <a:rPr lang="en-US" dirty="0"/>
+            <a:t>Lesson Learned</a:t>
           </a:r>
         </a:p>
       </dgm:t>
@@ -3079,7 +1950,7 @@
 </dgm:dataModel>
 </file>
 
-<file path=ppt/diagrams/data3.xml><?xml version="1.0" encoding="utf-8"?>
+<file path=ppt/diagrams/data2.xml><?xml version="1.0" encoding="utf-8"?>
 <dgm:dataModel xmlns:dgm="http://schemas.openxmlformats.org/drawingml/2006/diagram" xmlns:a="http://schemas.openxmlformats.org/drawingml/2006/main">
   <dgm:ptLst>
     <dgm:pt modelId="{7659B0D2-2EEF-4DA1-82FC-58EAF7914BA1}" type="doc">
@@ -3470,526 +2341,6 @@
       <dsp:cNvGrpSpPr/>
     </dsp:nvGrpSpPr>
     <dsp:grpSpPr/>
-    <dsp:sp modelId="{8D34EEC4-5ACC-4270-8F25-5EB3576CDEC0}">
-      <dsp:nvSpPr>
-        <dsp:cNvPr id="0" name=""/>
-        <dsp:cNvSpPr/>
-      </dsp:nvSpPr>
-      <dsp:spPr>
-        <a:xfrm>
-          <a:off x="0" y="428160"/>
-          <a:ext cx="6492875" cy="730800"/>
-        </a:xfrm>
-        <a:prstGeom prst="rect">
-          <a:avLst/>
-        </a:prstGeom>
-        <a:solidFill>
-          <a:schemeClr val="lt1">
-            <a:alpha val="90000"/>
-            <a:hueOff val="0"/>
-            <a:satOff val="0"/>
-            <a:lumOff val="0"/>
-            <a:alphaOff val="0"/>
-          </a:schemeClr>
-        </a:solidFill>
-        <a:ln w="12700" cap="flat" cmpd="sng" algn="ctr">
-          <a:solidFill>
-            <a:schemeClr val="accent2">
-              <a:hueOff val="0"/>
-              <a:satOff val="0"/>
-              <a:lumOff val="0"/>
-              <a:alphaOff val="0"/>
-            </a:schemeClr>
-          </a:solidFill>
-          <a:prstDash val="solid"/>
-          <a:miter lim="800000"/>
-        </a:ln>
-        <a:effectLst/>
-      </dsp:spPr>
-      <dsp:style>
-        <a:lnRef idx="2">
-          <a:scrgbClr r="0" g="0" b="0"/>
-        </a:lnRef>
-        <a:fillRef idx="1">
-          <a:scrgbClr r="0" g="0" b="0"/>
-        </a:fillRef>
-        <a:effectRef idx="0">
-          <a:scrgbClr r="0" g="0" b="0"/>
-        </a:effectRef>
-        <a:fontRef idx="minor"/>
-      </dsp:style>
-    </dsp:sp>
-    <dsp:sp modelId="{E1884EDA-6DE2-40EB-9009-5E6A0D5297F0}">
-      <dsp:nvSpPr>
-        <dsp:cNvPr id="0" name=""/>
-        <dsp:cNvSpPr/>
-      </dsp:nvSpPr>
-      <dsp:spPr>
-        <a:xfrm>
-          <a:off x="324643" y="120"/>
-          <a:ext cx="4545012" cy="856080"/>
-        </a:xfrm>
-        <a:prstGeom prst="roundRect">
-          <a:avLst/>
-        </a:prstGeom>
-        <a:solidFill>
-          <a:schemeClr val="accent2">
-            <a:hueOff val="0"/>
-            <a:satOff val="0"/>
-            <a:lumOff val="0"/>
-            <a:alphaOff val="0"/>
-          </a:schemeClr>
-        </a:solidFill>
-        <a:ln w="12700" cap="flat" cmpd="sng" algn="ctr">
-          <a:solidFill>
-            <a:schemeClr val="lt1">
-              <a:hueOff val="0"/>
-              <a:satOff val="0"/>
-              <a:lumOff val="0"/>
-              <a:alphaOff val="0"/>
-            </a:schemeClr>
-          </a:solidFill>
-          <a:prstDash val="solid"/>
-          <a:miter lim="800000"/>
-        </a:ln>
-        <a:effectLst/>
-      </dsp:spPr>
-      <dsp:style>
-        <a:lnRef idx="2">
-          <a:scrgbClr r="0" g="0" b="0"/>
-        </a:lnRef>
-        <a:fillRef idx="1">
-          <a:scrgbClr r="0" g="0" b="0"/>
-        </a:fillRef>
-        <a:effectRef idx="0">
-          <a:scrgbClr r="0" g="0" b="0"/>
-        </a:effectRef>
-        <a:fontRef idx="minor">
-          <a:schemeClr val="lt1"/>
-        </a:fontRef>
-      </dsp:style>
-      <dsp:txBody>
-        <a:bodyPr spcFirstLastPara="0" vert="horz" wrap="square" lIns="171791" tIns="0" rIns="171791" bIns="0" numCol="1" spcCol="1270" anchor="ctr" anchorCtr="0">
-          <a:noAutofit/>
-        </a:bodyPr>
-        <a:lstStyle/>
-        <a:p>
-          <a:pPr marL="0" lvl="0" indent="0" algn="l" defTabSz="1289050">
-            <a:lnSpc>
-              <a:spcPct val="90000"/>
-            </a:lnSpc>
-            <a:spcBef>
-              <a:spcPct val="0"/>
-            </a:spcBef>
-            <a:spcAft>
-              <a:spcPct val="35000"/>
-            </a:spcAft>
-            <a:buNone/>
-          </a:pPr>
-          <a:r>
-            <a:rPr lang="en-US" sz="2900" kern="1200"/>
-            <a:t>Project Inspiration</a:t>
-          </a:r>
-        </a:p>
-      </dsp:txBody>
-      <dsp:txXfrm>
-        <a:off x="366433" y="41910"/>
-        <a:ext cx="4461432" cy="772500"/>
-      </dsp:txXfrm>
-    </dsp:sp>
-    <dsp:sp modelId="{84B48598-9F3B-4CC3-89F4-D115BD0B784E}">
-      <dsp:nvSpPr>
-        <dsp:cNvPr id="0" name=""/>
-        <dsp:cNvSpPr/>
-      </dsp:nvSpPr>
-      <dsp:spPr>
-        <a:xfrm>
-          <a:off x="0" y="1743600"/>
-          <a:ext cx="6492875" cy="730800"/>
-        </a:xfrm>
-        <a:prstGeom prst="rect">
-          <a:avLst/>
-        </a:prstGeom>
-        <a:solidFill>
-          <a:schemeClr val="lt1">
-            <a:alpha val="90000"/>
-            <a:hueOff val="0"/>
-            <a:satOff val="0"/>
-            <a:lumOff val="0"/>
-            <a:alphaOff val="0"/>
-          </a:schemeClr>
-        </a:solidFill>
-        <a:ln w="12700" cap="flat" cmpd="sng" algn="ctr">
-          <a:solidFill>
-            <a:schemeClr val="accent2">
-              <a:hueOff val="-485121"/>
-              <a:satOff val="-27976"/>
-              <a:lumOff val="2876"/>
-              <a:alphaOff val="0"/>
-            </a:schemeClr>
-          </a:solidFill>
-          <a:prstDash val="solid"/>
-          <a:miter lim="800000"/>
-        </a:ln>
-        <a:effectLst/>
-      </dsp:spPr>
-      <dsp:style>
-        <a:lnRef idx="2">
-          <a:scrgbClr r="0" g="0" b="0"/>
-        </a:lnRef>
-        <a:fillRef idx="1">
-          <a:scrgbClr r="0" g="0" b="0"/>
-        </a:fillRef>
-        <a:effectRef idx="0">
-          <a:scrgbClr r="0" g="0" b="0"/>
-        </a:effectRef>
-        <a:fontRef idx="minor"/>
-      </dsp:style>
-    </dsp:sp>
-    <dsp:sp modelId="{746A0FEF-D127-4A89-A874-17E3CCAADE99}">
-      <dsp:nvSpPr>
-        <dsp:cNvPr id="0" name=""/>
-        <dsp:cNvSpPr/>
-      </dsp:nvSpPr>
-      <dsp:spPr>
-        <a:xfrm>
-          <a:off x="324643" y="1315560"/>
-          <a:ext cx="4545012" cy="856080"/>
-        </a:xfrm>
-        <a:prstGeom prst="roundRect">
-          <a:avLst/>
-        </a:prstGeom>
-        <a:solidFill>
-          <a:schemeClr val="accent2">
-            <a:hueOff val="-485121"/>
-            <a:satOff val="-27976"/>
-            <a:lumOff val="2876"/>
-            <a:alphaOff val="0"/>
-          </a:schemeClr>
-        </a:solidFill>
-        <a:ln w="12700" cap="flat" cmpd="sng" algn="ctr">
-          <a:solidFill>
-            <a:schemeClr val="lt1">
-              <a:hueOff val="0"/>
-              <a:satOff val="0"/>
-              <a:lumOff val="0"/>
-              <a:alphaOff val="0"/>
-            </a:schemeClr>
-          </a:solidFill>
-          <a:prstDash val="solid"/>
-          <a:miter lim="800000"/>
-        </a:ln>
-        <a:effectLst/>
-      </dsp:spPr>
-      <dsp:style>
-        <a:lnRef idx="2">
-          <a:scrgbClr r="0" g="0" b="0"/>
-        </a:lnRef>
-        <a:fillRef idx="1">
-          <a:scrgbClr r="0" g="0" b="0"/>
-        </a:fillRef>
-        <a:effectRef idx="0">
-          <a:scrgbClr r="0" g="0" b="0"/>
-        </a:effectRef>
-        <a:fontRef idx="minor">
-          <a:schemeClr val="lt1"/>
-        </a:fontRef>
-      </dsp:style>
-      <dsp:txBody>
-        <a:bodyPr spcFirstLastPara="0" vert="horz" wrap="square" lIns="171791" tIns="0" rIns="171791" bIns="0" numCol="1" spcCol="1270" anchor="ctr" anchorCtr="0">
-          <a:noAutofit/>
-        </a:bodyPr>
-        <a:lstStyle/>
-        <a:p>
-          <a:pPr marL="0" lvl="0" indent="0" algn="l" defTabSz="1289050">
-            <a:lnSpc>
-              <a:spcPct val="90000"/>
-            </a:lnSpc>
-            <a:spcBef>
-              <a:spcPct val="0"/>
-            </a:spcBef>
-            <a:spcAft>
-              <a:spcPct val="35000"/>
-            </a:spcAft>
-            <a:buNone/>
-          </a:pPr>
-          <a:r>
-            <a:rPr lang="en-US" sz="2900" kern="1200"/>
-            <a:t>The Data &amp; The Scope</a:t>
-          </a:r>
-        </a:p>
-      </dsp:txBody>
-      <dsp:txXfrm>
-        <a:off x="366433" y="1357350"/>
-        <a:ext cx="4461432" cy="772500"/>
-      </dsp:txXfrm>
-    </dsp:sp>
-    <dsp:sp modelId="{C02EE021-BDA1-4522-9952-437ACD3B42BE}">
-      <dsp:nvSpPr>
-        <dsp:cNvPr id="0" name=""/>
-        <dsp:cNvSpPr/>
-      </dsp:nvSpPr>
-      <dsp:spPr>
-        <a:xfrm>
-          <a:off x="0" y="3059040"/>
-          <a:ext cx="6492875" cy="730800"/>
-        </a:xfrm>
-        <a:prstGeom prst="rect">
-          <a:avLst/>
-        </a:prstGeom>
-        <a:solidFill>
-          <a:schemeClr val="lt1">
-            <a:alpha val="90000"/>
-            <a:hueOff val="0"/>
-            <a:satOff val="0"/>
-            <a:lumOff val="0"/>
-            <a:alphaOff val="0"/>
-          </a:schemeClr>
-        </a:solidFill>
-        <a:ln w="12700" cap="flat" cmpd="sng" algn="ctr">
-          <a:solidFill>
-            <a:schemeClr val="accent2">
-              <a:hueOff val="-970242"/>
-              <a:satOff val="-55952"/>
-              <a:lumOff val="5752"/>
-              <a:alphaOff val="0"/>
-            </a:schemeClr>
-          </a:solidFill>
-          <a:prstDash val="solid"/>
-          <a:miter lim="800000"/>
-        </a:ln>
-        <a:effectLst/>
-      </dsp:spPr>
-      <dsp:style>
-        <a:lnRef idx="2">
-          <a:scrgbClr r="0" g="0" b="0"/>
-        </a:lnRef>
-        <a:fillRef idx="1">
-          <a:scrgbClr r="0" g="0" b="0"/>
-        </a:fillRef>
-        <a:effectRef idx="0">
-          <a:scrgbClr r="0" g="0" b="0"/>
-        </a:effectRef>
-        <a:fontRef idx="minor"/>
-      </dsp:style>
-    </dsp:sp>
-    <dsp:sp modelId="{EEEE487E-A6F3-4BF6-B396-B8F1B57943B2}">
-      <dsp:nvSpPr>
-        <dsp:cNvPr id="0" name=""/>
-        <dsp:cNvSpPr/>
-      </dsp:nvSpPr>
-      <dsp:spPr>
-        <a:xfrm>
-          <a:off x="324643" y="2631000"/>
-          <a:ext cx="4545012" cy="856080"/>
-        </a:xfrm>
-        <a:prstGeom prst="roundRect">
-          <a:avLst/>
-        </a:prstGeom>
-        <a:solidFill>
-          <a:schemeClr val="accent2">
-            <a:hueOff val="-970242"/>
-            <a:satOff val="-55952"/>
-            <a:lumOff val="5752"/>
-            <a:alphaOff val="0"/>
-          </a:schemeClr>
-        </a:solidFill>
-        <a:ln w="12700" cap="flat" cmpd="sng" algn="ctr">
-          <a:solidFill>
-            <a:schemeClr val="lt1">
-              <a:hueOff val="0"/>
-              <a:satOff val="0"/>
-              <a:lumOff val="0"/>
-              <a:alphaOff val="0"/>
-            </a:schemeClr>
-          </a:solidFill>
-          <a:prstDash val="solid"/>
-          <a:miter lim="800000"/>
-        </a:ln>
-        <a:effectLst/>
-      </dsp:spPr>
-      <dsp:style>
-        <a:lnRef idx="2">
-          <a:scrgbClr r="0" g="0" b="0"/>
-        </a:lnRef>
-        <a:fillRef idx="1">
-          <a:scrgbClr r="0" g="0" b="0"/>
-        </a:fillRef>
-        <a:effectRef idx="0">
-          <a:scrgbClr r="0" g="0" b="0"/>
-        </a:effectRef>
-        <a:fontRef idx="minor">
-          <a:schemeClr val="lt1"/>
-        </a:fontRef>
-      </dsp:style>
-      <dsp:txBody>
-        <a:bodyPr spcFirstLastPara="0" vert="horz" wrap="square" lIns="171791" tIns="0" rIns="171791" bIns="0" numCol="1" spcCol="1270" anchor="ctr" anchorCtr="0">
-          <a:noAutofit/>
-        </a:bodyPr>
-        <a:lstStyle/>
-        <a:p>
-          <a:pPr marL="0" lvl="0" indent="0" algn="l" defTabSz="1289050">
-            <a:lnSpc>
-              <a:spcPct val="90000"/>
-            </a:lnSpc>
-            <a:spcBef>
-              <a:spcPct val="0"/>
-            </a:spcBef>
-            <a:spcAft>
-              <a:spcPct val="35000"/>
-            </a:spcAft>
-            <a:buNone/>
-          </a:pPr>
-          <a:r>
-            <a:rPr lang="en-US" sz="2900" kern="1200" dirty="0"/>
-            <a:t>Machine Learning / Demo </a:t>
-          </a:r>
-        </a:p>
-      </dsp:txBody>
-      <dsp:txXfrm>
-        <a:off x="366433" y="2672790"/>
-        <a:ext cx="4461432" cy="772500"/>
-      </dsp:txXfrm>
-    </dsp:sp>
-    <dsp:sp modelId="{2BABE046-1014-49E7-A524-E8218B83D880}">
-      <dsp:nvSpPr>
-        <dsp:cNvPr id="0" name=""/>
-        <dsp:cNvSpPr/>
-      </dsp:nvSpPr>
-      <dsp:spPr>
-        <a:xfrm>
-          <a:off x="0" y="4374479"/>
-          <a:ext cx="6492875" cy="730800"/>
-        </a:xfrm>
-        <a:prstGeom prst="rect">
-          <a:avLst/>
-        </a:prstGeom>
-        <a:solidFill>
-          <a:schemeClr val="lt1">
-            <a:alpha val="90000"/>
-            <a:hueOff val="0"/>
-            <a:satOff val="0"/>
-            <a:lumOff val="0"/>
-            <a:alphaOff val="0"/>
-          </a:schemeClr>
-        </a:solidFill>
-        <a:ln w="12700" cap="flat" cmpd="sng" algn="ctr">
-          <a:solidFill>
-            <a:schemeClr val="accent2">
-              <a:hueOff val="-1455363"/>
-              <a:satOff val="-83928"/>
-              <a:lumOff val="8628"/>
-              <a:alphaOff val="0"/>
-            </a:schemeClr>
-          </a:solidFill>
-          <a:prstDash val="solid"/>
-          <a:miter lim="800000"/>
-        </a:ln>
-        <a:effectLst/>
-      </dsp:spPr>
-      <dsp:style>
-        <a:lnRef idx="2">
-          <a:scrgbClr r="0" g="0" b="0"/>
-        </a:lnRef>
-        <a:fillRef idx="1">
-          <a:scrgbClr r="0" g="0" b="0"/>
-        </a:fillRef>
-        <a:effectRef idx="0">
-          <a:scrgbClr r="0" g="0" b="0"/>
-        </a:effectRef>
-        <a:fontRef idx="minor"/>
-      </dsp:style>
-    </dsp:sp>
-    <dsp:sp modelId="{09462DBD-3A0A-4A40-976B-B1CCF303F5BB}">
-      <dsp:nvSpPr>
-        <dsp:cNvPr id="0" name=""/>
-        <dsp:cNvSpPr/>
-      </dsp:nvSpPr>
-      <dsp:spPr>
-        <a:xfrm>
-          <a:off x="324643" y="3946440"/>
-          <a:ext cx="4545012" cy="856080"/>
-        </a:xfrm>
-        <a:prstGeom prst="roundRect">
-          <a:avLst/>
-        </a:prstGeom>
-        <a:solidFill>
-          <a:schemeClr val="accent2">
-            <a:hueOff val="-1455363"/>
-            <a:satOff val="-83928"/>
-            <a:lumOff val="8628"/>
-            <a:alphaOff val="0"/>
-          </a:schemeClr>
-        </a:solidFill>
-        <a:ln w="12700" cap="flat" cmpd="sng" algn="ctr">
-          <a:solidFill>
-            <a:schemeClr val="lt1">
-              <a:hueOff val="0"/>
-              <a:satOff val="0"/>
-              <a:lumOff val="0"/>
-              <a:alphaOff val="0"/>
-            </a:schemeClr>
-          </a:solidFill>
-          <a:prstDash val="solid"/>
-          <a:miter lim="800000"/>
-        </a:ln>
-        <a:effectLst/>
-      </dsp:spPr>
-      <dsp:style>
-        <a:lnRef idx="2">
-          <a:scrgbClr r="0" g="0" b="0"/>
-        </a:lnRef>
-        <a:fillRef idx="1">
-          <a:scrgbClr r="0" g="0" b="0"/>
-        </a:fillRef>
-        <a:effectRef idx="0">
-          <a:scrgbClr r="0" g="0" b="0"/>
-        </a:effectRef>
-        <a:fontRef idx="minor">
-          <a:schemeClr val="lt1"/>
-        </a:fontRef>
-      </dsp:style>
-      <dsp:txBody>
-        <a:bodyPr spcFirstLastPara="0" vert="horz" wrap="square" lIns="171791" tIns="0" rIns="171791" bIns="0" numCol="1" spcCol="1270" anchor="ctr" anchorCtr="0">
-          <a:noAutofit/>
-        </a:bodyPr>
-        <a:lstStyle/>
-        <a:p>
-          <a:pPr marL="0" lvl="0" indent="0" algn="l" defTabSz="1289050">
-            <a:lnSpc>
-              <a:spcPct val="90000"/>
-            </a:lnSpc>
-            <a:spcBef>
-              <a:spcPct val="0"/>
-            </a:spcBef>
-            <a:spcAft>
-              <a:spcPct val="35000"/>
-            </a:spcAft>
-            <a:buNone/>
-          </a:pPr>
-          <a:r>
-            <a:rPr lang="en-US" sz="2900" kern="1200"/>
-            <a:t>Post-Mortem</a:t>
-          </a:r>
-        </a:p>
-      </dsp:txBody>
-      <dsp:txXfrm>
-        <a:off x="366433" y="3988230"/>
-        <a:ext cx="4461432" cy="772500"/>
-      </dsp:txXfrm>
-    </dsp:sp>
-  </dsp:spTree>
-</dsp:drawing>
-</file>
-
-<file path=ppt/diagrams/drawing2.xml><?xml version="1.0" encoding="utf-8"?>
-<dsp:drawing xmlns:dgm="http://schemas.openxmlformats.org/drawingml/2006/diagram" xmlns:dsp="http://schemas.microsoft.com/office/drawing/2008/diagram" xmlns:a="http://schemas.openxmlformats.org/drawingml/2006/main">
-  <dsp:spTree>
-    <dsp:nvGrpSpPr>
-      <dsp:cNvPr id="0" name=""/>
-      <dsp:cNvGrpSpPr/>
-    </dsp:nvGrpSpPr>
-    <dsp:grpSpPr/>
     <dsp:sp modelId="{3F24835F-8D4F-4728-BED2-56C11487B253}">
       <dsp:nvSpPr>
         <dsp:cNvPr id="0" name=""/>
@@ -3997,8 +2348,8 @@
       </dsp:nvSpPr>
       <dsp:spPr>
         <a:xfrm>
-          <a:off x="0" y="672"/>
-          <a:ext cx="6513603" cy="1112304"/>
+          <a:off x="0" y="50922"/>
+          <a:ext cx="6513603" cy="1055340"/>
         </a:xfrm>
         <a:prstGeom prst="roundRect">
           <a:avLst/>
@@ -4040,12 +2391,12 @@
         </a:fontRef>
       </dsp:style>
       <dsp:txBody>
-        <a:bodyPr spcFirstLastPara="0" vert="horz" wrap="square" lIns="106680" tIns="106680" rIns="106680" bIns="106680" numCol="1" spcCol="1270" anchor="ctr" anchorCtr="0">
+        <a:bodyPr spcFirstLastPara="0" vert="horz" wrap="square" lIns="167640" tIns="167640" rIns="167640" bIns="167640" numCol="1" spcCol="1270" anchor="ctr" anchorCtr="0">
           <a:noAutofit/>
         </a:bodyPr>
         <a:lstStyle/>
         <a:p>
-          <a:pPr marL="0" lvl="0" indent="0" algn="l" defTabSz="1244600">
+          <a:pPr marL="0" lvl="0" indent="0" algn="l" defTabSz="1955800">
             <a:lnSpc>
               <a:spcPct val="90000"/>
             </a:lnSpc>
@@ -4058,14 +2409,14 @@
             <a:buNone/>
           </a:pPr>
           <a:r>
-            <a:rPr lang="en-US" sz="2800" kern="1200"/>
+            <a:rPr lang="en-US" sz="4400" kern="1200"/>
             <a:t>Project Inspiration</a:t>
           </a:r>
         </a:p>
       </dsp:txBody>
       <dsp:txXfrm>
-        <a:off x="54298" y="54970"/>
-        <a:ext cx="6405007" cy="1003708"/>
+        <a:off x="51517" y="102439"/>
+        <a:ext cx="6410569" cy="952306"/>
       </dsp:txXfrm>
     </dsp:sp>
     <dsp:sp modelId="{F22548F3-EE64-4830-883A-26F8AD1F6C91}">
@@ -4075,8 +2426,8 @@
       </dsp:nvSpPr>
       <dsp:spPr>
         <a:xfrm>
-          <a:off x="0" y="1193616"/>
-          <a:ext cx="6513603" cy="1112304"/>
+          <a:off x="0" y="1232982"/>
+          <a:ext cx="6513603" cy="1055340"/>
         </a:xfrm>
         <a:prstGeom prst="roundRect">
           <a:avLst/>
@@ -4118,12 +2469,12 @@
         </a:fontRef>
       </dsp:style>
       <dsp:txBody>
-        <a:bodyPr spcFirstLastPara="0" vert="horz" wrap="square" lIns="106680" tIns="106680" rIns="106680" bIns="106680" numCol="1" spcCol="1270" anchor="ctr" anchorCtr="0">
+        <a:bodyPr spcFirstLastPara="0" vert="horz" wrap="square" lIns="167640" tIns="167640" rIns="167640" bIns="167640" numCol="1" spcCol="1270" anchor="ctr" anchorCtr="0">
           <a:noAutofit/>
         </a:bodyPr>
         <a:lstStyle/>
         <a:p>
-          <a:pPr marL="0" lvl="0" indent="0" algn="l" defTabSz="1244600">
+          <a:pPr marL="0" lvl="0" indent="0" algn="l" defTabSz="1955800">
             <a:lnSpc>
               <a:spcPct val="90000"/>
             </a:lnSpc>
@@ -4136,14 +2487,14 @@
             <a:buNone/>
           </a:pPr>
           <a:r>
-            <a:rPr lang="en-US" sz="2800" kern="1200"/>
-            <a:t>The Data &amp; The Scope</a:t>
+            <a:rPr lang="en-US" sz="4400" kern="1200" dirty="0"/>
+            <a:t>Data &amp; Technology</a:t>
           </a:r>
         </a:p>
       </dsp:txBody>
       <dsp:txXfrm>
-        <a:off x="54298" y="1247914"/>
-        <a:ext cx="6405007" cy="1003708"/>
+        <a:off x="51517" y="1284499"/>
+        <a:ext cx="6410569" cy="952306"/>
       </dsp:txXfrm>
     </dsp:sp>
     <dsp:sp modelId="{D3C95B53-8301-4ECF-ACF9-CAE28CA62475}">
@@ -4153,8 +2504,8 @@
       </dsp:nvSpPr>
       <dsp:spPr>
         <a:xfrm>
-          <a:off x="0" y="2386560"/>
-          <a:ext cx="6513603" cy="1112304"/>
+          <a:off x="0" y="2415043"/>
+          <a:ext cx="6513603" cy="1055340"/>
         </a:xfrm>
         <a:prstGeom prst="roundRect">
           <a:avLst/>
@@ -4196,12 +2547,12 @@
         </a:fontRef>
       </dsp:style>
       <dsp:txBody>
-        <a:bodyPr spcFirstLastPara="0" vert="horz" wrap="square" lIns="106680" tIns="106680" rIns="106680" bIns="106680" numCol="1" spcCol="1270" anchor="ctr" anchorCtr="0">
+        <a:bodyPr spcFirstLastPara="0" vert="horz" wrap="square" lIns="167640" tIns="167640" rIns="167640" bIns="167640" numCol="1" spcCol="1270" anchor="ctr" anchorCtr="0">
           <a:noAutofit/>
         </a:bodyPr>
         <a:lstStyle/>
         <a:p>
-          <a:pPr marL="0" lvl="0" indent="0" algn="l" defTabSz="1244600">
+          <a:pPr marL="0" lvl="0" indent="0" algn="l" defTabSz="1955800">
             <a:lnSpc>
               <a:spcPct val="90000"/>
             </a:lnSpc>
@@ -4214,14 +2565,14 @@
             <a:buNone/>
           </a:pPr>
           <a:r>
-            <a:rPr lang="en-US" sz="2800" kern="1200"/>
-            <a:t>Machine Learning / Demo</a:t>
+            <a:rPr lang="en-US" sz="4400" kern="1200" dirty="0"/>
+            <a:t>Demo</a:t>
           </a:r>
         </a:p>
       </dsp:txBody>
       <dsp:txXfrm>
-        <a:off x="54298" y="2440858"/>
-        <a:ext cx="6405007" cy="1003708"/>
+        <a:off x="51517" y="2466560"/>
+        <a:ext cx="6410569" cy="952306"/>
       </dsp:txXfrm>
     </dsp:sp>
     <dsp:sp modelId="{1F3DE685-8B63-4F8F-9C1C-610E03AC48EB}">
@@ -4231,8 +2582,8 @@
       </dsp:nvSpPr>
       <dsp:spPr>
         <a:xfrm>
-          <a:off x="0" y="3579505"/>
-          <a:ext cx="6513603" cy="1112304"/>
+          <a:off x="0" y="3597103"/>
+          <a:ext cx="6513603" cy="1055340"/>
         </a:xfrm>
         <a:prstGeom prst="roundRect">
           <a:avLst/>
@@ -4274,12 +2625,12 @@
         </a:fontRef>
       </dsp:style>
       <dsp:txBody>
-        <a:bodyPr spcFirstLastPara="0" vert="horz" wrap="square" lIns="106680" tIns="106680" rIns="106680" bIns="106680" numCol="1" spcCol="1270" anchor="ctr" anchorCtr="0">
+        <a:bodyPr spcFirstLastPara="0" vert="horz" wrap="square" lIns="167640" tIns="167640" rIns="167640" bIns="167640" numCol="1" spcCol="1270" anchor="ctr" anchorCtr="0">
           <a:noAutofit/>
         </a:bodyPr>
         <a:lstStyle/>
         <a:p>
-          <a:pPr marL="0" lvl="0" indent="0" algn="l" defTabSz="1244600">
+          <a:pPr marL="0" lvl="0" indent="0" algn="l" defTabSz="1955800">
             <a:lnSpc>
               <a:spcPct val="90000"/>
             </a:lnSpc>
@@ -4292,14 +2643,14 @@
             <a:buNone/>
           </a:pPr>
           <a:r>
-            <a:rPr lang="en-US" sz="2800" kern="1200"/>
-            <a:t>Lessons learned / Things we would do different</a:t>
+            <a:rPr lang="en-US" sz="4400" kern="1200" dirty="0"/>
+            <a:t>Post-Mortem</a:t>
           </a:r>
         </a:p>
       </dsp:txBody>
       <dsp:txXfrm>
-        <a:off x="54298" y="3633803"/>
-        <a:ext cx="6405007" cy="1003708"/>
+        <a:off x="51517" y="3648620"/>
+        <a:ext cx="6410569" cy="952306"/>
       </dsp:txXfrm>
     </dsp:sp>
     <dsp:sp modelId="{97AF3E88-2C35-4890-B3F7-1AFD386CEB27}">
@@ -4309,8 +2660,8 @@
       </dsp:nvSpPr>
       <dsp:spPr>
         <a:xfrm>
-          <a:off x="0" y="4772449"/>
-          <a:ext cx="6513603" cy="1112304"/>
+          <a:off x="0" y="4779163"/>
+          <a:ext cx="6513603" cy="1055340"/>
         </a:xfrm>
         <a:prstGeom prst="roundRect">
           <a:avLst/>
@@ -4352,12 +2703,12 @@
         </a:fontRef>
       </dsp:style>
       <dsp:txBody>
-        <a:bodyPr spcFirstLastPara="0" vert="horz" wrap="square" lIns="106680" tIns="106680" rIns="106680" bIns="106680" numCol="1" spcCol="1270" anchor="ctr" anchorCtr="0">
+        <a:bodyPr spcFirstLastPara="0" vert="horz" wrap="square" lIns="167640" tIns="167640" rIns="167640" bIns="167640" numCol="1" spcCol="1270" anchor="ctr" anchorCtr="0">
           <a:noAutofit/>
         </a:bodyPr>
         <a:lstStyle/>
         <a:p>
-          <a:pPr marL="0" lvl="0" indent="0" algn="l" defTabSz="1244600">
+          <a:pPr marL="0" lvl="0" indent="0" algn="l" defTabSz="1955800">
             <a:lnSpc>
               <a:spcPct val="90000"/>
             </a:lnSpc>
@@ -4370,21 +2721,21 @@
             <a:buNone/>
           </a:pPr>
           <a:r>
-            <a:rPr lang="en-US" sz="2800" kern="1200"/>
-            <a:t>Post Mortem</a:t>
+            <a:rPr lang="en-US" sz="4400" kern="1200" dirty="0"/>
+            <a:t>Lesson Learned</a:t>
           </a:r>
         </a:p>
       </dsp:txBody>
       <dsp:txXfrm>
-        <a:off x="54298" y="4826747"/>
-        <a:ext cx="6405007" cy="1003708"/>
+        <a:off x="51517" y="4830680"/>
+        <a:ext cx="6410569" cy="952306"/>
       </dsp:txXfrm>
     </dsp:sp>
   </dsp:spTree>
 </dsp:drawing>
 </file>
 
-<file path=ppt/diagrams/drawing3.xml><?xml version="1.0" encoding="utf-8"?>
+<file path=ppt/diagrams/drawing2.xml><?xml version="1.0" encoding="utf-8"?>
 <dsp:drawing xmlns:dgm="http://schemas.openxmlformats.org/drawingml/2006/diagram" xmlns:dsp="http://schemas.microsoft.com/office/drawing/2008/diagram" xmlns:a="http://schemas.openxmlformats.org/drawingml/2006/main">
   <dsp:spTree>
     <dsp:nvGrpSpPr>
@@ -4815,231 +3166,6 @@
 </file>
 
 <file path=ppt/diagrams/layout1.xml><?xml version="1.0" encoding="utf-8"?>
-<dgm:layoutDef xmlns:dgm="http://schemas.openxmlformats.org/drawingml/2006/diagram" xmlns:a="http://schemas.openxmlformats.org/drawingml/2006/main" uniqueId="urn:microsoft.com/office/officeart/2005/8/layout/list1">
-  <dgm:title val=""/>
-  <dgm:desc val=""/>
-  <dgm:catLst>
-    <dgm:cat type="list" pri="4000"/>
-  </dgm:catLst>
-  <dgm:sampData>
-    <dgm:dataModel>
-      <dgm:ptLst>
-        <dgm:pt modelId="0" type="doc"/>
-        <dgm:pt modelId="1">
-          <dgm:prSet phldr="1"/>
-        </dgm:pt>
-        <dgm:pt modelId="2">
-          <dgm:prSet phldr="1"/>
-        </dgm:pt>
-        <dgm:pt modelId="3">
-          <dgm:prSet phldr="1"/>
-        </dgm:pt>
-      </dgm:ptLst>
-      <dgm:cxnLst>
-        <dgm:cxn modelId="4" srcId="0" destId="1" srcOrd="0" destOrd="0"/>
-        <dgm:cxn modelId="5" srcId="0" destId="2" srcOrd="1" destOrd="0"/>
-        <dgm:cxn modelId="6" srcId="0" destId="3" srcOrd="2" destOrd="0"/>
-      </dgm:cxnLst>
-      <dgm:bg/>
-      <dgm:whole/>
-    </dgm:dataModel>
-  </dgm:sampData>
-  <dgm:styleData>
-    <dgm:dataModel>
-      <dgm:ptLst>
-        <dgm:pt modelId="0" type="doc"/>
-        <dgm:pt modelId="1"/>
-        <dgm:pt modelId="2"/>
-      </dgm:ptLst>
-      <dgm:cxnLst>
-        <dgm:cxn modelId="4" srcId="0" destId="1" srcOrd="0" destOrd="0"/>
-        <dgm:cxn modelId="5" srcId="0" destId="2" srcOrd="1" destOrd="0"/>
-      </dgm:cxnLst>
-      <dgm:bg/>
-      <dgm:whole/>
-    </dgm:dataModel>
-  </dgm:styleData>
-  <dgm:clrData>
-    <dgm:dataModel>
-      <dgm:ptLst>
-        <dgm:pt modelId="0" type="doc"/>
-        <dgm:pt modelId="1"/>
-        <dgm:pt modelId="2"/>
-        <dgm:pt modelId="3"/>
-        <dgm:pt modelId="4"/>
-      </dgm:ptLst>
-      <dgm:cxnLst>
-        <dgm:cxn modelId="5" srcId="0" destId="1" srcOrd="0" destOrd="0"/>
-        <dgm:cxn modelId="6" srcId="0" destId="2" srcOrd="1" destOrd="0"/>
-        <dgm:cxn modelId="7" srcId="0" destId="3" srcOrd="2" destOrd="0"/>
-        <dgm:cxn modelId="8" srcId="0" destId="4" srcOrd="3" destOrd="0"/>
-      </dgm:cxnLst>
-      <dgm:bg/>
-      <dgm:whole/>
-    </dgm:dataModel>
-  </dgm:clrData>
-  <dgm:layoutNode name="linear">
-    <dgm:varLst>
-      <dgm:dir/>
-      <dgm:animLvl val="lvl"/>
-      <dgm:resizeHandles val="exact"/>
-    </dgm:varLst>
-    <dgm:choose name="Name0">
-      <dgm:if name="Name1" func="var" arg="dir" op="equ" val="norm">
-        <dgm:alg type="lin">
-          <dgm:param type="linDir" val="fromT"/>
-          <dgm:param type="vertAlign" val="mid"/>
-          <dgm:param type="horzAlign" val="l"/>
-          <dgm:param type="nodeHorzAlign" val="l"/>
-        </dgm:alg>
-      </dgm:if>
-      <dgm:else name="Name2">
-        <dgm:alg type="lin">
-          <dgm:param type="linDir" val="fromT"/>
-          <dgm:param type="vertAlign" val="mid"/>
-          <dgm:param type="horzAlign" val="r"/>
-          <dgm:param type="nodeHorzAlign" val="r"/>
-        </dgm:alg>
-      </dgm:else>
-    </dgm:choose>
-    <dgm:shape xmlns:r="http://schemas.openxmlformats.org/officeDocument/2006/relationships" r:blip="">
-      <dgm:adjLst/>
-    </dgm:shape>
-    <dgm:presOf/>
-    <dgm:constrLst>
-      <dgm:constr type="w" for="ch" forName="parentLin" refType="w"/>
-      <dgm:constr type="h" for="ch" forName="parentLin" val="INF"/>
-      <dgm:constr type="w" for="des" forName="parentLeftMargin" refType="w" fact="0.05"/>
-      <dgm:constr type="w" for="des" forName="parentText" refType="w" fact="0.7"/>
-      <dgm:constr type="h" for="des" forName="parentText" refType="primFontSz" refFor="des" refForName="parentText" fact="0.82"/>
-      <dgm:constr type="h" for="ch" forName="negativeSpace" refType="primFontSz" refFor="des" refForName="parentText" fact="-0.41"/>
-      <dgm:constr type="h" for="ch" forName="negativeSpace" refType="h" refFor="des" refForName="parentText" op="lte" fact="-0.82"/>
-      <dgm:constr type="h" for="ch" forName="negativeSpace" refType="h" refFor="des" refForName="parentText" op="gte" fact="-0.82"/>
-      <dgm:constr type="w" for="ch" forName="childText" refType="w"/>
-      <dgm:constr type="h" for="ch" forName="childText" refType="primFontSz" refFor="des" refForName="parentText" fact="0.7"/>
-      <dgm:constr type="primFontSz" for="des" forName="parentText" val="65"/>
-      <dgm:constr type="primFontSz" for="ch" forName="childText" refType="primFontSz" refFor="des" refForName="parentText"/>
-      <dgm:constr type="tMarg" for="ch" forName="childText" refType="primFontSz" refFor="des" refForName="parentText" fact="1.64"/>
-      <dgm:constr type="tMarg" for="ch" forName="childText" refType="h" refFor="des" refForName="parentText" op="lte" fact="3.28"/>
-      <dgm:constr type="tMarg" for="ch" forName="childText" refType="h" refFor="des" refForName="parentText" op="gte" fact="3.28"/>
-      <dgm:constr type="lMarg" for="ch" forName="childText" refType="w" fact="0.22"/>
-      <dgm:constr type="rMarg" for="ch" forName="childText" refType="lMarg" refFor="ch" refForName="childText"/>
-      <dgm:constr type="lMarg" for="des" forName="parentText" refType="w" fact="0.075"/>
-      <dgm:constr type="rMarg" for="des" forName="parentText" refType="lMarg" refFor="des" refForName="parentText"/>
-      <dgm:constr type="h" for="ch" forName="spaceBetweenRectangles" refType="primFontSz" refFor="des" refForName="parentText" fact="0.15"/>
-    </dgm:constrLst>
-    <dgm:ruleLst>
-      <dgm:rule type="primFontSz" for="des" forName="parentText" val="5" fact="NaN" max="NaN"/>
-    </dgm:ruleLst>
-    <dgm:forEach name="Name3" axis="ch" ptType="node">
-      <dgm:layoutNode name="parentLin">
-        <dgm:choose name="Name4">
-          <dgm:if name="Name5" func="var" arg="dir" op="equ" val="norm">
-            <dgm:alg type="lin">
-              <dgm:param type="linDir" val="fromL"/>
-              <dgm:param type="horzAlign" val="l"/>
-              <dgm:param type="nodeHorzAlign" val="l"/>
-            </dgm:alg>
-          </dgm:if>
-          <dgm:else name="Name6">
-            <dgm:alg type="lin">
-              <dgm:param type="linDir" val="fromR"/>
-              <dgm:param type="horzAlign" val="r"/>
-              <dgm:param type="nodeHorzAlign" val="r"/>
-            </dgm:alg>
-          </dgm:else>
-        </dgm:choose>
-        <dgm:shape xmlns:r="http://schemas.openxmlformats.org/officeDocument/2006/relationships" r:blip="">
-          <dgm:adjLst/>
-        </dgm:shape>
-        <dgm:presOf/>
-        <dgm:constrLst/>
-        <dgm:ruleLst/>
-        <dgm:layoutNode name="parentLeftMargin">
-          <dgm:alg type="sp"/>
-          <dgm:shape xmlns:r="http://schemas.openxmlformats.org/officeDocument/2006/relationships" type="rect" r:blip="" hideGeom="1">
-            <dgm:adjLst/>
-          </dgm:shape>
-          <dgm:presOf axis="self"/>
-          <dgm:constrLst>
-            <dgm:constr type="h"/>
-          </dgm:constrLst>
-          <dgm:ruleLst/>
-        </dgm:layoutNode>
-        <dgm:layoutNode name="parentText" styleLbl="node1">
-          <dgm:varLst>
-            <dgm:chMax val="0"/>
-            <dgm:bulletEnabled val="1"/>
-          </dgm:varLst>
-          <dgm:choose name="Name7">
-            <dgm:if name="Name8" func="var" arg="dir" op="equ" val="norm">
-              <dgm:alg type="tx">
-                <dgm:param type="parTxLTRAlign" val="l"/>
-                <dgm:param type="parTxRTLAlign" val="l"/>
-              </dgm:alg>
-            </dgm:if>
-            <dgm:else name="Name9">
-              <dgm:alg type="tx">
-                <dgm:param type="parTxLTRAlign" val="r"/>
-                <dgm:param type="parTxRTLAlign" val="r"/>
-              </dgm:alg>
-            </dgm:else>
-          </dgm:choose>
-          <dgm:shape xmlns:r="http://schemas.openxmlformats.org/officeDocument/2006/relationships" type="roundRect" r:blip="">
-            <dgm:adjLst/>
-          </dgm:shape>
-          <dgm:presOf axis="self" ptType="node"/>
-          <dgm:constrLst>
-            <dgm:constr type="tMarg"/>
-            <dgm:constr type="bMarg"/>
-          </dgm:constrLst>
-          <dgm:ruleLst/>
-        </dgm:layoutNode>
-      </dgm:layoutNode>
-      <dgm:layoutNode name="negativeSpace">
-        <dgm:alg type="sp"/>
-        <dgm:shape xmlns:r="http://schemas.openxmlformats.org/officeDocument/2006/relationships" r:blip="">
-          <dgm:adjLst/>
-        </dgm:shape>
-        <dgm:presOf/>
-        <dgm:constrLst/>
-        <dgm:ruleLst/>
-      </dgm:layoutNode>
-      <dgm:layoutNode name="childText" styleLbl="conFgAcc1">
-        <dgm:varLst>
-          <dgm:bulletEnabled val="1"/>
-        </dgm:varLst>
-        <dgm:alg type="tx">
-          <dgm:param type="stBulletLvl" val="1"/>
-        </dgm:alg>
-        <dgm:shape xmlns:r="http://schemas.openxmlformats.org/officeDocument/2006/relationships" type="rect" r:blip="" zOrderOff="-2">
-          <dgm:adjLst/>
-        </dgm:shape>
-        <dgm:presOf axis="des" ptType="node"/>
-        <dgm:constrLst>
-          <dgm:constr type="secFontSz" refType="primFontSz"/>
-        </dgm:constrLst>
-        <dgm:ruleLst>
-          <dgm:rule type="h" val="INF" fact="NaN" max="NaN"/>
-        </dgm:ruleLst>
-      </dgm:layoutNode>
-      <dgm:forEach name="Name10" axis="followSib" ptType="sibTrans" cnt="1">
-        <dgm:layoutNode name="spaceBetweenRectangles">
-          <dgm:alg type="sp"/>
-          <dgm:shape xmlns:r="http://schemas.openxmlformats.org/officeDocument/2006/relationships" r:blip="">
-            <dgm:adjLst/>
-          </dgm:shape>
-          <dgm:presOf/>
-          <dgm:constrLst/>
-          <dgm:ruleLst/>
-        </dgm:layoutNode>
-      </dgm:forEach>
-    </dgm:forEach>
-  </dgm:layoutNode>
-</dgm:layoutDef>
-</file>
-
-<file path=ppt/diagrams/layout2.xml><?xml version="1.0" encoding="utf-8"?>
 <dgm:layoutDef xmlns:dgm="http://schemas.openxmlformats.org/drawingml/2006/diagram" xmlns:a="http://schemas.openxmlformats.org/drawingml/2006/main" uniqueId="urn:microsoft.com/office/officeart/2005/8/layout/vList2">
   <dgm:title val=""/>
   <dgm:desc val=""/>
@@ -5206,7 +3332,7 @@
 </dgm:layoutDef>
 </file>
 
-<file path=ppt/diagrams/layout3.xml><?xml version="1.0" encoding="utf-8"?>
+<file path=ppt/diagrams/layout2.xml><?xml version="1.0" encoding="utf-8"?>
 <dgm:layoutDef xmlns:dgm="http://schemas.openxmlformats.org/drawingml/2006/diagram" xmlns:a="http://schemas.openxmlformats.org/drawingml/2006/main" uniqueId="urn:microsoft.com/office/officeart/2018/2/layout/IconVerticalSolidList">
   <dgm:title val="Icon Vertical Solid List"/>
   <dgm:desc val="Use to show a series of visuals from top to bottom with Level 1 or Level 1 and Level 2 text grouped in a shape. Works best with icons or small pictures with lengthier descriptions."/>
@@ -7568,1040 +5694,6 @@
 </dgm:styleDef>
 </file>
 
-<file path=ppt/diagrams/quickStyle3.xml><?xml version="1.0" encoding="utf-8"?>
-<dgm:styleDef xmlns:dgm="http://schemas.openxmlformats.org/drawingml/2006/diagram" xmlns:a="http://schemas.openxmlformats.org/drawingml/2006/main" uniqueId="urn:microsoft.com/office/officeart/2005/8/quickstyle/simple1">
-  <dgm:title val=""/>
-  <dgm:desc val=""/>
-  <dgm:catLst>
-    <dgm:cat type="simple" pri="10100"/>
-  </dgm:catLst>
-  <dgm:scene3d>
-    <a:camera prst="orthographicFront"/>
-    <a:lightRig rig="threePt" dir="t"/>
-  </dgm:scene3d>
-  <dgm:styleLbl name="node0">
-    <dgm:scene3d>
-      <a:camera prst="orthographicFront"/>
-      <a:lightRig rig="threePt" dir="t"/>
-    </dgm:scene3d>
-    <dgm:sp3d/>
-    <dgm:txPr/>
-    <dgm:style>
-      <a:lnRef idx="2">
-        <a:scrgbClr r="0" g="0" b="0"/>
-      </a:lnRef>
-      <a:fillRef idx="1">
-        <a:scrgbClr r="0" g="0" b="0"/>
-      </a:fillRef>
-      <a:effectRef idx="0">
-        <a:scrgbClr r="0" g="0" b="0"/>
-      </a:effectRef>
-      <a:fontRef idx="minor">
-        <a:schemeClr val="lt1"/>
-      </a:fontRef>
-    </dgm:style>
-  </dgm:styleLbl>
-  <dgm:styleLbl name="lnNode1">
-    <dgm:scene3d>
-      <a:camera prst="orthographicFront"/>
-      <a:lightRig rig="threePt" dir="t"/>
-    </dgm:scene3d>
-    <dgm:sp3d/>
-    <dgm:txPr/>
-    <dgm:style>
-      <a:lnRef idx="2">
-        <a:scrgbClr r="0" g="0" b="0"/>
-      </a:lnRef>
-      <a:fillRef idx="1">
-        <a:scrgbClr r="0" g="0" b="0"/>
-      </a:fillRef>
-      <a:effectRef idx="0">
-        <a:scrgbClr r="0" g="0" b="0"/>
-      </a:effectRef>
-      <a:fontRef idx="minor">
-        <a:schemeClr val="lt1"/>
-      </a:fontRef>
-    </dgm:style>
-  </dgm:styleLbl>
-  <dgm:styleLbl name="vennNode1">
-    <dgm:scene3d>
-      <a:camera prst="orthographicFront"/>
-      <a:lightRig rig="threePt" dir="t"/>
-    </dgm:scene3d>
-    <dgm:sp3d/>
-    <dgm:txPr/>
-    <dgm:style>
-      <a:lnRef idx="2">
-        <a:scrgbClr r="0" g="0" b="0"/>
-      </a:lnRef>
-      <a:fillRef idx="1">
-        <a:scrgbClr r="0" g="0" b="0"/>
-      </a:fillRef>
-      <a:effectRef idx="0">
-        <a:scrgbClr r="0" g="0" b="0"/>
-      </a:effectRef>
-      <a:fontRef idx="minor">
-        <a:schemeClr val="tx1"/>
-      </a:fontRef>
-    </dgm:style>
-  </dgm:styleLbl>
-  <dgm:styleLbl name="alignNode1">
-    <dgm:scene3d>
-      <a:camera prst="orthographicFront"/>
-      <a:lightRig rig="threePt" dir="t"/>
-    </dgm:scene3d>
-    <dgm:sp3d/>
-    <dgm:txPr/>
-    <dgm:style>
-      <a:lnRef idx="2">
-        <a:scrgbClr r="0" g="0" b="0"/>
-      </a:lnRef>
-      <a:fillRef idx="1">
-        <a:scrgbClr r="0" g="0" b="0"/>
-      </a:fillRef>
-      <a:effectRef idx="0">
-        <a:scrgbClr r="0" g="0" b="0"/>
-      </a:effectRef>
-      <a:fontRef idx="minor">
-        <a:schemeClr val="lt1"/>
-      </a:fontRef>
-    </dgm:style>
-  </dgm:styleLbl>
-  <dgm:styleLbl name="node1">
-    <dgm:scene3d>
-      <a:camera prst="orthographicFront"/>
-      <a:lightRig rig="threePt" dir="t"/>
-    </dgm:scene3d>
-    <dgm:sp3d/>
-    <dgm:txPr/>
-    <dgm:style>
-      <a:lnRef idx="2">
-        <a:scrgbClr r="0" g="0" b="0"/>
-      </a:lnRef>
-      <a:fillRef idx="1">
-        <a:scrgbClr r="0" g="0" b="0"/>
-      </a:fillRef>
-      <a:effectRef idx="0">
-        <a:scrgbClr r="0" g="0" b="0"/>
-      </a:effectRef>
-      <a:fontRef idx="minor">
-        <a:schemeClr val="lt1"/>
-      </a:fontRef>
-    </dgm:style>
-  </dgm:styleLbl>
-  <dgm:styleLbl name="node2">
-    <dgm:scene3d>
-      <a:camera prst="orthographicFront"/>
-      <a:lightRig rig="threePt" dir="t"/>
-    </dgm:scene3d>
-    <dgm:sp3d/>
-    <dgm:txPr/>
-    <dgm:style>
-      <a:lnRef idx="2">
-        <a:scrgbClr r="0" g="0" b="0"/>
-      </a:lnRef>
-      <a:fillRef idx="1">
-        <a:scrgbClr r="0" g="0" b="0"/>
-      </a:fillRef>
-      <a:effectRef idx="0">
-        <a:scrgbClr r="0" g="0" b="0"/>
-      </a:effectRef>
-      <a:fontRef idx="minor">
-        <a:schemeClr val="lt1"/>
-      </a:fontRef>
-    </dgm:style>
-  </dgm:styleLbl>
-  <dgm:styleLbl name="node3">
-    <dgm:scene3d>
-      <a:camera prst="orthographicFront"/>
-      <a:lightRig rig="threePt" dir="t"/>
-    </dgm:scene3d>
-    <dgm:sp3d/>
-    <dgm:txPr/>
-    <dgm:style>
-      <a:lnRef idx="2">
-        <a:scrgbClr r="0" g="0" b="0"/>
-      </a:lnRef>
-      <a:fillRef idx="1">
-        <a:scrgbClr r="0" g="0" b="0"/>
-      </a:fillRef>
-      <a:effectRef idx="0">
-        <a:scrgbClr r="0" g="0" b="0"/>
-      </a:effectRef>
-      <a:fontRef idx="minor">
-        <a:schemeClr val="lt1"/>
-      </a:fontRef>
-    </dgm:style>
-  </dgm:styleLbl>
-  <dgm:styleLbl name="node4">
-    <dgm:scene3d>
-      <a:camera prst="orthographicFront"/>
-      <a:lightRig rig="threePt" dir="t"/>
-    </dgm:scene3d>
-    <dgm:sp3d/>
-    <dgm:txPr/>
-    <dgm:style>
-      <a:lnRef idx="2">
-        <a:scrgbClr r="0" g="0" b="0"/>
-      </a:lnRef>
-      <a:fillRef idx="1">
-        <a:scrgbClr r="0" g="0" b="0"/>
-      </a:fillRef>
-      <a:effectRef idx="0">
-        <a:scrgbClr r="0" g="0" b="0"/>
-      </a:effectRef>
-      <a:fontRef idx="minor">
-        <a:schemeClr val="lt1"/>
-      </a:fontRef>
-    </dgm:style>
-  </dgm:styleLbl>
-  <dgm:styleLbl name="fgImgPlace1">
-    <dgm:scene3d>
-      <a:camera prst="orthographicFront"/>
-      <a:lightRig rig="threePt" dir="t"/>
-    </dgm:scene3d>
-    <dgm:sp3d/>
-    <dgm:txPr/>
-    <dgm:style>
-      <a:lnRef idx="2">
-        <a:scrgbClr r="0" g="0" b="0"/>
-      </a:lnRef>
-      <a:fillRef idx="1">
-        <a:scrgbClr r="0" g="0" b="0"/>
-      </a:fillRef>
-      <a:effectRef idx="0">
-        <a:scrgbClr r="0" g="0" b="0"/>
-      </a:effectRef>
-      <a:fontRef idx="minor"/>
-    </dgm:style>
-  </dgm:styleLbl>
-  <dgm:styleLbl name="alignImgPlace1">
-    <dgm:scene3d>
-      <a:camera prst="orthographicFront"/>
-      <a:lightRig rig="threePt" dir="t"/>
-    </dgm:scene3d>
-    <dgm:sp3d/>
-    <dgm:txPr/>
-    <dgm:style>
-      <a:lnRef idx="2">
-        <a:scrgbClr r="0" g="0" b="0"/>
-      </a:lnRef>
-      <a:fillRef idx="1">
-        <a:scrgbClr r="0" g="0" b="0"/>
-      </a:fillRef>
-      <a:effectRef idx="0">
-        <a:scrgbClr r="0" g="0" b="0"/>
-      </a:effectRef>
-      <a:fontRef idx="minor"/>
-    </dgm:style>
-  </dgm:styleLbl>
-  <dgm:styleLbl name="bgImgPlace1">
-    <dgm:scene3d>
-      <a:camera prst="orthographicFront"/>
-      <a:lightRig rig="threePt" dir="t"/>
-    </dgm:scene3d>
-    <dgm:sp3d/>
-    <dgm:txPr/>
-    <dgm:style>
-      <a:lnRef idx="2">
-        <a:scrgbClr r="0" g="0" b="0"/>
-      </a:lnRef>
-      <a:fillRef idx="1">
-        <a:scrgbClr r="0" g="0" b="0"/>
-      </a:fillRef>
-      <a:effectRef idx="0">
-        <a:scrgbClr r="0" g="0" b="0"/>
-      </a:effectRef>
-      <a:fontRef idx="minor"/>
-    </dgm:style>
-  </dgm:styleLbl>
-  <dgm:styleLbl name="sibTrans2D1">
-    <dgm:scene3d>
-      <a:camera prst="orthographicFront"/>
-      <a:lightRig rig="threePt" dir="t"/>
-    </dgm:scene3d>
-    <dgm:sp3d/>
-    <dgm:txPr/>
-    <dgm:style>
-      <a:lnRef idx="0">
-        <a:scrgbClr r="0" g="0" b="0"/>
-      </a:lnRef>
-      <a:fillRef idx="1">
-        <a:scrgbClr r="0" g="0" b="0"/>
-      </a:fillRef>
-      <a:effectRef idx="0">
-        <a:scrgbClr r="0" g="0" b="0"/>
-      </a:effectRef>
-      <a:fontRef idx="minor">
-        <a:schemeClr val="lt1"/>
-      </a:fontRef>
-    </dgm:style>
-  </dgm:styleLbl>
-  <dgm:styleLbl name="fgSibTrans2D1">
-    <dgm:scene3d>
-      <a:camera prst="orthographicFront"/>
-      <a:lightRig rig="threePt" dir="t"/>
-    </dgm:scene3d>
-    <dgm:sp3d/>
-    <dgm:txPr/>
-    <dgm:style>
-      <a:lnRef idx="0">
-        <a:scrgbClr r="0" g="0" b="0"/>
-      </a:lnRef>
-      <a:fillRef idx="1">
-        <a:scrgbClr r="0" g="0" b="0"/>
-      </a:fillRef>
-      <a:effectRef idx="0">
-        <a:scrgbClr r="0" g="0" b="0"/>
-      </a:effectRef>
-      <a:fontRef idx="minor">
-        <a:schemeClr val="lt1"/>
-      </a:fontRef>
-    </dgm:style>
-  </dgm:styleLbl>
-  <dgm:styleLbl name="bgSibTrans2D1">
-    <dgm:scene3d>
-      <a:camera prst="orthographicFront"/>
-      <a:lightRig rig="threePt" dir="t"/>
-    </dgm:scene3d>
-    <dgm:sp3d/>
-    <dgm:txPr/>
-    <dgm:style>
-      <a:lnRef idx="0">
-        <a:scrgbClr r="0" g="0" b="0"/>
-      </a:lnRef>
-      <a:fillRef idx="1">
-        <a:scrgbClr r="0" g="0" b="0"/>
-      </a:fillRef>
-      <a:effectRef idx="0">
-        <a:scrgbClr r="0" g="0" b="0"/>
-      </a:effectRef>
-      <a:fontRef idx="minor">
-        <a:schemeClr val="lt1"/>
-      </a:fontRef>
-    </dgm:style>
-  </dgm:styleLbl>
-  <dgm:styleLbl name="sibTrans1D1">
-    <dgm:scene3d>
-      <a:camera prst="orthographicFront"/>
-      <a:lightRig rig="threePt" dir="t"/>
-    </dgm:scene3d>
-    <dgm:sp3d/>
-    <dgm:txPr/>
-    <dgm:style>
-      <a:lnRef idx="1">
-        <a:scrgbClr r="0" g="0" b="0"/>
-      </a:lnRef>
-      <a:fillRef idx="0">
-        <a:scrgbClr r="0" g="0" b="0"/>
-      </a:fillRef>
-      <a:effectRef idx="0">
-        <a:scrgbClr r="0" g="0" b="0"/>
-      </a:effectRef>
-      <a:fontRef idx="minor"/>
-    </dgm:style>
-  </dgm:styleLbl>
-  <dgm:styleLbl name="callout">
-    <dgm:scene3d>
-      <a:camera prst="orthographicFront"/>
-      <a:lightRig rig="threePt" dir="t"/>
-    </dgm:scene3d>
-    <dgm:sp3d/>
-    <dgm:txPr/>
-    <dgm:style>
-      <a:lnRef idx="2">
-        <a:scrgbClr r="0" g="0" b="0"/>
-      </a:lnRef>
-      <a:fillRef idx="1">
-        <a:scrgbClr r="0" g="0" b="0"/>
-      </a:fillRef>
-      <a:effectRef idx="0">
-        <a:scrgbClr r="0" g="0" b="0"/>
-      </a:effectRef>
-      <a:fontRef idx="minor"/>
-    </dgm:style>
-  </dgm:styleLbl>
-  <dgm:styleLbl name="asst0">
-    <dgm:scene3d>
-      <a:camera prst="orthographicFront"/>
-      <a:lightRig rig="threePt" dir="t"/>
-    </dgm:scene3d>
-    <dgm:sp3d/>
-    <dgm:txPr/>
-    <dgm:style>
-      <a:lnRef idx="2">
-        <a:scrgbClr r="0" g="0" b="0"/>
-      </a:lnRef>
-      <a:fillRef idx="1">
-        <a:scrgbClr r="0" g="0" b="0"/>
-      </a:fillRef>
-      <a:effectRef idx="0">
-        <a:scrgbClr r="0" g="0" b="0"/>
-      </a:effectRef>
-      <a:fontRef idx="minor">
-        <a:schemeClr val="lt1"/>
-      </a:fontRef>
-    </dgm:style>
-  </dgm:styleLbl>
-  <dgm:styleLbl name="asst1">
-    <dgm:scene3d>
-      <a:camera prst="orthographicFront"/>
-      <a:lightRig rig="threePt" dir="t"/>
-    </dgm:scene3d>
-    <dgm:sp3d/>
-    <dgm:txPr/>
-    <dgm:style>
-      <a:lnRef idx="2">
-        <a:scrgbClr r="0" g="0" b="0"/>
-      </a:lnRef>
-      <a:fillRef idx="1">
-        <a:scrgbClr r="0" g="0" b="0"/>
-      </a:fillRef>
-      <a:effectRef idx="0">
-        <a:scrgbClr r="0" g="0" b="0"/>
-      </a:effectRef>
-      <a:fontRef idx="minor">
-        <a:schemeClr val="lt1"/>
-      </a:fontRef>
-    </dgm:style>
-  </dgm:styleLbl>
-  <dgm:styleLbl name="asst2">
-    <dgm:scene3d>
-      <a:camera prst="orthographicFront"/>
-      <a:lightRig rig="threePt" dir="t"/>
-    </dgm:scene3d>
-    <dgm:sp3d/>
-    <dgm:txPr/>
-    <dgm:style>
-      <a:lnRef idx="2">
-        <a:scrgbClr r="0" g="0" b="0"/>
-      </a:lnRef>
-      <a:fillRef idx="1">
-        <a:scrgbClr r="0" g="0" b="0"/>
-      </a:fillRef>
-      <a:effectRef idx="0">
-        <a:scrgbClr r="0" g="0" b="0"/>
-      </a:effectRef>
-      <a:fontRef idx="minor">
-        <a:schemeClr val="lt1"/>
-      </a:fontRef>
-    </dgm:style>
-  </dgm:styleLbl>
-  <dgm:styleLbl name="asst3">
-    <dgm:scene3d>
-      <a:camera prst="orthographicFront"/>
-      <a:lightRig rig="threePt" dir="t"/>
-    </dgm:scene3d>
-    <dgm:sp3d/>
-    <dgm:txPr/>
-    <dgm:style>
-      <a:lnRef idx="2">
-        <a:scrgbClr r="0" g="0" b="0"/>
-      </a:lnRef>
-      <a:fillRef idx="1">
-        <a:scrgbClr r="0" g="0" b="0"/>
-      </a:fillRef>
-      <a:effectRef idx="0">
-        <a:scrgbClr r="0" g="0" b="0"/>
-      </a:effectRef>
-      <a:fontRef idx="minor">
-        <a:schemeClr val="lt1"/>
-      </a:fontRef>
-    </dgm:style>
-  </dgm:styleLbl>
-  <dgm:styleLbl name="asst4">
-    <dgm:scene3d>
-      <a:camera prst="orthographicFront"/>
-      <a:lightRig rig="threePt" dir="t"/>
-    </dgm:scene3d>
-    <dgm:sp3d/>
-    <dgm:txPr/>
-    <dgm:style>
-      <a:lnRef idx="2">
-        <a:scrgbClr r="0" g="0" b="0"/>
-      </a:lnRef>
-      <a:fillRef idx="1">
-        <a:scrgbClr r="0" g="0" b="0"/>
-      </a:fillRef>
-      <a:effectRef idx="0">
-        <a:scrgbClr r="0" g="0" b="0"/>
-      </a:effectRef>
-      <a:fontRef idx="minor">
-        <a:schemeClr val="lt1"/>
-      </a:fontRef>
-    </dgm:style>
-  </dgm:styleLbl>
-  <dgm:styleLbl name="parChTrans2D1">
-    <dgm:scene3d>
-      <a:camera prst="orthographicFront"/>
-      <a:lightRig rig="threePt" dir="t"/>
-    </dgm:scene3d>
-    <dgm:sp3d/>
-    <dgm:txPr/>
-    <dgm:style>
-      <a:lnRef idx="2">
-        <a:scrgbClr r="0" g="0" b="0"/>
-      </a:lnRef>
-      <a:fillRef idx="1">
-        <a:scrgbClr r="0" g="0" b="0"/>
-      </a:fillRef>
-      <a:effectRef idx="0">
-        <a:scrgbClr r="0" g="0" b="0"/>
-      </a:effectRef>
-      <a:fontRef idx="minor">
-        <a:schemeClr val="lt1"/>
-      </a:fontRef>
-    </dgm:style>
-  </dgm:styleLbl>
-  <dgm:styleLbl name="parChTrans2D2">
-    <dgm:scene3d>
-      <a:camera prst="orthographicFront"/>
-      <a:lightRig rig="threePt" dir="t"/>
-    </dgm:scene3d>
-    <dgm:sp3d/>
-    <dgm:txPr/>
-    <dgm:style>
-      <a:lnRef idx="2">
-        <a:scrgbClr r="0" g="0" b="0"/>
-      </a:lnRef>
-      <a:fillRef idx="1">
-        <a:scrgbClr r="0" g="0" b="0"/>
-      </a:fillRef>
-      <a:effectRef idx="0">
-        <a:scrgbClr r="0" g="0" b="0"/>
-      </a:effectRef>
-      <a:fontRef idx="minor">
-        <a:schemeClr val="lt1"/>
-      </a:fontRef>
-    </dgm:style>
-  </dgm:styleLbl>
-  <dgm:styleLbl name="parChTrans2D3">
-    <dgm:scene3d>
-      <a:camera prst="orthographicFront"/>
-      <a:lightRig rig="threePt" dir="t"/>
-    </dgm:scene3d>
-    <dgm:sp3d/>
-    <dgm:txPr/>
-    <dgm:style>
-      <a:lnRef idx="2">
-        <a:scrgbClr r="0" g="0" b="0"/>
-      </a:lnRef>
-      <a:fillRef idx="1">
-        <a:scrgbClr r="0" g="0" b="0"/>
-      </a:fillRef>
-      <a:effectRef idx="0">
-        <a:scrgbClr r="0" g="0" b="0"/>
-      </a:effectRef>
-      <a:fontRef idx="minor">
-        <a:schemeClr val="lt1"/>
-      </a:fontRef>
-    </dgm:style>
-  </dgm:styleLbl>
-  <dgm:styleLbl name="parChTrans2D4">
-    <dgm:scene3d>
-      <a:camera prst="orthographicFront"/>
-      <a:lightRig rig="threePt" dir="t"/>
-    </dgm:scene3d>
-    <dgm:sp3d/>
-    <dgm:txPr/>
-    <dgm:style>
-      <a:lnRef idx="2">
-        <a:scrgbClr r="0" g="0" b="0"/>
-      </a:lnRef>
-      <a:fillRef idx="1">
-        <a:scrgbClr r="0" g="0" b="0"/>
-      </a:fillRef>
-      <a:effectRef idx="0">
-        <a:scrgbClr r="0" g="0" b="0"/>
-      </a:effectRef>
-      <a:fontRef idx="minor">
-        <a:schemeClr val="lt1"/>
-      </a:fontRef>
-    </dgm:style>
-  </dgm:styleLbl>
-  <dgm:styleLbl name="parChTrans1D1">
-    <dgm:scene3d>
-      <a:camera prst="orthographicFront"/>
-      <a:lightRig rig="threePt" dir="t"/>
-    </dgm:scene3d>
-    <dgm:sp3d/>
-    <dgm:txPr/>
-    <dgm:style>
-      <a:lnRef idx="2">
-        <a:scrgbClr r="0" g="0" b="0"/>
-      </a:lnRef>
-      <a:fillRef idx="0">
-        <a:scrgbClr r="0" g="0" b="0"/>
-      </a:fillRef>
-      <a:effectRef idx="0">
-        <a:scrgbClr r="0" g="0" b="0"/>
-      </a:effectRef>
-      <a:fontRef idx="minor"/>
-    </dgm:style>
-  </dgm:styleLbl>
-  <dgm:styleLbl name="parChTrans1D2">
-    <dgm:scene3d>
-      <a:camera prst="orthographicFront"/>
-      <a:lightRig rig="threePt" dir="t"/>
-    </dgm:scene3d>
-    <dgm:sp3d/>
-    <dgm:txPr/>
-    <dgm:style>
-      <a:lnRef idx="2">
-        <a:scrgbClr r="0" g="0" b="0"/>
-      </a:lnRef>
-      <a:fillRef idx="0">
-        <a:scrgbClr r="0" g="0" b="0"/>
-      </a:fillRef>
-      <a:effectRef idx="0">
-        <a:scrgbClr r="0" g="0" b="0"/>
-      </a:effectRef>
-      <a:fontRef idx="minor"/>
-    </dgm:style>
-  </dgm:styleLbl>
-  <dgm:styleLbl name="parChTrans1D3">
-    <dgm:scene3d>
-      <a:camera prst="orthographicFront"/>
-      <a:lightRig rig="threePt" dir="t"/>
-    </dgm:scene3d>
-    <dgm:sp3d/>
-    <dgm:txPr/>
-    <dgm:style>
-      <a:lnRef idx="2">
-        <a:scrgbClr r="0" g="0" b="0"/>
-      </a:lnRef>
-      <a:fillRef idx="0">
-        <a:scrgbClr r="0" g="0" b="0"/>
-      </a:fillRef>
-      <a:effectRef idx="0">
-        <a:scrgbClr r="0" g="0" b="0"/>
-      </a:effectRef>
-      <a:fontRef idx="minor"/>
-    </dgm:style>
-  </dgm:styleLbl>
-  <dgm:styleLbl name="parChTrans1D4">
-    <dgm:scene3d>
-      <a:camera prst="orthographicFront"/>
-      <a:lightRig rig="threePt" dir="t"/>
-    </dgm:scene3d>
-    <dgm:sp3d/>
-    <dgm:txPr/>
-    <dgm:style>
-      <a:lnRef idx="2">
-        <a:scrgbClr r="0" g="0" b="0"/>
-      </a:lnRef>
-      <a:fillRef idx="0">
-        <a:scrgbClr r="0" g="0" b="0"/>
-      </a:fillRef>
-      <a:effectRef idx="0">
-        <a:scrgbClr r="0" g="0" b="0"/>
-      </a:effectRef>
-      <a:fontRef idx="minor"/>
-    </dgm:style>
-  </dgm:styleLbl>
-  <dgm:styleLbl name="fgAcc1">
-    <dgm:scene3d>
-      <a:camera prst="orthographicFront"/>
-      <a:lightRig rig="threePt" dir="t"/>
-    </dgm:scene3d>
-    <dgm:sp3d/>
-    <dgm:txPr/>
-    <dgm:style>
-      <a:lnRef idx="2">
-        <a:scrgbClr r="0" g="0" b="0"/>
-      </a:lnRef>
-      <a:fillRef idx="1">
-        <a:scrgbClr r="0" g="0" b="0"/>
-      </a:fillRef>
-      <a:effectRef idx="0">
-        <a:scrgbClr r="0" g="0" b="0"/>
-      </a:effectRef>
-      <a:fontRef idx="minor"/>
-    </dgm:style>
-  </dgm:styleLbl>
-  <dgm:styleLbl name="conFgAcc1">
-    <dgm:scene3d>
-      <a:camera prst="orthographicFront"/>
-      <a:lightRig rig="threePt" dir="t"/>
-    </dgm:scene3d>
-    <dgm:sp3d/>
-    <dgm:txPr/>
-    <dgm:style>
-      <a:lnRef idx="2">
-        <a:scrgbClr r="0" g="0" b="0"/>
-      </a:lnRef>
-      <a:fillRef idx="1">
-        <a:scrgbClr r="0" g="0" b="0"/>
-      </a:fillRef>
-      <a:effectRef idx="0">
-        <a:scrgbClr r="0" g="0" b="0"/>
-      </a:effectRef>
-      <a:fontRef idx="minor"/>
-    </dgm:style>
-  </dgm:styleLbl>
-  <dgm:styleLbl name="alignAcc1">
-    <dgm:scene3d>
-      <a:camera prst="orthographicFront"/>
-      <a:lightRig rig="threePt" dir="t"/>
-    </dgm:scene3d>
-    <dgm:sp3d/>
-    <dgm:txPr/>
-    <dgm:style>
-      <a:lnRef idx="2">
-        <a:scrgbClr r="0" g="0" b="0"/>
-      </a:lnRef>
-      <a:fillRef idx="1">
-        <a:scrgbClr r="0" g="0" b="0"/>
-      </a:fillRef>
-      <a:effectRef idx="0">
-        <a:scrgbClr r="0" g="0" b="0"/>
-      </a:effectRef>
-      <a:fontRef idx="minor"/>
-    </dgm:style>
-  </dgm:styleLbl>
-  <dgm:styleLbl name="trAlignAcc1">
-    <dgm:scene3d>
-      <a:camera prst="orthographicFront"/>
-      <a:lightRig rig="threePt" dir="t"/>
-    </dgm:scene3d>
-    <dgm:sp3d/>
-    <dgm:txPr/>
-    <dgm:style>
-      <a:lnRef idx="1">
-        <a:scrgbClr r="0" g="0" b="0"/>
-      </a:lnRef>
-      <a:fillRef idx="1">
-        <a:scrgbClr r="0" g="0" b="0"/>
-      </a:fillRef>
-      <a:effectRef idx="0">
-        <a:scrgbClr r="0" g="0" b="0"/>
-      </a:effectRef>
-      <a:fontRef idx="minor"/>
-    </dgm:style>
-  </dgm:styleLbl>
-  <dgm:styleLbl name="bgAcc1">
-    <dgm:scene3d>
-      <a:camera prst="orthographicFront"/>
-      <a:lightRig rig="threePt" dir="t"/>
-    </dgm:scene3d>
-    <dgm:sp3d/>
-    <dgm:txPr/>
-    <dgm:style>
-      <a:lnRef idx="2">
-        <a:scrgbClr r="0" g="0" b="0"/>
-      </a:lnRef>
-      <a:fillRef idx="1">
-        <a:scrgbClr r="0" g="0" b="0"/>
-      </a:fillRef>
-      <a:effectRef idx="0">
-        <a:scrgbClr r="0" g="0" b="0"/>
-      </a:effectRef>
-      <a:fontRef idx="minor"/>
-    </dgm:style>
-  </dgm:styleLbl>
-  <dgm:styleLbl name="solidFgAcc1">
-    <dgm:scene3d>
-      <a:camera prst="orthographicFront"/>
-      <a:lightRig rig="threePt" dir="t"/>
-    </dgm:scene3d>
-    <dgm:sp3d/>
-    <dgm:txPr/>
-    <dgm:style>
-      <a:lnRef idx="2">
-        <a:scrgbClr r="0" g="0" b="0"/>
-      </a:lnRef>
-      <a:fillRef idx="1">
-        <a:scrgbClr r="0" g="0" b="0"/>
-      </a:fillRef>
-      <a:effectRef idx="0">
-        <a:scrgbClr r="0" g="0" b="0"/>
-      </a:effectRef>
-      <a:fontRef idx="minor"/>
-    </dgm:style>
-  </dgm:styleLbl>
-  <dgm:styleLbl name="solidAlignAcc1">
-    <dgm:scene3d>
-      <a:camera prst="orthographicFront"/>
-      <a:lightRig rig="threePt" dir="t"/>
-    </dgm:scene3d>
-    <dgm:sp3d/>
-    <dgm:txPr/>
-    <dgm:style>
-      <a:lnRef idx="2">
-        <a:scrgbClr r="0" g="0" b="0"/>
-      </a:lnRef>
-      <a:fillRef idx="1">
-        <a:scrgbClr r="0" g="0" b="0"/>
-      </a:fillRef>
-      <a:effectRef idx="0">
-        <a:scrgbClr r="0" g="0" b="0"/>
-      </a:effectRef>
-      <a:fontRef idx="minor"/>
-    </dgm:style>
-  </dgm:styleLbl>
-  <dgm:styleLbl name="solidBgAcc1">
-    <dgm:scene3d>
-      <a:camera prst="orthographicFront"/>
-      <a:lightRig rig="threePt" dir="t"/>
-    </dgm:scene3d>
-    <dgm:sp3d/>
-    <dgm:txPr/>
-    <dgm:style>
-      <a:lnRef idx="2">
-        <a:scrgbClr r="0" g="0" b="0"/>
-      </a:lnRef>
-      <a:fillRef idx="1">
-        <a:scrgbClr r="0" g="0" b="0"/>
-      </a:fillRef>
-      <a:effectRef idx="0">
-        <a:scrgbClr r="0" g="0" b="0"/>
-      </a:effectRef>
-      <a:fontRef idx="minor"/>
-    </dgm:style>
-  </dgm:styleLbl>
-  <dgm:styleLbl name="fgAccFollowNode1">
-    <dgm:scene3d>
-      <a:camera prst="orthographicFront"/>
-      <a:lightRig rig="threePt" dir="t"/>
-    </dgm:scene3d>
-    <dgm:sp3d/>
-    <dgm:txPr/>
-    <dgm:style>
-      <a:lnRef idx="2">
-        <a:scrgbClr r="0" g="0" b="0"/>
-      </a:lnRef>
-      <a:fillRef idx="1">
-        <a:scrgbClr r="0" g="0" b="0"/>
-      </a:fillRef>
-      <a:effectRef idx="0">
-        <a:scrgbClr r="0" g="0" b="0"/>
-      </a:effectRef>
-      <a:fontRef idx="minor"/>
-    </dgm:style>
-  </dgm:styleLbl>
-  <dgm:styleLbl name="alignAccFollowNode1">
-    <dgm:scene3d>
-      <a:camera prst="orthographicFront"/>
-      <a:lightRig rig="threePt" dir="t"/>
-    </dgm:scene3d>
-    <dgm:sp3d/>
-    <dgm:txPr/>
-    <dgm:style>
-      <a:lnRef idx="2">
-        <a:scrgbClr r="0" g="0" b="0"/>
-      </a:lnRef>
-      <a:fillRef idx="1">
-        <a:scrgbClr r="0" g="0" b="0"/>
-      </a:fillRef>
-      <a:effectRef idx="0">
-        <a:scrgbClr r="0" g="0" b="0"/>
-      </a:effectRef>
-      <a:fontRef idx="minor"/>
-    </dgm:style>
-  </dgm:styleLbl>
-  <dgm:styleLbl name="bgAccFollowNode1">
-    <dgm:scene3d>
-      <a:camera prst="orthographicFront"/>
-      <a:lightRig rig="threePt" dir="t"/>
-    </dgm:scene3d>
-    <dgm:sp3d/>
-    <dgm:txPr/>
-    <dgm:style>
-      <a:lnRef idx="2">
-        <a:scrgbClr r="0" g="0" b="0"/>
-      </a:lnRef>
-      <a:fillRef idx="1">
-        <a:scrgbClr r="0" g="0" b="0"/>
-      </a:fillRef>
-      <a:effectRef idx="0">
-        <a:scrgbClr r="0" g="0" b="0"/>
-      </a:effectRef>
-      <a:fontRef idx="minor"/>
-    </dgm:style>
-  </dgm:styleLbl>
-  <dgm:styleLbl name="fgAcc0">
-    <dgm:scene3d>
-      <a:camera prst="orthographicFront"/>
-      <a:lightRig rig="threePt" dir="t"/>
-    </dgm:scene3d>
-    <dgm:sp3d/>
-    <dgm:txPr/>
-    <dgm:style>
-      <a:lnRef idx="2">
-        <a:scrgbClr r="0" g="0" b="0"/>
-      </a:lnRef>
-      <a:fillRef idx="1">
-        <a:scrgbClr r="0" g="0" b="0"/>
-      </a:fillRef>
-      <a:effectRef idx="0">
-        <a:scrgbClr r="0" g="0" b="0"/>
-      </a:effectRef>
-      <a:fontRef idx="minor"/>
-    </dgm:style>
-  </dgm:styleLbl>
-  <dgm:styleLbl name="fgAcc2">
-    <dgm:scene3d>
-      <a:camera prst="orthographicFront"/>
-      <a:lightRig rig="threePt" dir="t"/>
-    </dgm:scene3d>
-    <dgm:sp3d/>
-    <dgm:txPr/>
-    <dgm:style>
-      <a:lnRef idx="2">
-        <a:scrgbClr r="0" g="0" b="0"/>
-      </a:lnRef>
-      <a:fillRef idx="1">
-        <a:scrgbClr r="0" g="0" b="0"/>
-      </a:fillRef>
-      <a:effectRef idx="0">
-        <a:scrgbClr r="0" g="0" b="0"/>
-      </a:effectRef>
-      <a:fontRef idx="minor"/>
-    </dgm:style>
-  </dgm:styleLbl>
-  <dgm:styleLbl name="fgAcc3">
-    <dgm:scene3d>
-      <a:camera prst="orthographicFront"/>
-      <a:lightRig rig="threePt" dir="t"/>
-    </dgm:scene3d>
-    <dgm:sp3d/>
-    <dgm:txPr/>
-    <dgm:style>
-      <a:lnRef idx="2">
-        <a:scrgbClr r="0" g="0" b="0"/>
-      </a:lnRef>
-      <a:fillRef idx="1">
-        <a:scrgbClr r="0" g="0" b="0"/>
-      </a:fillRef>
-      <a:effectRef idx="0">
-        <a:scrgbClr r="0" g="0" b="0"/>
-      </a:effectRef>
-      <a:fontRef idx="minor"/>
-    </dgm:style>
-  </dgm:styleLbl>
-  <dgm:styleLbl name="fgAcc4">
-    <dgm:scene3d>
-      <a:camera prst="orthographicFront"/>
-      <a:lightRig rig="threePt" dir="t"/>
-    </dgm:scene3d>
-    <dgm:sp3d/>
-    <dgm:txPr/>
-    <dgm:style>
-      <a:lnRef idx="2">
-        <a:scrgbClr r="0" g="0" b="0"/>
-      </a:lnRef>
-      <a:fillRef idx="1">
-        <a:scrgbClr r="0" g="0" b="0"/>
-      </a:fillRef>
-      <a:effectRef idx="0">
-        <a:scrgbClr r="0" g="0" b="0"/>
-      </a:effectRef>
-      <a:fontRef idx="minor"/>
-    </dgm:style>
-  </dgm:styleLbl>
-  <dgm:styleLbl name="bgShp">
-    <dgm:scene3d>
-      <a:camera prst="orthographicFront"/>
-      <a:lightRig rig="threePt" dir="t"/>
-    </dgm:scene3d>
-    <dgm:sp3d/>
-    <dgm:txPr/>
-    <dgm:style>
-      <a:lnRef idx="0">
-        <a:scrgbClr r="0" g="0" b="0"/>
-      </a:lnRef>
-      <a:fillRef idx="1">
-        <a:scrgbClr r="0" g="0" b="0"/>
-      </a:fillRef>
-      <a:effectRef idx="0">
-        <a:scrgbClr r="0" g="0" b="0"/>
-      </a:effectRef>
-      <a:fontRef idx="minor"/>
-    </dgm:style>
-  </dgm:styleLbl>
-  <dgm:styleLbl name="dkBgShp">
-    <dgm:scene3d>
-      <a:camera prst="orthographicFront"/>
-      <a:lightRig rig="threePt" dir="t"/>
-    </dgm:scene3d>
-    <dgm:sp3d/>
-    <dgm:txPr/>
-    <dgm:style>
-      <a:lnRef idx="0">
-        <a:scrgbClr r="0" g="0" b="0"/>
-      </a:lnRef>
-      <a:fillRef idx="1">
-        <a:scrgbClr r="0" g="0" b="0"/>
-      </a:fillRef>
-      <a:effectRef idx="0">
-        <a:scrgbClr r="0" g="0" b="0"/>
-      </a:effectRef>
-      <a:fontRef idx="minor"/>
-    </dgm:style>
-  </dgm:styleLbl>
-  <dgm:styleLbl name="trBgShp">
-    <dgm:scene3d>
-      <a:camera prst="orthographicFront"/>
-      <a:lightRig rig="threePt" dir="t"/>
-    </dgm:scene3d>
-    <dgm:sp3d/>
-    <dgm:txPr/>
-    <dgm:style>
-      <a:lnRef idx="0">
-        <a:scrgbClr r="0" g="0" b="0"/>
-      </a:lnRef>
-      <a:fillRef idx="1">
-        <a:scrgbClr r="0" g="0" b="0"/>
-      </a:fillRef>
-      <a:effectRef idx="0">
-        <a:scrgbClr r="0" g="0" b="0"/>
-      </a:effectRef>
-      <a:fontRef idx="minor"/>
-    </dgm:style>
-  </dgm:styleLbl>
-  <dgm:styleLbl name="fgShp">
-    <dgm:scene3d>
-      <a:camera prst="orthographicFront"/>
-      <a:lightRig rig="threePt" dir="t"/>
-    </dgm:scene3d>
-    <dgm:sp3d/>
-    <dgm:txPr/>
-    <dgm:style>
-      <a:lnRef idx="2">
-        <a:scrgbClr r="0" g="0" b="0"/>
-      </a:lnRef>
-      <a:fillRef idx="1">
-        <a:scrgbClr r="0" g="0" b="0"/>
-      </a:fillRef>
-      <a:effectRef idx="0">
-        <a:scrgbClr r="0" g="0" b="0"/>
-      </a:effectRef>
-      <a:fontRef idx="minor"/>
-    </dgm:style>
-  </dgm:styleLbl>
-  <dgm:styleLbl name="revTx">
-    <dgm:scene3d>
-      <a:camera prst="orthographicFront"/>
-      <a:lightRig rig="threePt" dir="t"/>
-    </dgm:scene3d>
-    <dgm:sp3d/>
-    <dgm:txPr/>
-    <dgm:style>
-      <a:lnRef idx="0">
-        <a:scrgbClr r="0" g="0" b="0"/>
-      </a:lnRef>
-      <a:fillRef idx="0">
-        <a:scrgbClr r="0" g="0" b="0"/>
-      </a:fillRef>
-      <a:effectRef idx="0">
-        <a:scrgbClr r="0" g="0" b="0"/>
-      </a:effectRef>
-      <a:fontRef idx="minor"/>
-    </dgm:style>
-  </dgm:styleLbl>
-</dgm:styleDef>
-</file>
-
 <file path=ppt/slideLayouts/slideLayout1.xml><?xml version="1.0" encoding="utf-8"?>
 <p:sldLayout xmlns:a="http://schemas.openxmlformats.org/drawingml/2006/main" xmlns:r="http://schemas.openxmlformats.org/officeDocument/2006/relationships" xmlns:p="http://schemas.openxmlformats.org/presentationml/2006/main" type="title" preserve="1">
   <p:cSld name="Title Slide">
@@ -8749,7 +5841,7 @@
           <a:p>
             <a:fld id="{CCD17070-6049-4B59-9C21-B0E0A9782112}" type="datetimeFigureOut">
               <a:rPr lang="en-US" smtClean="0"/>
-              <a:t>7/18/2019</a:t>
+              <a:t>7/23/19</a:t>
             </a:fld>
             <a:endParaRPr lang="en-US"/>
           </a:p>
@@ -8947,7 +6039,7 @@
           <a:p>
             <a:fld id="{CCD17070-6049-4B59-9C21-B0E0A9782112}" type="datetimeFigureOut">
               <a:rPr lang="en-US" smtClean="0"/>
-              <a:t>7/18/2019</a:t>
+              <a:t>7/23/19</a:t>
             </a:fld>
             <a:endParaRPr lang="en-US"/>
           </a:p>
@@ -9155,7 +6247,7 @@
           <a:p>
             <a:fld id="{CCD17070-6049-4B59-9C21-B0E0A9782112}" type="datetimeFigureOut">
               <a:rPr lang="en-US" smtClean="0"/>
-              <a:t>7/18/2019</a:t>
+              <a:t>7/23/19</a:t>
             </a:fld>
             <a:endParaRPr lang="en-US"/>
           </a:p>
@@ -9353,7 +6445,7 @@
           <a:p>
             <a:fld id="{CCD17070-6049-4B59-9C21-B0E0A9782112}" type="datetimeFigureOut">
               <a:rPr lang="en-US" smtClean="0"/>
-              <a:t>7/18/2019</a:t>
+              <a:t>7/23/19</a:t>
             </a:fld>
             <a:endParaRPr lang="en-US"/>
           </a:p>
@@ -9628,7 +6720,7 @@
           <a:p>
             <a:fld id="{CCD17070-6049-4B59-9C21-B0E0A9782112}" type="datetimeFigureOut">
               <a:rPr lang="en-US" smtClean="0"/>
-              <a:t>7/18/2019</a:t>
+              <a:t>7/23/19</a:t>
             </a:fld>
             <a:endParaRPr lang="en-US"/>
           </a:p>
@@ -9893,7 +6985,7 @@
           <a:p>
             <a:fld id="{CCD17070-6049-4B59-9C21-B0E0A9782112}" type="datetimeFigureOut">
               <a:rPr lang="en-US" smtClean="0"/>
-              <a:t>7/18/2019</a:t>
+              <a:t>7/23/19</a:t>
             </a:fld>
             <a:endParaRPr lang="en-US"/>
           </a:p>
@@ -10305,7 +7397,7 @@
           <a:p>
             <a:fld id="{CCD17070-6049-4B59-9C21-B0E0A9782112}" type="datetimeFigureOut">
               <a:rPr lang="en-US" smtClean="0"/>
-              <a:t>7/18/2019</a:t>
+              <a:t>7/23/19</a:t>
             </a:fld>
             <a:endParaRPr lang="en-US"/>
           </a:p>
@@ -10446,7 +7538,7 @@
           <a:p>
             <a:fld id="{CCD17070-6049-4B59-9C21-B0E0A9782112}" type="datetimeFigureOut">
               <a:rPr lang="en-US" smtClean="0"/>
-              <a:t>7/18/2019</a:t>
+              <a:t>7/23/19</a:t>
             </a:fld>
             <a:endParaRPr lang="en-US"/>
           </a:p>
@@ -10559,7 +7651,7 @@
           <a:p>
             <a:fld id="{CCD17070-6049-4B59-9C21-B0E0A9782112}" type="datetimeFigureOut">
               <a:rPr lang="en-US" smtClean="0"/>
-              <a:t>7/18/2019</a:t>
+              <a:t>7/23/19</a:t>
             </a:fld>
             <a:endParaRPr lang="en-US"/>
           </a:p>
@@ -10870,7 +7962,7 @@
           <a:p>
             <a:fld id="{CCD17070-6049-4B59-9C21-B0E0A9782112}" type="datetimeFigureOut">
               <a:rPr lang="en-US" smtClean="0"/>
-              <a:t>7/18/2019</a:t>
+              <a:t>7/23/19</a:t>
             </a:fld>
             <a:endParaRPr lang="en-US"/>
           </a:p>
@@ -11158,7 +8250,7 @@
           <a:p>
             <a:fld id="{CCD17070-6049-4B59-9C21-B0E0A9782112}" type="datetimeFigureOut">
               <a:rPr lang="en-US" smtClean="0"/>
-              <a:t>7/18/2019</a:t>
+              <a:t>7/23/19</a:t>
             </a:fld>
             <a:endParaRPr lang="en-US"/>
           </a:p>
@@ -11399,7 +8491,7 @@
           <a:p>
             <a:fld id="{CCD17070-6049-4B59-9C21-B0E0A9782112}" type="datetimeFigureOut">
               <a:rPr lang="en-US" smtClean="0"/>
-              <a:t>7/18/2019</a:t>
+              <a:t>7/23/19</a:t>
             </a:fld>
             <a:endParaRPr lang="en-US"/>
           </a:p>
@@ -11951,8 +9043,8 @@
         </p:nvSpPr>
         <p:spPr>
           <a:xfrm>
-            <a:off x="1524000" y="1122362"/>
-            <a:ext cx="9144000" cy="2900518"/>
+            <a:off x="1524000" y="5163015"/>
+            <a:ext cx="9144000" cy="933990"/>
           </a:xfrm>
         </p:spPr>
         <p:txBody>
@@ -11962,18 +9054,13 @@
           <a:lstStyle/>
           <a:p>
             <a:r>
-              <a:rPr lang="en-US" b="1">
+              <a:rPr lang="en-US" b="1" dirty="0">
                 <a:solidFill>
                   <a:srgbClr val="FFFFFF"/>
                 </a:solidFill>
               </a:rPr>
-              <a:t>Face Recognition </a:t>
+              <a:t>Data Science Prospects</a:t>
             </a:r>
-            <a:endParaRPr lang="en-US" b="1" dirty="0">
-              <a:solidFill>
-                <a:srgbClr val="FFFFFF"/>
-              </a:solidFill>
-            </a:endParaRPr>
           </a:p>
         </p:txBody>
       </p:sp>
@@ -11995,8 +9082,8 @@
         </p:nvSpPr>
         <p:spPr>
           <a:xfrm>
-            <a:off x="1524000" y="4159404"/>
-            <a:ext cx="10313324" cy="1098395"/>
+            <a:off x="899533" y="6166621"/>
+            <a:ext cx="10313324" cy="524108"/>
           </a:xfrm>
         </p:spPr>
         <p:txBody>
@@ -12080,10 +9167,10 @@
       </p:grpSpPr>
       <p:sp>
         <p:nvSpPr>
-          <p:cNvPr id="19" name="Freeform: Shape 9">
+          <p:cNvPr id="10" name="Freeform: Shape 9">
             <a:extLst>
               <a:ext uri="{FF2B5EF4-FFF2-40B4-BE49-F238E27FC236}">
-                <a16:creationId xmlns:a16="http://schemas.microsoft.com/office/drawing/2014/main" id="{42285737-90EE-47DC-AC80-8AE156B11969}"/>
+                <a16:creationId xmlns:a16="http://schemas.microsoft.com/office/drawing/2014/main" id="{46C2E80F-49A6-4372-B103-219D417A55ED}"/>
               </a:ext>
               <a:ext uri="{C183D7F6-B498-43B3-948B-1728B52AA6E4}">
                 <adec:decorative xmlns:adec="http://schemas.microsoft.com/office/drawing/2017/decorative" val="1"/>
@@ -12102,33 +9189,107 @@
           </p:nvPr>
         </p:nvSpPr>
         <p:spPr>
-          <a:xfrm flipV="1">
-            <a:off x="-1" y="-1"/>
-            <a:ext cx="4403709" cy="6858001"/>
+          <a:xfrm>
+            <a:off x="484096" y="470925"/>
+            <a:ext cx="4381009" cy="5892104"/>
           </a:xfrm>
           <a:custGeom>
             <a:avLst/>
             <a:gdLst>
-              <a:gd name="connsiteX0" fmla="*/ 3223890 w 4403709"/>
-              <a:gd name="connsiteY0" fmla="*/ 6858001 h 6858001"/>
-              <a:gd name="connsiteX1" fmla="*/ 4101908 w 4403709"/>
-              <a:gd name="connsiteY1" fmla="*/ 6858001 h 6858001"/>
-              <a:gd name="connsiteX2" fmla="*/ 3254950 w 4403709"/>
-              <a:gd name="connsiteY2" fmla="*/ 1599356 h 6858001"/>
-              <a:gd name="connsiteX3" fmla="*/ 3254950 w 4403709"/>
-              <a:gd name="connsiteY3" fmla="*/ 1594062 h 6858001"/>
-              <a:gd name="connsiteX4" fmla="*/ 4403709 w 4403709"/>
-              <a:gd name="connsiteY4" fmla="*/ 0 h 6858001"/>
-              <a:gd name="connsiteX5" fmla="*/ 3254950 w 4403709"/>
-              <a:gd name="connsiteY5" fmla="*/ 0 h 6858001"/>
-              <a:gd name="connsiteX6" fmla="*/ 2903520 w 4403709"/>
-              <a:gd name="connsiteY6" fmla="*/ 0 h 6858001"/>
-              <a:gd name="connsiteX7" fmla="*/ 0 w 4403709"/>
-              <a:gd name="connsiteY7" fmla="*/ 0 h 6858001"/>
-              <a:gd name="connsiteX8" fmla="*/ 0 w 4403709"/>
-              <a:gd name="connsiteY8" fmla="*/ 6858000 h 6858001"/>
-              <a:gd name="connsiteX9" fmla="*/ 3223890 w 4403709"/>
-              <a:gd name="connsiteY9" fmla="*/ 6858000 h 6858001"/>
+              <a:gd name="connsiteX0" fmla="*/ 0 w 4381009"/>
+              <a:gd name="connsiteY0" fmla="*/ 0 h 5892104"/>
+              <a:gd name="connsiteX1" fmla="*/ 4157628 w 4381009"/>
+              <a:gd name="connsiteY1" fmla="*/ 0 h 5892104"/>
+              <a:gd name="connsiteX2" fmla="*/ 4169302 w 4381009"/>
+              <a:gd name="connsiteY2" fmla="*/ 68659 h 5892104"/>
+              <a:gd name="connsiteX3" fmla="*/ 4191571 w 4381009"/>
+              <a:gd name="connsiteY3" fmla="*/ 205472 h 5892104"/>
+              <a:gd name="connsiteX4" fmla="*/ 4213368 w 4381009"/>
+              <a:gd name="connsiteY4" fmla="*/ 342890 h 5892104"/>
+              <a:gd name="connsiteX5" fmla="*/ 4232030 w 4381009"/>
+              <a:gd name="connsiteY5" fmla="*/ 480913 h 5892104"/>
+              <a:gd name="connsiteX6" fmla="*/ 4250848 w 4381009"/>
+              <a:gd name="connsiteY6" fmla="*/ 618332 h 5892104"/>
+              <a:gd name="connsiteX7" fmla="*/ 4268412 w 4381009"/>
+              <a:gd name="connsiteY7" fmla="*/ 756355 h 5892104"/>
+              <a:gd name="connsiteX8" fmla="*/ 4283467 w 4381009"/>
+              <a:gd name="connsiteY8" fmla="*/ 892563 h 5892104"/>
+              <a:gd name="connsiteX9" fmla="*/ 4297737 w 4381009"/>
+              <a:gd name="connsiteY9" fmla="*/ 1030587 h 5892104"/>
+              <a:gd name="connsiteX10" fmla="*/ 4310754 w 4381009"/>
+              <a:gd name="connsiteY10" fmla="*/ 1168005 h 5892104"/>
+              <a:gd name="connsiteX11" fmla="*/ 4322045 w 4381009"/>
+              <a:gd name="connsiteY11" fmla="*/ 1303002 h 5892104"/>
+              <a:gd name="connsiteX12" fmla="*/ 4333336 w 4381009"/>
+              <a:gd name="connsiteY12" fmla="*/ 1439815 h 5892104"/>
+              <a:gd name="connsiteX13" fmla="*/ 4342745 w 4381009"/>
+              <a:gd name="connsiteY13" fmla="*/ 1574812 h 5892104"/>
+              <a:gd name="connsiteX14" fmla="*/ 4350115 w 4381009"/>
+              <a:gd name="connsiteY14" fmla="*/ 1709808 h 5892104"/>
+              <a:gd name="connsiteX15" fmla="*/ 4357799 w 4381009"/>
+              <a:gd name="connsiteY15" fmla="*/ 1844200 h 5892104"/>
+              <a:gd name="connsiteX16" fmla="*/ 4364229 w 4381009"/>
+              <a:gd name="connsiteY16" fmla="*/ 1977381 h 5892104"/>
+              <a:gd name="connsiteX17" fmla="*/ 4368777 w 4381009"/>
+              <a:gd name="connsiteY17" fmla="*/ 2109351 h 5892104"/>
+              <a:gd name="connsiteX18" fmla="*/ 4372697 w 4381009"/>
+              <a:gd name="connsiteY18" fmla="*/ 2241321 h 5892104"/>
+              <a:gd name="connsiteX19" fmla="*/ 4376461 w 4381009"/>
+              <a:gd name="connsiteY19" fmla="*/ 2372080 h 5892104"/>
+              <a:gd name="connsiteX20" fmla="*/ 4378186 w 4381009"/>
+              <a:gd name="connsiteY20" fmla="*/ 2501023 h 5892104"/>
+              <a:gd name="connsiteX21" fmla="*/ 4380068 w 4381009"/>
+              <a:gd name="connsiteY21" fmla="*/ 2629966 h 5892104"/>
+              <a:gd name="connsiteX22" fmla="*/ 4381009 w 4381009"/>
+              <a:gd name="connsiteY22" fmla="*/ 2757093 h 5892104"/>
+              <a:gd name="connsiteX23" fmla="*/ 4380068 w 4381009"/>
+              <a:gd name="connsiteY23" fmla="*/ 2883010 h 5892104"/>
+              <a:gd name="connsiteX24" fmla="*/ 4380068 w 4381009"/>
+              <a:gd name="connsiteY24" fmla="*/ 3007715 h 5892104"/>
+              <a:gd name="connsiteX25" fmla="*/ 4378186 w 4381009"/>
+              <a:gd name="connsiteY25" fmla="*/ 3131210 h 5892104"/>
+              <a:gd name="connsiteX26" fmla="*/ 4375363 w 4381009"/>
+              <a:gd name="connsiteY26" fmla="*/ 3252283 h 5892104"/>
+              <a:gd name="connsiteX27" fmla="*/ 4372697 w 4381009"/>
+              <a:gd name="connsiteY27" fmla="*/ 3372146 h 5892104"/>
+              <a:gd name="connsiteX28" fmla="*/ 4369718 w 4381009"/>
+              <a:gd name="connsiteY28" fmla="*/ 3489587 h 5892104"/>
+              <a:gd name="connsiteX29" fmla="*/ 4365170 w 4381009"/>
+              <a:gd name="connsiteY29" fmla="*/ 3606423 h 5892104"/>
+              <a:gd name="connsiteX30" fmla="*/ 4360309 w 4381009"/>
+              <a:gd name="connsiteY30" fmla="*/ 3721443 h 5892104"/>
+              <a:gd name="connsiteX31" fmla="*/ 4355918 w 4381009"/>
+              <a:gd name="connsiteY31" fmla="*/ 3834041 h 5892104"/>
+              <a:gd name="connsiteX32" fmla="*/ 4343529 w 4381009"/>
+              <a:gd name="connsiteY32" fmla="*/ 4053789 h 5892104"/>
+              <a:gd name="connsiteX33" fmla="*/ 4330356 w 4381009"/>
+              <a:gd name="connsiteY33" fmla="*/ 4264457 h 5892104"/>
+              <a:gd name="connsiteX34" fmla="*/ 4316556 w 4381009"/>
+              <a:gd name="connsiteY34" fmla="*/ 4466650 h 5892104"/>
+              <a:gd name="connsiteX35" fmla="*/ 4301344 w 4381009"/>
+              <a:gd name="connsiteY35" fmla="*/ 4657946 h 5892104"/>
+              <a:gd name="connsiteX36" fmla="*/ 4285506 w 4381009"/>
+              <a:gd name="connsiteY36" fmla="*/ 4840767 h 5892104"/>
+              <a:gd name="connsiteX37" fmla="*/ 4268412 w 4381009"/>
+              <a:gd name="connsiteY37" fmla="*/ 5010269 h 5892104"/>
+              <a:gd name="connsiteX38" fmla="*/ 4251633 w 4381009"/>
+              <a:gd name="connsiteY38" fmla="*/ 5169481 h 5892104"/>
+              <a:gd name="connsiteX39" fmla="*/ 4234853 w 4381009"/>
+              <a:gd name="connsiteY39" fmla="*/ 5315980 h 5892104"/>
+              <a:gd name="connsiteX40" fmla="*/ 4219014 w 4381009"/>
+              <a:gd name="connsiteY40" fmla="*/ 5450371 h 5892104"/>
+              <a:gd name="connsiteX41" fmla="*/ 4203959 w 4381009"/>
+              <a:gd name="connsiteY41" fmla="*/ 5569628 h 5892104"/>
+              <a:gd name="connsiteX42" fmla="*/ 4189689 w 4381009"/>
+              <a:gd name="connsiteY42" fmla="*/ 5677384 h 5892104"/>
+              <a:gd name="connsiteX43" fmla="*/ 4177770 w 4381009"/>
+              <a:gd name="connsiteY43" fmla="*/ 5768189 h 5892104"/>
+              <a:gd name="connsiteX44" fmla="*/ 4166479 w 4381009"/>
+              <a:gd name="connsiteY44" fmla="*/ 5844465 h 5892104"/>
+              <a:gd name="connsiteX45" fmla="*/ 4159132 w 4381009"/>
+              <a:gd name="connsiteY45" fmla="*/ 5892104 h 5892104"/>
+              <a:gd name="connsiteX46" fmla="*/ 0 w 4381009"/>
+              <a:gd name="connsiteY46" fmla="*/ 5892104 h 5892104"/>
             </a:gdLst>
             <a:ahLst/>
             <a:cxnLst>
@@ -12162,44 +9323,269 @@
               <a:cxn ang="0">
                 <a:pos x="connsiteX9" y="connsiteY9"/>
               </a:cxn>
+              <a:cxn ang="0">
+                <a:pos x="connsiteX10" y="connsiteY10"/>
+              </a:cxn>
+              <a:cxn ang="0">
+                <a:pos x="connsiteX11" y="connsiteY11"/>
+              </a:cxn>
+              <a:cxn ang="0">
+                <a:pos x="connsiteX12" y="connsiteY12"/>
+              </a:cxn>
+              <a:cxn ang="0">
+                <a:pos x="connsiteX13" y="connsiteY13"/>
+              </a:cxn>
+              <a:cxn ang="0">
+                <a:pos x="connsiteX14" y="connsiteY14"/>
+              </a:cxn>
+              <a:cxn ang="0">
+                <a:pos x="connsiteX15" y="connsiteY15"/>
+              </a:cxn>
+              <a:cxn ang="0">
+                <a:pos x="connsiteX16" y="connsiteY16"/>
+              </a:cxn>
+              <a:cxn ang="0">
+                <a:pos x="connsiteX17" y="connsiteY17"/>
+              </a:cxn>
+              <a:cxn ang="0">
+                <a:pos x="connsiteX18" y="connsiteY18"/>
+              </a:cxn>
+              <a:cxn ang="0">
+                <a:pos x="connsiteX19" y="connsiteY19"/>
+              </a:cxn>
+              <a:cxn ang="0">
+                <a:pos x="connsiteX20" y="connsiteY20"/>
+              </a:cxn>
+              <a:cxn ang="0">
+                <a:pos x="connsiteX21" y="connsiteY21"/>
+              </a:cxn>
+              <a:cxn ang="0">
+                <a:pos x="connsiteX22" y="connsiteY22"/>
+              </a:cxn>
+              <a:cxn ang="0">
+                <a:pos x="connsiteX23" y="connsiteY23"/>
+              </a:cxn>
+              <a:cxn ang="0">
+                <a:pos x="connsiteX24" y="connsiteY24"/>
+              </a:cxn>
+              <a:cxn ang="0">
+                <a:pos x="connsiteX25" y="connsiteY25"/>
+              </a:cxn>
+              <a:cxn ang="0">
+                <a:pos x="connsiteX26" y="connsiteY26"/>
+              </a:cxn>
+              <a:cxn ang="0">
+                <a:pos x="connsiteX27" y="connsiteY27"/>
+              </a:cxn>
+              <a:cxn ang="0">
+                <a:pos x="connsiteX28" y="connsiteY28"/>
+              </a:cxn>
+              <a:cxn ang="0">
+                <a:pos x="connsiteX29" y="connsiteY29"/>
+              </a:cxn>
+              <a:cxn ang="0">
+                <a:pos x="connsiteX30" y="connsiteY30"/>
+              </a:cxn>
+              <a:cxn ang="0">
+                <a:pos x="connsiteX31" y="connsiteY31"/>
+              </a:cxn>
+              <a:cxn ang="0">
+                <a:pos x="connsiteX32" y="connsiteY32"/>
+              </a:cxn>
+              <a:cxn ang="0">
+                <a:pos x="connsiteX33" y="connsiteY33"/>
+              </a:cxn>
+              <a:cxn ang="0">
+                <a:pos x="connsiteX34" y="connsiteY34"/>
+              </a:cxn>
+              <a:cxn ang="0">
+                <a:pos x="connsiteX35" y="connsiteY35"/>
+              </a:cxn>
+              <a:cxn ang="0">
+                <a:pos x="connsiteX36" y="connsiteY36"/>
+              </a:cxn>
+              <a:cxn ang="0">
+                <a:pos x="connsiteX37" y="connsiteY37"/>
+              </a:cxn>
+              <a:cxn ang="0">
+                <a:pos x="connsiteX38" y="connsiteY38"/>
+              </a:cxn>
+              <a:cxn ang="0">
+                <a:pos x="connsiteX39" y="connsiteY39"/>
+              </a:cxn>
+              <a:cxn ang="0">
+                <a:pos x="connsiteX40" y="connsiteY40"/>
+              </a:cxn>
+              <a:cxn ang="0">
+                <a:pos x="connsiteX41" y="connsiteY41"/>
+              </a:cxn>
+              <a:cxn ang="0">
+                <a:pos x="connsiteX42" y="connsiteY42"/>
+              </a:cxn>
+              <a:cxn ang="0">
+                <a:pos x="connsiteX43" y="connsiteY43"/>
+              </a:cxn>
+              <a:cxn ang="0">
+                <a:pos x="connsiteX44" y="connsiteY44"/>
+              </a:cxn>
+              <a:cxn ang="0">
+                <a:pos x="connsiteX45" y="connsiteY45"/>
+              </a:cxn>
+              <a:cxn ang="0">
+                <a:pos x="connsiteX46" y="connsiteY46"/>
+              </a:cxn>
             </a:cxnLst>
             <a:rect l="l" t="t" r="r" b="b"/>
             <a:pathLst>
-              <a:path w="4403709" h="6858001">
+              <a:path w="4381009" h="5892104">
                 <a:moveTo>
-                  <a:pt x="3223890" y="6858001"/>
+                  <a:pt x="0" y="0"/>
                 </a:moveTo>
                 <a:lnTo>
-                  <a:pt x="4101908" y="6858001"/>
+                  <a:pt x="4157628" y="0"/>
                 </a:lnTo>
                 <a:lnTo>
-                  <a:pt x="3254950" y="1599356"/>
+                  <a:pt x="4169302" y="68659"/>
                 </a:lnTo>
                 <a:lnTo>
-                  <a:pt x="3254950" y="1594062"/>
+                  <a:pt x="4191571" y="205472"/>
                 </a:lnTo>
                 <a:lnTo>
-                  <a:pt x="4403709" y="0"/>
+                  <a:pt x="4213368" y="342890"/>
                 </a:lnTo>
                 <a:lnTo>
-                  <a:pt x="3254950" y="0"/>
+                  <a:pt x="4232030" y="480913"/>
                 </a:lnTo>
                 <a:lnTo>
-                  <a:pt x="2903520" y="0"/>
+                  <a:pt x="4250848" y="618332"/>
                 </a:lnTo>
                 <a:lnTo>
-                  <a:pt x="0" y="0"/>
+                  <a:pt x="4268412" y="756355"/>
                 </a:lnTo>
                 <a:lnTo>
-                  <a:pt x="0" y="6858000"/>
+                  <a:pt x="4283467" y="892563"/>
                 </a:lnTo>
                 <a:lnTo>
-                  <a:pt x="3223890" y="6858000"/>
+                  <a:pt x="4297737" y="1030587"/>
+                </a:lnTo>
+                <a:lnTo>
+                  <a:pt x="4310754" y="1168005"/>
+                </a:lnTo>
+                <a:lnTo>
+                  <a:pt x="4322045" y="1303002"/>
+                </a:lnTo>
+                <a:lnTo>
+                  <a:pt x="4333336" y="1439815"/>
+                </a:lnTo>
+                <a:lnTo>
+                  <a:pt x="4342745" y="1574812"/>
+                </a:lnTo>
+                <a:lnTo>
+                  <a:pt x="4350115" y="1709808"/>
+                </a:lnTo>
+                <a:lnTo>
+                  <a:pt x="4357799" y="1844200"/>
+                </a:lnTo>
+                <a:lnTo>
+                  <a:pt x="4364229" y="1977381"/>
+                </a:lnTo>
+                <a:lnTo>
+                  <a:pt x="4368777" y="2109351"/>
+                </a:lnTo>
+                <a:lnTo>
+                  <a:pt x="4372697" y="2241321"/>
+                </a:lnTo>
+                <a:lnTo>
+                  <a:pt x="4376461" y="2372080"/>
+                </a:lnTo>
+                <a:lnTo>
+                  <a:pt x="4378186" y="2501023"/>
+                </a:lnTo>
+                <a:lnTo>
+                  <a:pt x="4380068" y="2629966"/>
+                </a:lnTo>
+                <a:lnTo>
+                  <a:pt x="4381009" y="2757093"/>
+                </a:lnTo>
+                <a:lnTo>
+                  <a:pt x="4380068" y="2883010"/>
+                </a:lnTo>
+                <a:lnTo>
+                  <a:pt x="4380068" y="3007715"/>
+                </a:lnTo>
+                <a:lnTo>
+                  <a:pt x="4378186" y="3131210"/>
+                </a:lnTo>
+                <a:lnTo>
+                  <a:pt x="4375363" y="3252283"/>
+                </a:lnTo>
+                <a:lnTo>
+                  <a:pt x="4372697" y="3372146"/>
+                </a:lnTo>
+                <a:lnTo>
+                  <a:pt x="4369718" y="3489587"/>
+                </a:lnTo>
+                <a:lnTo>
+                  <a:pt x="4365170" y="3606423"/>
+                </a:lnTo>
+                <a:lnTo>
+                  <a:pt x="4360309" y="3721443"/>
+                </a:lnTo>
+                <a:lnTo>
+                  <a:pt x="4355918" y="3834041"/>
+                </a:lnTo>
+                <a:lnTo>
+                  <a:pt x="4343529" y="4053789"/>
+                </a:lnTo>
+                <a:lnTo>
+                  <a:pt x="4330356" y="4264457"/>
+                </a:lnTo>
+                <a:lnTo>
+                  <a:pt x="4316556" y="4466650"/>
+                </a:lnTo>
+                <a:lnTo>
+                  <a:pt x="4301344" y="4657946"/>
+                </a:lnTo>
+                <a:lnTo>
+                  <a:pt x="4285506" y="4840767"/>
+                </a:lnTo>
+                <a:lnTo>
+                  <a:pt x="4268412" y="5010269"/>
+                </a:lnTo>
+                <a:lnTo>
+                  <a:pt x="4251633" y="5169481"/>
+                </a:lnTo>
+                <a:lnTo>
+                  <a:pt x="4234853" y="5315980"/>
+                </a:lnTo>
+                <a:lnTo>
+                  <a:pt x="4219014" y="5450371"/>
+                </a:lnTo>
+                <a:lnTo>
+                  <a:pt x="4203959" y="5569628"/>
+                </a:lnTo>
+                <a:lnTo>
+                  <a:pt x="4189689" y="5677384"/>
+                </a:lnTo>
+                <a:lnTo>
+                  <a:pt x="4177770" y="5768189"/>
+                </a:lnTo>
+                <a:lnTo>
+                  <a:pt x="4166479" y="5844465"/>
+                </a:lnTo>
+                <a:lnTo>
+                  <a:pt x="4159132" y="5892104"/>
+                </a:lnTo>
+                <a:lnTo>
+                  <a:pt x="0" y="5892104"/>
                 </a:lnTo>
                 <a:close/>
               </a:path>
             </a:pathLst>
           </a:custGeom>
+          <a:solidFill>
+            <a:srgbClr val="404040"/>
+          </a:solidFill>
           <a:ln>
             <a:noFill/>
           </a:ln>
@@ -12210,8 +9596,8 @@
               <a:shade val="50000"/>
             </a:schemeClr>
           </a:lnRef>
-          <a:fillRef idx="1002">
-            <a:schemeClr val="dk1"/>
+          <a:fillRef idx="1">
+            <a:schemeClr val="accent1"/>
           </a:fillRef>
           <a:effectRef idx="0">
             <a:schemeClr val="accent1"/>
@@ -12221,7 +9607,9 @@
           </a:fontRef>
         </p:style>
         <p:txBody>
-          <a:bodyPr rtlCol="0" anchor="ctr"/>
+          <a:bodyPr wrap="square" rtlCol="0" anchor="ctr">
+            <a:noAutofit/>
+          </a:bodyPr>
           <a:lstStyle/>
           <a:p>
             <a:pPr marL="0" marR="0" lvl="0" indent="0" algn="ctr" defTabSz="457200" rtl="0" eaLnBrk="1" fontAlgn="auto" latinLnBrk="0" hangingPunct="1">
@@ -12246,7 +9634,7 @@
                 <a:noFill/>
               </a:ln>
               <a:solidFill>
-                <a:prstClr val="black"/>
+                <a:prstClr val="white"/>
               </a:solidFill>
               <a:effectLst/>
               <a:uLnTx/>
@@ -12258,426 +9646,12 @@
           </a:p>
         </p:txBody>
       </p:sp>
-      <p:grpSp>
-        <p:nvGrpSpPr>
-          <p:cNvPr id="20" name="Group 11">
-            <a:extLst>
-              <a:ext uri="{FF2B5EF4-FFF2-40B4-BE49-F238E27FC236}">
-                <a16:creationId xmlns:a16="http://schemas.microsoft.com/office/drawing/2014/main" id="{B57BDC17-F1B3-455F-BBF1-680AA1F25C06}"/>
-              </a:ext>
-              <a:ext uri="{C183D7F6-B498-43B3-948B-1728B52AA6E4}">
-                <adec:decorative xmlns:adec="http://schemas.microsoft.com/office/drawing/2017/decorative" val="1"/>
-              </a:ext>
-            </a:extLst>
-          </p:cNvPr>
-          <p:cNvGrpSpPr>
-            <a:grpSpLocks noGrp="1" noUngrp="1" noRot="1" noChangeAspect="1" noMove="1" noResize="1"/>
-          </p:cNvGrpSpPr>
-          <p:nvPr>
-            <p:extLst>
-              <p:ext uri="{386F3935-93C4-4BCD-93E2-E3B085C9AB24}">
-                <p16:designElem xmlns:p16="http://schemas.microsoft.com/office/powerpoint/2015/main" val="1"/>
-              </p:ext>
-            </p:extLst>
-          </p:nvPr>
-        </p:nvGrpSpPr>
-        <p:grpSpPr>
-          <a:xfrm>
-            <a:off x="3315292" y="0"/>
-            <a:ext cx="2436813" cy="6858001"/>
-            <a:chOff x="1320800" y="0"/>
-            <a:chExt cx="2436813" cy="6858001"/>
-          </a:xfrm>
-        </p:grpSpPr>
-        <p:sp>
-          <p:nvSpPr>
-            <p:cNvPr id="13" name="Freeform 6">
-              <a:extLst>
-                <a:ext uri="{FF2B5EF4-FFF2-40B4-BE49-F238E27FC236}">
-                  <a16:creationId xmlns:a16="http://schemas.microsoft.com/office/drawing/2014/main" id="{64E2FA9A-FEF7-4501-B0EB-5E45EDD2177A}"/>
-                </a:ext>
-                <a:ext uri="{C183D7F6-B498-43B3-948B-1728B52AA6E4}">
-                  <adec:decorative xmlns:adec="http://schemas.microsoft.com/office/drawing/2017/decorative" val="1"/>
-                </a:ext>
-              </a:extLst>
-            </p:cNvPr>
-            <p:cNvSpPr/>
-            <p:nvPr>
-              <p:extLst>
-                <p:ext uri="{386F3935-93C4-4BCD-93E2-E3B085C9AB24}">
-                  <p16:designElem xmlns:p16="http://schemas.microsoft.com/office/powerpoint/2015/main" val="1"/>
-                </p:ext>
-              </p:extLst>
-            </p:nvPr>
-          </p:nvSpPr>
-          <p:spPr bwMode="auto">
-            <a:xfrm>
-              <a:off x="1627188" y="0"/>
-              <a:ext cx="1122363" cy="5329238"/>
-            </a:xfrm>
-            <a:custGeom>
-              <a:avLst/>
-              <a:gdLst/>
-              <a:ahLst/>
-              <a:cxnLst/>
-              <a:rect l="0" t="0" r="r" b="b"/>
-              <a:pathLst>
-                <a:path w="707" h="3357">
-                  <a:moveTo>
-                    <a:pt x="0" y="3330"/>
-                  </a:moveTo>
-                  <a:lnTo>
-                    <a:pt x="156" y="3357"/>
-                  </a:lnTo>
-                  <a:lnTo>
-                    <a:pt x="707" y="0"/>
-                  </a:lnTo>
-                  <a:lnTo>
-                    <a:pt x="547" y="0"/>
-                  </a:lnTo>
-                  <a:lnTo>
-                    <a:pt x="0" y="3330"/>
-                  </a:lnTo>
-                  <a:close/>
-                </a:path>
-              </a:pathLst>
-            </a:custGeom>
-            <a:solidFill>
-              <a:schemeClr val="accent1"/>
-            </a:solidFill>
-            <a:ln>
-              <a:noFill/>
-            </a:ln>
-          </p:spPr>
-        </p:sp>
-        <p:sp>
-          <p:nvSpPr>
-            <p:cNvPr id="21" name="Freeform 7">
-              <a:extLst>
-                <a:ext uri="{FF2B5EF4-FFF2-40B4-BE49-F238E27FC236}">
-                  <a16:creationId xmlns:a16="http://schemas.microsoft.com/office/drawing/2014/main" id="{BC38192B-B4CB-47D4-A3B1-10010247F158}"/>
-                </a:ext>
-                <a:ext uri="{C183D7F6-B498-43B3-948B-1728B52AA6E4}">
-                  <adec:decorative xmlns:adec="http://schemas.microsoft.com/office/drawing/2017/decorative" val="1"/>
-                </a:ext>
-              </a:extLst>
-            </p:cNvPr>
-            <p:cNvSpPr/>
-            <p:nvPr>
-              <p:extLst>
-                <p:ext uri="{386F3935-93C4-4BCD-93E2-E3B085C9AB24}">
-                  <p16:designElem xmlns:p16="http://schemas.microsoft.com/office/powerpoint/2015/main" val="1"/>
-                </p:ext>
-              </p:extLst>
-            </p:nvPr>
-          </p:nvSpPr>
-          <p:spPr bwMode="auto">
-            <a:xfrm>
-              <a:off x="1320800" y="0"/>
-              <a:ext cx="1117600" cy="5276850"/>
-            </a:xfrm>
-            <a:custGeom>
-              <a:avLst/>
-              <a:gdLst/>
-              <a:ahLst/>
-              <a:cxnLst/>
-              <a:rect l="0" t="0" r="r" b="b"/>
-              <a:pathLst>
-                <a:path w="704" h="3324">
-                  <a:moveTo>
-                    <a:pt x="704" y="0"/>
-                  </a:moveTo>
-                  <a:lnTo>
-                    <a:pt x="545" y="0"/>
-                  </a:lnTo>
-                  <a:lnTo>
-                    <a:pt x="0" y="3300"/>
-                  </a:lnTo>
-                  <a:lnTo>
-                    <a:pt x="157" y="3324"/>
-                  </a:lnTo>
-                  <a:lnTo>
-                    <a:pt x="704" y="0"/>
-                  </a:lnTo>
-                  <a:close/>
-                </a:path>
-              </a:pathLst>
-            </a:custGeom>
-            <a:solidFill>
-              <a:srgbClr val="595959"/>
-            </a:solidFill>
-            <a:ln>
-              <a:noFill/>
-            </a:ln>
-          </p:spPr>
-        </p:sp>
-        <p:sp>
-          <p:nvSpPr>
-            <p:cNvPr id="15" name="Freeform 8">
-              <a:extLst>
-                <a:ext uri="{FF2B5EF4-FFF2-40B4-BE49-F238E27FC236}">
-                  <a16:creationId xmlns:a16="http://schemas.microsoft.com/office/drawing/2014/main" id="{96330E33-E171-4B0F-82B5-AF7230399B5C}"/>
-                </a:ext>
-                <a:ext uri="{C183D7F6-B498-43B3-948B-1728B52AA6E4}">
-                  <adec:decorative xmlns:adec="http://schemas.microsoft.com/office/drawing/2017/decorative" val="1"/>
-                </a:ext>
-              </a:extLst>
-            </p:cNvPr>
-            <p:cNvSpPr/>
-            <p:nvPr>
-              <p:extLst>
-                <p:ext uri="{386F3935-93C4-4BCD-93E2-E3B085C9AB24}">
-                  <p16:designElem xmlns:p16="http://schemas.microsoft.com/office/powerpoint/2015/main" val="1"/>
-                </p:ext>
-              </p:extLst>
-            </p:nvPr>
-          </p:nvSpPr>
-          <p:spPr bwMode="auto">
-            <a:xfrm>
-              <a:off x="1320800" y="5238750"/>
-              <a:ext cx="1228725" cy="1619250"/>
-            </a:xfrm>
-            <a:custGeom>
-              <a:avLst/>
-              <a:gdLst/>
-              <a:ahLst/>
-              <a:cxnLst/>
-              <a:rect l="0" t="0" r="r" b="b"/>
-              <a:pathLst>
-                <a:path w="774" h="1020">
-                  <a:moveTo>
-                    <a:pt x="0" y="0"/>
-                  </a:moveTo>
-                  <a:lnTo>
-                    <a:pt x="740" y="1020"/>
-                  </a:lnTo>
-                  <a:lnTo>
-                    <a:pt x="774" y="1020"/>
-                  </a:lnTo>
-                  <a:lnTo>
-                    <a:pt x="0" y="0"/>
-                  </a:lnTo>
-                  <a:close/>
-                </a:path>
-              </a:pathLst>
-            </a:custGeom>
-            <a:solidFill>
-              <a:srgbClr val="262626"/>
-            </a:solidFill>
-            <a:ln>
-              <a:noFill/>
-            </a:ln>
-          </p:spPr>
-        </p:sp>
-        <p:sp>
-          <p:nvSpPr>
-            <p:cNvPr id="16" name="Freeform 9">
-              <a:extLst>
-                <a:ext uri="{FF2B5EF4-FFF2-40B4-BE49-F238E27FC236}">
-                  <a16:creationId xmlns:a16="http://schemas.microsoft.com/office/drawing/2014/main" id="{332B1723-69BF-42D7-B757-0FA059E15256}"/>
-                </a:ext>
-                <a:ext uri="{C183D7F6-B498-43B3-948B-1728B52AA6E4}">
-                  <adec:decorative xmlns:adec="http://schemas.microsoft.com/office/drawing/2017/decorative" val="1"/>
-                </a:ext>
-              </a:extLst>
-            </p:cNvPr>
-            <p:cNvSpPr/>
-            <p:nvPr>
-              <p:extLst>
-                <p:ext uri="{386F3935-93C4-4BCD-93E2-E3B085C9AB24}">
-                  <p16:designElem xmlns:p16="http://schemas.microsoft.com/office/powerpoint/2015/main" val="1"/>
-                </p:ext>
-              </p:extLst>
-            </p:nvPr>
-          </p:nvSpPr>
-          <p:spPr bwMode="auto">
-            <a:xfrm>
-              <a:off x="1627188" y="5291138"/>
-              <a:ext cx="1495425" cy="1566863"/>
-            </a:xfrm>
-            <a:custGeom>
-              <a:avLst/>
-              <a:gdLst/>
-              <a:ahLst/>
-              <a:cxnLst/>
-              <a:rect l="0" t="0" r="r" b="b"/>
-              <a:pathLst>
-                <a:path w="942" h="987">
-                  <a:moveTo>
-                    <a:pt x="0" y="0"/>
-                  </a:moveTo>
-                  <a:lnTo>
-                    <a:pt x="909" y="987"/>
-                  </a:lnTo>
-                  <a:lnTo>
-                    <a:pt x="942" y="987"/>
-                  </a:lnTo>
-                  <a:lnTo>
-                    <a:pt x="0" y="0"/>
-                  </a:lnTo>
-                  <a:close/>
-                </a:path>
-              </a:pathLst>
-            </a:custGeom>
-            <a:solidFill>
-              <a:schemeClr val="accent1">
-                <a:lumMod val="50000"/>
-              </a:schemeClr>
-            </a:solidFill>
-            <a:ln>
-              <a:noFill/>
-            </a:ln>
-          </p:spPr>
-        </p:sp>
-        <p:sp>
-          <p:nvSpPr>
-            <p:cNvPr id="17" name="Freeform 10">
-              <a:extLst>
-                <a:ext uri="{FF2B5EF4-FFF2-40B4-BE49-F238E27FC236}">
-                  <a16:creationId xmlns:a16="http://schemas.microsoft.com/office/drawing/2014/main" id="{F115D62D-1E96-48D1-A78D-D370A0BFB9B5}"/>
-                </a:ext>
-                <a:ext uri="{C183D7F6-B498-43B3-948B-1728B52AA6E4}">
-                  <adec:decorative xmlns:adec="http://schemas.microsoft.com/office/drawing/2017/decorative" val="1"/>
-                </a:ext>
-              </a:extLst>
-            </p:cNvPr>
-            <p:cNvSpPr/>
-            <p:nvPr>
-              <p:extLst>
-                <p:ext uri="{386F3935-93C4-4BCD-93E2-E3B085C9AB24}">
-                  <p16:designElem xmlns:p16="http://schemas.microsoft.com/office/powerpoint/2015/main" val="1"/>
-                </p:ext>
-              </p:extLst>
-            </p:nvPr>
-          </p:nvSpPr>
-          <p:spPr bwMode="auto">
-            <a:xfrm>
-              <a:off x="1627188" y="5286375"/>
-              <a:ext cx="2130425" cy="1571625"/>
-            </a:xfrm>
-            <a:custGeom>
-              <a:avLst/>
-              <a:gdLst/>
-              <a:ahLst/>
-              <a:cxnLst/>
-              <a:rect l="0" t="0" r="r" b="b"/>
-              <a:pathLst>
-                <a:path w="1342" h="990">
-                  <a:moveTo>
-                    <a:pt x="0" y="3"/>
-                  </a:moveTo>
-                  <a:lnTo>
-                    <a:pt x="942" y="990"/>
-                  </a:lnTo>
-                  <a:lnTo>
-                    <a:pt x="1342" y="990"/>
-                  </a:lnTo>
-                  <a:lnTo>
-                    <a:pt x="156" y="27"/>
-                  </a:lnTo>
-                  <a:lnTo>
-                    <a:pt x="0" y="0"/>
-                  </a:lnTo>
-                  <a:lnTo>
-                    <a:pt x="0" y="3"/>
-                  </a:lnTo>
-                  <a:close/>
-                </a:path>
-              </a:pathLst>
-            </a:custGeom>
-            <a:solidFill>
-              <a:schemeClr val="accent1">
-                <a:lumMod val="75000"/>
-              </a:schemeClr>
-            </a:solidFill>
-            <a:ln>
-              <a:noFill/>
-            </a:ln>
-          </p:spPr>
-        </p:sp>
-        <p:sp>
-          <p:nvSpPr>
-            <p:cNvPr id="18" name="Freeform 11">
-              <a:extLst>
-                <a:ext uri="{FF2B5EF4-FFF2-40B4-BE49-F238E27FC236}">
-                  <a16:creationId xmlns:a16="http://schemas.microsoft.com/office/drawing/2014/main" id="{91C2876A-169D-4822-A766-C00578C88B4B}"/>
-                </a:ext>
-                <a:ext uri="{C183D7F6-B498-43B3-948B-1728B52AA6E4}">
-                  <adec:decorative xmlns:adec="http://schemas.microsoft.com/office/drawing/2017/decorative" val="1"/>
-                </a:ext>
-              </a:extLst>
-            </p:cNvPr>
-            <p:cNvSpPr/>
-            <p:nvPr>
-              <p:extLst>
-                <p:ext uri="{386F3935-93C4-4BCD-93E2-E3B085C9AB24}">
-                  <p16:designElem xmlns:p16="http://schemas.microsoft.com/office/powerpoint/2015/main" val="1"/>
-                </p:ext>
-              </p:extLst>
-            </p:nvPr>
-          </p:nvSpPr>
-          <p:spPr bwMode="auto">
-            <a:xfrm>
-              <a:off x="1320800" y="5238750"/>
-              <a:ext cx="1695450" cy="1619250"/>
-            </a:xfrm>
-            <a:custGeom>
-              <a:avLst/>
-              <a:gdLst/>
-              <a:ahLst/>
-              <a:cxnLst/>
-              <a:rect l="0" t="0" r="r" b="b"/>
-              <a:pathLst>
-                <a:path w="1068" h="1020">
-                  <a:moveTo>
-                    <a:pt x="1068" y="1020"/>
-                  </a:moveTo>
-                  <a:lnTo>
-                    <a:pt x="184" y="60"/>
-                  </a:lnTo>
-                  <a:lnTo>
-                    <a:pt x="154" y="27"/>
-                  </a:lnTo>
-                  <a:lnTo>
-                    <a:pt x="157" y="27"/>
-                  </a:lnTo>
-                  <a:lnTo>
-                    <a:pt x="157" y="24"/>
-                  </a:lnTo>
-                  <a:lnTo>
-                    <a:pt x="154" y="24"/>
-                  </a:lnTo>
-                  <a:lnTo>
-                    <a:pt x="0" y="0"/>
-                  </a:lnTo>
-                  <a:lnTo>
-                    <a:pt x="0" y="0"/>
-                  </a:lnTo>
-                  <a:lnTo>
-                    <a:pt x="774" y="1020"/>
-                  </a:lnTo>
-                  <a:lnTo>
-                    <a:pt x="1068" y="1020"/>
-                  </a:lnTo>
-                  <a:close/>
-                </a:path>
-              </a:pathLst>
-            </a:custGeom>
-            <a:solidFill>
-              <a:srgbClr val="404040"/>
-            </a:solidFill>
-            <a:ln>
-              <a:noFill/>
-            </a:ln>
-          </p:spPr>
-        </p:sp>
-      </p:grpSp>
       <p:sp>
         <p:nvSpPr>
           <p:cNvPr id="2" name="Title 1">
             <a:extLst>
               <a:ext uri="{FF2B5EF4-FFF2-40B4-BE49-F238E27FC236}">
-                <a16:creationId xmlns:a16="http://schemas.microsoft.com/office/drawing/2014/main" id="{E21CE0F5-8352-42E1-BD85-B4D22254DF3A}"/>
+                <a16:creationId xmlns:a16="http://schemas.microsoft.com/office/drawing/2014/main" id="{54C7A59C-0394-4A72-853E-2F15905CF468}"/>
               </a:ext>
             </a:extLst>
           </p:cNvPr>
@@ -12690,8 +9664,8 @@
         </p:nvSpPr>
         <p:spPr>
           <a:xfrm>
-            <a:off x="535020" y="685800"/>
-            <a:ext cx="2780271" cy="5105400"/>
+            <a:off x="863029" y="1012004"/>
+            <a:ext cx="3416158" cy="4795408"/>
           </a:xfrm>
         </p:spPr>
         <p:txBody>
@@ -12700,19 +9674,11 @@
           </a:bodyPr>
           <a:lstStyle/>
           <a:p>
-            <a:pPr algn="ctr"/>
             <a:r>
-              <a:rPr lang="en-US" sz="4000" b="1" dirty="0">
+              <a:rPr lang="en-US">
                 <a:solidFill>
                   <a:srgbClr val="FFFFFF"/>
                 </a:solidFill>
-                <a:effectLst>
-                  <a:outerShdw blurRad="38100" dist="38100" dir="2700000" algn="tl">
-                    <a:srgbClr val="000000">
-                      <a:alpha val="43137"/>
-                    </a:srgbClr>
-                  </a:outerShdw>
-                </a:effectLst>
               </a:rPr>
               <a:t>Topics to be Covered:</a:t>
             </a:r>
@@ -12724,7 +9690,7 @@
           <p:cNvPr id="5" name="Content Placeholder 2">
             <a:extLst>
               <a:ext uri="{FF2B5EF4-FFF2-40B4-BE49-F238E27FC236}">
-                <a16:creationId xmlns:a16="http://schemas.microsoft.com/office/drawing/2014/main" id="{99698F03-B8FD-482E-A8C7-53F1E43B486F}"/>
+                <a16:creationId xmlns:a16="http://schemas.microsoft.com/office/drawing/2014/main" id="{28EA529E-A61A-4A1A-9507-97BA681DA4A1}"/>
               </a:ext>
             </a:extLst>
           </p:cNvPr>
@@ -12735,14 +9701,14 @@
             <p:ph idx="1"/>
             <p:extLst>
               <p:ext uri="{D42A27DB-BD31-4B8C-83A1-F6EECF244321}">
-                <p14:modId xmlns:p14="http://schemas.microsoft.com/office/powerpoint/2010/main" val="2273288555"/>
+                <p14:modId xmlns:p14="http://schemas.microsoft.com/office/powerpoint/2010/main" val="3562624249"/>
               </p:ext>
             </p:extLst>
           </p:nvPr>
         </p:nvGraphicFramePr>
         <p:xfrm>
-          <a:off x="5010150" y="685800"/>
-          <a:ext cx="6492875" cy="5105400"/>
+          <a:off x="5194300" y="470924"/>
+          <a:ext cx="6513604" cy="5885426"/>
         </p:xfrm>
         <a:graphic>
           <a:graphicData uri="http://schemas.openxmlformats.org/drawingml/2006/diagram">
@@ -12753,7 +9719,7 @@
     </p:spTree>
     <p:extLst>
       <p:ext uri="{BB962C8B-B14F-4D97-AF65-F5344CB8AC3E}">
-        <p14:creationId xmlns:p14="http://schemas.microsoft.com/office/powerpoint/2010/main" val="488283259"/>
+        <p14:creationId xmlns:p14="http://schemas.microsoft.com/office/powerpoint/2010/main" val="2035851145"/>
       </p:ext>
     </p:extLst>
   </p:cSld>
@@ -13274,844 +10240,6 @@
           <p:cNvPr id="2" name="Title 1">
             <a:extLst>
               <a:ext uri="{FF2B5EF4-FFF2-40B4-BE49-F238E27FC236}">
-                <a16:creationId xmlns:a16="http://schemas.microsoft.com/office/drawing/2014/main" id="{54C7A59C-0394-4A72-853E-2F15905CF468}"/>
-              </a:ext>
-            </a:extLst>
-          </p:cNvPr>
-          <p:cNvSpPr>
-            <a:spLocks noGrp="1"/>
-          </p:cNvSpPr>
-          <p:nvPr>
-            <p:ph type="title"/>
-          </p:nvPr>
-        </p:nvSpPr>
-        <p:spPr>
-          <a:xfrm>
-            <a:off x="863029" y="1012004"/>
-            <a:ext cx="3416158" cy="4795408"/>
-          </a:xfrm>
-        </p:spPr>
-        <p:txBody>
-          <a:bodyPr>
-            <a:normAutofit/>
-          </a:bodyPr>
-          <a:lstStyle/>
-          <a:p>
-            <a:r>
-              <a:rPr lang="en-US">
-                <a:solidFill>
-                  <a:srgbClr val="FFFFFF"/>
-                </a:solidFill>
-              </a:rPr>
-              <a:t>Topics to be Covered:</a:t>
-            </a:r>
-          </a:p>
-        </p:txBody>
-      </p:sp>
-      <p:graphicFrame>
-        <p:nvGraphicFramePr>
-          <p:cNvPr id="5" name="Content Placeholder 2">
-            <a:extLst>
-              <a:ext uri="{FF2B5EF4-FFF2-40B4-BE49-F238E27FC236}">
-                <a16:creationId xmlns:a16="http://schemas.microsoft.com/office/drawing/2014/main" id="{28EA529E-A61A-4A1A-9507-97BA681DA4A1}"/>
-              </a:ext>
-            </a:extLst>
-          </p:cNvPr>
-          <p:cNvGraphicFramePr>
-            <a:graphicFrameLocks noGrp="1"/>
-          </p:cNvGraphicFramePr>
-          <p:nvPr>
-            <p:ph idx="1"/>
-            <p:extLst>
-              <p:ext uri="{D42A27DB-BD31-4B8C-83A1-F6EECF244321}">
-                <p14:modId xmlns:p14="http://schemas.microsoft.com/office/powerpoint/2010/main" val="111814101"/>
-              </p:ext>
-            </p:extLst>
-          </p:nvPr>
-        </p:nvGraphicFramePr>
-        <p:xfrm>
-          <a:off x="5194300" y="470924"/>
-          <a:ext cx="6513604" cy="5885426"/>
-        </p:xfrm>
-        <a:graphic>
-          <a:graphicData uri="http://schemas.openxmlformats.org/drawingml/2006/diagram">
-            <dgm:relIds xmlns:dgm="http://schemas.openxmlformats.org/drawingml/2006/diagram" xmlns:r="http://schemas.openxmlformats.org/officeDocument/2006/relationships" r:dm="rId2" r:lo="rId3" r:qs="rId4" r:cs="rId5"/>
-          </a:graphicData>
-        </a:graphic>
-      </p:graphicFrame>
-    </p:spTree>
-    <p:extLst>
-      <p:ext uri="{BB962C8B-B14F-4D97-AF65-F5344CB8AC3E}">
-        <p14:creationId xmlns:p14="http://schemas.microsoft.com/office/powerpoint/2010/main" val="2035851145"/>
-      </p:ext>
-    </p:extLst>
-  </p:cSld>
-  <p:clrMapOvr>
-    <a:masterClrMapping/>
-  </p:clrMapOvr>
-</p:sld>
-</file>
-
-<file path=ppt/slides/slide4.xml><?xml version="1.0" encoding="utf-8"?>
-<p:sld xmlns:a="http://schemas.openxmlformats.org/drawingml/2006/main" xmlns:r="http://schemas.openxmlformats.org/officeDocument/2006/relationships" xmlns:p="http://schemas.openxmlformats.org/presentationml/2006/main">
-  <p:cSld>
-    <p:bg>
-      <p:bgPr>
-        <a:solidFill>
-          <a:schemeClr val="bg1"/>
-        </a:solidFill>
-        <a:effectLst/>
-      </p:bgPr>
-    </p:bg>
-    <p:spTree>
-      <p:nvGrpSpPr>
-        <p:cNvPr id="1" name=""/>
-        <p:cNvGrpSpPr/>
-        <p:nvPr/>
-      </p:nvGrpSpPr>
-      <p:grpSpPr>
-        <a:xfrm>
-          <a:off x="0" y="0"/>
-          <a:ext cx="0" cy="0"/>
-          <a:chOff x="0" y="0"/>
-          <a:chExt cx="0" cy="0"/>
-        </a:xfrm>
-      </p:grpSpPr>
-      <p:sp>
-        <p:nvSpPr>
-          <p:cNvPr id="2" name="Title 1">
-            <a:extLst>
-              <a:ext uri="{FF2B5EF4-FFF2-40B4-BE49-F238E27FC236}">
-                <a16:creationId xmlns:a16="http://schemas.microsoft.com/office/drawing/2014/main" id="{C417792F-4DEB-478B-8DF9-0C040C18CA19}"/>
-              </a:ext>
-            </a:extLst>
-          </p:cNvPr>
-          <p:cNvSpPr>
-            <a:spLocks noGrp="1"/>
-          </p:cNvSpPr>
-          <p:nvPr>
-            <p:ph type="title"/>
-          </p:nvPr>
-        </p:nvSpPr>
-        <p:spPr>
-          <a:xfrm>
-            <a:off x="4965430" y="629268"/>
-            <a:ext cx="6586491" cy="1286160"/>
-          </a:xfrm>
-        </p:spPr>
-        <p:txBody>
-          <a:bodyPr anchor="b">
-            <a:normAutofit/>
-          </a:bodyPr>
-          <a:lstStyle/>
-          <a:p>
-            <a:r>
-              <a:rPr lang="en-US" sz="4100"/>
-              <a:t>What is “Facial Recognition” ?</a:t>
-            </a:r>
-          </a:p>
-        </p:txBody>
-      </p:sp>
-      <p:pic>
-        <p:nvPicPr>
-          <p:cNvPr id="3074" name="Picture 2" descr="Related image">
-            <a:extLst>
-              <a:ext uri="{FF2B5EF4-FFF2-40B4-BE49-F238E27FC236}">
-                <a16:creationId xmlns:a16="http://schemas.microsoft.com/office/drawing/2014/main" id="{AB4548F6-6AB1-4A72-B6A4-F4AA1ADB65FB}"/>
-              </a:ext>
-            </a:extLst>
-          </p:cNvPr>
-          <p:cNvPicPr>
-            <a:picLocks noChangeAspect="1" noChangeArrowheads="1"/>
-          </p:cNvPicPr>
-          <p:nvPr/>
-        </p:nvPicPr>
-        <p:blipFill rotWithShape="1">
-          <a:blip r:embed="rId2">
-            <a:extLst>
-              <a:ext uri="{28A0092B-C50C-407E-A947-70E740481C1C}">
-                <a14:useLocalDpi xmlns:a14="http://schemas.microsoft.com/office/drawing/2010/main" val="0"/>
-              </a:ext>
-            </a:extLst>
-          </a:blip>
-          <a:srcRect l="26066" r="28815" b="-1"/>
-          <a:stretch/>
-        </p:blipFill>
-        <p:spPr bwMode="auto">
-          <a:xfrm>
-            <a:off x="20" y="10"/>
-            <a:ext cx="4635571" cy="6857990"/>
-          </a:xfrm>
-          <a:prstGeom prst="rect">
-            <a:avLst/>
-          </a:prstGeom>
-          <a:noFill/>
-          <a:effectLst/>
-          <a:extLst>
-            <a:ext uri="{909E8E84-426E-40DD-AFC4-6F175D3DCCD1}">
-              <a14:hiddenFill xmlns:a14="http://schemas.microsoft.com/office/drawing/2010/main">
-                <a:solidFill>
-                  <a:srgbClr val="FFFFFF"/>
-                </a:solidFill>
-              </a14:hiddenFill>
-            </a:ext>
-          </a:extLst>
-        </p:spPr>
-      </p:pic>
-      <p:cxnSp>
-        <p:nvCxnSpPr>
-          <p:cNvPr id="3076" name="Straight Connector 70">
-            <a:extLst>
-              <a:ext uri="{FF2B5EF4-FFF2-40B4-BE49-F238E27FC236}">
-                <a16:creationId xmlns:a16="http://schemas.microsoft.com/office/drawing/2014/main" id="{A7F400EE-A8A5-48AF-B4D6-291B52C6F0B0}"/>
-              </a:ext>
-              <a:ext uri="{C183D7F6-B498-43B3-948B-1728B52AA6E4}">
-                <adec:decorative xmlns:adec="http://schemas.microsoft.com/office/drawing/2017/decorative" val="1"/>
-              </a:ext>
-            </a:extLst>
-          </p:cNvPr>
-          <p:cNvCxnSpPr>
-            <a:cxnSpLocks noGrp="1" noRot="1" noChangeAspect="1" noMove="1" noResize="1" noEditPoints="1" noAdjustHandles="1" noChangeArrowheads="1" noChangeShapeType="1"/>
-          </p:cNvCxnSpPr>
-          <p:nvPr>
-            <p:extLst>
-              <p:ext uri="{386F3935-93C4-4BCD-93E2-E3B085C9AB24}">
-                <p16:designElem xmlns:p16="http://schemas.microsoft.com/office/powerpoint/2015/main" val="1"/>
-              </p:ext>
-            </p:extLst>
-          </p:nvPr>
-        </p:nvCxnSpPr>
-        <p:spPr>
-          <a:xfrm>
-            <a:off x="5080934" y="2115117"/>
-            <a:ext cx="6309360" cy="0"/>
-          </a:xfrm>
-          <a:prstGeom prst="line">
-            <a:avLst/>
-          </a:prstGeom>
-          <a:ln w="19050">
-            <a:solidFill>
-              <a:srgbClr val="73D6ED"/>
-            </a:solidFill>
-          </a:ln>
-        </p:spPr>
-        <p:style>
-          <a:lnRef idx="1">
-            <a:schemeClr val="accent1"/>
-          </a:lnRef>
-          <a:fillRef idx="0">
-            <a:schemeClr val="accent1"/>
-          </a:fillRef>
-          <a:effectRef idx="0">
-            <a:schemeClr val="accent1"/>
-          </a:effectRef>
-          <a:fontRef idx="minor">
-            <a:schemeClr val="tx1"/>
-          </a:fontRef>
-        </p:style>
-      </p:cxnSp>
-      <p:sp>
-        <p:nvSpPr>
-          <p:cNvPr id="3" name="Content Placeholder 2">
-            <a:extLst>
-              <a:ext uri="{FF2B5EF4-FFF2-40B4-BE49-F238E27FC236}">
-                <a16:creationId xmlns:a16="http://schemas.microsoft.com/office/drawing/2014/main" id="{019A81B8-8F87-4BD9-9776-0F959DC14D81}"/>
-              </a:ext>
-            </a:extLst>
-          </p:cNvPr>
-          <p:cNvSpPr>
-            <a:spLocks noGrp="1"/>
-          </p:cNvSpPr>
-          <p:nvPr>
-            <p:ph idx="1"/>
-          </p:nvPr>
-        </p:nvSpPr>
-        <p:spPr>
-          <a:xfrm>
-            <a:off x="4965431" y="2438400"/>
-            <a:ext cx="6586489" cy="3785419"/>
-          </a:xfrm>
-        </p:spPr>
-        <p:txBody>
-          <a:bodyPr>
-            <a:normAutofit/>
-          </a:bodyPr>
-          <a:lstStyle/>
-          <a:p>
-            <a:r>
-              <a:rPr lang="en-US" sz="2000"/>
-              <a:t>A Facial Recognition  system is:</a:t>
-            </a:r>
-          </a:p>
-          <a:p>
-            <a:pPr lvl="1"/>
-            <a:r>
-              <a:rPr lang="en-US" sz="2000"/>
-              <a:t>A technology capable of identifying or verifying a person from a digital image or video frame from a video source</a:t>
-            </a:r>
-          </a:p>
-          <a:p>
-            <a:pPr lvl="1"/>
-            <a:r>
-              <a:rPr lang="en-US" sz="2000"/>
-              <a:t>Multiple methods facial recognition systems work by comparing selected facial features from given images with faces within a database</a:t>
-            </a:r>
-          </a:p>
-          <a:p>
-            <a:pPr lvl="1"/>
-            <a:r>
-              <a:rPr lang="en-US" sz="2000"/>
-              <a:t>Described as a Biometric Artificial Intelligence  based application that can uniquely identify a person by analyzing patterns based on the person’s facial textures and shape</a:t>
-            </a:r>
-          </a:p>
-          <a:p>
-            <a:pPr lvl="1"/>
-            <a:endParaRPr lang="en-US" sz="2000"/>
-          </a:p>
-          <a:p>
-            <a:endParaRPr lang="en-US" sz="2000"/>
-          </a:p>
-          <a:p>
-            <a:endParaRPr lang="en-US" sz="2000"/>
-          </a:p>
-          <a:p>
-            <a:endParaRPr lang="en-US" sz="2000"/>
-          </a:p>
-          <a:p>
-            <a:endParaRPr lang="en-US" sz="2000"/>
-          </a:p>
-          <a:p>
-            <a:pPr marL="0" indent="0">
-              <a:buNone/>
-            </a:pPr>
-            <a:endParaRPr lang="en-US" sz="2000"/>
-          </a:p>
-        </p:txBody>
-      </p:sp>
-    </p:spTree>
-    <p:extLst>
-      <p:ext uri="{BB962C8B-B14F-4D97-AF65-F5344CB8AC3E}">
-        <p14:creationId xmlns:p14="http://schemas.microsoft.com/office/powerpoint/2010/main" val="172082347"/>
-      </p:ext>
-    </p:extLst>
-  </p:cSld>
-  <p:clrMapOvr>
-    <a:masterClrMapping/>
-  </p:clrMapOvr>
-</p:sld>
-</file>
-
-<file path=ppt/slides/slide5.xml><?xml version="1.0" encoding="utf-8"?>
-<p:sld xmlns:a="http://schemas.openxmlformats.org/drawingml/2006/main" xmlns:r="http://schemas.openxmlformats.org/officeDocument/2006/relationships" xmlns:p="http://schemas.openxmlformats.org/presentationml/2006/main">
-  <p:cSld>
-    <p:bg>
-      <p:bgPr>
-        <a:solidFill>
-          <a:schemeClr val="bg1"/>
-        </a:solidFill>
-        <a:effectLst/>
-      </p:bgPr>
-    </p:bg>
-    <p:spTree>
-      <p:nvGrpSpPr>
-        <p:cNvPr id="1" name=""/>
-        <p:cNvGrpSpPr/>
-        <p:nvPr/>
-      </p:nvGrpSpPr>
-      <p:grpSpPr>
-        <a:xfrm>
-          <a:off x="0" y="0"/>
-          <a:ext cx="0" cy="0"/>
-          <a:chOff x="0" y="0"/>
-          <a:chExt cx="0" cy="0"/>
-        </a:xfrm>
-      </p:grpSpPr>
-      <p:sp>
-        <p:nvSpPr>
-          <p:cNvPr id="10" name="Freeform: Shape 9">
-            <a:extLst>
-              <a:ext uri="{FF2B5EF4-FFF2-40B4-BE49-F238E27FC236}">
-                <a16:creationId xmlns:a16="http://schemas.microsoft.com/office/drawing/2014/main" id="{46C2E80F-49A6-4372-B103-219D417A55ED}"/>
-              </a:ext>
-              <a:ext uri="{C183D7F6-B498-43B3-948B-1728B52AA6E4}">
-                <adec:decorative xmlns:adec="http://schemas.microsoft.com/office/drawing/2017/decorative" val="1"/>
-              </a:ext>
-            </a:extLst>
-          </p:cNvPr>
-          <p:cNvSpPr>
-            <a:spLocks noGrp="1" noRot="1" noChangeAspect="1" noMove="1" noResize="1" noEditPoints="1" noAdjustHandles="1" noChangeArrowheads="1" noChangeShapeType="1" noTextEdit="1"/>
-          </p:cNvSpPr>
-          <p:nvPr>
-            <p:extLst>
-              <p:ext uri="{386F3935-93C4-4BCD-93E2-E3B085C9AB24}">
-                <p16:designElem xmlns:p16="http://schemas.microsoft.com/office/powerpoint/2015/main" val="1"/>
-              </p:ext>
-            </p:extLst>
-          </p:nvPr>
-        </p:nvSpPr>
-        <p:spPr>
-          <a:xfrm>
-            <a:off x="484096" y="470925"/>
-            <a:ext cx="4381009" cy="5892104"/>
-          </a:xfrm>
-          <a:custGeom>
-            <a:avLst/>
-            <a:gdLst>
-              <a:gd name="connsiteX0" fmla="*/ 0 w 4381009"/>
-              <a:gd name="connsiteY0" fmla="*/ 0 h 5892104"/>
-              <a:gd name="connsiteX1" fmla="*/ 4157628 w 4381009"/>
-              <a:gd name="connsiteY1" fmla="*/ 0 h 5892104"/>
-              <a:gd name="connsiteX2" fmla="*/ 4169302 w 4381009"/>
-              <a:gd name="connsiteY2" fmla="*/ 68659 h 5892104"/>
-              <a:gd name="connsiteX3" fmla="*/ 4191571 w 4381009"/>
-              <a:gd name="connsiteY3" fmla="*/ 205472 h 5892104"/>
-              <a:gd name="connsiteX4" fmla="*/ 4213368 w 4381009"/>
-              <a:gd name="connsiteY4" fmla="*/ 342890 h 5892104"/>
-              <a:gd name="connsiteX5" fmla="*/ 4232030 w 4381009"/>
-              <a:gd name="connsiteY5" fmla="*/ 480913 h 5892104"/>
-              <a:gd name="connsiteX6" fmla="*/ 4250848 w 4381009"/>
-              <a:gd name="connsiteY6" fmla="*/ 618332 h 5892104"/>
-              <a:gd name="connsiteX7" fmla="*/ 4268412 w 4381009"/>
-              <a:gd name="connsiteY7" fmla="*/ 756355 h 5892104"/>
-              <a:gd name="connsiteX8" fmla="*/ 4283467 w 4381009"/>
-              <a:gd name="connsiteY8" fmla="*/ 892563 h 5892104"/>
-              <a:gd name="connsiteX9" fmla="*/ 4297737 w 4381009"/>
-              <a:gd name="connsiteY9" fmla="*/ 1030587 h 5892104"/>
-              <a:gd name="connsiteX10" fmla="*/ 4310754 w 4381009"/>
-              <a:gd name="connsiteY10" fmla="*/ 1168005 h 5892104"/>
-              <a:gd name="connsiteX11" fmla="*/ 4322045 w 4381009"/>
-              <a:gd name="connsiteY11" fmla="*/ 1303002 h 5892104"/>
-              <a:gd name="connsiteX12" fmla="*/ 4333336 w 4381009"/>
-              <a:gd name="connsiteY12" fmla="*/ 1439815 h 5892104"/>
-              <a:gd name="connsiteX13" fmla="*/ 4342745 w 4381009"/>
-              <a:gd name="connsiteY13" fmla="*/ 1574812 h 5892104"/>
-              <a:gd name="connsiteX14" fmla="*/ 4350115 w 4381009"/>
-              <a:gd name="connsiteY14" fmla="*/ 1709808 h 5892104"/>
-              <a:gd name="connsiteX15" fmla="*/ 4357799 w 4381009"/>
-              <a:gd name="connsiteY15" fmla="*/ 1844200 h 5892104"/>
-              <a:gd name="connsiteX16" fmla="*/ 4364229 w 4381009"/>
-              <a:gd name="connsiteY16" fmla="*/ 1977381 h 5892104"/>
-              <a:gd name="connsiteX17" fmla="*/ 4368777 w 4381009"/>
-              <a:gd name="connsiteY17" fmla="*/ 2109351 h 5892104"/>
-              <a:gd name="connsiteX18" fmla="*/ 4372697 w 4381009"/>
-              <a:gd name="connsiteY18" fmla="*/ 2241321 h 5892104"/>
-              <a:gd name="connsiteX19" fmla="*/ 4376461 w 4381009"/>
-              <a:gd name="connsiteY19" fmla="*/ 2372080 h 5892104"/>
-              <a:gd name="connsiteX20" fmla="*/ 4378186 w 4381009"/>
-              <a:gd name="connsiteY20" fmla="*/ 2501023 h 5892104"/>
-              <a:gd name="connsiteX21" fmla="*/ 4380068 w 4381009"/>
-              <a:gd name="connsiteY21" fmla="*/ 2629966 h 5892104"/>
-              <a:gd name="connsiteX22" fmla="*/ 4381009 w 4381009"/>
-              <a:gd name="connsiteY22" fmla="*/ 2757093 h 5892104"/>
-              <a:gd name="connsiteX23" fmla="*/ 4380068 w 4381009"/>
-              <a:gd name="connsiteY23" fmla="*/ 2883010 h 5892104"/>
-              <a:gd name="connsiteX24" fmla="*/ 4380068 w 4381009"/>
-              <a:gd name="connsiteY24" fmla="*/ 3007715 h 5892104"/>
-              <a:gd name="connsiteX25" fmla="*/ 4378186 w 4381009"/>
-              <a:gd name="connsiteY25" fmla="*/ 3131210 h 5892104"/>
-              <a:gd name="connsiteX26" fmla="*/ 4375363 w 4381009"/>
-              <a:gd name="connsiteY26" fmla="*/ 3252283 h 5892104"/>
-              <a:gd name="connsiteX27" fmla="*/ 4372697 w 4381009"/>
-              <a:gd name="connsiteY27" fmla="*/ 3372146 h 5892104"/>
-              <a:gd name="connsiteX28" fmla="*/ 4369718 w 4381009"/>
-              <a:gd name="connsiteY28" fmla="*/ 3489587 h 5892104"/>
-              <a:gd name="connsiteX29" fmla="*/ 4365170 w 4381009"/>
-              <a:gd name="connsiteY29" fmla="*/ 3606423 h 5892104"/>
-              <a:gd name="connsiteX30" fmla="*/ 4360309 w 4381009"/>
-              <a:gd name="connsiteY30" fmla="*/ 3721443 h 5892104"/>
-              <a:gd name="connsiteX31" fmla="*/ 4355918 w 4381009"/>
-              <a:gd name="connsiteY31" fmla="*/ 3834041 h 5892104"/>
-              <a:gd name="connsiteX32" fmla="*/ 4343529 w 4381009"/>
-              <a:gd name="connsiteY32" fmla="*/ 4053789 h 5892104"/>
-              <a:gd name="connsiteX33" fmla="*/ 4330356 w 4381009"/>
-              <a:gd name="connsiteY33" fmla="*/ 4264457 h 5892104"/>
-              <a:gd name="connsiteX34" fmla="*/ 4316556 w 4381009"/>
-              <a:gd name="connsiteY34" fmla="*/ 4466650 h 5892104"/>
-              <a:gd name="connsiteX35" fmla="*/ 4301344 w 4381009"/>
-              <a:gd name="connsiteY35" fmla="*/ 4657946 h 5892104"/>
-              <a:gd name="connsiteX36" fmla="*/ 4285506 w 4381009"/>
-              <a:gd name="connsiteY36" fmla="*/ 4840767 h 5892104"/>
-              <a:gd name="connsiteX37" fmla="*/ 4268412 w 4381009"/>
-              <a:gd name="connsiteY37" fmla="*/ 5010269 h 5892104"/>
-              <a:gd name="connsiteX38" fmla="*/ 4251633 w 4381009"/>
-              <a:gd name="connsiteY38" fmla="*/ 5169481 h 5892104"/>
-              <a:gd name="connsiteX39" fmla="*/ 4234853 w 4381009"/>
-              <a:gd name="connsiteY39" fmla="*/ 5315980 h 5892104"/>
-              <a:gd name="connsiteX40" fmla="*/ 4219014 w 4381009"/>
-              <a:gd name="connsiteY40" fmla="*/ 5450371 h 5892104"/>
-              <a:gd name="connsiteX41" fmla="*/ 4203959 w 4381009"/>
-              <a:gd name="connsiteY41" fmla="*/ 5569628 h 5892104"/>
-              <a:gd name="connsiteX42" fmla="*/ 4189689 w 4381009"/>
-              <a:gd name="connsiteY42" fmla="*/ 5677384 h 5892104"/>
-              <a:gd name="connsiteX43" fmla="*/ 4177770 w 4381009"/>
-              <a:gd name="connsiteY43" fmla="*/ 5768189 h 5892104"/>
-              <a:gd name="connsiteX44" fmla="*/ 4166479 w 4381009"/>
-              <a:gd name="connsiteY44" fmla="*/ 5844465 h 5892104"/>
-              <a:gd name="connsiteX45" fmla="*/ 4159132 w 4381009"/>
-              <a:gd name="connsiteY45" fmla="*/ 5892104 h 5892104"/>
-              <a:gd name="connsiteX46" fmla="*/ 0 w 4381009"/>
-              <a:gd name="connsiteY46" fmla="*/ 5892104 h 5892104"/>
-            </a:gdLst>
-            <a:ahLst/>
-            <a:cxnLst>
-              <a:cxn ang="0">
-                <a:pos x="connsiteX0" y="connsiteY0"/>
-              </a:cxn>
-              <a:cxn ang="0">
-                <a:pos x="connsiteX1" y="connsiteY1"/>
-              </a:cxn>
-              <a:cxn ang="0">
-                <a:pos x="connsiteX2" y="connsiteY2"/>
-              </a:cxn>
-              <a:cxn ang="0">
-                <a:pos x="connsiteX3" y="connsiteY3"/>
-              </a:cxn>
-              <a:cxn ang="0">
-                <a:pos x="connsiteX4" y="connsiteY4"/>
-              </a:cxn>
-              <a:cxn ang="0">
-                <a:pos x="connsiteX5" y="connsiteY5"/>
-              </a:cxn>
-              <a:cxn ang="0">
-                <a:pos x="connsiteX6" y="connsiteY6"/>
-              </a:cxn>
-              <a:cxn ang="0">
-                <a:pos x="connsiteX7" y="connsiteY7"/>
-              </a:cxn>
-              <a:cxn ang="0">
-                <a:pos x="connsiteX8" y="connsiteY8"/>
-              </a:cxn>
-              <a:cxn ang="0">
-                <a:pos x="connsiteX9" y="connsiteY9"/>
-              </a:cxn>
-              <a:cxn ang="0">
-                <a:pos x="connsiteX10" y="connsiteY10"/>
-              </a:cxn>
-              <a:cxn ang="0">
-                <a:pos x="connsiteX11" y="connsiteY11"/>
-              </a:cxn>
-              <a:cxn ang="0">
-                <a:pos x="connsiteX12" y="connsiteY12"/>
-              </a:cxn>
-              <a:cxn ang="0">
-                <a:pos x="connsiteX13" y="connsiteY13"/>
-              </a:cxn>
-              <a:cxn ang="0">
-                <a:pos x="connsiteX14" y="connsiteY14"/>
-              </a:cxn>
-              <a:cxn ang="0">
-                <a:pos x="connsiteX15" y="connsiteY15"/>
-              </a:cxn>
-              <a:cxn ang="0">
-                <a:pos x="connsiteX16" y="connsiteY16"/>
-              </a:cxn>
-              <a:cxn ang="0">
-                <a:pos x="connsiteX17" y="connsiteY17"/>
-              </a:cxn>
-              <a:cxn ang="0">
-                <a:pos x="connsiteX18" y="connsiteY18"/>
-              </a:cxn>
-              <a:cxn ang="0">
-                <a:pos x="connsiteX19" y="connsiteY19"/>
-              </a:cxn>
-              <a:cxn ang="0">
-                <a:pos x="connsiteX20" y="connsiteY20"/>
-              </a:cxn>
-              <a:cxn ang="0">
-                <a:pos x="connsiteX21" y="connsiteY21"/>
-              </a:cxn>
-              <a:cxn ang="0">
-                <a:pos x="connsiteX22" y="connsiteY22"/>
-              </a:cxn>
-              <a:cxn ang="0">
-                <a:pos x="connsiteX23" y="connsiteY23"/>
-              </a:cxn>
-              <a:cxn ang="0">
-                <a:pos x="connsiteX24" y="connsiteY24"/>
-              </a:cxn>
-              <a:cxn ang="0">
-                <a:pos x="connsiteX25" y="connsiteY25"/>
-              </a:cxn>
-              <a:cxn ang="0">
-                <a:pos x="connsiteX26" y="connsiteY26"/>
-              </a:cxn>
-              <a:cxn ang="0">
-                <a:pos x="connsiteX27" y="connsiteY27"/>
-              </a:cxn>
-              <a:cxn ang="0">
-                <a:pos x="connsiteX28" y="connsiteY28"/>
-              </a:cxn>
-              <a:cxn ang="0">
-                <a:pos x="connsiteX29" y="connsiteY29"/>
-              </a:cxn>
-              <a:cxn ang="0">
-                <a:pos x="connsiteX30" y="connsiteY30"/>
-              </a:cxn>
-              <a:cxn ang="0">
-                <a:pos x="connsiteX31" y="connsiteY31"/>
-              </a:cxn>
-              <a:cxn ang="0">
-                <a:pos x="connsiteX32" y="connsiteY32"/>
-              </a:cxn>
-              <a:cxn ang="0">
-                <a:pos x="connsiteX33" y="connsiteY33"/>
-              </a:cxn>
-              <a:cxn ang="0">
-                <a:pos x="connsiteX34" y="connsiteY34"/>
-              </a:cxn>
-              <a:cxn ang="0">
-                <a:pos x="connsiteX35" y="connsiteY35"/>
-              </a:cxn>
-              <a:cxn ang="0">
-                <a:pos x="connsiteX36" y="connsiteY36"/>
-              </a:cxn>
-              <a:cxn ang="0">
-                <a:pos x="connsiteX37" y="connsiteY37"/>
-              </a:cxn>
-              <a:cxn ang="0">
-                <a:pos x="connsiteX38" y="connsiteY38"/>
-              </a:cxn>
-              <a:cxn ang="0">
-                <a:pos x="connsiteX39" y="connsiteY39"/>
-              </a:cxn>
-              <a:cxn ang="0">
-                <a:pos x="connsiteX40" y="connsiteY40"/>
-              </a:cxn>
-              <a:cxn ang="0">
-                <a:pos x="connsiteX41" y="connsiteY41"/>
-              </a:cxn>
-              <a:cxn ang="0">
-                <a:pos x="connsiteX42" y="connsiteY42"/>
-              </a:cxn>
-              <a:cxn ang="0">
-                <a:pos x="connsiteX43" y="connsiteY43"/>
-              </a:cxn>
-              <a:cxn ang="0">
-                <a:pos x="connsiteX44" y="connsiteY44"/>
-              </a:cxn>
-              <a:cxn ang="0">
-                <a:pos x="connsiteX45" y="connsiteY45"/>
-              </a:cxn>
-              <a:cxn ang="0">
-                <a:pos x="connsiteX46" y="connsiteY46"/>
-              </a:cxn>
-            </a:cxnLst>
-            <a:rect l="l" t="t" r="r" b="b"/>
-            <a:pathLst>
-              <a:path w="4381009" h="5892104">
-                <a:moveTo>
-                  <a:pt x="0" y="0"/>
-                </a:moveTo>
-                <a:lnTo>
-                  <a:pt x="4157628" y="0"/>
-                </a:lnTo>
-                <a:lnTo>
-                  <a:pt x="4169302" y="68659"/>
-                </a:lnTo>
-                <a:lnTo>
-                  <a:pt x="4191571" y="205472"/>
-                </a:lnTo>
-                <a:lnTo>
-                  <a:pt x="4213368" y="342890"/>
-                </a:lnTo>
-                <a:lnTo>
-                  <a:pt x="4232030" y="480913"/>
-                </a:lnTo>
-                <a:lnTo>
-                  <a:pt x="4250848" y="618332"/>
-                </a:lnTo>
-                <a:lnTo>
-                  <a:pt x="4268412" y="756355"/>
-                </a:lnTo>
-                <a:lnTo>
-                  <a:pt x="4283467" y="892563"/>
-                </a:lnTo>
-                <a:lnTo>
-                  <a:pt x="4297737" y="1030587"/>
-                </a:lnTo>
-                <a:lnTo>
-                  <a:pt x="4310754" y="1168005"/>
-                </a:lnTo>
-                <a:lnTo>
-                  <a:pt x="4322045" y="1303002"/>
-                </a:lnTo>
-                <a:lnTo>
-                  <a:pt x="4333336" y="1439815"/>
-                </a:lnTo>
-                <a:lnTo>
-                  <a:pt x="4342745" y="1574812"/>
-                </a:lnTo>
-                <a:lnTo>
-                  <a:pt x="4350115" y="1709808"/>
-                </a:lnTo>
-                <a:lnTo>
-                  <a:pt x="4357799" y="1844200"/>
-                </a:lnTo>
-                <a:lnTo>
-                  <a:pt x="4364229" y="1977381"/>
-                </a:lnTo>
-                <a:lnTo>
-                  <a:pt x="4368777" y="2109351"/>
-                </a:lnTo>
-                <a:lnTo>
-                  <a:pt x="4372697" y="2241321"/>
-                </a:lnTo>
-                <a:lnTo>
-                  <a:pt x="4376461" y="2372080"/>
-                </a:lnTo>
-                <a:lnTo>
-                  <a:pt x="4378186" y="2501023"/>
-                </a:lnTo>
-                <a:lnTo>
-                  <a:pt x="4380068" y="2629966"/>
-                </a:lnTo>
-                <a:lnTo>
-                  <a:pt x="4381009" y="2757093"/>
-                </a:lnTo>
-                <a:lnTo>
-                  <a:pt x="4380068" y="2883010"/>
-                </a:lnTo>
-                <a:lnTo>
-                  <a:pt x="4380068" y="3007715"/>
-                </a:lnTo>
-                <a:lnTo>
-                  <a:pt x="4378186" y="3131210"/>
-                </a:lnTo>
-                <a:lnTo>
-                  <a:pt x="4375363" y="3252283"/>
-                </a:lnTo>
-                <a:lnTo>
-                  <a:pt x="4372697" y="3372146"/>
-                </a:lnTo>
-                <a:lnTo>
-                  <a:pt x="4369718" y="3489587"/>
-                </a:lnTo>
-                <a:lnTo>
-                  <a:pt x="4365170" y="3606423"/>
-                </a:lnTo>
-                <a:lnTo>
-                  <a:pt x="4360309" y="3721443"/>
-                </a:lnTo>
-                <a:lnTo>
-                  <a:pt x="4355918" y="3834041"/>
-                </a:lnTo>
-                <a:lnTo>
-                  <a:pt x="4343529" y="4053789"/>
-                </a:lnTo>
-                <a:lnTo>
-                  <a:pt x="4330356" y="4264457"/>
-                </a:lnTo>
-                <a:lnTo>
-                  <a:pt x="4316556" y="4466650"/>
-                </a:lnTo>
-                <a:lnTo>
-                  <a:pt x="4301344" y="4657946"/>
-                </a:lnTo>
-                <a:lnTo>
-                  <a:pt x="4285506" y="4840767"/>
-                </a:lnTo>
-                <a:lnTo>
-                  <a:pt x="4268412" y="5010269"/>
-                </a:lnTo>
-                <a:lnTo>
-                  <a:pt x="4251633" y="5169481"/>
-                </a:lnTo>
-                <a:lnTo>
-                  <a:pt x="4234853" y="5315980"/>
-                </a:lnTo>
-                <a:lnTo>
-                  <a:pt x="4219014" y="5450371"/>
-                </a:lnTo>
-                <a:lnTo>
-                  <a:pt x="4203959" y="5569628"/>
-                </a:lnTo>
-                <a:lnTo>
-                  <a:pt x="4189689" y="5677384"/>
-                </a:lnTo>
-                <a:lnTo>
-                  <a:pt x="4177770" y="5768189"/>
-                </a:lnTo>
-                <a:lnTo>
-                  <a:pt x="4166479" y="5844465"/>
-                </a:lnTo>
-                <a:lnTo>
-                  <a:pt x="4159132" y="5892104"/>
-                </a:lnTo>
-                <a:lnTo>
-                  <a:pt x="0" y="5892104"/>
-                </a:lnTo>
-                <a:close/>
-              </a:path>
-            </a:pathLst>
-          </a:custGeom>
-          <a:solidFill>
-            <a:srgbClr val="404040"/>
-          </a:solidFill>
-          <a:ln>
-            <a:noFill/>
-          </a:ln>
-        </p:spPr>
-        <p:style>
-          <a:lnRef idx="2">
-            <a:schemeClr val="accent1">
-              <a:shade val="50000"/>
-            </a:schemeClr>
-          </a:lnRef>
-          <a:fillRef idx="1">
-            <a:schemeClr val="accent1"/>
-          </a:fillRef>
-          <a:effectRef idx="0">
-            <a:schemeClr val="accent1"/>
-          </a:effectRef>
-          <a:fontRef idx="minor">
-            <a:schemeClr val="lt1"/>
-          </a:fontRef>
-        </p:style>
-        <p:txBody>
-          <a:bodyPr wrap="square" rtlCol="0" anchor="ctr">
-            <a:noAutofit/>
-          </a:bodyPr>
-          <a:lstStyle/>
-          <a:p>
-            <a:pPr marL="0" marR="0" lvl="0" indent="0" algn="ctr" defTabSz="457200" rtl="0" eaLnBrk="1" fontAlgn="auto" latinLnBrk="0" hangingPunct="1">
-              <a:lnSpc>
-                <a:spcPct val="100000"/>
-              </a:lnSpc>
-              <a:spcBef>
-                <a:spcPts val="0"/>
-              </a:spcBef>
-              <a:spcAft>
-                <a:spcPts val="0"/>
-              </a:spcAft>
-              <a:buClrTx/>
-              <a:buSzTx/>
-              <a:buFontTx/>
-              <a:buNone/>
-              <a:tabLst/>
-              <a:defRPr/>
-            </a:pPr>
-            <a:endParaRPr kumimoji="0" lang="en-US" sz="1800" b="0" i="0" u="none" strike="noStrike" kern="1200" cap="none" spc="0" normalizeH="0" baseline="0" noProof="0">
-              <a:ln>
-                <a:noFill/>
-              </a:ln>
-              <a:solidFill>
-                <a:prstClr val="white"/>
-              </a:solidFill>
-              <a:effectLst/>
-              <a:uLnTx/>
-              <a:uFillTx/>
-              <a:latin typeface="Calibri" panose="020F0502020204030204"/>
-              <a:ea typeface="+mn-ea"/>
-              <a:cs typeface="+mn-cs"/>
-            </a:endParaRPr>
-          </a:p>
-        </p:txBody>
-      </p:sp>
-      <p:sp>
-        <p:nvSpPr>
-          <p:cNvPr id="2" name="Title 1">
-            <a:extLst>
-              <a:ext uri="{FF2B5EF4-FFF2-40B4-BE49-F238E27FC236}">
                 <a16:creationId xmlns:a16="http://schemas.microsoft.com/office/drawing/2014/main" id="{94CD1F08-5FD6-4FDC-B00D-0BFB75E9A08D}"/>
               </a:ext>
             </a:extLst>
@@ -14207,7 +10335,484 @@
 </p:sld>
 </file>
 
-<file path=ppt/slides/slide6.xml><?xml version="1.0" encoding="utf-8"?>
+<file path=ppt/slides/slide4.xml><?xml version="1.0" encoding="utf-8"?>
+<p:sld xmlns:a="http://schemas.openxmlformats.org/drawingml/2006/main" xmlns:r="http://schemas.openxmlformats.org/officeDocument/2006/relationships" xmlns:p="http://schemas.openxmlformats.org/presentationml/2006/main">
+  <p:cSld>
+    <p:bg>
+      <p:bgPr>
+        <a:solidFill>
+          <a:schemeClr val="bg1"/>
+        </a:solidFill>
+        <a:effectLst/>
+      </p:bgPr>
+    </p:bg>
+    <p:spTree>
+      <p:nvGrpSpPr>
+        <p:cNvPr id="1" name=""/>
+        <p:cNvGrpSpPr/>
+        <p:nvPr/>
+      </p:nvGrpSpPr>
+      <p:grpSpPr>
+        <a:xfrm>
+          <a:off x="0" y="0"/>
+          <a:ext cx="0" cy="0"/>
+          <a:chOff x="0" y="0"/>
+          <a:chExt cx="0" cy="0"/>
+        </a:xfrm>
+      </p:grpSpPr>
+      <p:sp>
+        <p:nvSpPr>
+          <p:cNvPr id="15" name="Rectangle 9">
+            <a:extLst>
+              <a:ext uri="{FF2B5EF4-FFF2-40B4-BE49-F238E27FC236}">
+                <a16:creationId xmlns:a16="http://schemas.microsoft.com/office/drawing/2014/main" id="{AFA67CD3-AB4E-4A7A-BEB8-53C445D8C44E}"/>
+              </a:ext>
+              <a:ext uri="{C183D7F6-B498-43B3-948B-1728B52AA6E4}">
+                <adec:decorative xmlns:adec="http://schemas.microsoft.com/office/drawing/2017/decorative" val="1"/>
+              </a:ext>
+            </a:extLst>
+          </p:cNvPr>
+          <p:cNvSpPr>
+            <a:spLocks noGrp="1" noRot="1" noChangeAspect="1" noMove="1" noResize="1" noEditPoints="1" noAdjustHandles="1" noChangeArrowheads="1" noChangeShapeType="1" noTextEdit="1"/>
+          </p:cNvSpPr>
+          <p:nvPr>
+            <p:extLst>
+              <p:ext uri="{386F3935-93C4-4BCD-93E2-E3B085C9AB24}">
+                <p16:designElem xmlns:p16="http://schemas.microsoft.com/office/powerpoint/2015/main" val="1"/>
+              </p:ext>
+            </p:extLst>
+          </p:nvPr>
+        </p:nvSpPr>
+        <p:spPr>
+          <a:xfrm>
+            <a:off x="1" y="3726"/>
+            <a:ext cx="5614875" cy="6858000"/>
+          </a:xfrm>
+          <a:prstGeom prst="rect">
+            <a:avLst/>
+          </a:prstGeom>
+          <a:gradFill>
+            <a:gsLst>
+              <a:gs pos="0">
+                <a:schemeClr val="accent1">
+                  <a:lumMod val="100000"/>
+                  <a:alpha val="82000"/>
+                </a:schemeClr>
+              </a:gs>
+              <a:gs pos="25000">
+                <a:schemeClr val="accent1">
+                  <a:alpha val="60000"/>
+                </a:schemeClr>
+              </a:gs>
+              <a:gs pos="94000">
+                <a:schemeClr val="bg2">
+                  <a:lumMod val="75000"/>
+                </a:schemeClr>
+              </a:gs>
+              <a:gs pos="100000">
+                <a:schemeClr val="bg2">
+                  <a:lumMod val="75000"/>
+                </a:schemeClr>
+              </a:gs>
+            </a:gsLst>
+            <a:lin ang="4200000" scaled="0"/>
+          </a:gradFill>
+          <a:ln>
+            <a:noFill/>
+          </a:ln>
+        </p:spPr>
+        <p:style>
+          <a:lnRef idx="2">
+            <a:schemeClr val="accent1">
+              <a:shade val="50000"/>
+            </a:schemeClr>
+          </a:lnRef>
+          <a:fillRef idx="1">
+            <a:schemeClr val="accent1"/>
+          </a:fillRef>
+          <a:effectRef idx="0">
+            <a:schemeClr val="accent1"/>
+          </a:effectRef>
+          <a:fontRef idx="minor">
+            <a:schemeClr val="lt1"/>
+          </a:fontRef>
+        </p:style>
+        <p:txBody>
+          <a:bodyPr rtlCol="0" anchor="ctr"/>
+          <a:lstStyle/>
+          <a:p>
+            <a:pPr algn="ctr"/>
+            <a:endParaRPr lang="en-US"/>
+          </a:p>
+        </p:txBody>
+      </p:sp>
+      <p:pic>
+        <p:nvPicPr>
+          <p:cNvPr id="16" name="Picture 11">
+            <a:extLst>
+              <a:ext uri="{FF2B5EF4-FFF2-40B4-BE49-F238E27FC236}">
+                <a16:creationId xmlns:a16="http://schemas.microsoft.com/office/drawing/2014/main" id="{07CF545F-9C2E-4446-97CD-AD92990C2B68}"/>
+              </a:ext>
+              <a:ext uri="{C183D7F6-B498-43B3-948B-1728B52AA6E4}">
+                <adec:decorative xmlns:adec="http://schemas.microsoft.com/office/drawing/2017/decorative" val="1"/>
+              </a:ext>
+            </a:extLst>
+          </p:cNvPr>
+          <p:cNvPicPr>
+            <a:picLocks noGrp="1" noRot="1" noChangeAspect="1" noMove="1" noResize="1" noEditPoints="1" noAdjustHandles="1" noChangeArrowheads="1" noChangeShapeType="1" noCrop="1"/>
+          </p:cNvPicPr>
+          <p:nvPr>
+            <p:extLst>
+              <p:ext uri="{386F3935-93C4-4BCD-93E2-E3B085C9AB24}">
+                <p16:designElem xmlns:p16="http://schemas.microsoft.com/office/powerpoint/2015/main" val="1"/>
+              </p:ext>
+            </p:extLst>
+          </p:nvPr>
+        </p:nvPicPr>
+        <p:blipFill>
+          <a:blip r:embed="rId2">
+            <a:extLst>
+              <a:ext uri="{28A0092B-C50C-407E-A947-70E740481C1C}">
+                <a14:useLocalDpi xmlns:a14="http://schemas.microsoft.com/office/drawing/2010/main" val="0"/>
+              </a:ext>
+            </a:extLst>
+          </a:blip>
+          <a:stretch>
+            <a:fillRect/>
+          </a:stretch>
+        </p:blipFill>
+        <p:spPr>
+          <a:xfrm>
+            <a:off x="0" y="0"/>
+            <a:ext cx="12192000" cy="6858000"/>
+          </a:xfrm>
+          <a:prstGeom prst="rect">
+            <a:avLst/>
+          </a:prstGeom>
+        </p:spPr>
+      </p:pic>
+      <p:sp>
+        <p:nvSpPr>
+          <p:cNvPr id="2" name="Title 1">
+            <a:extLst>
+              <a:ext uri="{FF2B5EF4-FFF2-40B4-BE49-F238E27FC236}">
+                <a16:creationId xmlns:a16="http://schemas.microsoft.com/office/drawing/2014/main" id="{D498A4A7-1F84-4435-980E-08C1BCEBA263}"/>
+              </a:ext>
+            </a:extLst>
+          </p:cNvPr>
+          <p:cNvSpPr>
+            <a:spLocks noGrp="1"/>
+          </p:cNvSpPr>
+          <p:nvPr>
+            <p:ph type="title"/>
+          </p:nvPr>
+        </p:nvSpPr>
+        <p:spPr>
+          <a:xfrm>
+            <a:off x="6094105" y="802955"/>
+            <a:ext cx="4977976" cy="1454051"/>
+          </a:xfrm>
+        </p:spPr>
+        <p:txBody>
+          <a:bodyPr>
+            <a:normAutofit/>
+          </a:bodyPr>
+          <a:lstStyle/>
+          <a:p>
+            <a:r>
+              <a:rPr lang="en-US">
+                <a:solidFill>
+                  <a:srgbClr val="000000"/>
+                </a:solidFill>
+              </a:rPr>
+              <a:t>Demo</a:t>
+            </a:r>
+          </a:p>
+        </p:txBody>
+      </p:sp>
+      <p:sp>
+        <p:nvSpPr>
+          <p:cNvPr id="14" name="Freeform 62">
+            <a:extLst>
+              <a:ext uri="{FF2B5EF4-FFF2-40B4-BE49-F238E27FC236}">
+                <a16:creationId xmlns:a16="http://schemas.microsoft.com/office/drawing/2014/main" id="{339C8D78-A644-462F-B674-F440635E5353}"/>
+              </a:ext>
+              <a:ext uri="{C183D7F6-B498-43B3-948B-1728B52AA6E4}">
+                <adec:decorative xmlns:adec="http://schemas.microsoft.com/office/drawing/2017/decorative" val="1"/>
+              </a:ext>
+            </a:extLst>
+          </p:cNvPr>
+          <p:cNvSpPr>
+            <a:spLocks noGrp="1" noRot="1" noChangeAspect="1" noMove="1" noResize="1" noEditPoints="1" noAdjustHandles="1" noChangeArrowheads="1" noChangeShapeType="1" noTextEdit="1"/>
+          </p:cNvSpPr>
+          <p:nvPr>
+            <p:extLst>
+              <p:ext uri="{386F3935-93C4-4BCD-93E2-E3B085C9AB24}">
+                <p16:designElem xmlns:p16="http://schemas.microsoft.com/office/powerpoint/2015/main" val="1"/>
+              </p:ext>
+            </p:extLst>
+          </p:nvPr>
+        </p:nvSpPr>
+        <p:spPr>
+          <a:xfrm>
+            <a:off x="0" y="738619"/>
+            <a:ext cx="5000438" cy="5400962"/>
+          </a:xfrm>
+          <a:custGeom>
+            <a:avLst/>
+            <a:gdLst>
+              <a:gd name="connsiteX0" fmla="*/ 2299956 w 5000438"/>
+              <a:gd name="connsiteY0" fmla="*/ 0 h 5400962"/>
+              <a:gd name="connsiteX1" fmla="*/ 5000438 w 5000438"/>
+              <a:gd name="connsiteY1" fmla="*/ 2700481 h 5400962"/>
+              <a:gd name="connsiteX2" fmla="*/ 2299956 w 5000438"/>
+              <a:gd name="connsiteY2" fmla="*/ 5400962 h 5400962"/>
+              <a:gd name="connsiteX3" fmla="*/ 60675 w 5000438"/>
+              <a:gd name="connsiteY3" fmla="*/ 4210346 h 5400962"/>
+              <a:gd name="connsiteX4" fmla="*/ 0 w 5000438"/>
+              <a:gd name="connsiteY4" fmla="*/ 4110472 h 5400962"/>
+              <a:gd name="connsiteX5" fmla="*/ 0 w 5000438"/>
+              <a:gd name="connsiteY5" fmla="*/ 1290491 h 5400962"/>
+              <a:gd name="connsiteX6" fmla="*/ 60675 w 5000438"/>
+              <a:gd name="connsiteY6" fmla="*/ 1190617 h 5400962"/>
+              <a:gd name="connsiteX7" fmla="*/ 2299956 w 5000438"/>
+              <a:gd name="connsiteY7" fmla="*/ 0 h 5400962"/>
+            </a:gdLst>
+            <a:ahLst/>
+            <a:cxnLst>
+              <a:cxn ang="0">
+                <a:pos x="connsiteX0" y="connsiteY0"/>
+              </a:cxn>
+              <a:cxn ang="0">
+                <a:pos x="connsiteX1" y="connsiteY1"/>
+              </a:cxn>
+              <a:cxn ang="0">
+                <a:pos x="connsiteX2" y="connsiteY2"/>
+              </a:cxn>
+              <a:cxn ang="0">
+                <a:pos x="connsiteX3" y="connsiteY3"/>
+              </a:cxn>
+              <a:cxn ang="0">
+                <a:pos x="connsiteX4" y="connsiteY4"/>
+              </a:cxn>
+              <a:cxn ang="0">
+                <a:pos x="connsiteX5" y="connsiteY5"/>
+              </a:cxn>
+              <a:cxn ang="0">
+                <a:pos x="connsiteX6" y="connsiteY6"/>
+              </a:cxn>
+              <a:cxn ang="0">
+                <a:pos x="connsiteX7" y="connsiteY7"/>
+              </a:cxn>
+            </a:cxnLst>
+            <a:rect l="l" t="t" r="r" b="b"/>
+            <a:pathLst>
+              <a:path w="5000438" h="5400962">
+                <a:moveTo>
+                  <a:pt x="2299956" y="0"/>
+                </a:moveTo>
+                <a:cubicBezTo>
+                  <a:pt x="3791390" y="0"/>
+                  <a:pt x="5000438" y="1209047"/>
+                  <a:pt x="5000438" y="2700481"/>
+                </a:cubicBezTo>
+                <a:cubicBezTo>
+                  <a:pt x="5000438" y="4191915"/>
+                  <a:pt x="3791390" y="5400962"/>
+                  <a:pt x="2299956" y="5400962"/>
+                </a:cubicBezTo>
+                <a:cubicBezTo>
+                  <a:pt x="1367810" y="5400962"/>
+                  <a:pt x="545971" y="4928678"/>
+                  <a:pt x="60675" y="4210346"/>
+                </a:cubicBezTo>
+                <a:lnTo>
+                  <a:pt x="0" y="4110472"/>
+                </a:lnTo>
+                <a:lnTo>
+                  <a:pt x="0" y="1290491"/>
+                </a:lnTo>
+                <a:lnTo>
+                  <a:pt x="60675" y="1190617"/>
+                </a:lnTo>
+                <a:cubicBezTo>
+                  <a:pt x="545971" y="472284"/>
+                  <a:pt x="1367810" y="0"/>
+                  <a:pt x="2299956" y="0"/>
+                </a:cubicBezTo>
+                <a:close/>
+              </a:path>
+            </a:pathLst>
+          </a:custGeom>
+          <a:solidFill>
+            <a:srgbClr val="FFFFFF"/>
+          </a:solidFill>
+          <a:ln>
+            <a:gradFill>
+              <a:gsLst>
+                <a:gs pos="0">
+                  <a:schemeClr val="accent1">
+                    <a:lumMod val="40000"/>
+                    <a:lumOff val="60000"/>
+                  </a:schemeClr>
+                </a:gs>
+                <a:gs pos="23000">
+                  <a:schemeClr val="accent1">
+                    <a:lumMod val="45000"/>
+                    <a:lumOff val="55000"/>
+                  </a:schemeClr>
+                </a:gs>
+                <a:gs pos="83000">
+                  <a:schemeClr val="bg2">
+                    <a:lumMod val="85000"/>
+                  </a:schemeClr>
+                </a:gs>
+                <a:gs pos="100000">
+                  <a:schemeClr val="bg2">
+                    <a:lumMod val="85000"/>
+                  </a:schemeClr>
+                </a:gs>
+              </a:gsLst>
+              <a:lin ang="5400000" scaled="1"/>
+            </a:gradFill>
+          </a:ln>
+        </p:spPr>
+        <p:style>
+          <a:lnRef idx="2">
+            <a:schemeClr val="accent1">
+              <a:shade val="50000"/>
+            </a:schemeClr>
+          </a:lnRef>
+          <a:fillRef idx="1">
+            <a:schemeClr val="accent1"/>
+          </a:fillRef>
+          <a:effectRef idx="0">
+            <a:schemeClr val="accent1"/>
+          </a:effectRef>
+          <a:fontRef idx="minor">
+            <a:schemeClr val="lt1"/>
+          </a:fontRef>
+        </p:style>
+        <p:txBody>
+          <a:bodyPr wrap="square" rtlCol="0" anchor="ctr">
+            <a:noAutofit/>
+          </a:bodyPr>
+          <a:lstStyle/>
+          <a:p>
+            <a:pPr algn="ctr"/>
+            <a:endParaRPr lang="en-US"/>
+          </a:p>
+        </p:txBody>
+      </p:sp>
+      <p:pic>
+        <p:nvPicPr>
+          <p:cNvPr id="7" name="Graphic 6" descr="Telemarketer">
+            <a:extLst>
+              <a:ext uri="{FF2B5EF4-FFF2-40B4-BE49-F238E27FC236}">
+                <a16:creationId xmlns:a16="http://schemas.microsoft.com/office/drawing/2014/main" id="{F4EA1BEE-79F0-4161-9205-BBF4CEBF86BB}"/>
+              </a:ext>
+            </a:extLst>
+          </p:cNvPr>
+          <p:cNvPicPr>
+            <a:picLocks noChangeAspect="1"/>
+          </p:cNvPicPr>
+          <p:nvPr/>
+        </p:nvPicPr>
+        <p:blipFill>
+          <a:blip r:embed="rId3">
+            <a:extLst>
+              <a:ext uri="{28A0092B-C50C-407E-A947-70E740481C1C}">
+                <a14:useLocalDpi xmlns:a14="http://schemas.microsoft.com/office/drawing/2010/main" val="0"/>
+              </a:ext>
+              <a:ext uri="{96DAC541-7B7A-43D3-8B79-37D633B846F1}">
+                <asvg:svgBlip xmlns:asvg="http://schemas.microsoft.com/office/drawing/2016/SVG/main" r:embed="rId4"/>
+              </a:ext>
+            </a:extLst>
+          </a:blip>
+          <a:stretch>
+            <a:fillRect/>
+          </a:stretch>
+        </p:blipFill>
+        <p:spPr>
+          <a:xfrm>
+            <a:off x="450254" y="1629089"/>
+            <a:ext cx="3620021" cy="3620021"/>
+          </a:xfrm>
+          <a:prstGeom prst="rect">
+            <a:avLst/>
+          </a:prstGeom>
+        </p:spPr>
+      </p:pic>
+      <p:sp>
+        <p:nvSpPr>
+          <p:cNvPr id="17" name="Content Placeholder 2">
+            <a:extLst>
+              <a:ext uri="{FF2B5EF4-FFF2-40B4-BE49-F238E27FC236}">
+                <a16:creationId xmlns:a16="http://schemas.microsoft.com/office/drawing/2014/main" id="{BC921CA8-FF74-4254-AA28-E7F3A7709DFC}"/>
+              </a:ext>
+            </a:extLst>
+          </p:cNvPr>
+          <p:cNvSpPr>
+            <a:spLocks noGrp="1"/>
+          </p:cNvSpPr>
+          <p:nvPr>
+            <p:ph idx="1"/>
+          </p:nvPr>
+        </p:nvSpPr>
+        <p:spPr>
+          <a:xfrm>
+            <a:off x="6090574" y="2421682"/>
+            <a:ext cx="4977578" cy="3639289"/>
+          </a:xfrm>
+        </p:spPr>
+        <p:txBody>
+          <a:bodyPr anchor="ctr">
+            <a:normAutofit/>
+          </a:bodyPr>
+          <a:lstStyle/>
+          <a:p>
+            <a:r>
+              <a:rPr lang="en-US" sz="2000" dirty="0">
+                <a:solidFill>
+                  <a:srgbClr val="000000"/>
+                </a:solidFill>
+              </a:rPr>
+              <a:t>Tableau – Data Science Dash Board</a:t>
+            </a:r>
+          </a:p>
+          <a:p>
+            <a:r>
+              <a:rPr lang="en-US" sz="2000" dirty="0">
+                <a:solidFill>
+                  <a:srgbClr val="000000"/>
+                </a:solidFill>
+              </a:rPr>
+              <a:t>Face Recognition Demo</a:t>
+            </a:r>
+          </a:p>
+          <a:p>
+            <a:endParaRPr lang="en-US" sz="2000" dirty="0">
+              <a:solidFill>
+                <a:srgbClr val="000000"/>
+              </a:solidFill>
+            </a:endParaRPr>
+          </a:p>
+        </p:txBody>
+      </p:sp>
+    </p:spTree>
+    <p:extLst>
+      <p:ext uri="{BB962C8B-B14F-4D97-AF65-F5344CB8AC3E}">
+        <p14:creationId xmlns:p14="http://schemas.microsoft.com/office/powerpoint/2010/main" val="1301969403"/>
+      </p:ext>
+    </p:extLst>
+  </p:cSld>
+  <p:clrMapOvr>
+    <a:masterClrMapping/>
+  </p:clrMapOvr>
+</p:sld>
+</file>
+
+<file path=ppt/slides/slide5.xml><?xml version="1.0" encoding="utf-8"?>
 <p:sld xmlns:a="http://schemas.openxmlformats.org/drawingml/2006/main" xmlns:r="http://schemas.openxmlformats.org/officeDocument/2006/relationships" xmlns:p="http://schemas.openxmlformats.org/presentationml/2006/main">
   <p:cSld>
     <p:bg>
@@ -14262,7 +10867,7 @@
           <a:p>
             <a:r>
               <a:rPr lang="en-US" dirty="0"/>
-              <a:t>The Data &amp; The Scope</a:t>
+              <a:t>The Data Source</a:t>
             </a:r>
           </a:p>
         </p:txBody>
@@ -14296,7 +10901,7 @@
         <p:spPr bwMode="auto">
           <a:xfrm>
             <a:off x="1555339" y="2589086"/>
-            <a:ext cx="4987290" cy="2755478"/>
+            <a:ext cx="4979276" cy="2755478"/>
           </a:xfrm>
           <a:prstGeom prst="rect">
             <a:avLst/>
@@ -14586,7 +11191,33 @@
           </a:bodyPr>
           <a:lstStyle/>
           <a:p>
-            <a:endParaRPr lang="en-US" sz="2400"/>
+            <a:r>
+              <a:rPr lang="en-US" sz="2400" dirty="0"/>
+              <a:t>Kaggle data</a:t>
+            </a:r>
+          </a:p>
+          <a:p>
+            <a:pPr lvl="1"/>
+            <a:r>
+              <a:rPr lang="en-US" sz="1400" dirty="0">
+                <a:hlinkClick r:id="rId3"/>
+              </a:rPr>
+              <a:t>https://www.kaggle.com/kaggle/kaggle-survey-2017</a:t>
+            </a:r>
+            <a:endParaRPr lang="en-US" sz="1200" dirty="0"/>
+          </a:p>
+          <a:p>
+            <a:r>
+              <a:rPr lang="en-US" sz="2400" dirty="0"/>
+              <a:t>Real life Data</a:t>
+            </a:r>
+          </a:p>
+          <a:p>
+            <a:pPr lvl="1"/>
+            <a:r>
+              <a:rPr lang="en-US" sz="1400" dirty="0"/>
+              <a:t>Personal Picture and information</a:t>
+            </a:r>
           </a:p>
         </p:txBody>
       </p:sp>
@@ -14603,387 +11234,9 @@
 </p:sld>
 </file>
 
-<file path=ppt/slides/slide7.xml><?xml version="1.0" encoding="utf-8"?>
+<file path=ppt/slides/slide6.xml><?xml version="1.0" encoding="utf-8"?>
 <p:sld xmlns:a="http://schemas.openxmlformats.org/drawingml/2006/main" xmlns:r="http://schemas.openxmlformats.org/officeDocument/2006/relationships" xmlns:p="http://schemas.openxmlformats.org/presentationml/2006/main">
   <p:cSld>
-    <p:bg>
-      <p:bgPr>
-        <a:solidFill>
-          <a:schemeClr val="bg1"/>
-        </a:solidFill>
-        <a:effectLst/>
-      </p:bgPr>
-    </p:bg>
-    <p:spTree>
-      <p:nvGrpSpPr>
-        <p:cNvPr id="1" name=""/>
-        <p:cNvGrpSpPr/>
-        <p:nvPr/>
-      </p:nvGrpSpPr>
-      <p:grpSpPr>
-        <a:xfrm>
-          <a:off x="0" y="0"/>
-          <a:ext cx="0" cy="0"/>
-          <a:chOff x="0" y="0"/>
-          <a:chExt cx="0" cy="0"/>
-        </a:xfrm>
-      </p:grpSpPr>
-      <p:pic>
-        <p:nvPicPr>
-          <p:cNvPr id="4098" name="Picture 2" descr="Related image">
-            <a:extLst>
-              <a:ext uri="{FF2B5EF4-FFF2-40B4-BE49-F238E27FC236}">
-                <a16:creationId xmlns:a16="http://schemas.microsoft.com/office/drawing/2014/main" id="{6C6822A2-CD54-487F-AF3B-1BD9E513A2D2}"/>
-              </a:ext>
-            </a:extLst>
-          </p:cNvPr>
-          <p:cNvPicPr>
-            <a:picLocks noChangeAspect="1" noChangeArrowheads="1"/>
-          </p:cNvPicPr>
-          <p:nvPr/>
-        </p:nvPicPr>
-        <p:blipFill rotWithShape="1">
-          <a:blip r:embed="rId2">
-            <a:extLst>
-              <a:ext uri="{28A0092B-C50C-407E-A947-70E740481C1C}">
-                <a14:useLocalDpi xmlns:a14="http://schemas.microsoft.com/office/drawing/2010/main" val="0"/>
-              </a:ext>
-            </a:extLst>
-          </a:blip>
-          <a:srcRect t="2945" b="10182"/>
-          <a:stretch/>
-        </p:blipFill>
-        <p:spPr bwMode="auto">
-          <a:xfrm>
-            <a:off x="-1" y="10"/>
-            <a:ext cx="12192000" cy="6857990"/>
-          </a:xfrm>
-          <a:prstGeom prst="rect">
-            <a:avLst/>
-          </a:prstGeom>
-          <a:noFill/>
-          <a:extLst>
-            <a:ext uri="{909E8E84-426E-40DD-AFC4-6F175D3DCCD1}">
-              <a14:hiddenFill xmlns:a14="http://schemas.microsoft.com/office/drawing/2010/main">
-                <a:solidFill>
-                  <a:srgbClr val="FFFFFF"/>
-                </a:solidFill>
-              </a14:hiddenFill>
-            </a:ext>
-          </a:extLst>
-        </p:spPr>
-      </p:pic>
-      <p:sp>
-        <p:nvSpPr>
-          <p:cNvPr id="71" name="Freeform 5">
-            <a:extLst>
-              <a:ext uri="{FF2B5EF4-FFF2-40B4-BE49-F238E27FC236}">
-                <a16:creationId xmlns:a16="http://schemas.microsoft.com/office/drawing/2014/main" id="{3CD9DF72-87A3-404E-A828-84CBF11A8303}"/>
-              </a:ext>
-              <a:ext uri="{C183D7F6-B498-43B3-948B-1728B52AA6E4}">
-                <adec:decorative xmlns:adec="http://schemas.microsoft.com/office/drawing/2017/decorative" val="1"/>
-              </a:ext>
-            </a:extLst>
-          </p:cNvPr>
-          <p:cNvSpPr>
-            <a:spLocks noGrp="1" noRot="1" noChangeAspect="1" noMove="1" noResize="1" noEditPoints="1" noAdjustHandles="1" noChangeArrowheads="1" noChangeShapeType="1" noTextEdit="1"/>
-          </p:cNvSpPr>
-          <p:nvPr>
-            <p:extLst>
-              <p:ext uri="{386F3935-93C4-4BCD-93E2-E3B085C9AB24}">
-                <p16:designElem xmlns:p16="http://schemas.microsoft.com/office/powerpoint/2015/main" val="1"/>
-              </p:ext>
-            </p:extLst>
-          </p:nvPr>
-        </p:nvSpPr>
-        <p:spPr bwMode="grayWhite">
-          <a:xfrm flipH="1">
-            <a:off x="0" y="998175"/>
-            <a:ext cx="6017172" cy="5859825"/>
-          </a:xfrm>
-          <a:custGeom>
-            <a:avLst/>
-            <a:gdLst>
-              <a:gd name="T0" fmla="*/ 1333 w 1333"/>
-              <a:gd name="T1" fmla="*/ 1031 h 1298"/>
-              <a:gd name="T2" fmla="*/ 1333 w 1333"/>
-              <a:gd name="T3" fmla="*/ 380 h 1298"/>
-              <a:gd name="T4" fmla="*/ 706 w 1333"/>
-              <a:gd name="T5" fmla="*/ 0 h 1298"/>
-              <a:gd name="T6" fmla="*/ 0 w 1333"/>
-              <a:gd name="T7" fmla="*/ 706 h 1298"/>
-              <a:gd name="T8" fmla="*/ 323 w 1333"/>
-              <a:gd name="T9" fmla="*/ 1298 h 1298"/>
-              <a:gd name="T10" fmla="*/ 1090 w 1333"/>
-              <a:gd name="T11" fmla="*/ 1298 h 1298"/>
-              <a:gd name="T12" fmla="*/ 1333 w 1333"/>
-              <a:gd name="T13" fmla="*/ 1031 h 1298"/>
-            </a:gdLst>
-            <a:ahLst/>
-            <a:cxnLst>
-              <a:cxn ang="0">
-                <a:pos x="T0" y="T1"/>
-              </a:cxn>
-              <a:cxn ang="0">
-                <a:pos x="T2" y="T3"/>
-              </a:cxn>
-              <a:cxn ang="0">
-                <a:pos x="T4" y="T5"/>
-              </a:cxn>
-              <a:cxn ang="0">
-                <a:pos x="T6" y="T7"/>
-              </a:cxn>
-              <a:cxn ang="0">
-                <a:pos x="T8" y="T9"/>
-              </a:cxn>
-              <a:cxn ang="0">
-                <a:pos x="T10" y="T11"/>
-              </a:cxn>
-              <a:cxn ang="0">
-                <a:pos x="T12" y="T13"/>
-              </a:cxn>
-            </a:cxnLst>
-            <a:rect l="0" t="0" r="r" b="b"/>
-            <a:pathLst>
-              <a:path w="1333" h="1298">
-                <a:moveTo>
-                  <a:pt x="1333" y="1031"/>
-                </a:moveTo>
-                <a:cubicBezTo>
-                  <a:pt x="1333" y="380"/>
-                  <a:pt x="1333" y="380"/>
-                  <a:pt x="1333" y="380"/>
-                </a:cubicBezTo>
-                <a:cubicBezTo>
-                  <a:pt x="1215" y="154"/>
-                  <a:pt x="979" y="0"/>
-                  <a:pt x="706" y="0"/>
-                </a:cubicBezTo>
-                <a:cubicBezTo>
-                  <a:pt x="317" y="0"/>
-                  <a:pt x="0" y="316"/>
-                  <a:pt x="0" y="706"/>
-                </a:cubicBezTo>
-                <a:cubicBezTo>
-                  <a:pt x="0" y="954"/>
-                  <a:pt x="129" y="1172"/>
-                  <a:pt x="323" y="1298"/>
-                </a:cubicBezTo>
-                <a:cubicBezTo>
-                  <a:pt x="1090" y="1298"/>
-                  <a:pt x="1090" y="1298"/>
-                  <a:pt x="1090" y="1298"/>
-                </a:cubicBezTo>
-                <a:cubicBezTo>
-                  <a:pt x="1193" y="1232"/>
-                  <a:pt x="1276" y="1140"/>
-                  <a:pt x="1333" y="1031"/>
-                </a:cubicBezTo>
-                <a:close/>
-              </a:path>
-            </a:pathLst>
-          </a:custGeom>
-          <a:solidFill>
-            <a:schemeClr val="bg1">
-              <a:alpha val="75000"/>
-            </a:schemeClr>
-          </a:solidFill>
-          <a:ln w="50800" cap="sq" cmpd="dbl">
-            <a:noFill/>
-            <a:miter lim="800000"/>
-          </a:ln>
-          <a:effectLst/>
-        </p:spPr>
-        <p:txBody>
-          <a:bodyPr vert="horz" lIns="91440" tIns="45720" rIns="91440" bIns="45720" rtlCol="0" anchor="t">
-            <a:normAutofit/>
-          </a:bodyPr>
-          <a:lstStyle/>
-          <a:p>
-            <a:pPr algn="ctr">
-              <a:spcAft>
-                <a:spcPts val="1000"/>
-              </a:spcAft>
-              <a:buClr>
-                <a:schemeClr val="tx1"/>
-              </a:buClr>
-              <a:buSzPct val="100000"/>
-              <a:buFont typeface="Arial"/>
-              <a:buNone/>
-            </a:pPr>
-            <a:endParaRPr lang="en-US" sz="1600" cap="all"/>
-          </a:p>
-        </p:txBody>
-      </p:sp>
-      <p:sp>
-        <p:nvSpPr>
-          <p:cNvPr id="2" name="Title 1">
-            <a:extLst>
-              <a:ext uri="{FF2B5EF4-FFF2-40B4-BE49-F238E27FC236}">
-                <a16:creationId xmlns:a16="http://schemas.microsoft.com/office/drawing/2014/main" id="{D8B85E3E-4115-4846-9C1A-09A2B33654CA}"/>
-              </a:ext>
-            </a:extLst>
-          </p:cNvPr>
-          <p:cNvSpPr>
-            <a:spLocks noGrp="1"/>
-          </p:cNvSpPr>
-          <p:nvPr>
-            <p:ph type="title"/>
-          </p:nvPr>
-        </p:nvSpPr>
-        <p:spPr>
-          <a:xfrm>
-            <a:off x="709448" y="1913950"/>
-            <a:ext cx="4204137" cy="1342754"/>
-          </a:xfrm>
-        </p:spPr>
-        <p:txBody>
-          <a:bodyPr>
-            <a:normAutofit/>
-          </a:bodyPr>
-          <a:lstStyle/>
-          <a:p>
-            <a:pPr algn="ctr"/>
-            <a:r>
-              <a:rPr lang="en-US" sz="3600"/>
-              <a:t>Machine Learning</a:t>
-            </a:r>
-          </a:p>
-        </p:txBody>
-      </p:sp>
-      <p:cxnSp>
-        <p:nvCxnSpPr>
-          <p:cNvPr id="73" name="Straight Connector 72">
-            <a:extLst>
-              <a:ext uri="{FF2B5EF4-FFF2-40B4-BE49-F238E27FC236}">
-                <a16:creationId xmlns:a16="http://schemas.microsoft.com/office/drawing/2014/main" id="{20E3A342-4D61-4E3F-AF90-1AB42AEB96CC}"/>
-              </a:ext>
-              <a:ext uri="{C183D7F6-B498-43B3-948B-1728B52AA6E4}">
-                <adec:decorative xmlns:adec="http://schemas.microsoft.com/office/drawing/2017/decorative" val="1"/>
-              </a:ext>
-            </a:extLst>
-          </p:cNvPr>
-          <p:cNvCxnSpPr>
-            <a:cxnSpLocks noGrp="1" noRot="1" noChangeAspect="1" noMove="1" noResize="1" noEditPoints="1" noAdjustHandles="1" noChangeArrowheads="1" noChangeShapeType="1"/>
-          </p:cNvCxnSpPr>
-          <p:nvPr>
-            <p:extLst>
-              <p:ext uri="{386F3935-93C4-4BCD-93E2-E3B085C9AB24}">
-                <p16:designElem xmlns:p16="http://schemas.microsoft.com/office/powerpoint/2015/main" val="1"/>
-              </p:ext>
-            </p:extLst>
-          </p:nvPr>
-        </p:nvCxnSpPr>
-        <p:spPr>
-          <a:xfrm>
-            <a:off x="2287051" y="3337139"/>
-            <a:ext cx="935420" cy="0"/>
-          </a:xfrm>
-          <a:prstGeom prst="line">
-            <a:avLst/>
-          </a:prstGeom>
-          <a:ln w="25400" cap="sq">
-            <a:solidFill>
-              <a:schemeClr val="tx1">
-                <a:lumMod val="85000"/>
-                <a:lumOff val="15000"/>
-              </a:schemeClr>
-            </a:solidFill>
-            <a:bevel/>
-          </a:ln>
-        </p:spPr>
-        <p:style>
-          <a:lnRef idx="1">
-            <a:schemeClr val="accent1"/>
-          </a:lnRef>
-          <a:fillRef idx="0">
-            <a:schemeClr val="accent1"/>
-          </a:fillRef>
-          <a:effectRef idx="0">
-            <a:schemeClr val="accent1"/>
-          </a:effectRef>
-          <a:fontRef idx="minor">
-            <a:schemeClr val="tx1"/>
-          </a:fontRef>
-        </p:style>
-      </p:cxnSp>
-      <p:sp>
-        <p:nvSpPr>
-          <p:cNvPr id="3" name="Content Placeholder 2">
-            <a:extLst>
-              <a:ext uri="{FF2B5EF4-FFF2-40B4-BE49-F238E27FC236}">
-                <a16:creationId xmlns:a16="http://schemas.microsoft.com/office/drawing/2014/main" id="{00BCE7B7-D47F-47E2-841F-53E8701F9FEF}"/>
-              </a:ext>
-            </a:extLst>
-          </p:cNvPr>
-          <p:cNvSpPr>
-            <a:spLocks noGrp="1"/>
-          </p:cNvSpPr>
-          <p:nvPr>
-            <p:ph idx="1"/>
-          </p:nvPr>
-        </p:nvSpPr>
-        <p:spPr>
-          <a:xfrm>
-            <a:off x="525516" y="3417573"/>
-            <a:ext cx="4593021" cy="2619839"/>
-          </a:xfrm>
-        </p:spPr>
-        <p:txBody>
-          <a:bodyPr anchor="ctr">
-            <a:normAutofit/>
-          </a:bodyPr>
-          <a:lstStyle/>
-          <a:p>
-            <a:pPr marL="0" indent="0">
-              <a:buNone/>
-            </a:pPr>
-            <a:r>
-              <a:rPr lang="en-US" sz="1800"/>
-              <a:t>Xyz</a:t>
-            </a:r>
-          </a:p>
-          <a:p>
-            <a:pPr marL="0" indent="0">
-              <a:buNone/>
-            </a:pPr>
-            <a:r>
-              <a:rPr lang="en-US" sz="1800"/>
-              <a:t>Xyz</a:t>
-            </a:r>
-          </a:p>
-          <a:p>
-            <a:pPr marL="0" indent="0">
-              <a:buNone/>
-            </a:pPr>
-            <a:endParaRPr lang="en-US" sz="1800"/>
-          </a:p>
-        </p:txBody>
-      </p:sp>
-    </p:spTree>
-    <p:extLst>
-      <p:ext uri="{BB962C8B-B14F-4D97-AF65-F5344CB8AC3E}">
-        <p14:creationId xmlns:p14="http://schemas.microsoft.com/office/powerpoint/2010/main" val="3244671132"/>
-      </p:ext>
-    </p:extLst>
-  </p:cSld>
-  <p:clrMapOvr>
-    <a:masterClrMapping/>
-  </p:clrMapOvr>
-</p:sld>
-</file>
-
-<file path=ppt/slides/slide8.xml><?xml version="1.0" encoding="utf-8"?>
-<p:sld xmlns:a="http://schemas.openxmlformats.org/drawingml/2006/main" xmlns:r="http://schemas.openxmlformats.org/officeDocument/2006/relationships" xmlns:p="http://schemas.openxmlformats.org/presentationml/2006/main">
-  <p:cSld>
-    <p:bg>
-      <p:bgPr>
-        <a:solidFill>
-          <a:schemeClr val="bg1"/>
-        </a:solidFill>
-        <a:effectLst/>
-      </p:bgPr>
-    </p:bg>
     <p:spTree>
       <p:nvGrpSpPr>
         <p:cNvPr id="1" name=""/>
@@ -15000,141 +11253,10 @@
       </p:grpSpPr>
       <p:sp>
         <p:nvSpPr>
-          <p:cNvPr id="15" name="Rectangle 9">
-            <a:extLst>
-              <a:ext uri="{FF2B5EF4-FFF2-40B4-BE49-F238E27FC236}">
-                <a16:creationId xmlns:a16="http://schemas.microsoft.com/office/drawing/2014/main" id="{AFA67CD3-AB4E-4A7A-BEB8-53C445D8C44E}"/>
-              </a:ext>
-              <a:ext uri="{C183D7F6-B498-43B3-948B-1728B52AA6E4}">
-                <adec:decorative xmlns:adec="http://schemas.microsoft.com/office/drawing/2017/decorative" val="1"/>
-              </a:ext>
-            </a:extLst>
-          </p:cNvPr>
-          <p:cNvSpPr>
-            <a:spLocks noGrp="1" noRot="1" noChangeAspect="1" noMove="1" noResize="1" noEditPoints="1" noAdjustHandles="1" noChangeArrowheads="1" noChangeShapeType="1" noTextEdit="1"/>
-          </p:cNvSpPr>
-          <p:nvPr>
-            <p:extLst>
-              <p:ext uri="{386F3935-93C4-4BCD-93E2-E3B085C9AB24}">
-                <p16:designElem xmlns:p16="http://schemas.microsoft.com/office/powerpoint/2015/main" val="1"/>
-              </p:ext>
-            </p:extLst>
-          </p:nvPr>
-        </p:nvSpPr>
-        <p:spPr>
-          <a:xfrm>
-            <a:off x="1" y="3726"/>
-            <a:ext cx="5614875" cy="6858000"/>
-          </a:xfrm>
-          <a:prstGeom prst="rect">
-            <a:avLst/>
-          </a:prstGeom>
-          <a:gradFill>
-            <a:gsLst>
-              <a:gs pos="0">
-                <a:schemeClr val="accent1">
-                  <a:lumMod val="100000"/>
-                  <a:alpha val="82000"/>
-                </a:schemeClr>
-              </a:gs>
-              <a:gs pos="25000">
-                <a:schemeClr val="accent1">
-                  <a:alpha val="60000"/>
-                </a:schemeClr>
-              </a:gs>
-              <a:gs pos="94000">
-                <a:schemeClr val="bg2">
-                  <a:lumMod val="75000"/>
-                </a:schemeClr>
-              </a:gs>
-              <a:gs pos="100000">
-                <a:schemeClr val="bg2">
-                  <a:lumMod val="75000"/>
-                </a:schemeClr>
-              </a:gs>
-            </a:gsLst>
-            <a:lin ang="4200000" scaled="0"/>
-          </a:gradFill>
-          <a:ln>
-            <a:noFill/>
-          </a:ln>
-        </p:spPr>
-        <p:style>
-          <a:lnRef idx="2">
-            <a:schemeClr val="accent1">
-              <a:shade val="50000"/>
-            </a:schemeClr>
-          </a:lnRef>
-          <a:fillRef idx="1">
-            <a:schemeClr val="accent1"/>
-          </a:fillRef>
-          <a:effectRef idx="0">
-            <a:schemeClr val="accent1"/>
-          </a:effectRef>
-          <a:fontRef idx="minor">
-            <a:schemeClr val="lt1"/>
-          </a:fontRef>
-        </p:style>
-        <p:txBody>
-          <a:bodyPr rtlCol="0" anchor="ctr"/>
-          <a:lstStyle/>
-          <a:p>
-            <a:pPr algn="ctr"/>
-            <a:endParaRPr lang="en-US"/>
-          </a:p>
-        </p:txBody>
-      </p:sp>
-      <p:pic>
-        <p:nvPicPr>
-          <p:cNvPr id="16" name="Picture 11">
-            <a:extLst>
-              <a:ext uri="{FF2B5EF4-FFF2-40B4-BE49-F238E27FC236}">
-                <a16:creationId xmlns:a16="http://schemas.microsoft.com/office/drawing/2014/main" id="{07CF545F-9C2E-4446-97CD-AD92990C2B68}"/>
-              </a:ext>
-              <a:ext uri="{C183D7F6-B498-43B3-948B-1728B52AA6E4}">
-                <adec:decorative xmlns:adec="http://schemas.microsoft.com/office/drawing/2017/decorative" val="1"/>
-              </a:ext>
-            </a:extLst>
-          </p:cNvPr>
-          <p:cNvPicPr>
-            <a:picLocks noGrp="1" noRot="1" noChangeAspect="1" noMove="1" noResize="1" noEditPoints="1" noAdjustHandles="1" noChangeArrowheads="1" noChangeShapeType="1" noCrop="1"/>
-          </p:cNvPicPr>
-          <p:nvPr>
-            <p:extLst>
-              <p:ext uri="{386F3935-93C4-4BCD-93E2-E3B085C9AB24}">
-                <p16:designElem xmlns:p16="http://schemas.microsoft.com/office/powerpoint/2015/main" val="1"/>
-              </p:ext>
-            </p:extLst>
-          </p:nvPr>
-        </p:nvPicPr>
-        <p:blipFill>
-          <a:blip r:embed="rId2">
-            <a:extLst>
-              <a:ext uri="{28A0092B-C50C-407E-A947-70E740481C1C}">
-                <a14:useLocalDpi xmlns:a14="http://schemas.microsoft.com/office/drawing/2010/main" val="0"/>
-              </a:ext>
-            </a:extLst>
-          </a:blip>
-          <a:stretch>
-            <a:fillRect/>
-          </a:stretch>
-        </p:blipFill>
-        <p:spPr>
-          <a:xfrm>
-            <a:off x="0" y="0"/>
-            <a:ext cx="12192000" cy="6858000"/>
-          </a:xfrm>
-          <a:prstGeom prst="rect">
-            <a:avLst/>
-          </a:prstGeom>
-        </p:spPr>
-      </p:pic>
-      <p:sp>
-        <p:nvSpPr>
           <p:cNvPr id="2" name="Title 1">
             <a:extLst>
               <a:ext uri="{FF2B5EF4-FFF2-40B4-BE49-F238E27FC236}">
-                <a16:creationId xmlns:a16="http://schemas.microsoft.com/office/drawing/2014/main" id="{D498A4A7-1F84-4435-980E-08C1BCEBA263}"/>
+                <a16:creationId xmlns:a16="http://schemas.microsoft.com/office/drawing/2014/main" id="{E40E03D2-F36A-5E4E-BFFE-D93875D4205D}"/>
               </a:ext>
             </a:extLst>
           </p:cNvPr>
@@ -15145,248 +11267,24 @@
             <p:ph type="title"/>
           </p:nvPr>
         </p:nvSpPr>
-        <p:spPr>
-          <a:xfrm>
-            <a:off x="6094105" y="802955"/>
-            <a:ext cx="4977976" cy="1454051"/>
-          </a:xfrm>
-        </p:spPr>
+        <p:spPr/>
         <p:txBody>
-          <a:bodyPr>
-            <a:normAutofit/>
-          </a:bodyPr>
+          <a:bodyPr/>
           <a:lstStyle/>
           <a:p>
             <a:r>
-              <a:rPr lang="en-US">
-                <a:solidFill>
-                  <a:srgbClr val="000000"/>
-                </a:solidFill>
-              </a:rPr>
-              <a:t>Demo</a:t>
+              <a:rPr lang="en-US" dirty="0"/>
+              <a:t>Methods and applications</a:t>
             </a:r>
           </a:p>
         </p:txBody>
       </p:sp>
       <p:sp>
         <p:nvSpPr>
-          <p:cNvPr id="14" name="Freeform 62">
+          <p:cNvPr id="3" name="Content Placeholder 2">
             <a:extLst>
               <a:ext uri="{FF2B5EF4-FFF2-40B4-BE49-F238E27FC236}">
-                <a16:creationId xmlns:a16="http://schemas.microsoft.com/office/drawing/2014/main" id="{339C8D78-A644-462F-B674-F440635E5353}"/>
-              </a:ext>
-              <a:ext uri="{C183D7F6-B498-43B3-948B-1728B52AA6E4}">
-                <adec:decorative xmlns:adec="http://schemas.microsoft.com/office/drawing/2017/decorative" val="1"/>
-              </a:ext>
-            </a:extLst>
-          </p:cNvPr>
-          <p:cNvSpPr>
-            <a:spLocks noGrp="1" noRot="1" noChangeAspect="1" noMove="1" noResize="1" noEditPoints="1" noAdjustHandles="1" noChangeArrowheads="1" noChangeShapeType="1" noTextEdit="1"/>
-          </p:cNvSpPr>
-          <p:nvPr>
-            <p:extLst>
-              <p:ext uri="{386F3935-93C4-4BCD-93E2-E3B085C9AB24}">
-                <p16:designElem xmlns:p16="http://schemas.microsoft.com/office/powerpoint/2015/main" val="1"/>
-              </p:ext>
-            </p:extLst>
-          </p:nvPr>
-        </p:nvSpPr>
-        <p:spPr>
-          <a:xfrm>
-            <a:off x="0" y="738619"/>
-            <a:ext cx="5000438" cy="5400962"/>
-          </a:xfrm>
-          <a:custGeom>
-            <a:avLst/>
-            <a:gdLst>
-              <a:gd name="connsiteX0" fmla="*/ 2299956 w 5000438"/>
-              <a:gd name="connsiteY0" fmla="*/ 0 h 5400962"/>
-              <a:gd name="connsiteX1" fmla="*/ 5000438 w 5000438"/>
-              <a:gd name="connsiteY1" fmla="*/ 2700481 h 5400962"/>
-              <a:gd name="connsiteX2" fmla="*/ 2299956 w 5000438"/>
-              <a:gd name="connsiteY2" fmla="*/ 5400962 h 5400962"/>
-              <a:gd name="connsiteX3" fmla="*/ 60675 w 5000438"/>
-              <a:gd name="connsiteY3" fmla="*/ 4210346 h 5400962"/>
-              <a:gd name="connsiteX4" fmla="*/ 0 w 5000438"/>
-              <a:gd name="connsiteY4" fmla="*/ 4110472 h 5400962"/>
-              <a:gd name="connsiteX5" fmla="*/ 0 w 5000438"/>
-              <a:gd name="connsiteY5" fmla="*/ 1290491 h 5400962"/>
-              <a:gd name="connsiteX6" fmla="*/ 60675 w 5000438"/>
-              <a:gd name="connsiteY6" fmla="*/ 1190617 h 5400962"/>
-              <a:gd name="connsiteX7" fmla="*/ 2299956 w 5000438"/>
-              <a:gd name="connsiteY7" fmla="*/ 0 h 5400962"/>
-            </a:gdLst>
-            <a:ahLst/>
-            <a:cxnLst>
-              <a:cxn ang="0">
-                <a:pos x="connsiteX0" y="connsiteY0"/>
-              </a:cxn>
-              <a:cxn ang="0">
-                <a:pos x="connsiteX1" y="connsiteY1"/>
-              </a:cxn>
-              <a:cxn ang="0">
-                <a:pos x="connsiteX2" y="connsiteY2"/>
-              </a:cxn>
-              <a:cxn ang="0">
-                <a:pos x="connsiteX3" y="connsiteY3"/>
-              </a:cxn>
-              <a:cxn ang="0">
-                <a:pos x="connsiteX4" y="connsiteY4"/>
-              </a:cxn>
-              <a:cxn ang="0">
-                <a:pos x="connsiteX5" y="connsiteY5"/>
-              </a:cxn>
-              <a:cxn ang="0">
-                <a:pos x="connsiteX6" y="connsiteY6"/>
-              </a:cxn>
-              <a:cxn ang="0">
-                <a:pos x="connsiteX7" y="connsiteY7"/>
-              </a:cxn>
-            </a:cxnLst>
-            <a:rect l="l" t="t" r="r" b="b"/>
-            <a:pathLst>
-              <a:path w="5000438" h="5400962">
-                <a:moveTo>
-                  <a:pt x="2299956" y="0"/>
-                </a:moveTo>
-                <a:cubicBezTo>
-                  <a:pt x="3791390" y="0"/>
-                  <a:pt x="5000438" y="1209047"/>
-                  <a:pt x="5000438" y="2700481"/>
-                </a:cubicBezTo>
-                <a:cubicBezTo>
-                  <a:pt x="5000438" y="4191915"/>
-                  <a:pt x="3791390" y="5400962"/>
-                  <a:pt x="2299956" y="5400962"/>
-                </a:cubicBezTo>
-                <a:cubicBezTo>
-                  <a:pt x="1367810" y="5400962"/>
-                  <a:pt x="545971" y="4928678"/>
-                  <a:pt x="60675" y="4210346"/>
-                </a:cubicBezTo>
-                <a:lnTo>
-                  <a:pt x="0" y="4110472"/>
-                </a:lnTo>
-                <a:lnTo>
-                  <a:pt x="0" y="1290491"/>
-                </a:lnTo>
-                <a:lnTo>
-                  <a:pt x="60675" y="1190617"/>
-                </a:lnTo>
-                <a:cubicBezTo>
-                  <a:pt x="545971" y="472284"/>
-                  <a:pt x="1367810" y="0"/>
-                  <a:pt x="2299956" y="0"/>
-                </a:cubicBezTo>
-                <a:close/>
-              </a:path>
-            </a:pathLst>
-          </a:custGeom>
-          <a:solidFill>
-            <a:srgbClr val="FFFFFF"/>
-          </a:solidFill>
-          <a:ln>
-            <a:gradFill>
-              <a:gsLst>
-                <a:gs pos="0">
-                  <a:schemeClr val="accent1">
-                    <a:lumMod val="40000"/>
-                    <a:lumOff val="60000"/>
-                  </a:schemeClr>
-                </a:gs>
-                <a:gs pos="23000">
-                  <a:schemeClr val="accent1">
-                    <a:lumMod val="45000"/>
-                    <a:lumOff val="55000"/>
-                  </a:schemeClr>
-                </a:gs>
-                <a:gs pos="83000">
-                  <a:schemeClr val="bg2">
-                    <a:lumMod val="85000"/>
-                  </a:schemeClr>
-                </a:gs>
-                <a:gs pos="100000">
-                  <a:schemeClr val="bg2">
-                    <a:lumMod val="85000"/>
-                  </a:schemeClr>
-                </a:gs>
-              </a:gsLst>
-              <a:lin ang="5400000" scaled="1"/>
-            </a:gradFill>
-          </a:ln>
-        </p:spPr>
-        <p:style>
-          <a:lnRef idx="2">
-            <a:schemeClr val="accent1">
-              <a:shade val="50000"/>
-            </a:schemeClr>
-          </a:lnRef>
-          <a:fillRef idx="1">
-            <a:schemeClr val="accent1"/>
-          </a:fillRef>
-          <a:effectRef idx="0">
-            <a:schemeClr val="accent1"/>
-          </a:effectRef>
-          <a:fontRef idx="minor">
-            <a:schemeClr val="lt1"/>
-          </a:fontRef>
-        </p:style>
-        <p:txBody>
-          <a:bodyPr wrap="square" rtlCol="0" anchor="ctr">
-            <a:noAutofit/>
-          </a:bodyPr>
-          <a:lstStyle/>
-          <a:p>
-            <a:pPr algn="ctr"/>
-            <a:endParaRPr lang="en-US"/>
-          </a:p>
-        </p:txBody>
-      </p:sp>
-      <p:pic>
-        <p:nvPicPr>
-          <p:cNvPr id="7" name="Graphic 6" descr="Telemarketer">
-            <a:extLst>
-              <a:ext uri="{FF2B5EF4-FFF2-40B4-BE49-F238E27FC236}">
-                <a16:creationId xmlns:a16="http://schemas.microsoft.com/office/drawing/2014/main" id="{F4EA1BEE-79F0-4161-9205-BBF4CEBF86BB}"/>
-              </a:ext>
-            </a:extLst>
-          </p:cNvPr>
-          <p:cNvPicPr>
-            <a:picLocks noChangeAspect="1"/>
-          </p:cNvPicPr>
-          <p:nvPr/>
-        </p:nvPicPr>
-        <p:blipFill>
-          <a:blip r:embed="rId3">
-            <a:extLst>
-              <a:ext uri="{28A0092B-C50C-407E-A947-70E740481C1C}">
-                <a14:useLocalDpi xmlns:a14="http://schemas.microsoft.com/office/drawing/2010/main" val="0"/>
-              </a:ext>
-              <a:ext uri="{96DAC541-7B7A-43D3-8B79-37D633B846F1}">
-                <asvg:svgBlip xmlns:asvg="http://schemas.microsoft.com/office/drawing/2016/SVG/main" r:embed="rId4"/>
-              </a:ext>
-            </a:extLst>
-          </a:blip>
-          <a:stretch>
-            <a:fillRect/>
-          </a:stretch>
-        </p:blipFill>
-        <p:spPr>
-          <a:xfrm>
-            <a:off x="450254" y="1629089"/>
-            <a:ext cx="3620021" cy="3620021"/>
-          </a:xfrm>
-          <a:prstGeom prst="rect">
-            <a:avLst/>
-          </a:prstGeom>
-        </p:spPr>
-      </p:pic>
-      <p:sp>
-        <p:nvSpPr>
-          <p:cNvPr id="17" name="Content Placeholder 2">
-            <a:extLst>
-              <a:ext uri="{FF2B5EF4-FFF2-40B4-BE49-F238E27FC236}">
-                <a16:creationId xmlns:a16="http://schemas.microsoft.com/office/drawing/2014/main" id="{BC921CA8-FF74-4254-AA28-E7F3A7709DFC}"/>
+                <a16:creationId xmlns:a16="http://schemas.microsoft.com/office/drawing/2014/main" id="{1AEAEC9C-7E7B-A146-A118-CA6749F163B7}"/>
               </a:ext>
             </a:extLst>
           </p:cNvPr>
@@ -15397,50 +11295,58 @@
             <p:ph idx="1"/>
           </p:nvPr>
         </p:nvSpPr>
-        <p:spPr>
-          <a:xfrm>
-            <a:off x="6090574" y="2421682"/>
-            <a:ext cx="4977578" cy="3639289"/>
-          </a:xfrm>
-        </p:spPr>
+        <p:spPr/>
         <p:txBody>
-          <a:bodyPr anchor="ctr">
-            <a:normAutofit/>
-          </a:bodyPr>
+          <a:bodyPr/>
           <a:lstStyle/>
           <a:p>
             <a:r>
-              <a:rPr lang="en-US" sz="2000">
-                <a:solidFill>
-                  <a:srgbClr val="000000"/>
-                </a:solidFill>
-              </a:rPr>
-              <a:t>Xyz</a:t>
+              <a:rPr lang="en-US" dirty="0"/>
+              <a:t>Tableau</a:t>
             </a:r>
           </a:p>
           <a:p>
             <a:r>
-              <a:rPr lang="en-US" sz="2000">
-                <a:solidFill>
-                  <a:srgbClr val="000000"/>
-                </a:solidFill>
-              </a:rPr>
-              <a:t>Xyz</a:t>
+              <a:rPr lang="en-US" dirty="0"/>
+              <a:t>Python</a:t>
             </a:r>
           </a:p>
           <a:p>
-            <a:endParaRPr lang="en-US" sz="2000">
-              <a:solidFill>
-                <a:srgbClr val="000000"/>
-              </a:solidFill>
-            </a:endParaRPr>
+            <a:r>
+              <a:rPr lang="en-US" dirty="0"/>
+              <a:t>Keras Model</a:t>
+            </a:r>
+          </a:p>
+          <a:p>
+            <a:r>
+              <a:rPr lang="en-US" dirty="0"/>
+              <a:t>SK Learn</a:t>
+            </a:r>
+          </a:p>
+          <a:p>
+            <a:r>
+              <a:rPr lang="en-US" dirty="0"/>
+              <a:t>NumPy</a:t>
+            </a:r>
+          </a:p>
+          <a:p>
+            <a:r>
+              <a:rPr lang="en-US" dirty="0"/>
+              <a:t>Jupyter Notebook</a:t>
+            </a:r>
+          </a:p>
+          <a:p>
+            <a:endParaRPr lang="en-US" dirty="0"/>
+          </a:p>
+          <a:p>
+            <a:endParaRPr lang="en-US" dirty="0"/>
           </a:p>
         </p:txBody>
       </p:sp>
     </p:spTree>
     <p:extLst>
       <p:ext uri="{BB962C8B-B14F-4D97-AF65-F5344CB8AC3E}">
-        <p14:creationId xmlns:p14="http://schemas.microsoft.com/office/powerpoint/2010/main" val="1301969403"/>
+        <p14:creationId xmlns:p14="http://schemas.microsoft.com/office/powerpoint/2010/main" val="4134763664"/>
       </p:ext>
     </p:extLst>
   </p:cSld>
@@ -15450,7 +11356,7 @@
 </p:sld>
 </file>
 
-<file path=ppt/slides/slide9.xml><?xml version="1.0" encoding="utf-8"?>
+<file path=ppt/slides/slide7.xml><?xml version="1.0" encoding="utf-8"?>
 <p:sld xmlns:a="http://schemas.openxmlformats.org/drawingml/2006/main" xmlns:r="http://schemas.openxmlformats.org/officeDocument/2006/relationships" xmlns:p="http://schemas.openxmlformats.org/presentationml/2006/main">
   <p:cSld>
     <p:bg>
@@ -15664,18 +11570,54 @@
           <a:lstStyle/>
           <a:p>
             <a:r>
-              <a:rPr lang="en-US" sz="2400"/>
-              <a:t>Xyz</a:t>
+              <a:rPr lang="en-US" sz="2400" dirty="0"/>
+              <a:t>Time was a constraint to elaborate the Face Recognition application</a:t>
             </a:r>
           </a:p>
           <a:p>
+            <a:pPr lvl="1"/>
             <a:r>
-              <a:rPr lang="en-US" sz="2400"/>
-              <a:t>Xyz</a:t>
+              <a:rPr lang="en-US" sz="2000" dirty="0"/>
+              <a:t>Application to load faces</a:t>
             </a:r>
           </a:p>
           <a:p>
-            <a:endParaRPr lang="en-US" sz="2400"/>
+            <a:pPr lvl="1"/>
+            <a:r>
+              <a:rPr lang="en-US" sz="2000" dirty="0"/>
+              <a:t>Connect the Tableau and Face Recognition</a:t>
+            </a:r>
+          </a:p>
+          <a:p>
+            <a:r>
+              <a:rPr lang="en-US" sz="2400" dirty="0"/>
+              <a:t>Survey data is as of 2017</a:t>
+            </a:r>
+          </a:p>
+          <a:p>
+            <a:pPr lvl="1"/>
+            <a:r>
+              <a:rPr lang="en-US" sz="2000" dirty="0"/>
+              <a:t>Conducted by Kaggle for 16K respondents</a:t>
+            </a:r>
+          </a:p>
+          <a:p>
+            <a:r>
+              <a:rPr lang="en-US" sz="2400" dirty="0"/>
+              <a:t>Landing on a topic to leverage Data Science Learning</a:t>
+            </a:r>
+          </a:p>
+          <a:p>
+            <a:endParaRPr lang="en-US" sz="2400" dirty="0"/>
+          </a:p>
+          <a:p>
+            <a:pPr marL="457200" lvl="1" indent="0">
+              <a:buNone/>
+            </a:pPr>
+            <a:endParaRPr lang="en-US" sz="2000" dirty="0"/>
+          </a:p>
+          <a:p>
+            <a:endParaRPr lang="en-US" sz="2400" dirty="0"/>
           </a:p>
         </p:txBody>
       </p:sp>
